--- a/presentations/tokens-smokens-v2.pptx
+++ b/presentations/tokens-smokens-v2.pptx
@@ -5,24 +5,25 @@
     <p:sldMasterId id="2147483660" r:id="rId4"/>
   </p:sldMasterIdLst>
   <p:notesMasterIdLst>
-    <p:notesMasterId r:id="rId20"/>
+    <p:notesMasterId r:id="rId21"/>
   </p:notesMasterIdLst>
   <p:sldIdLst>
     <p:sldId id="256" r:id="rId5"/>
     <p:sldId id="257" r:id="rId6"/>
-    <p:sldId id="259" r:id="rId7"/>
-    <p:sldId id="258" r:id="rId8"/>
-    <p:sldId id="260" r:id="rId9"/>
-    <p:sldId id="261" r:id="rId10"/>
-    <p:sldId id="262" r:id="rId11"/>
-    <p:sldId id="263" r:id="rId12"/>
-    <p:sldId id="264" r:id="rId13"/>
-    <p:sldId id="265" r:id="rId14"/>
-    <p:sldId id="266" r:id="rId15"/>
-    <p:sldId id="267" r:id="rId16"/>
-    <p:sldId id="268" r:id="rId17"/>
-    <p:sldId id="269" r:id="rId18"/>
-    <p:sldId id="270" r:id="rId19"/>
+    <p:sldId id="271" r:id="rId7"/>
+    <p:sldId id="259" r:id="rId8"/>
+    <p:sldId id="258" r:id="rId9"/>
+    <p:sldId id="260" r:id="rId10"/>
+    <p:sldId id="261" r:id="rId11"/>
+    <p:sldId id="262" r:id="rId12"/>
+    <p:sldId id="263" r:id="rId13"/>
+    <p:sldId id="264" r:id="rId14"/>
+    <p:sldId id="265" r:id="rId15"/>
+    <p:sldId id="266" r:id="rId16"/>
+    <p:sldId id="267" r:id="rId17"/>
+    <p:sldId id="268" r:id="rId18"/>
+    <p:sldId id="269" r:id="rId19"/>
+    <p:sldId id="270" r:id="rId20"/>
   </p:sldIdLst>
   <p:sldSz cx="12192000" cy="6858000"/>
   <p:notesSz cx="6858000" cy="9144000"/>
@@ -127,14 +128,6 @@
     </p:ext>
   </p:extLst>
 </p:presentation>
-</file>
-
-<file path=ppt/revisionInfo.xml><?xml version="1.0" encoding="utf-8"?>
-<p1510:revInfo xmlns:a="http://schemas.openxmlformats.org/drawingml/2006/main" xmlns:r="http://schemas.openxmlformats.org/officeDocument/2006/relationships" xmlns:p1510="http://schemas.microsoft.com/office/powerpoint/2015/10/main">
-  <p1510:revLst>
-    <p1510:client id="{ECADCAB3-F910-F44C-82FC-0E044913D944}" v="4" dt="2019-03-28T21:33:48.571"/>
-  </p1510:revLst>
-</p1510:revInfo>
 </file>
 
 <file path=ppt/diagrams/colors1.xml><?xml version="1.0" encoding="utf-8"?>
@@ -29979,7 +29972,7 @@
           <a:p>
             <a:fld id="{64E28DC9-650D-5541-A841-1AE6C0F89BAF}" type="datetimeFigureOut">
               <a:rPr lang="en-US" smtClean="0"/>
-              <a:t>3/28/19</a:t>
+              <a:t>6/4/19</a:t>
             </a:fld>
             <a:endParaRPr lang="en-US"/>
           </a:p>
@@ -30375,7 +30368,7 @@
           <a:p>
             <a:fld id="{3E0C8AF3-E0E4-F24A-9B2B-11478045E066}" type="datetime1">
               <a:rPr lang="en-US" smtClean="0"/>
-              <a:t>3/28/19</a:t>
+              <a:t>6/4/19</a:t>
             </a:fld>
             <a:endParaRPr lang="en-US"/>
           </a:p>
@@ -30546,7 +30539,7 @@
           <a:p>
             <a:fld id="{C86C7E22-ED8D-8549-88B9-A67BC37FCC71}" type="datetime1">
               <a:rPr lang="en-US" smtClean="0"/>
-              <a:t>3/28/19</a:t>
+              <a:t>6/4/19</a:t>
             </a:fld>
             <a:endParaRPr lang="en-US"/>
           </a:p>
@@ -30727,7 +30720,7 @@
           <a:p>
             <a:fld id="{5756A366-3768-4B41-83FA-E78CB35F3AE0}" type="datetime1">
               <a:rPr lang="en-US" smtClean="0"/>
-              <a:t>3/28/19</a:t>
+              <a:t>6/4/19</a:t>
             </a:fld>
             <a:endParaRPr lang="en-US"/>
           </a:p>
@@ -30898,7 +30891,7 @@
           <a:p>
             <a:fld id="{60633257-D36E-7C4D-B658-9EF4FA26E967}" type="datetime1">
               <a:rPr lang="en-US" smtClean="0"/>
-              <a:t>3/28/19</a:t>
+              <a:t>6/4/19</a:t>
             </a:fld>
             <a:endParaRPr lang="en-US"/>
           </a:p>
@@ -31143,7 +31136,7 @@
           <a:p>
             <a:fld id="{192BF41D-CA01-FC47-95CA-678EE8FA6543}" type="datetime1">
               <a:rPr lang="en-US" smtClean="0"/>
-              <a:t>3/28/19</a:t>
+              <a:t>6/4/19</a:t>
             </a:fld>
             <a:endParaRPr lang="en-US"/>
           </a:p>
@@ -31375,7 +31368,7 @@
           <a:p>
             <a:fld id="{C8F81806-A7F0-7745-9B23-B8504B6B8A5B}" type="datetime1">
               <a:rPr lang="en-US" smtClean="0"/>
-              <a:t>3/28/19</a:t>
+              <a:t>6/4/19</a:t>
             </a:fld>
             <a:endParaRPr lang="en-US"/>
           </a:p>
@@ -31742,7 +31735,7 @@
           <a:p>
             <a:fld id="{EC167A28-01EA-4C4F-A195-7C28BF1D99FB}" type="datetime1">
               <a:rPr lang="en-US" smtClean="0"/>
-              <a:t>3/28/19</a:t>
+              <a:t>6/4/19</a:t>
             </a:fld>
             <a:endParaRPr lang="en-US"/>
           </a:p>
@@ -31862,7 +31855,7 @@
           <a:p>
             <a:fld id="{CF0D7199-A245-FF42-96B8-7BE5B0C9D658}" type="datetime1">
               <a:rPr lang="en-US" smtClean="0"/>
-              <a:t>3/28/19</a:t>
+              <a:t>6/4/19</a:t>
             </a:fld>
             <a:endParaRPr lang="en-US"/>
           </a:p>
@@ -31960,7 +31953,7 @@
           <a:p>
             <a:fld id="{6D36E7D6-A492-1742-8A5C-B1457E21225E}" type="datetime1">
               <a:rPr lang="en-US" smtClean="0"/>
-              <a:t>3/28/19</a:t>
+              <a:t>6/4/19</a:t>
             </a:fld>
             <a:endParaRPr lang="en-US"/>
           </a:p>
@@ -32238,7 +32231,7 @@
           <a:p>
             <a:fld id="{AD54B2A4-0C0B-1242-BBE3-FE59BC0175AD}" type="datetime1">
               <a:rPr lang="en-US" smtClean="0"/>
-              <a:t>3/28/19</a:t>
+              <a:t>6/4/19</a:t>
             </a:fld>
             <a:endParaRPr lang="en-US"/>
           </a:p>
@@ -32496,7 +32489,7 @@
           <a:p>
             <a:fld id="{BB7A5CE5-A27F-C544-B24E-B65322B3179A}" type="datetime1">
               <a:rPr lang="en-US" smtClean="0"/>
-              <a:t>3/28/19</a:t>
+              <a:t>6/4/19</a:t>
             </a:fld>
             <a:endParaRPr lang="en-US"/>
           </a:p>
@@ -32710,7 +32703,7 @@
           <a:p>
             <a:fld id="{5A88B419-CF4C-3C43-AC53-FE4750A79E05}" type="datetime1">
               <a:rPr lang="en-US" smtClean="0"/>
-              <a:t>3/28/19</a:t>
+              <a:t>6/4/19</a:t>
             </a:fld>
             <a:endParaRPr lang="en-US"/>
           </a:p>
@@ -35265,6 +35258,331 @@
       </p:grpSpPr>
       <p:sp>
         <p:nvSpPr>
+          <p:cNvPr id="2" name="Title 1">
+            <a:extLst>
+              <a:ext uri="{FF2B5EF4-FFF2-40B4-BE49-F238E27FC236}">
+                <a16:creationId xmlns:a16="http://schemas.microsoft.com/office/drawing/2014/main" id="{05819CE1-3F95-F141-A742-17FAFF077CD5}"/>
+              </a:ext>
+            </a:extLst>
+          </p:cNvPr>
+          <p:cNvSpPr>
+            <a:spLocks noGrp="1"/>
+          </p:cNvSpPr>
+          <p:nvPr>
+            <p:ph type="title"/>
+          </p:nvPr>
+        </p:nvSpPr>
+        <p:spPr>
+          <a:xfrm>
+            <a:off x="1571811" y="1359437"/>
+            <a:ext cx="9122584" cy="1325563"/>
+          </a:xfrm>
+        </p:spPr>
+        <p:txBody>
+          <a:bodyPr>
+            <a:normAutofit/>
+          </a:bodyPr>
+          <a:lstStyle/>
+          <a:p>
+            <a:r>
+              <a:rPr lang="en-US"/>
+              <a:t>A Token has a purpose</a:t>
+            </a:r>
+          </a:p>
+        </p:txBody>
+      </p:sp>
+      <p:sp>
+        <p:nvSpPr>
+          <p:cNvPr id="21" name="Content Placeholder 2">
+            <a:extLst>
+              <a:ext uri="{FF2B5EF4-FFF2-40B4-BE49-F238E27FC236}">
+                <a16:creationId xmlns:a16="http://schemas.microsoft.com/office/drawing/2014/main" id="{C1972ED8-C6A4-3448-B52A-C235696E87EA}"/>
+              </a:ext>
+            </a:extLst>
+          </p:cNvPr>
+          <p:cNvSpPr>
+            <a:spLocks noGrp="1"/>
+          </p:cNvSpPr>
+          <p:nvPr>
+            <p:ph idx="1"/>
+          </p:nvPr>
+        </p:nvSpPr>
+        <p:spPr>
+          <a:xfrm>
+            <a:off x="1571811" y="2449903"/>
+            <a:ext cx="6373117" cy="3338812"/>
+          </a:xfrm>
+        </p:spPr>
+        <p:txBody>
+          <a:bodyPr>
+            <a:normAutofit fontScale="92500" lnSpcReduction="20000"/>
+          </a:bodyPr>
+          <a:lstStyle/>
+          <a:p>
+            <a:pPr marL="0" indent="0">
+              <a:buNone/>
+            </a:pPr>
+            <a:r>
+              <a:rPr lang="en-US" sz="2000"/>
+              <a:t>The combination of a token's properties and behaviors are determined by the business requirements or goal.  They can be used to simply represent an asset class to represent raw value like a barrel of oil or have more specific goals like modifying behavior.</a:t>
+            </a:r>
+          </a:p>
+          <a:p>
+            <a:r>
+              <a:rPr lang="en-US" sz="2000"/>
+              <a:t>A loyalty point – they are everywhere and are designed by the issuer to increase their customer retention and total spend.  </a:t>
+            </a:r>
+          </a:p>
+          <a:p>
+            <a:pPr lvl="1"/>
+            <a:r>
+              <a:rPr lang="en-US" sz="2000"/>
+              <a:t>They have Supply control so points can be issued to customers and destroyed when redeemed.  </a:t>
+            </a:r>
+          </a:p>
+          <a:p>
+            <a:pPr lvl="1"/>
+            <a:r>
+              <a:rPr lang="en-US" sz="2000"/>
+              <a:t>They also may have collective behaviors like achieving a “Gold” status by being issued a certain number of them</a:t>
+            </a:r>
+          </a:p>
+          <a:p>
+            <a:pPr lvl="1"/>
+            <a:r>
+              <a:rPr lang="en-US" sz="2000"/>
+              <a:t>They can have accelerators like double points for certain uses.</a:t>
+            </a:r>
+          </a:p>
+        </p:txBody>
+      </p:sp>
+      <p:sp>
+        <p:nvSpPr>
+          <p:cNvPr id="34" name="Freeform 6">
+            <a:extLst>
+              <a:ext uri="{FF2B5EF4-FFF2-40B4-BE49-F238E27FC236}">
+                <a16:creationId xmlns:a16="http://schemas.microsoft.com/office/drawing/2014/main" id="{A9616D99-AEFB-4C95-84EF-5DEC698D92A7}"/>
+              </a:ext>
+              <a:ext uri="{C183D7F6-B498-43B3-948B-1728B52AA6E4}">
+                <adec:decorative xmlns:adec="http://schemas.microsoft.com/office/drawing/2017/decorative" val="1"/>
+              </a:ext>
+            </a:extLst>
+          </p:cNvPr>
+          <p:cNvSpPr>
+            <a:spLocks noGrp="1" noRot="1" noChangeAspect="1" noMove="1" noResize="1" noEditPoints="1" noAdjustHandles="1" noChangeArrowheads="1" noChangeShapeType="1" noTextEdit="1"/>
+          </p:cNvSpPr>
+          <p:nvPr>
+            <p:extLst>
+              <p:ext uri="{386F3935-93C4-4BCD-93E2-E3B085C9AB24}">
+                <p16:designElem xmlns:p16="http://schemas.microsoft.com/office/powerpoint/2015/main" val="1"/>
+              </p:ext>
+            </p:extLst>
+          </p:nvPr>
+        </p:nvSpPr>
+        <p:spPr bwMode="auto">
+          <a:xfrm flipH="1" flipV="1">
+            <a:off x="752858" y="744469"/>
+            <a:ext cx="3275668" cy="4408488"/>
+          </a:xfrm>
+          <a:custGeom>
+            <a:avLst/>
+            <a:gdLst/>
+            <a:ahLst/>
+            <a:cxnLst/>
+            <a:rect l="l" t="t" r="r" b="b"/>
+            <a:pathLst>
+              <a:path w="10002" h="10000">
+                <a:moveTo>
+                  <a:pt x="8763" y="0"/>
+                </a:moveTo>
+                <a:lnTo>
+                  <a:pt x="10002" y="0"/>
+                </a:lnTo>
+                <a:lnTo>
+                  <a:pt x="10002" y="10000"/>
+                </a:lnTo>
+                <a:lnTo>
+                  <a:pt x="2" y="10000"/>
+                </a:lnTo>
+                <a:cubicBezTo>
+                  <a:pt x="-2" y="9698"/>
+                  <a:pt x="4" y="9427"/>
+                  <a:pt x="0" y="9125"/>
+                </a:cubicBezTo>
+                <a:lnTo>
+                  <a:pt x="8763" y="9128"/>
+                </a:lnTo>
+                <a:lnTo>
+                  <a:pt x="8763" y="0"/>
+                </a:lnTo>
+                <a:close/>
+              </a:path>
+            </a:pathLst>
+          </a:custGeom>
+          <a:solidFill>
+            <a:srgbClr val="4C4C4C"/>
+          </a:solidFill>
+          <a:ln w="0">
+            <a:noFill/>
+            <a:prstDash val="solid"/>
+            <a:round/>
+            <a:headEnd/>
+            <a:tailEnd/>
+          </a:ln>
+        </p:spPr>
+      </p:sp>
+      <p:sp>
+        <p:nvSpPr>
+          <p:cNvPr id="35" name="Freeform 6">
+            <a:extLst>
+              <a:ext uri="{FF2B5EF4-FFF2-40B4-BE49-F238E27FC236}">
+                <a16:creationId xmlns:a16="http://schemas.microsoft.com/office/drawing/2014/main" id="{D0F97023-F626-4FC5-8C2D-753B5C7F4606}"/>
+              </a:ext>
+              <a:ext uri="{C183D7F6-B498-43B3-948B-1728B52AA6E4}">
+                <adec:decorative xmlns:adec="http://schemas.microsoft.com/office/drawing/2017/decorative" val="1"/>
+              </a:ext>
+            </a:extLst>
+          </p:cNvPr>
+          <p:cNvSpPr>
+            <a:spLocks noGrp="1" noRot="1" noChangeAspect="1" noMove="1" noResize="1" noEditPoints="1" noAdjustHandles="1" noChangeArrowheads="1" noChangeShapeType="1" noTextEdit="1"/>
+          </p:cNvSpPr>
+          <p:nvPr>
+            <p:extLst>
+              <p:ext uri="{386F3935-93C4-4BCD-93E2-E3B085C9AB24}">
+                <p16:designElem xmlns:p16="http://schemas.microsoft.com/office/powerpoint/2015/main" val="1"/>
+              </p:ext>
+            </p:extLst>
+          </p:nvPr>
+        </p:nvSpPr>
+        <p:spPr bwMode="auto">
+          <a:xfrm>
+            <a:off x="8151962" y="1685652"/>
+            <a:ext cx="3275013" cy="4408488"/>
+          </a:xfrm>
+          <a:custGeom>
+            <a:avLst/>
+            <a:gdLst/>
+            <a:ahLst/>
+            <a:cxnLst/>
+            <a:rect l="l" t="t" r="r" b="b"/>
+            <a:pathLst>
+              <a:path w="10000" h="10000">
+                <a:moveTo>
+                  <a:pt x="8761" y="0"/>
+                </a:moveTo>
+                <a:lnTo>
+                  <a:pt x="10000" y="0"/>
+                </a:lnTo>
+                <a:lnTo>
+                  <a:pt x="10000" y="10000"/>
+                </a:lnTo>
+                <a:lnTo>
+                  <a:pt x="0" y="10000"/>
+                </a:lnTo>
+                <a:lnTo>
+                  <a:pt x="0" y="9126"/>
+                </a:lnTo>
+                <a:lnTo>
+                  <a:pt x="8761" y="9127"/>
+                </a:lnTo>
+                <a:lnTo>
+                  <a:pt x="8761" y="0"/>
+                </a:lnTo>
+                <a:close/>
+              </a:path>
+            </a:pathLst>
+          </a:custGeom>
+          <a:solidFill>
+            <a:srgbClr val="4C4C4C"/>
+          </a:solidFill>
+          <a:ln w="0">
+            <a:noFill/>
+            <a:prstDash val="solid"/>
+            <a:round/>
+            <a:headEnd/>
+            <a:tailEnd/>
+          </a:ln>
+        </p:spPr>
+      </p:sp>
+      <p:pic>
+        <p:nvPicPr>
+          <p:cNvPr id="7" name="Graphic 6" descr="Head with Gears">
+            <a:extLst>
+              <a:ext uri="{FF2B5EF4-FFF2-40B4-BE49-F238E27FC236}">
+                <a16:creationId xmlns:a16="http://schemas.microsoft.com/office/drawing/2014/main" id="{D4E65527-2FFD-479D-A25B-B30269F37E01}"/>
+              </a:ext>
+            </a:extLst>
+          </p:cNvPr>
+          <p:cNvPicPr>
+            <a:picLocks noChangeAspect="1"/>
+          </p:cNvPicPr>
+          <p:nvPr/>
+        </p:nvPicPr>
+        <p:blipFill>
+          <a:blip r:embed="rId2">
+            <a:extLst>
+              <a:ext uri="{28A0092B-C50C-407E-A947-70E740481C1C}">
+                <a14:useLocalDpi xmlns:a14="http://schemas.microsoft.com/office/drawing/2010/main" val="0"/>
+              </a:ext>
+              <a:ext uri="{96DAC541-7B7A-43D3-8B79-37D633B846F1}">
+                <asvg:svgBlip xmlns:asvg="http://schemas.microsoft.com/office/drawing/2016/SVG/main" r:embed="rId3"/>
+              </a:ext>
+            </a:extLst>
+          </a:blip>
+          <a:stretch>
+            <a:fillRect/>
+          </a:stretch>
+        </p:blipFill>
+        <p:spPr>
+          <a:xfrm>
+            <a:off x="8325899" y="3191551"/>
+            <a:ext cx="2194559" cy="2194559"/>
+          </a:xfrm>
+          <a:prstGeom prst="rect">
+            <a:avLst/>
+          </a:prstGeom>
+        </p:spPr>
+      </p:pic>
+    </p:spTree>
+    <p:extLst>
+      <p:ext uri="{BB962C8B-B14F-4D97-AF65-F5344CB8AC3E}">
+        <p14:creationId xmlns:p14="http://schemas.microsoft.com/office/powerpoint/2010/main" val="3056257916"/>
+      </p:ext>
+    </p:extLst>
+  </p:cSld>
+  <p:clrMapOvr>
+    <a:masterClrMapping/>
+  </p:clrMapOvr>
+</p:sld>
+</file>
+
+<file path=ppt/slides/slide11.xml><?xml version="1.0" encoding="utf-8"?>
+<p:sld xmlns:a="http://schemas.openxmlformats.org/drawingml/2006/main" xmlns:r="http://schemas.openxmlformats.org/officeDocument/2006/relationships" xmlns:p="http://schemas.openxmlformats.org/presentationml/2006/main">
+  <p:cSld>
+    <p:bg>
+      <p:bgPr>
+        <a:solidFill>
+          <a:schemeClr val="bg1"/>
+        </a:solidFill>
+        <a:effectLst/>
+      </p:bgPr>
+    </p:bg>
+    <p:spTree>
+      <p:nvGrpSpPr>
+        <p:cNvPr id="1" name=""/>
+        <p:cNvGrpSpPr/>
+        <p:nvPr/>
+      </p:nvGrpSpPr>
+      <p:grpSpPr>
+        <a:xfrm>
+          <a:off x="0" y="0"/>
+          <a:ext cx="0" cy="0"/>
+          <a:chOff x="0" y="0"/>
+          <a:chExt cx="0" cy="0"/>
+        </a:xfrm>
+      </p:grpSpPr>
+      <p:sp>
+        <p:nvSpPr>
           <p:cNvPr id="7" name="Rectangle 9">
             <a:extLst>
               <a:ext uri="{FF2B5EF4-FFF2-40B4-BE49-F238E27FC236}">
@@ -35462,7 +35780,7 @@
 </p:sld>
 </file>
 
-<file path=ppt/slides/slide11.xml><?xml version="1.0" encoding="utf-8"?>
+<file path=ppt/slides/slide12.xml><?xml version="1.0" encoding="utf-8"?>
 <p:sld xmlns:a="http://schemas.openxmlformats.org/drawingml/2006/main" xmlns:r="http://schemas.openxmlformats.org/officeDocument/2006/relationships" xmlns:p="http://schemas.openxmlformats.org/presentationml/2006/main">
   <p:cSld>
     <p:bg>
@@ -36051,7 +36369,7 @@
 </p:sld>
 </file>
 
-<file path=ppt/slides/slide12.xml><?xml version="1.0" encoding="utf-8"?>
+<file path=ppt/slides/slide13.xml><?xml version="1.0" encoding="utf-8"?>
 <p:sld xmlns:a="http://schemas.openxmlformats.org/drawingml/2006/main" xmlns:r="http://schemas.openxmlformats.org/officeDocument/2006/relationships" xmlns:p="http://schemas.openxmlformats.org/presentationml/2006/main">
   <p:cSld>
     <p:bg>
@@ -36268,7 +36586,7 @@
 </p:sld>
 </file>
 
-<file path=ppt/slides/slide13.xml><?xml version="1.0" encoding="utf-8"?>
+<file path=ppt/slides/slide14.xml><?xml version="1.0" encoding="utf-8"?>
 <p:sld xmlns:a="http://schemas.openxmlformats.org/drawingml/2006/main" xmlns:r="http://schemas.openxmlformats.org/officeDocument/2006/relationships" xmlns:p="http://schemas.openxmlformats.org/presentationml/2006/main">
   <p:cSld>
     <p:bg>
@@ -36857,7 +37175,7 @@
 </p:sld>
 </file>
 
-<file path=ppt/slides/slide14.xml><?xml version="1.0" encoding="utf-8"?>
+<file path=ppt/slides/slide15.xml><?xml version="1.0" encoding="utf-8"?>
 <p:sld xmlns:a="http://schemas.openxmlformats.org/drawingml/2006/main" xmlns:r="http://schemas.openxmlformats.org/officeDocument/2006/relationships" xmlns:p="http://schemas.openxmlformats.org/presentationml/2006/main">
   <p:cSld>
     <p:bg>
@@ -37353,7 +37671,7 @@
 </p:sld>
 </file>
 
-<file path=ppt/slides/slide15.xml><?xml version="1.0" encoding="utf-8"?>
+<file path=ppt/slides/slide16.xml><?xml version="1.0" encoding="utf-8"?>
 <p:sld xmlns:a="http://schemas.openxmlformats.org/drawingml/2006/main" xmlns:r="http://schemas.openxmlformats.org/officeDocument/2006/relationships" xmlns:p="http://schemas.openxmlformats.org/presentationml/2006/main">
   <p:cSld>
     <p:bg>
@@ -37924,6 +38242,4248 @@
       </p:grpSpPr>
       <p:sp>
         <p:nvSpPr>
+          <p:cNvPr id="19" name="Rectangle 10">
+            <a:extLst>
+              <a:ext uri="{FF2B5EF4-FFF2-40B4-BE49-F238E27FC236}">
+                <a16:creationId xmlns:a16="http://schemas.microsoft.com/office/drawing/2014/main" id="{F98ED85F-DCEE-4B50-802E-71A6E3E12B04}"/>
+              </a:ext>
+              <a:ext uri="{C183D7F6-B498-43B3-948B-1728B52AA6E4}">
+                <adec:decorative xmlns:adec="http://schemas.microsoft.com/office/drawing/2017/decorative" val="1"/>
+              </a:ext>
+            </a:extLst>
+          </p:cNvPr>
+          <p:cNvSpPr>
+            <a:spLocks noGrp="1" noRot="1" noChangeAspect="1" noMove="1" noResize="1" noEditPoints="1" noAdjustHandles="1" noChangeArrowheads="1" noChangeShapeType="1" noTextEdit="1"/>
+          </p:cNvSpPr>
+          <p:nvPr>
+            <p:extLst>
+              <p:ext uri="{386F3935-93C4-4BCD-93E2-E3B085C9AB24}">
+                <p16:designElem xmlns:p16="http://schemas.microsoft.com/office/powerpoint/2015/main" val="1"/>
+              </p:ext>
+            </p:extLst>
+          </p:nvPr>
+        </p:nvSpPr>
+        <p:spPr bwMode="ltGray">
+          <a:xfrm>
+            <a:off x="321564" y="320040"/>
+            <a:ext cx="11548872" cy="6217920"/>
+          </a:xfrm>
+          <a:prstGeom prst="rect">
+            <a:avLst/>
+          </a:prstGeom>
+          <a:solidFill>
+            <a:schemeClr val="tx1">
+              <a:alpha val="14000"/>
+            </a:schemeClr>
+          </a:solidFill>
+          <a:ln w="127000" cap="sq" cmpd="thinThick">
+            <a:solidFill>
+              <a:schemeClr val="tx1">
+                <a:lumMod val="85000"/>
+                <a:lumOff val="15000"/>
+                <a:alpha val="15000"/>
+              </a:schemeClr>
+            </a:solidFill>
+          </a:ln>
+        </p:spPr>
+        <p:style>
+          <a:lnRef idx="2">
+            <a:schemeClr val="accent1">
+              <a:shade val="50000"/>
+            </a:schemeClr>
+          </a:lnRef>
+          <a:fillRef idx="1">
+            <a:schemeClr val="accent1"/>
+          </a:fillRef>
+          <a:effectRef idx="0">
+            <a:schemeClr val="accent1"/>
+          </a:effectRef>
+          <a:fontRef idx="minor">
+            <a:schemeClr val="lt1"/>
+          </a:fontRef>
+        </p:style>
+        <p:txBody>
+          <a:bodyPr rtlCol="0" anchor="ctr"/>
+          <a:lstStyle/>
+          <a:p>
+            <a:pPr algn="ctr"/>
+            <a:endParaRPr lang="en-US"/>
+          </a:p>
+        </p:txBody>
+      </p:sp>
+      <p:sp>
+        <p:nvSpPr>
+          <p:cNvPr id="5" name="Title 4">
+            <a:extLst>
+              <a:ext uri="{FF2B5EF4-FFF2-40B4-BE49-F238E27FC236}">
+                <a16:creationId xmlns:a16="http://schemas.microsoft.com/office/drawing/2014/main" id="{2883ECDE-8535-8E46-A15C-E90F0B789D77}"/>
+              </a:ext>
+            </a:extLst>
+          </p:cNvPr>
+          <p:cNvSpPr>
+            <a:spLocks noGrp="1"/>
+          </p:cNvSpPr>
+          <p:nvPr>
+            <p:ph type="title"/>
+          </p:nvPr>
+        </p:nvSpPr>
+        <p:spPr>
+          <a:xfrm>
+            <a:off x="864053" y="1214525"/>
+            <a:ext cx="10515600" cy="430878"/>
+          </a:xfrm>
+        </p:spPr>
+        <p:txBody>
+          <a:bodyPr>
+            <a:normAutofit fontScale="90000"/>
+          </a:bodyPr>
+          <a:lstStyle/>
+          <a:p>
+            <a:pPr algn="ctr"/>
+            <a:r>
+              <a:rPr lang="en-US" dirty="0"/>
+              <a:t>Tokens – Primal Blockchain</a:t>
+            </a:r>
+            <a:br>
+              <a:rPr lang="en-US" dirty="0"/>
+            </a:br>
+            <a:br>
+              <a:rPr lang="en-US" sz="2000" dirty="0"/>
+            </a:br>
+            <a:endParaRPr lang="en-US" dirty="0"/>
+          </a:p>
+        </p:txBody>
+      </p:sp>
+      <p:sp>
+        <p:nvSpPr>
+          <p:cNvPr id="6" name="Content Placeholder 5">
+            <a:extLst>
+              <a:ext uri="{FF2B5EF4-FFF2-40B4-BE49-F238E27FC236}">
+                <a16:creationId xmlns:a16="http://schemas.microsoft.com/office/drawing/2014/main" id="{1A275D84-001C-5941-9DBD-AA9554903E57}"/>
+              </a:ext>
+            </a:extLst>
+          </p:cNvPr>
+          <p:cNvSpPr>
+            <a:spLocks noGrp="1"/>
+          </p:cNvSpPr>
+          <p:nvPr>
+            <p:ph idx="1"/>
+          </p:nvPr>
+        </p:nvSpPr>
+        <p:spPr>
+          <a:xfrm>
+            <a:off x="792480" y="1240972"/>
+            <a:ext cx="10515600" cy="1199010"/>
+          </a:xfrm>
+        </p:spPr>
+        <p:txBody>
+          <a:bodyPr>
+            <a:normAutofit/>
+          </a:bodyPr>
+          <a:lstStyle/>
+          <a:p>
+            <a:pPr marL="0" indent="0" algn="ctr">
+              <a:buNone/>
+            </a:pPr>
+            <a:r>
+              <a:rPr lang="en-US" sz="2400" dirty="0">
+                <a:solidFill>
+                  <a:schemeClr val="tx2">
+                    <a:lumMod val="90000"/>
+                  </a:schemeClr>
+                </a:solidFill>
+              </a:rPr>
+              <a:t>A digital representation of value that is authentic or infeasible to counterfeit, in which ownership is proven and the transfer of value secured using cryptography and a shared database that is trusted by their owners.</a:t>
+            </a:r>
+          </a:p>
+          <a:p>
+            <a:pPr marL="0" indent="0" algn="ctr">
+              <a:buNone/>
+            </a:pPr>
+            <a:endParaRPr lang="en-US" sz="2400" dirty="0"/>
+          </a:p>
+        </p:txBody>
+      </p:sp>
+      <p:pic>
+        <p:nvPicPr>
+          <p:cNvPr id="9" name="Graphic 8" descr="House">
+            <a:extLst>
+              <a:ext uri="{FF2B5EF4-FFF2-40B4-BE49-F238E27FC236}">
+                <a16:creationId xmlns:a16="http://schemas.microsoft.com/office/drawing/2014/main" id="{32A52508-6194-6A46-9F55-B04302ECB901}"/>
+              </a:ext>
+            </a:extLst>
+          </p:cNvPr>
+          <p:cNvPicPr>
+            <a:picLocks noChangeAspect="1"/>
+          </p:cNvPicPr>
+          <p:nvPr/>
+        </p:nvPicPr>
+        <p:blipFill>
+          <a:blip r:embed="rId2">
+            <a:extLst>
+              <a:ext uri="{96DAC541-7B7A-43D3-8B79-37D633B846F1}">
+                <asvg:svgBlip xmlns:asvg="http://schemas.microsoft.com/office/drawing/2016/SVG/main" r:embed="rId3"/>
+              </a:ext>
+            </a:extLst>
+          </a:blip>
+          <a:stretch>
+            <a:fillRect/>
+          </a:stretch>
+        </p:blipFill>
+        <p:spPr>
+          <a:xfrm>
+            <a:off x="1687286" y="2878765"/>
+            <a:ext cx="914400" cy="914400"/>
+          </a:xfrm>
+          <a:prstGeom prst="rect">
+            <a:avLst/>
+          </a:prstGeom>
+        </p:spPr>
+      </p:pic>
+      <p:pic>
+        <p:nvPicPr>
+          <p:cNvPr id="12" name="Graphic 11" descr="Contract">
+            <a:extLst>
+              <a:ext uri="{FF2B5EF4-FFF2-40B4-BE49-F238E27FC236}">
+                <a16:creationId xmlns:a16="http://schemas.microsoft.com/office/drawing/2014/main" id="{2D5DBB72-C353-4440-AD46-3AB7E8F21FAB}"/>
+              </a:ext>
+            </a:extLst>
+          </p:cNvPr>
+          <p:cNvPicPr>
+            <a:picLocks noChangeAspect="1"/>
+          </p:cNvPicPr>
+          <p:nvPr/>
+        </p:nvPicPr>
+        <p:blipFill>
+          <a:blip r:embed="rId4">
+            <a:duotone>
+              <a:schemeClr val="accent3">
+                <a:shade val="45000"/>
+                <a:satMod val="135000"/>
+              </a:schemeClr>
+              <a:prstClr val="white"/>
+            </a:duotone>
+            <a:extLst>
+              <a:ext uri="{96DAC541-7B7A-43D3-8B79-37D633B846F1}">
+                <asvg:svgBlip xmlns:asvg="http://schemas.microsoft.com/office/drawing/2016/SVG/main" r:embed="rId5"/>
+              </a:ext>
+            </a:extLst>
+          </a:blip>
+          <a:stretch>
+            <a:fillRect/>
+          </a:stretch>
+        </p:blipFill>
+        <p:spPr>
+          <a:xfrm>
+            <a:off x="1687286" y="3945112"/>
+            <a:ext cx="914400" cy="914400"/>
+          </a:xfrm>
+          <a:prstGeom prst="rect">
+            <a:avLst/>
+          </a:prstGeom>
+        </p:spPr>
+      </p:pic>
+      <p:pic>
+        <p:nvPicPr>
+          <p:cNvPr id="16" name="Graphic 15" descr="Gold bars">
+            <a:extLst>
+              <a:ext uri="{FF2B5EF4-FFF2-40B4-BE49-F238E27FC236}">
+                <a16:creationId xmlns:a16="http://schemas.microsoft.com/office/drawing/2014/main" id="{B8327AA4-22A5-BD4D-9ED2-E53A287827A1}"/>
+              </a:ext>
+            </a:extLst>
+          </p:cNvPr>
+          <p:cNvPicPr>
+            <a:picLocks noChangeAspect="1"/>
+          </p:cNvPicPr>
+          <p:nvPr/>
+        </p:nvPicPr>
+        <p:blipFill>
+          <a:blip r:embed="rId6">
+            <a:duotone>
+              <a:schemeClr val="accent4">
+                <a:shade val="45000"/>
+                <a:satMod val="135000"/>
+              </a:schemeClr>
+              <a:prstClr val="white"/>
+            </a:duotone>
+            <a:extLst>
+              <a:ext uri="{96DAC541-7B7A-43D3-8B79-37D633B846F1}">
+                <asvg:svgBlip xmlns:asvg="http://schemas.microsoft.com/office/drawing/2016/SVG/main" r:embed="rId7"/>
+              </a:ext>
+            </a:extLst>
+          </a:blip>
+          <a:stretch>
+            <a:fillRect/>
+          </a:stretch>
+        </p:blipFill>
+        <p:spPr>
+          <a:xfrm>
+            <a:off x="3088886" y="2846099"/>
+            <a:ext cx="914400" cy="914400"/>
+          </a:xfrm>
+          <a:prstGeom prst="rect">
+            <a:avLst/>
+          </a:prstGeom>
+        </p:spPr>
+      </p:pic>
+      <p:pic>
+        <p:nvPicPr>
+          <p:cNvPr id="20" name="Graphic 19" descr="Money">
+            <a:extLst>
+              <a:ext uri="{FF2B5EF4-FFF2-40B4-BE49-F238E27FC236}">
+                <a16:creationId xmlns:a16="http://schemas.microsoft.com/office/drawing/2014/main" id="{1598CFB2-0F8E-A04D-AF0B-24946DBAD3BF}"/>
+              </a:ext>
+            </a:extLst>
+          </p:cNvPr>
+          <p:cNvPicPr>
+            <a:picLocks noChangeAspect="1"/>
+          </p:cNvPicPr>
+          <p:nvPr/>
+        </p:nvPicPr>
+        <p:blipFill>
+          <a:blip r:embed="rId8">
+            <a:duotone>
+              <a:schemeClr val="accent6">
+                <a:shade val="45000"/>
+                <a:satMod val="135000"/>
+              </a:schemeClr>
+              <a:prstClr val="white"/>
+            </a:duotone>
+            <a:extLst>
+              <a:ext uri="{96DAC541-7B7A-43D3-8B79-37D633B846F1}">
+                <asvg:svgBlip xmlns:asvg="http://schemas.microsoft.com/office/drawing/2016/SVG/main" r:embed="rId9"/>
+              </a:ext>
+            </a:extLst>
+          </a:blip>
+          <a:stretch>
+            <a:fillRect/>
+          </a:stretch>
+        </p:blipFill>
+        <p:spPr>
+          <a:xfrm>
+            <a:off x="3104021" y="3731109"/>
+            <a:ext cx="914400" cy="914400"/>
+          </a:xfrm>
+          <a:prstGeom prst="rect">
+            <a:avLst/>
+          </a:prstGeom>
+        </p:spPr>
+      </p:pic>
+      <p:pic>
+        <p:nvPicPr>
+          <p:cNvPr id="22" name="Graphic 21" descr="Diamond">
+            <a:extLst>
+              <a:ext uri="{FF2B5EF4-FFF2-40B4-BE49-F238E27FC236}">
+                <a16:creationId xmlns:a16="http://schemas.microsoft.com/office/drawing/2014/main" id="{88030983-39C3-BA47-831E-98977014F55C}"/>
+              </a:ext>
+            </a:extLst>
+          </p:cNvPr>
+          <p:cNvPicPr>
+            <a:picLocks noChangeAspect="1"/>
+          </p:cNvPicPr>
+          <p:nvPr/>
+        </p:nvPicPr>
+        <p:blipFill>
+          <a:blip r:embed="rId10">
+            <a:extLst>
+              <a:ext uri="{96DAC541-7B7A-43D3-8B79-37D633B846F1}">
+                <asvg:svgBlip xmlns:asvg="http://schemas.microsoft.com/office/drawing/2016/SVG/main" r:embed="rId11"/>
+              </a:ext>
+            </a:extLst>
+          </a:blip>
+          <a:stretch>
+            <a:fillRect/>
+          </a:stretch>
+        </p:blipFill>
+        <p:spPr>
+          <a:xfrm>
+            <a:off x="4426581" y="2972245"/>
+            <a:ext cx="914400" cy="914400"/>
+          </a:xfrm>
+          <a:prstGeom prst="rect">
+            <a:avLst/>
+          </a:prstGeom>
+        </p:spPr>
+      </p:pic>
+      <p:pic>
+        <p:nvPicPr>
+          <p:cNvPr id="24" name="Graphic 23" descr="Bank check">
+            <a:extLst>
+              <a:ext uri="{FF2B5EF4-FFF2-40B4-BE49-F238E27FC236}">
+                <a16:creationId xmlns:a16="http://schemas.microsoft.com/office/drawing/2014/main" id="{A49BBFEE-9630-0B49-8A32-9C3C34CB88DE}"/>
+              </a:ext>
+            </a:extLst>
+          </p:cNvPr>
+          <p:cNvPicPr>
+            <a:picLocks noChangeAspect="1"/>
+          </p:cNvPicPr>
+          <p:nvPr/>
+        </p:nvPicPr>
+        <p:blipFill>
+          <a:blip r:embed="rId12">
+            <a:duotone>
+              <a:schemeClr val="accent5">
+                <a:shade val="45000"/>
+                <a:satMod val="135000"/>
+              </a:schemeClr>
+              <a:prstClr val="white"/>
+            </a:duotone>
+            <a:extLst>
+              <a:ext uri="{96DAC541-7B7A-43D3-8B79-37D633B846F1}">
+                <asvg:svgBlip xmlns:asvg="http://schemas.microsoft.com/office/drawing/2016/SVG/main" r:embed="rId13"/>
+              </a:ext>
+            </a:extLst>
+          </a:blip>
+          <a:stretch>
+            <a:fillRect/>
+          </a:stretch>
+        </p:blipFill>
+        <p:spPr>
+          <a:xfrm>
+            <a:off x="3104021" y="4658439"/>
+            <a:ext cx="914400" cy="914400"/>
+          </a:xfrm>
+          <a:prstGeom prst="rect">
+            <a:avLst/>
+          </a:prstGeom>
+        </p:spPr>
+      </p:pic>
+      <p:pic>
+        <p:nvPicPr>
+          <p:cNvPr id="26" name="Graphic 25" descr="Barcode">
+            <a:extLst>
+              <a:ext uri="{FF2B5EF4-FFF2-40B4-BE49-F238E27FC236}">
+                <a16:creationId xmlns:a16="http://schemas.microsoft.com/office/drawing/2014/main" id="{DAA72E83-FDD3-EB40-BC22-EAB627074C41}"/>
+              </a:ext>
+            </a:extLst>
+          </p:cNvPr>
+          <p:cNvPicPr>
+            <a:picLocks noChangeAspect="1"/>
+          </p:cNvPicPr>
+          <p:nvPr/>
+        </p:nvPicPr>
+        <p:blipFill>
+          <a:blip r:embed="rId14">
+            <a:extLst>
+              <a:ext uri="{96DAC541-7B7A-43D3-8B79-37D633B846F1}">
+                <asvg:svgBlip xmlns:asvg="http://schemas.microsoft.com/office/drawing/2016/SVG/main" r:embed="rId15"/>
+              </a:ext>
+            </a:extLst>
+          </a:blip>
+          <a:stretch>
+            <a:fillRect/>
+          </a:stretch>
+        </p:blipFill>
+        <p:spPr>
+          <a:xfrm>
+            <a:off x="5736499" y="3950341"/>
+            <a:ext cx="914400" cy="914400"/>
+          </a:xfrm>
+          <a:prstGeom prst="rect">
+            <a:avLst/>
+          </a:prstGeom>
+        </p:spPr>
+      </p:pic>
+      <p:pic>
+        <p:nvPicPr>
+          <p:cNvPr id="28" name="Graphic 27" descr="Diploma">
+            <a:extLst>
+              <a:ext uri="{FF2B5EF4-FFF2-40B4-BE49-F238E27FC236}">
+                <a16:creationId xmlns:a16="http://schemas.microsoft.com/office/drawing/2014/main" id="{3E4A7E8D-42FD-404D-B8D9-D2CDE48EA139}"/>
+              </a:ext>
+            </a:extLst>
+          </p:cNvPr>
+          <p:cNvPicPr>
+            <a:picLocks noChangeAspect="1"/>
+          </p:cNvPicPr>
+          <p:nvPr/>
+        </p:nvPicPr>
+        <p:blipFill>
+          <a:blip r:embed="rId16">
+            <a:extLst>
+              <a:ext uri="{96DAC541-7B7A-43D3-8B79-37D633B846F1}">
+                <asvg:svgBlip xmlns:asvg="http://schemas.microsoft.com/office/drawing/2016/SVG/main" r:embed="rId17"/>
+              </a:ext>
+            </a:extLst>
+          </a:blip>
+          <a:stretch>
+            <a:fillRect/>
+          </a:stretch>
+        </p:blipFill>
+        <p:spPr>
+          <a:xfrm>
+            <a:off x="4428531" y="3935287"/>
+            <a:ext cx="914400" cy="914400"/>
+          </a:xfrm>
+          <a:prstGeom prst="rect">
+            <a:avLst/>
+          </a:prstGeom>
+        </p:spPr>
+      </p:pic>
+      <p:pic>
+        <p:nvPicPr>
+          <p:cNvPr id="30" name="Graphic 29" descr="Shirt">
+            <a:extLst>
+              <a:ext uri="{FF2B5EF4-FFF2-40B4-BE49-F238E27FC236}">
+                <a16:creationId xmlns:a16="http://schemas.microsoft.com/office/drawing/2014/main" id="{47A4F8AA-70F4-A947-B7F2-7CC24272286D}"/>
+              </a:ext>
+            </a:extLst>
+          </p:cNvPr>
+          <p:cNvPicPr>
+            <a:picLocks noChangeAspect="1"/>
+          </p:cNvPicPr>
+          <p:nvPr/>
+        </p:nvPicPr>
+        <p:blipFill>
+          <a:blip r:embed="rId18">
+            <a:extLst>
+              <a:ext uri="{96DAC541-7B7A-43D3-8B79-37D633B846F1}">
+                <asvg:svgBlip xmlns:asvg="http://schemas.microsoft.com/office/drawing/2016/SVG/main" r:embed="rId19"/>
+              </a:ext>
+            </a:extLst>
+          </a:blip>
+          <a:stretch>
+            <a:fillRect/>
+          </a:stretch>
+        </p:blipFill>
+        <p:spPr>
+          <a:xfrm>
+            <a:off x="5743070" y="2972245"/>
+            <a:ext cx="914400" cy="914400"/>
+          </a:xfrm>
+          <a:prstGeom prst="rect">
+            <a:avLst/>
+          </a:prstGeom>
+        </p:spPr>
+      </p:pic>
+      <p:pic>
+        <p:nvPicPr>
+          <p:cNvPr id="32" name="Graphic 31" descr="Film reel">
+            <a:extLst>
+              <a:ext uri="{FF2B5EF4-FFF2-40B4-BE49-F238E27FC236}">
+                <a16:creationId xmlns:a16="http://schemas.microsoft.com/office/drawing/2014/main" id="{73B779F0-1FB0-DD40-860A-6F763E314CC5}"/>
+              </a:ext>
+            </a:extLst>
+          </p:cNvPr>
+          <p:cNvPicPr>
+            <a:picLocks noChangeAspect="1"/>
+          </p:cNvPicPr>
+          <p:nvPr/>
+        </p:nvPicPr>
+        <p:blipFill>
+          <a:blip r:embed="rId20">
+            <a:extLst>
+              <a:ext uri="{96DAC541-7B7A-43D3-8B79-37D633B846F1}">
+                <asvg:svgBlip xmlns:asvg="http://schemas.microsoft.com/office/drawing/2016/SVG/main" r:embed="rId21"/>
+              </a:ext>
+            </a:extLst>
+          </a:blip>
+          <a:stretch>
+            <a:fillRect/>
+          </a:stretch>
+        </p:blipFill>
+        <p:spPr>
+          <a:xfrm>
+            <a:off x="7873067" y="3069597"/>
+            <a:ext cx="914400" cy="914400"/>
+          </a:xfrm>
+          <a:prstGeom prst="rect">
+            <a:avLst/>
+          </a:prstGeom>
+        </p:spPr>
+      </p:pic>
+      <p:pic>
+        <p:nvPicPr>
+          <p:cNvPr id="34" name="Graphic 33" descr="Airplane">
+            <a:extLst>
+              <a:ext uri="{FF2B5EF4-FFF2-40B4-BE49-F238E27FC236}">
+                <a16:creationId xmlns:a16="http://schemas.microsoft.com/office/drawing/2014/main" id="{A19714C8-1F1C-4747-8AC8-01F5DB071D6C}"/>
+              </a:ext>
+            </a:extLst>
+          </p:cNvPr>
+          <p:cNvPicPr>
+            <a:picLocks noChangeAspect="1"/>
+          </p:cNvPicPr>
+          <p:nvPr/>
+        </p:nvPicPr>
+        <p:blipFill>
+          <a:blip r:embed="rId22">
+            <a:extLst>
+              <a:ext uri="{96DAC541-7B7A-43D3-8B79-37D633B846F1}">
+                <asvg:svgBlip xmlns:asvg="http://schemas.microsoft.com/office/drawing/2016/SVG/main" r:embed="rId23"/>
+              </a:ext>
+            </a:extLst>
+          </a:blip>
+          <a:stretch>
+            <a:fillRect/>
+          </a:stretch>
+        </p:blipFill>
+        <p:spPr>
+          <a:xfrm>
+            <a:off x="6870145" y="2969695"/>
+            <a:ext cx="914400" cy="914400"/>
+          </a:xfrm>
+          <a:prstGeom prst="rect">
+            <a:avLst/>
+          </a:prstGeom>
+        </p:spPr>
+      </p:pic>
+      <p:pic>
+        <p:nvPicPr>
+          <p:cNvPr id="36" name="Graphic 35" descr="Label">
+            <a:extLst>
+              <a:ext uri="{FF2B5EF4-FFF2-40B4-BE49-F238E27FC236}">
+                <a16:creationId xmlns:a16="http://schemas.microsoft.com/office/drawing/2014/main" id="{DE0624C6-CD80-474B-A77C-C8FB14381F30}"/>
+              </a:ext>
+            </a:extLst>
+          </p:cNvPr>
+          <p:cNvPicPr>
+            <a:picLocks noChangeAspect="1"/>
+          </p:cNvPicPr>
+          <p:nvPr/>
+        </p:nvPicPr>
+        <p:blipFill>
+          <a:blip r:embed="rId24">
+            <a:extLst>
+              <a:ext uri="{96DAC541-7B7A-43D3-8B79-37D633B846F1}">
+                <asvg:svgBlip xmlns:asvg="http://schemas.microsoft.com/office/drawing/2016/SVG/main" r:embed="rId25"/>
+              </a:ext>
+            </a:extLst>
+          </a:blip>
+          <a:stretch>
+            <a:fillRect/>
+          </a:stretch>
+        </p:blipFill>
+        <p:spPr>
+          <a:xfrm>
+            <a:off x="7394026" y="3929183"/>
+            <a:ext cx="914400" cy="914400"/>
+          </a:xfrm>
+          <a:prstGeom prst="rect">
+            <a:avLst/>
+          </a:prstGeom>
+        </p:spPr>
+      </p:pic>
+      <p:pic>
+        <p:nvPicPr>
+          <p:cNvPr id="41" name="Graphic 40" descr="Graduation cap">
+            <a:extLst>
+              <a:ext uri="{FF2B5EF4-FFF2-40B4-BE49-F238E27FC236}">
+                <a16:creationId xmlns:a16="http://schemas.microsoft.com/office/drawing/2014/main" id="{8FAB4D02-EFAB-B640-B9F0-D55CC6F4FA7D}"/>
+              </a:ext>
+            </a:extLst>
+          </p:cNvPr>
+          <p:cNvPicPr>
+            <a:picLocks noChangeAspect="1"/>
+          </p:cNvPicPr>
+          <p:nvPr/>
+        </p:nvPicPr>
+        <p:blipFill>
+          <a:blip r:embed="rId26">
+            <a:extLst>
+              <a:ext uri="{96DAC541-7B7A-43D3-8B79-37D633B846F1}">
+                <asvg:svgBlip xmlns:asvg="http://schemas.microsoft.com/office/drawing/2016/SVG/main" r:embed="rId27"/>
+              </a:ext>
+            </a:extLst>
+          </a:blip>
+          <a:stretch>
+            <a:fillRect/>
+          </a:stretch>
+        </p:blipFill>
+        <p:spPr>
+          <a:xfrm>
+            <a:off x="9112785" y="2894025"/>
+            <a:ext cx="914400" cy="914400"/>
+          </a:xfrm>
+          <a:prstGeom prst="rect">
+            <a:avLst/>
+          </a:prstGeom>
+        </p:spPr>
+      </p:pic>
+      <p:pic>
+        <p:nvPicPr>
+          <p:cNvPr id="43" name="Graphic 42" descr="Diploma roll">
+            <a:extLst>
+              <a:ext uri="{FF2B5EF4-FFF2-40B4-BE49-F238E27FC236}">
+                <a16:creationId xmlns:a16="http://schemas.microsoft.com/office/drawing/2014/main" id="{0B90D8A4-1F6C-4F4F-965A-750B935E898B}"/>
+              </a:ext>
+            </a:extLst>
+          </p:cNvPr>
+          <p:cNvPicPr>
+            <a:picLocks noChangeAspect="1"/>
+          </p:cNvPicPr>
+          <p:nvPr/>
+        </p:nvPicPr>
+        <p:blipFill>
+          <a:blip r:embed="rId28">
+            <a:extLst>
+              <a:ext uri="{96DAC541-7B7A-43D3-8B79-37D633B846F1}">
+                <asvg:svgBlip xmlns:asvg="http://schemas.microsoft.com/office/drawing/2016/SVG/main" r:embed="rId29"/>
+              </a:ext>
+            </a:extLst>
+          </a:blip>
+          <a:stretch>
+            <a:fillRect/>
+          </a:stretch>
+        </p:blipFill>
+        <p:spPr>
+          <a:xfrm>
+            <a:off x="9149013" y="3946085"/>
+            <a:ext cx="914400" cy="914400"/>
+          </a:xfrm>
+          <a:prstGeom prst="rect">
+            <a:avLst/>
+          </a:prstGeom>
+        </p:spPr>
+      </p:pic>
+      <p:pic>
+        <p:nvPicPr>
+          <p:cNvPr id="45" name="Graphic 44" descr="Key">
+            <a:extLst>
+              <a:ext uri="{FF2B5EF4-FFF2-40B4-BE49-F238E27FC236}">
+                <a16:creationId xmlns:a16="http://schemas.microsoft.com/office/drawing/2014/main" id="{CAE8249B-8884-EF46-A3EE-0D764253F63E}"/>
+              </a:ext>
+            </a:extLst>
+          </p:cNvPr>
+          <p:cNvPicPr>
+            <a:picLocks noChangeAspect="1"/>
+          </p:cNvPicPr>
+          <p:nvPr/>
+        </p:nvPicPr>
+        <p:blipFill>
+          <a:blip r:embed="rId30">
+            <a:extLst>
+              <a:ext uri="{96DAC541-7B7A-43D3-8B79-37D633B846F1}">
+                <asvg:svgBlip xmlns:asvg="http://schemas.microsoft.com/office/drawing/2016/SVG/main" r:embed="rId31"/>
+              </a:ext>
+            </a:extLst>
+          </a:blip>
+          <a:stretch>
+            <a:fillRect/>
+          </a:stretch>
+        </p:blipFill>
+        <p:spPr>
+          <a:xfrm rot="2596540">
+            <a:off x="10618792" y="3159831"/>
+            <a:ext cx="436361" cy="436361"/>
+          </a:xfrm>
+          <a:prstGeom prst="rect">
+            <a:avLst/>
+          </a:prstGeom>
+        </p:spPr>
+      </p:pic>
+      <p:pic>
+        <p:nvPicPr>
+          <p:cNvPr id="47" name="Graphic 46" descr="Lock">
+            <a:extLst>
+              <a:ext uri="{FF2B5EF4-FFF2-40B4-BE49-F238E27FC236}">
+                <a16:creationId xmlns:a16="http://schemas.microsoft.com/office/drawing/2014/main" id="{9F7B47B4-CFAD-A544-80FF-B4CA43A4128E}"/>
+              </a:ext>
+            </a:extLst>
+          </p:cNvPr>
+          <p:cNvPicPr>
+            <a:picLocks noChangeAspect="1"/>
+          </p:cNvPicPr>
+          <p:nvPr/>
+        </p:nvPicPr>
+        <p:blipFill>
+          <a:blip r:embed="rId32">
+            <a:extLst>
+              <a:ext uri="{96DAC541-7B7A-43D3-8B79-37D633B846F1}">
+                <asvg:svgBlip xmlns:asvg="http://schemas.microsoft.com/office/drawing/2016/SVG/main" r:embed="rId33"/>
+              </a:ext>
+            </a:extLst>
+          </a:blip>
+          <a:stretch>
+            <a:fillRect/>
+          </a:stretch>
+        </p:blipFill>
+        <p:spPr>
+          <a:xfrm>
+            <a:off x="10478063" y="3864695"/>
+            <a:ext cx="914400" cy="914400"/>
+          </a:xfrm>
+          <a:prstGeom prst="rect">
+            <a:avLst/>
+          </a:prstGeom>
+        </p:spPr>
+      </p:pic>
+      <p:sp>
+        <p:nvSpPr>
+          <p:cNvPr id="48" name="Down Arrow 47">
+            <a:extLst>
+              <a:ext uri="{FF2B5EF4-FFF2-40B4-BE49-F238E27FC236}">
+                <a16:creationId xmlns:a16="http://schemas.microsoft.com/office/drawing/2014/main" id="{0CA071F2-3A54-2F47-BC83-CA3415CDF614}"/>
+              </a:ext>
+            </a:extLst>
+          </p:cNvPr>
+          <p:cNvSpPr/>
+          <p:nvPr/>
+        </p:nvSpPr>
+        <p:spPr>
+          <a:xfrm>
+            <a:off x="2072640" y="3751731"/>
+            <a:ext cx="143692" cy="234816"/>
+          </a:xfrm>
+          <a:prstGeom prst="downArrow">
+            <a:avLst/>
+          </a:prstGeom>
+        </p:spPr>
+        <p:style>
+          <a:lnRef idx="2">
+            <a:schemeClr val="accent1">
+              <a:shade val="50000"/>
+            </a:schemeClr>
+          </a:lnRef>
+          <a:fillRef idx="1">
+            <a:schemeClr val="accent1"/>
+          </a:fillRef>
+          <a:effectRef idx="0">
+            <a:schemeClr val="accent1"/>
+          </a:effectRef>
+          <a:fontRef idx="minor">
+            <a:schemeClr val="lt1"/>
+          </a:fontRef>
+        </p:style>
+        <p:txBody>
+          <a:bodyPr rtlCol="0" anchor="ctr"/>
+          <a:lstStyle/>
+          <a:p>
+            <a:pPr algn="ctr"/>
+            <a:endParaRPr lang="en-US"/>
+          </a:p>
+        </p:txBody>
+      </p:sp>
+      <p:sp>
+        <p:nvSpPr>
+          <p:cNvPr id="49" name="Down Arrow 48">
+            <a:extLst>
+              <a:ext uri="{FF2B5EF4-FFF2-40B4-BE49-F238E27FC236}">
+                <a16:creationId xmlns:a16="http://schemas.microsoft.com/office/drawing/2014/main" id="{3D2EAA54-1DD1-3840-8865-09DED6EF8F3F}"/>
+              </a:ext>
+            </a:extLst>
+          </p:cNvPr>
+          <p:cNvSpPr/>
+          <p:nvPr/>
+        </p:nvSpPr>
+        <p:spPr>
+          <a:xfrm>
+            <a:off x="3466586" y="3634861"/>
+            <a:ext cx="143692" cy="234816"/>
+          </a:xfrm>
+          <a:prstGeom prst="downArrow">
+            <a:avLst/>
+          </a:prstGeom>
+        </p:spPr>
+        <p:style>
+          <a:lnRef idx="2">
+            <a:schemeClr val="accent1">
+              <a:shade val="50000"/>
+            </a:schemeClr>
+          </a:lnRef>
+          <a:fillRef idx="1">
+            <a:schemeClr val="accent1"/>
+          </a:fillRef>
+          <a:effectRef idx="0">
+            <a:schemeClr val="accent1"/>
+          </a:effectRef>
+          <a:fontRef idx="minor">
+            <a:schemeClr val="lt1"/>
+          </a:fontRef>
+        </p:style>
+        <p:txBody>
+          <a:bodyPr rtlCol="0" anchor="ctr"/>
+          <a:lstStyle/>
+          <a:p>
+            <a:pPr algn="ctr"/>
+            <a:endParaRPr lang="en-US"/>
+          </a:p>
+        </p:txBody>
+      </p:sp>
+      <p:sp>
+        <p:nvSpPr>
+          <p:cNvPr id="50" name="Down Arrow 49">
+            <a:extLst>
+              <a:ext uri="{FF2B5EF4-FFF2-40B4-BE49-F238E27FC236}">
+                <a16:creationId xmlns:a16="http://schemas.microsoft.com/office/drawing/2014/main" id="{66F605A1-A64E-CE42-8BFA-C762F6FF1C65}"/>
+              </a:ext>
+            </a:extLst>
+          </p:cNvPr>
+          <p:cNvSpPr/>
+          <p:nvPr/>
+        </p:nvSpPr>
+        <p:spPr>
+          <a:xfrm>
+            <a:off x="3482181" y="4593413"/>
+            <a:ext cx="143692" cy="234816"/>
+          </a:xfrm>
+          <a:prstGeom prst="downArrow">
+            <a:avLst/>
+          </a:prstGeom>
+        </p:spPr>
+        <p:style>
+          <a:lnRef idx="2">
+            <a:schemeClr val="accent1">
+              <a:shade val="50000"/>
+            </a:schemeClr>
+          </a:lnRef>
+          <a:fillRef idx="1">
+            <a:schemeClr val="accent1"/>
+          </a:fillRef>
+          <a:effectRef idx="0">
+            <a:schemeClr val="accent1"/>
+          </a:effectRef>
+          <a:fontRef idx="minor">
+            <a:schemeClr val="lt1"/>
+          </a:fontRef>
+        </p:style>
+        <p:txBody>
+          <a:bodyPr rtlCol="0" anchor="ctr"/>
+          <a:lstStyle/>
+          <a:p>
+            <a:pPr algn="ctr"/>
+            <a:endParaRPr lang="en-US"/>
+          </a:p>
+        </p:txBody>
+      </p:sp>
+      <p:sp>
+        <p:nvSpPr>
+          <p:cNvPr id="51" name="Down Arrow 50">
+            <a:extLst>
+              <a:ext uri="{FF2B5EF4-FFF2-40B4-BE49-F238E27FC236}">
+                <a16:creationId xmlns:a16="http://schemas.microsoft.com/office/drawing/2014/main" id="{71D4DB0B-63F8-CD42-913E-D9D89A3C83C6}"/>
+              </a:ext>
+            </a:extLst>
+          </p:cNvPr>
+          <p:cNvSpPr/>
+          <p:nvPr/>
+        </p:nvSpPr>
+        <p:spPr>
+          <a:xfrm>
+            <a:off x="4811013" y="3808425"/>
+            <a:ext cx="143692" cy="234816"/>
+          </a:xfrm>
+          <a:prstGeom prst="downArrow">
+            <a:avLst/>
+          </a:prstGeom>
+        </p:spPr>
+        <p:style>
+          <a:lnRef idx="2">
+            <a:schemeClr val="accent1">
+              <a:shade val="50000"/>
+            </a:schemeClr>
+          </a:lnRef>
+          <a:fillRef idx="1">
+            <a:schemeClr val="accent1"/>
+          </a:fillRef>
+          <a:effectRef idx="0">
+            <a:schemeClr val="accent1"/>
+          </a:effectRef>
+          <a:fontRef idx="minor">
+            <a:schemeClr val="lt1"/>
+          </a:fontRef>
+        </p:style>
+        <p:txBody>
+          <a:bodyPr rtlCol="0" anchor="ctr"/>
+          <a:lstStyle/>
+          <a:p>
+            <a:pPr algn="ctr"/>
+            <a:endParaRPr lang="en-US"/>
+          </a:p>
+        </p:txBody>
+      </p:sp>
+      <p:sp>
+        <p:nvSpPr>
+          <p:cNvPr id="52" name="Down Arrow 51">
+            <a:extLst>
+              <a:ext uri="{FF2B5EF4-FFF2-40B4-BE49-F238E27FC236}">
+                <a16:creationId xmlns:a16="http://schemas.microsoft.com/office/drawing/2014/main" id="{9206158E-5B67-DF48-BBF5-B3FD12500B88}"/>
+              </a:ext>
+            </a:extLst>
+          </p:cNvPr>
+          <p:cNvSpPr/>
+          <p:nvPr/>
+        </p:nvSpPr>
+        <p:spPr>
+          <a:xfrm>
+            <a:off x="6121853" y="3858006"/>
+            <a:ext cx="143692" cy="234816"/>
+          </a:xfrm>
+          <a:prstGeom prst="downArrow">
+            <a:avLst/>
+          </a:prstGeom>
+        </p:spPr>
+        <p:style>
+          <a:lnRef idx="2">
+            <a:schemeClr val="accent1">
+              <a:shade val="50000"/>
+            </a:schemeClr>
+          </a:lnRef>
+          <a:fillRef idx="1">
+            <a:schemeClr val="accent1"/>
+          </a:fillRef>
+          <a:effectRef idx="0">
+            <a:schemeClr val="accent1"/>
+          </a:effectRef>
+          <a:fontRef idx="minor">
+            <a:schemeClr val="lt1"/>
+          </a:fontRef>
+        </p:style>
+        <p:txBody>
+          <a:bodyPr rtlCol="0" anchor="ctr"/>
+          <a:lstStyle/>
+          <a:p>
+            <a:pPr algn="ctr"/>
+            <a:endParaRPr lang="en-US"/>
+          </a:p>
+        </p:txBody>
+      </p:sp>
+      <p:sp>
+        <p:nvSpPr>
+          <p:cNvPr id="53" name="Down Arrow 52">
+            <a:extLst>
+              <a:ext uri="{FF2B5EF4-FFF2-40B4-BE49-F238E27FC236}">
+                <a16:creationId xmlns:a16="http://schemas.microsoft.com/office/drawing/2014/main" id="{D3384BA6-AF2B-E94F-B43A-69EBD0740837}"/>
+              </a:ext>
+            </a:extLst>
+          </p:cNvPr>
+          <p:cNvSpPr/>
+          <p:nvPr/>
+        </p:nvSpPr>
+        <p:spPr>
+          <a:xfrm rot="18997799">
+            <a:off x="7437823" y="3869149"/>
+            <a:ext cx="143692" cy="234816"/>
+          </a:xfrm>
+          <a:prstGeom prst="downArrow">
+            <a:avLst/>
+          </a:prstGeom>
+        </p:spPr>
+        <p:style>
+          <a:lnRef idx="2">
+            <a:schemeClr val="accent1">
+              <a:shade val="50000"/>
+            </a:schemeClr>
+          </a:lnRef>
+          <a:fillRef idx="1">
+            <a:schemeClr val="accent1"/>
+          </a:fillRef>
+          <a:effectRef idx="0">
+            <a:schemeClr val="accent1"/>
+          </a:effectRef>
+          <a:fontRef idx="minor">
+            <a:schemeClr val="lt1"/>
+          </a:fontRef>
+        </p:style>
+        <p:txBody>
+          <a:bodyPr rtlCol="0" anchor="ctr"/>
+          <a:lstStyle/>
+          <a:p>
+            <a:pPr algn="ctr"/>
+            <a:endParaRPr lang="en-US"/>
+          </a:p>
+        </p:txBody>
+      </p:sp>
+      <p:sp>
+        <p:nvSpPr>
+          <p:cNvPr id="54" name="Down Arrow 53">
+            <a:extLst>
+              <a:ext uri="{FF2B5EF4-FFF2-40B4-BE49-F238E27FC236}">
+                <a16:creationId xmlns:a16="http://schemas.microsoft.com/office/drawing/2014/main" id="{A0ED4206-DBF7-524E-8076-EE4A6ECFBBF7}"/>
+              </a:ext>
+            </a:extLst>
+          </p:cNvPr>
+          <p:cNvSpPr/>
+          <p:nvPr/>
+        </p:nvSpPr>
+        <p:spPr>
+          <a:xfrm rot="2472031">
+            <a:off x="7940774" y="3877572"/>
+            <a:ext cx="143692" cy="234816"/>
+          </a:xfrm>
+          <a:prstGeom prst="downArrow">
+            <a:avLst/>
+          </a:prstGeom>
+        </p:spPr>
+        <p:style>
+          <a:lnRef idx="2">
+            <a:schemeClr val="accent1">
+              <a:shade val="50000"/>
+            </a:schemeClr>
+          </a:lnRef>
+          <a:fillRef idx="1">
+            <a:schemeClr val="accent1"/>
+          </a:fillRef>
+          <a:effectRef idx="0">
+            <a:schemeClr val="accent1"/>
+          </a:effectRef>
+          <a:fontRef idx="minor">
+            <a:schemeClr val="lt1"/>
+          </a:fontRef>
+        </p:style>
+        <p:txBody>
+          <a:bodyPr rtlCol="0" anchor="ctr"/>
+          <a:lstStyle/>
+          <a:p>
+            <a:pPr algn="ctr"/>
+            <a:endParaRPr lang="en-US"/>
+          </a:p>
+        </p:txBody>
+      </p:sp>
+      <p:sp>
+        <p:nvSpPr>
+          <p:cNvPr id="55" name="Down Arrow 54">
+            <a:extLst>
+              <a:ext uri="{FF2B5EF4-FFF2-40B4-BE49-F238E27FC236}">
+                <a16:creationId xmlns:a16="http://schemas.microsoft.com/office/drawing/2014/main" id="{7516FBC0-8702-6542-AE75-CAAC2D29EE12}"/>
+              </a:ext>
+            </a:extLst>
+          </p:cNvPr>
+          <p:cNvSpPr/>
+          <p:nvPr/>
+        </p:nvSpPr>
+        <p:spPr>
+          <a:xfrm>
+            <a:off x="9492974" y="3767696"/>
+            <a:ext cx="143692" cy="234816"/>
+          </a:xfrm>
+          <a:prstGeom prst="downArrow">
+            <a:avLst/>
+          </a:prstGeom>
+        </p:spPr>
+        <p:style>
+          <a:lnRef idx="2">
+            <a:schemeClr val="accent1">
+              <a:shade val="50000"/>
+            </a:schemeClr>
+          </a:lnRef>
+          <a:fillRef idx="1">
+            <a:schemeClr val="accent1"/>
+          </a:fillRef>
+          <a:effectRef idx="0">
+            <a:schemeClr val="accent1"/>
+          </a:effectRef>
+          <a:fontRef idx="minor">
+            <a:schemeClr val="lt1"/>
+          </a:fontRef>
+        </p:style>
+        <p:txBody>
+          <a:bodyPr rtlCol="0" anchor="ctr"/>
+          <a:lstStyle/>
+          <a:p>
+            <a:pPr algn="ctr"/>
+            <a:endParaRPr lang="en-US"/>
+          </a:p>
+        </p:txBody>
+      </p:sp>
+      <p:sp>
+        <p:nvSpPr>
+          <p:cNvPr id="56" name="Down Arrow 55">
+            <a:extLst>
+              <a:ext uri="{FF2B5EF4-FFF2-40B4-BE49-F238E27FC236}">
+                <a16:creationId xmlns:a16="http://schemas.microsoft.com/office/drawing/2014/main" id="{57A5BA51-7C80-D248-9FFF-2516BADDE659}"/>
+              </a:ext>
+            </a:extLst>
+          </p:cNvPr>
+          <p:cNvSpPr/>
+          <p:nvPr/>
+        </p:nvSpPr>
+        <p:spPr>
+          <a:xfrm>
+            <a:off x="10861525" y="3700471"/>
+            <a:ext cx="143692" cy="234816"/>
+          </a:xfrm>
+          <a:prstGeom prst="downArrow">
+            <a:avLst/>
+          </a:prstGeom>
+        </p:spPr>
+        <p:style>
+          <a:lnRef idx="2">
+            <a:schemeClr val="accent1">
+              <a:shade val="50000"/>
+            </a:schemeClr>
+          </a:lnRef>
+          <a:fillRef idx="1">
+            <a:schemeClr val="accent1"/>
+          </a:fillRef>
+          <a:effectRef idx="0">
+            <a:schemeClr val="accent1"/>
+          </a:effectRef>
+          <a:fontRef idx="minor">
+            <a:schemeClr val="lt1"/>
+          </a:fontRef>
+        </p:style>
+        <p:txBody>
+          <a:bodyPr rtlCol="0" anchor="ctr"/>
+          <a:lstStyle/>
+          <a:p>
+            <a:pPr algn="ctr"/>
+            <a:endParaRPr lang="en-US"/>
+          </a:p>
+        </p:txBody>
+      </p:sp>
+      <p:sp>
+        <p:nvSpPr>
+          <p:cNvPr id="57" name="TextBox 56">
+            <a:extLst>
+              <a:ext uri="{FF2B5EF4-FFF2-40B4-BE49-F238E27FC236}">
+                <a16:creationId xmlns:a16="http://schemas.microsoft.com/office/drawing/2014/main" id="{29692DAB-E868-D34E-BA90-7B9CE25BE64F}"/>
+              </a:ext>
+            </a:extLst>
+          </p:cNvPr>
+          <p:cNvSpPr txBox="1"/>
+          <p:nvPr/>
+        </p:nvSpPr>
+        <p:spPr>
+          <a:xfrm>
+            <a:off x="676661" y="3215814"/>
+            <a:ext cx="704039" cy="369332"/>
+          </a:xfrm>
+          <a:prstGeom prst="rect">
+            <a:avLst/>
+          </a:prstGeom>
+          <a:noFill/>
+        </p:spPr>
+        <p:txBody>
+          <a:bodyPr wrap="none" rtlCol="0">
+            <a:spAutoFit/>
+          </a:bodyPr>
+          <a:lstStyle/>
+          <a:p>
+            <a:r>
+              <a:rPr lang="en-US" dirty="0"/>
+              <a:t>Value</a:t>
+            </a:r>
+          </a:p>
+        </p:txBody>
+      </p:sp>
+      <p:sp>
+        <p:nvSpPr>
+          <p:cNvPr id="58" name="TextBox 57">
+            <a:extLst>
+              <a:ext uri="{FF2B5EF4-FFF2-40B4-BE49-F238E27FC236}">
+                <a16:creationId xmlns:a16="http://schemas.microsoft.com/office/drawing/2014/main" id="{FFC29035-13BE-184B-827C-E939AAD842A3}"/>
+              </a:ext>
+            </a:extLst>
+          </p:cNvPr>
+          <p:cNvSpPr txBox="1"/>
+          <p:nvPr/>
+        </p:nvSpPr>
+        <p:spPr>
+          <a:xfrm>
+            <a:off x="665143" y="4187621"/>
+            <a:ext cx="732188" cy="369332"/>
+          </a:xfrm>
+          <a:prstGeom prst="rect">
+            <a:avLst/>
+          </a:prstGeom>
+          <a:noFill/>
+        </p:spPr>
+        <p:txBody>
+          <a:bodyPr wrap="none" rtlCol="0">
+            <a:spAutoFit/>
+          </a:bodyPr>
+          <a:lstStyle/>
+          <a:p>
+            <a:r>
+              <a:rPr lang="en-US" dirty="0"/>
+              <a:t>Token</a:t>
+            </a:r>
+          </a:p>
+        </p:txBody>
+      </p:sp>
+      <p:sp>
+        <p:nvSpPr>
+          <p:cNvPr id="59" name="Content Placeholder 5">
+            <a:extLst>
+              <a:ext uri="{FF2B5EF4-FFF2-40B4-BE49-F238E27FC236}">
+                <a16:creationId xmlns:a16="http://schemas.microsoft.com/office/drawing/2014/main" id="{FF6E6C00-981B-0148-BA14-55545EA25C45}"/>
+              </a:ext>
+            </a:extLst>
+          </p:cNvPr>
+          <p:cNvSpPr txBox="1">
+            <a:spLocks/>
+          </p:cNvSpPr>
+          <p:nvPr/>
+        </p:nvSpPr>
+        <p:spPr>
+          <a:xfrm>
+            <a:off x="7394026" y="5937512"/>
+            <a:ext cx="3314904" cy="525503"/>
+          </a:xfrm>
+          <a:prstGeom prst="rect">
+            <a:avLst/>
+          </a:prstGeom>
+          <a:ln>
+            <a:solidFill>
+              <a:schemeClr val="tx1"/>
+            </a:solidFill>
+          </a:ln>
+        </p:spPr>
+        <p:txBody>
+          <a:bodyPr vert="horz" lIns="91440" tIns="45720" rIns="91440" bIns="45720" rtlCol="0">
+            <a:normAutofit fontScale="70000" lnSpcReduction="20000"/>
+          </a:bodyPr>
+          <a:lstStyle>
+            <a:lvl1pPr marL="228600" indent="-228600" algn="l" defTabSz="914400" rtl="0" eaLnBrk="1" latinLnBrk="0" hangingPunct="1">
+              <a:lnSpc>
+                <a:spcPct val="90000"/>
+              </a:lnSpc>
+              <a:spcBef>
+                <a:spcPts val="1000"/>
+              </a:spcBef>
+              <a:buFont typeface="Arial" panose="020B0604020202020204" pitchFamily="34" charset="0"/>
+              <a:buChar char="•"/>
+              <a:defRPr sz="2800" kern="1200">
+                <a:solidFill>
+                  <a:schemeClr val="tx1"/>
+                </a:solidFill>
+                <a:latin typeface="+mn-lt"/>
+                <a:ea typeface="+mn-ea"/>
+                <a:cs typeface="+mn-cs"/>
+              </a:defRPr>
+            </a:lvl1pPr>
+            <a:lvl2pPr marL="685800" indent="-228600" algn="l" defTabSz="914400" rtl="0" eaLnBrk="1" latinLnBrk="0" hangingPunct="1">
+              <a:lnSpc>
+                <a:spcPct val="90000"/>
+              </a:lnSpc>
+              <a:spcBef>
+                <a:spcPts val="500"/>
+              </a:spcBef>
+              <a:buFont typeface="Arial" panose="020B0604020202020204" pitchFamily="34" charset="0"/>
+              <a:buChar char="•"/>
+              <a:defRPr sz="2400" kern="1200">
+                <a:solidFill>
+                  <a:schemeClr val="tx1"/>
+                </a:solidFill>
+                <a:latin typeface="+mn-lt"/>
+                <a:ea typeface="+mn-ea"/>
+                <a:cs typeface="+mn-cs"/>
+              </a:defRPr>
+            </a:lvl2pPr>
+            <a:lvl3pPr marL="1143000" indent="-228600" algn="l" defTabSz="914400" rtl="0" eaLnBrk="1" latinLnBrk="0" hangingPunct="1">
+              <a:lnSpc>
+                <a:spcPct val="90000"/>
+              </a:lnSpc>
+              <a:spcBef>
+                <a:spcPts val="500"/>
+              </a:spcBef>
+              <a:buFont typeface="Arial" panose="020B0604020202020204" pitchFamily="34" charset="0"/>
+              <a:buChar char="•"/>
+              <a:defRPr sz="2000" kern="1200">
+                <a:solidFill>
+                  <a:schemeClr val="tx1"/>
+                </a:solidFill>
+                <a:latin typeface="+mn-lt"/>
+                <a:ea typeface="+mn-ea"/>
+                <a:cs typeface="+mn-cs"/>
+              </a:defRPr>
+            </a:lvl3pPr>
+            <a:lvl4pPr marL="1600200" indent="-228600" algn="l" defTabSz="914400" rtl="0" eaLnBrk="1" latinLnBrk="0" hangingPunct="1">
+              <a:lnSpc>
+                <a:spcPct val="90000"/>
+              </a:lnSpc>
+              <a:spcBef>
+                <a:spcPts val="500"/>
+              </a:spcBef>
+              <a:buFont typeface="Arial" panose="020B0604020202020204" pitchFamily="34" charset="0"/>
+              <a:buChar char="•"/>
+              <a:defRPr sz="1800" kern="1200">
+                <a:solidFill>
+                  <a:schemeClr val="tx1"/>
+                </a:solidFill>
+                <a:latin typeface="+mn-lt"/>
+                <a:ea typeface="+mn-ea"/>
+                <a:cs typeface="+mn-cs"/>
+              </a:defRPr>
+            </a:lvl4pPr>
+            <a:lvl5pPr marL="2057400" indent="-228600" algn="l" defTabSz="914400" rtl="0" eaLnBrk="1" latinLnBrk="0" hangingPunct="1">
+              <a:lnSpc>
+                <a:spcPct val="90000"/>
+              </a:lnSpc>
+              <a:spcBef>
+                <a:spcPts val="500"/>
+              </a:spcBef>
+              <a:buFont typeface="Arial" panose="020B0604020202020204" pitchFamily="34" charset="0"/>
+              <a:buChar char="•"/>
+              <a:defRPr sz="1800" kern="1200">
+                <a:solidFill>
+                  <a:schemeClr val="tx1"/>
+                </a:solidFill>
+                <a:latin typeface="+mn-lt"/>
+                <a:ea typeface="+mn-ea"/>
+                <a:cs typeface="+mn-cs"/>
+              </a:defRPr>
+            </a:lvl5pPr>
+            <a:lvl6pPr marL="2514600" indent="-228600" algn="l" defTabSz="914400" rtl="0" eaLnBrk="1" latinLnBrk="0" hangingPunct="1">
+              <a:lnSpc>
+                <a:spcPct val="90000"/>
+              </a:lnSpc>
+              <a:spcBef>
+                <a:spcPts val="500"/>
+              </a:spcBef>
+              <a:buFont typeface="Arial" panose="020B0604020202020204" pitchFamily="34" charset="0"/>
+              <a:buChar char="•"/>
+              <a:defRPr sz="1800" kern="1200">
+                <a:solidFill>
+                  <a:schemeClr val="tx1"/>
+                </a:solidFill>
+                <a:latin typeface="+mn-lt"/>
+                <a:ea typeface="+mn-ea"/>
+                <a:cs typeface="+mn-cs"/>
+              </a:defRPr>
+            </a:lvl6pPr>
+            <a:lvl7pPr marL="2971800" indent="-228600" algn="l" defTabSz="914400" rtl="0" eaLnBrk="1" latinLnBrk="0" hangingPunct="1">
+              <a:lnSpc>
+                <a:spcPct val="90000"/>
+              </a:lnSpc>
+              <a:spcBef>
+                <a:spcPts val="500"/>
+              </a:spcBef>
+              <a:buFont typeface="Arial" panose="020B0604020202020204" pitchFamily="34" charset="0"/>
+              <a:buChar char="•"/>
+              <a:defRPr sz="1800" kern="1200">
+                <a:solidFill>
+                  <a:schemeClr val="tx1"/>
+                </a:solidFill>
+                <a:latin typeface="+mn-lt"/>
+                <a:ea typeface="+mn-ea"/>
+                <a:cs typeface="+mn-cs"/>
+              </a:defRPr>
+            </a:lvl7pPr>
+            <a:lvl8pPr marL="3429000" indent="-228600" algn="l" defTabSz="914400" rtl="0" eaLnBrk="1" latinLnBrk="0" hangingPunct="1">
+              <a:lnSpc>
+                <a:spcPct val="90000"/>
+              </a:lnSpc>
+              <a:spcBef>
+                <a:spcPts val="500"/>
+              </a:spcBef>
+              <a:buFont typeface="Arial" panose="020B0604020202020204" pitchFamily="34" charset="0"/>
+              <a:buChar char="•"/>
+              <a:defRPr sz="1800" kern="1200">
+                <a:solidFill>
+                  <a:schemeClr val="tx1"/>
+                </a:solidFill>
+                <a:latin typeface="+mn-lt"/>
+                <a:ea typeface="+mn-ea"/>
+                <a:cs typeface="+mn-cs"/>
+              </a:defRPr>
+            </a:lvl8pPr>
+            <a:lvl9pPr marL="3886200" indent="-228600" algn="l" defTabSz="914400" rtl="0" eaLnBrk="1" latinLnBrk="0" hangingPunct="1">
+              <a:lnSpc>
+                <a:spcPct val="90000"/>
+              </a:lnSpc>
+              <a:spcBef>
+                <a:spcPts val="500"/>
+              </a:spcBef>
+              <a:buFont typeface="Arial" panose="020B0604020202020204" pitchFamily="34" charset="0"/>
+              <a:buChar char="•"/>
+              <a:defRPr sz="1800" kern="1200">
+                <a:solidFill>
+                  <a:schemeClr val="tx1"/>
+                </a:solidFill>
+                <a:latin typeface="+mn-lt"/>
+                <a:ea typeface="+mn-ea"/>
+                <a:cs typeface="+mn-cs"/>
+              </a:defRPr>
+            </a:lvl9pPr>
+          </a:lstStyle>
+          <a:p>
+            <a:pPr marL="0" indent="0" algn="r">
+              <a:buFont typeface="Arial" panose="020B0604020202020204" pitchFamily="34" charset="0"/>
+              <a:buNone/>
+            </a:pPr>
+            <a:r>
+              <a:rPr lang="en-US" sz="2400" dirty="0">
+                <a:solidFill>
+                  <a:schemeClr val="tx2">
+                    <a:lumMod val="90000"/>
+                  </a:schemeClr>
+                </a:solidFill>
+              </a:rPr>
+              <a:t>Value can be fungible or non-fungible, sub-dividable or not, etc.</a:t>
+            </a:r>
+          </a:p>
+          <a:p>
+            <a:pPr marL="0" indent="0" algn="r">
+              <a:buFont typeface="Arial" panose="020B0604020202020204" pitchFamily="34" charset="0"/>
+              <a:buNone/>
+            </a:pPr>
+            <a:endParaRPr lang="en-US" sz="2400" dirty="0"/>
+          </a:p>
+        </p:txBody>
+      </p:sp>
+      <p:pic>
+        <p:nvPicPr>
+          <p:cNvPr id="61" name="Graphic 60" descr="Group of people">
+            <a:extLst>
+              <a:ext uri="{FF2B5EF4-FFF2-40B4-BE49-F238E27FC236}">
+                <a16:creationId xmlns:a16="http://schemas.microsoft.com/office/drawing/2014/main" id="{DC11A184-08F3-914F-81D3-DBF134F25F84}"/>
+              </a:ext>
+            </a:extLst>
+          </p:cNvPr>
+          <p:cNvPicPr>
+            <a:picLocks noChangeAspect="1"/>
+          </p:cNvPicPr>
+          <p:nvPr/>
+        </p:nvPicPr>
+        <p:blipFill>
+          <a:blip r:embed="rId34">
+            <a:lum bright="70000" contrast="-70000"/>
+            <a:extLst>
+              <a:ext uri="{96DAC541-7B7A-43D3-8B79-37D633B846F1}">
+                <asvg:svgBlip xmlns:asvg="http://schemas.microsoft.com/office/drawing/2016/SVG/main" r:embed="rId35"/>
+              </a:ext>
+            </a:extLst>
+          </a:blip>
+          <a:stretch>
+            <a:fillRect/>
+          </a:stretch>
+        </p:blipFill>
+        <p:spPr>
+          <a:xfrm>
+            <a:off x="5736499" y="5080935"/>
+            <a:ext cx="914400" cy="914400"/>
+          </a:xfrm>
+          <a:prstGeom prst="rect">
+            <a:avLst/>
+          </a:prstGeom>
+        </p:spPr>
+      </p:pic>
+      <p:sp>
+        <p:nvSpPr>
+          <p:cNvPr id="62" name="Content Placeholder 5">
+            <a:extLst>
+              <a:ext uri="{FF2B5EF4-FFF2-40B4-BE49-F238E27FC236}">
+                <a16:creationId xmlns:a16="http://schemas.microsoft.com/office/drawing/2014/main" id="{4A2B0BDD-2D2E-3645-BDF5-2539B5D4674D}"/>
+              </a:ext>
+            </a:extLst>
+          </p:cNvPr>
+          <p:cNvSpPr txBox="1">
+            <a:spLocks/>
+          </p:cNvSpPr>
+          <p:nvPr/>
+        </p:nvSpPr>
+        <p:spPr>
+          <a:xfrm>
+            <a:off x="7394026" y="4970387"/>
+            <a:ext cx="3314904" cy="369048"/>
+          </a:xfrm>
+          <a:prstGeom prst="rect">
+            <a:avLst/>
+          </a:prstGeom>
+          <a:ln>
+            <a:solidFill>
+              <a:schemeClr val="tx1"/>
+            </a:solidFill>
+          </a:ln>
+        </p:spPr>
+        <p:txBody>
+          <a:bodyPr vert="horz" lIns="91440" tIns="45720" rIns="91440" bIns="45720" rtlCol="0">
+            <a:normAutofit/>
+          </a:bodyPr>
+          <a:lstStyle>
+            <a:lvl1pPr marL="228600" indent="-228600" algn="l" defTabSz="914400" rtl="0" eaLnBrk="1" latinLnBrk="0" hangingPunct="1">
+              <a:lnSpc>
+                <a:spcPct val="90000"/>
+              </a:lnSpc>
+              <a:spcBef>
+                <a:spcPts val="1000"/>
+              </a:spcBef>
+              <a:buFont typeface="Arial" panose="020B0604020202020204" pitchFamily="34" charset="0"/>
+              <a:buChar char="•"/>
+              <a:defRPr sz="2800" kern="1200">
+                <a:solidFill>
+                  <a:schemeClr val="tx1"/>
+                </a:solidFill>
+                <a:latin typeface="+mn-lt"/>
+                <a:ea typeface="+mn-ea"/>
+                <a:cs typeface="+mn-cs"/>
+              </a:defRPr>
+            </a:lvl1pPr>
+            <a:lvl2pPr marL="685800" indent="-228600" algn="l" defTabSz="914400" rtl="0" eaLnBrk="1" latinLnBrk="0" hangingPunct="1">
+              <a:lnSpc>
+                <a:spcPct val="90000"/>
+              </a:lnSpc>
+              <a:spcBef>
+                <a:spcPts val="500"/>
+              </a:spcBef>
+              <a:buFont typeface="Arial" panose="020B0604020202020204" pitchFamily="34" charset="0"/>
+              <a:buChar char="•"/>
+              <a:defRPr sz="2400" kern="1200">
+                <a:solidFill>
+                  <a:schemeClr val="tx1"/>
+                </a:solidFill>
+                <a:latin typeface="+mn-lt"/>
+                <a:ea typeface="+mn-ea"/>
+                <a:cs typeface="+mn-cs"/>
+              </a:defRPr>
+            </a:lvl2pPr>
+            <a:lvl3pPr marL="1143000" indent="-228600" algn="l" defTabSz="914400" rtl="0" eaLnBrk="1" latinLnBrk="0" hangingPunct="1">
+              <a:lnSpc>
+                <a:spcPct val="90000"/>
+              </a:lnSpc>
+              <a:spcBef>
+                <a:spcPts val="500"/>
+              </a:spcBef>
+              <a:buFont typeface="Arial" panose="020B0604020202020204" pitchFamily="34" charset="0"/>
+              <a:buChar char="•"/>
+              <a:defRPr sz="2000" kern="1200">
+                <a:solidFill>
+                  <a:schemeClr val="tx1"/>
+                </a:solidFill>
+                <a:latin typeface="+mn-lt"/>
+                <a:ea typeface="+mn-ea"/>
+                <a:cs typeface="+mn-cs"/>
+              </a:defRPr>
+            </a:lvl3pPr>
+            <a:lvl4pPr marL="1600200" indent="-228600" algn="l" defTabSz="914400" rtl="0" eaLnBrk="1" latinLnBrk="0" hangingPunct="1">
+              <a:lnSpc>
+                <a:spcPct val="90000"/>
+              </a:lnSpc>
+              <a:spcBef>
+                <a:spcPts val="500"/>
+              </a:spcBef>
+              <a:buFont typeface="Arial" panose="020B0604020202020204" pitchFamily="34" charset="0"/>
+              <a:buChar char="•"/>
+              <a:defRPr sz="1800" kern="1200">
+                <a:solidFill>
+                  <a:schemeClr val="tx1"/>
+                </a:solidFill>
+                <a:latin typeface="+mn-lt"/>
+                <a:ea typeface="+mn-ea"/>
+                <a:cs typeface="+mn-cs"/>
+              </a:defRPr>
+            </a:lvl4pPr>
+            <a:lvl5pPr marL="2057400" indent="-228600" algn="l" defTabSz="914400" rtl="0" eaLnBrk="1" latinLnBrk="0" hangingPunct="1">
+              <a:lnSpc>
+                <a:spcPct val="90000"/>
+              </a:lnSpc>
+              <a:spcBef>
+                <a:spcPts val="500"/>
+              </a:spcBef>
+              <a:buFont typeface="Arial" panose="020B0604020202020204" pitchFamily="34" charset="0"/>
+              <a:buChar char="•"/>
+              <a:defRPr sz="1800" kern="1200">
+                <a:solidFill>
+                  <a:schemeClr val="tx1"/>
+                </a:solidFill>
+                <a:latin typeface="+mn-lt"/>
+                <a:ea typeface="+mn-ea"/>
+                <a:cs typeface="+mn-cs"/>
+              </a:defRPr>
+            </a:lvl5pPr>
+            <a:lvl6pPr marL="2514600" indent="-228600" algn="l" defTabSz="914400" rtl="0" eaLnBrk="1" latinLnBrk="0" hangingPunct="1">
+              <a:lnSpc>
+                <a:spcPct val="90000"/>
+              </a:lnSpc>
+              <a:spcBef>
+                <a:spcPts val="500"/>
+              </a:spcBef>
+              <a:buFont typeface="Arial" panose="020B0604020202020204" pitchFamily="34" charset="0"/>
+              <a:buChar char="•"/>
+              <a:defRPr sz="1800" kern="1200">
+                <a:solidFill>
+                  <a:schemeClr val="tx1"/>
+                </a:solidFill>
+                <a:latin typeface="+mn-lt"/>
+                <a:ea typeface="+mn-ea"/>
+                <a:cs typeface="+mn-cs"/>
+              </a:defRPr>
+            </a:lvl6pPr>
+            <a:lvl7pPr marL="2971800" indent="-228600" algn="l" defTabSz="914400" rtl="0" eaLnBrk="1" latinLnBrk="0" hangingPunct="1">
+              <a:lnSpc>
+                <a:spcPct val="90000"/>
+              </a:lnSpc>
+              <a:spcBef>
+                <a:spcPts val="500"/>
+              </a:spcBef>
+              <a:buFont typeface="Arial" panose="020B0604020202020204" pitchFamily="34" charset="0"/>
+              <a:buChar char="•"/>
+              <a:defRPr sz="1800" kern="1200">
+                <a:solidFill>
+                  <a:schemeClr val="tx1"/>
+                </a:solidFill>
+                <a:latin typeface="+mn-lt"/>
+                <a:ea typeface="+mn-ea"/>
+                <a:cs typeface="+mn-cs"/>
+              </a:defRPr>
+            </a:lvl7pPr>
+            <a:lvl8pPr marL="3429000" indent="-228600" algn="l" defTabSz="914400" rtl="0" eaLnBrk="1" latinLnBrk="0" hangingPunct="1">
+              <a:lnSpc>
+                <a:spcPct val="90000"/>
+              </a:lnSpc>
+              <a:spcBef>
+                <a:spcPts val="500"/>
+              </a:spcBef>
+              <a:buFont typeface="Arial" panose="020B0604020202020204" pitchFamily="34" charset="0"/>
+              <a:buChar char="•"/>
+              <a:defRPr sz="1800" kern="1200">
+                <a:solidFill>
+                  <a:schemeClr val="tx1"/>
+                </a:solidFill>
+                <a:latin typeface="+mn-lt"/>
+                <a:ea typeface="+mn-ea"/>
+                <a:cs typeface="+mn-cs"/>
+              </a:defRPr>
+            </a:lvl8pPr>
+            <a:lvl9pPr marL="3886200" indent="-228600" algn="l" defTabSz="914400" rtl="0" eaLnBrk="1" latinLnBrk="0" hangingPunct="1">
+              <a:lnSpc>
+                <a:spcPct val="90000"/>
+              </a:lnSpc>
+              <a:spcBef>
+                <a:spcPts val="500"/>
+              </a:spcBef>
+              <a:buFont typeface="Arial" panose="020B0604020202020204" pitchFamily="34" charset="0"/>
+              <a:buChar char="•"/>
+              <a:defRPr sz="1800" kern="1200">
+                <a:solidFill>
+                  <a:schemeClr val="tx1"/>
+                </a:solidFill>
+                <a:latin typeface="+mn-lt"/>
+                <a:ea typeface="+mn-ea"/>
+                <a:cs typeface="+mn-cs"/>
+              </a:defRPr>
+            </a:lvl9pPr>
+          </a:lstStyle>
+          <a:p>
+            <a:pPr marL="0" indent="0" algn="r">
+              <a:buFont typeface="Arial" panose="020B0604020202020204" pitchFamily="34" charset="0"/>
+              <a:buNone/>
+            </a:pPr>
+            <a:r>
+              <a:rPr lang="en-US" sz="1700" dirty="0">
+                <a:solidFill>
+                  <a:schemeClr val="tx2">
+                    <a:lumMod val="90000"/>
+                  </a:schemeClr>
+                </a:solidFill>
+              </a:rPr>
+              <a:t>Each token has an Owner</a:t>
+            </a:r>
+          </a:p>
+          <a:p>
+            <a:pPr marL="0" indent="0" algn="r">
+              <a:buFont typeface="Arial" panose="020B0604020202020204" pitchFamily="34" charset="0"/>
+              <a:buNone/>
+            </a:pPr>
+            <a:endParaRPr lang="en-US" sz="1700" dirty="0"/>
+          </a:p>
+        </p:txBody>
+      </p:sp>
+      <p:sp>
+        <p:nvSpPr>
+          <p:cNvPr id="63" name="Content Placeholder 5">
+            <a:extLst>
+              <a:ext uri="{FF2B5EF4-FFF2-40B4-BE49-F238E27FC236}">
+                <a16:creationId xmlns:a16="http://schemas.microsoft.com/office/drawing/2014/main" id="{47CFA4A5-09CC-0F40-B005-CD047D88C0EE}"/>
+              </a:ext>
+            </a:extLst>
+          </p:cNvPr>
+          <p:cNvSpPr txBox="1">
+            <a:spLocks/>
+          </p:cNvSpPr>
+          <p:nvPr/>
+        </p:nvSpPr>
+        <p:spPr>
+          <a:xfrm>
+            <a:off x="7394026" y="5389964"/>
+            <a:ext cx="3314904" cy="474763"/>
+          </a:xfrm>
+          <a:prstGeom prst="rect">
+            <a:avLst/>
+          </a:prstGeom>
+          <a:ln>
+            <a:solidFill>
+              <a:schemeClr val="tx1"/>
+            </a:solidFill>
+          </a:ln>
+        </p:spPr>
+        <p:txBody>
+          <a:bodyPr vert="horz" lIns="91440" tIns="45720" rIns="91440" bIns="45720" rtlCol="0">
+            <a:normAutofit fontScale="92500" lnSpcReduction="20000"/>
+          </a:bodyPr>
+          <a:lstStyle>
+            <a:lvl1pPr marL="228600" indent="-228600" algn="l" defTabSz="914400" rtl="0" eaLnBrk="1" latinLnBrk="0" hangingPunct="1">
+              <a:lnSpc>
+                <a:spcPct val="90000"/>
+              </a:lnSpc>
+              <a:spcBef>
+                <a:spcPts val="1000"/>
+              </a:spcBef>
+              <a:buFont typeface="Arial" panose="020B0604020202020204" pitchFamily="34" charset="0"/>
+              <a:buChar char="•"/>
+              <a:defRPr sz="2800" kern="1200">
+                <a:solidFill>
+                  <a:schemeClr val="tx1"/>
+                </a:solidFill>
+                <a:latin typeface="+mn-lt"/>
+                <a:ea typeface="+mn-ea"/>
+                <a:cs typeface="+mn-cs"/>
+              </a:defRPr>
+            </a:lvl1pPr>
+            <a:lvl2pPr marL="685800" indent="-228600" algn="l" defTabSz="914400" rtl="0" eaLnBrk="1" latinLnBrk="0" hangingPunct="1">
+              <a:lnSpc>
+                <a:spcPct val="90000"/>
+              </a:lnSpc>
+              <a:spcBef>
+                <a:spcPts val="500"/>
+              </a:spcBef>
+              <a:buFont typeface="Arial" panose="020B0604020202020204" pitchFamily="34" charset="0"/>
+              <a:buChar char="•"/>
+              <a:defRPr sz="2400" kern="1200">
+                <a:solidFill>
+                  <a:schemeClr val="tx1"/>
+                </a:solidFill>
+                <a:latin typeface="+mn-lt"/>
+                <a:ea typeface="+mn-ea"/>
+                <a:cs typeface="+mn-cs"/>
+              </a:defRPr>
+            </a:lvl2pPr>
+            <a:lvl3pPr marL="1143000" indent="-228600" algn="l" defTabSz="914400" rtl="0" eaLnBrk="1" latinLnBrk="0" hangingPunct="1">
+              <a:lnSpc>
+                <a:spcPct val="90000"/>
+              </a:lnSpc>
+              <a:spcBef>
+                <a:spcPts val="500"/>
+              </a:spcBef>
+              <a:buFont typeface="Arial" panose="020B0604020202020204" pitchFamily="34" charset="0"/>
+              <a:buChar char="•"/>
+              <a:defRPr sz="2000" kern="1200">
+                <a:solidFill>
+                  <a:schemeClr val="tx1"/>
+                </a:solidFill>
+                <a:latin typeface="+mn-lt"/>
+                <a:ea typeface="+mn-ea"/>
+                <a:cs typeface="+mn-cs"/>
+              </a:defRPr>
+            </a:lvl3pPr>
+            <a:lvl4pPr marL="1600200" indent="-228600" algn="l" defTabSz="914400" rtl="0" eaLnBrk="1" latinLnBrk="0" hangingPunct="1">
+              <a:lnSpc>
+                <a:spcPct val="90000"/>
+              </a:lnSpc>
+              <a:spcBef>
+                <a:spcPts val="500"/>
+              </a:spcBef>
+              <a:buFont typeface="Arial" panose="020B0604020202020204" pitchFamily="34" charset="0"/>
+              <a:buChar char="•"/>
+              <a:defRPr sz="1800" kern="1200">
+                <a:solidFill>
+                  <a:schemeClr val="tx1"/>
+                </a:solidFill>
+                <a:latin typeface="+mn-lt"/>
+                <a:ea typeface="+mn-ea"/>
+                <a:cs typeface="+mn-cs"/>
+              </a:defRPr>
+            </a:lvl4pPr>
+            <a:lvl5pPr marL="2057400" indent="-228600" algn="l" defTabSz="914400" rtl="0" eaLnBrk="1" latinLnBrk="0" hangingPunct="1">
+              <a:lnSpc>
+                <a:spcPct val="90000"/>
+              </a:lnSpc>
+              <a:spcBef>
+                <a:spcPts val="500"/>
+              </a:spcBef>
+              <a:buFont typeface="Arial" panose="020B0604020202020204" pitchFamily="34" charset="0"/>
+              <a:buChar char="•"/>
+              <a:defRPr sz="1800" kern="1200">
+                <a:solidFill>
+                  <a:schemeClr val="tx1"/>
+                </a:solidFill>
+                <a:latin typeface="+mn-lt"/>
+                <a:ea typeface="+mn-ea"/>
+                <a:cs typeface="+mn-cs"/>
+              </a:defRPr>
+            </a:lvl5pPr>
+            <a:lvl6pPr marL="2514600" indent="-228600" algn="l" defTabSz="914400" rtl="0" eaLnBrk="1" latinLnBrk="0" hangingPunct="1">
+              <a:lnSpc>
+                <a:spcPct val="90000"/>
+              </a:lnSpc>
+              <a:spcBef>
+                <a:spcPts val="500"/>
+              </a:spcBef>
+              <a:buFont typeface="Arial" panose="020B0604020202020204" pitchFamily="34" charset="0"/>
+              <a:buChar char="•"/>
+              <a:defRPr sz="1800" kern="1200">
+                <a:solidFill>
+                  <a:schemeClr val="tx1"/>
+                </a:solidFill>
+                <a:latin typeface="+mn-lt"/>
+                <a:ea typeface="+mn-ea"/>
+                <a:cs typeface="+mn-cs"/>
+              </a:defRPr>
+            </a:lvl6pPr>
+            <a:lvl7pPr marL="2971800" indent="-228600" algn="l" defTabSz="914400" rtl="0" eaLnBrk="1" latinLnBrk="0" hangingPunct="1">
+              <a:lnSpc>
+                <a:spcPct val="90000"/>
+              </a:lnSpc>
+              <a:spcBef>
+                <a:spcPts val="500"/>
+              </a:spcBef>
+              <a:buFont typeface="Arial" panose="020B0604020202020204" pitchFamily="34" charset="0"/>
+              <a:buChar char="•"/>
+              <a:defRPr sz="1800" kern="1200">
+                <a:solidFill>
+                  <a:schemeClr val="tx1"/>
+                </a:solidFill>
+                <a:latin typeface="+mn-lt"/>
+                <a:ea typeface="+mn-ea"/>
+                <a:cs typeface="+mn-cs"/>
+              </a:defRPr>
+            </a:lvl7pPr>
+            <a:lvl8pPr marL="3429000" indent="-228600" algn="l" defTabSz="914400" rtl="0" eaLnBrk="1" latinLnBrk="0" hangingPunct="1">
+              <a:lnSpc>
+                <a:spcPct val="90000"/>
+              </a:lnSpc>
+              <a:spcBef>
+                <a:spcPts val="500"/>
+              </a:spcBef>
+              <a:buFont typeface="Arial" panose="020B0604020202020204" pitchFamily="34" charset="0"/>
+              <a:buChar char="•"/>
+              <a:defRPr sz="1800" kern="1200">
+                <a:solidFill>
+                  <a:schemeClr val="tx1"/>
+                </a:solidFill>
+                <a:latin typeface="+mn-lt"/>
+                <a:ea typeface="+mn-ea"/>
+                <a:cs typeface="+mn-cs"/>
+              </a:defRPr>
+            </a:lvl8pPr>
+            <a:lvl9pPr marL="3886200" indent="-228600" algn="l" defTabSz="914400" rtl="0" eaLnBrk="1" latinLnBrk="0" hangingPunct="1">
+              <a:lnSpc>
+                <a:spcPct val="90000"/>
+              </a:lnSpc>
+              <a:spcBef>
+                <a:spcPts val="500"/>
+              </a:spcBef>
+              <a:buFont typeface="Arial" panose="020B0604020202020204" pitchFamily="34" charset="0"/>
+              <a:buChar char="•"/>
+              <a:defRPr sz="1800" kern="1200">
+                <a:solidFill>
+                  <a:schemeClr val="tx1"/>
+                </a:solidFill>
+                <a:latin typeface="+mn-lt"/>
+                <a:ea typeface="+mn-ea"/>
+                <a:cs typeface="+mn-cs"/>
+              </a:defRPr>
+            </a:lvl9pPr>
+          </a:lstStyle>
+          <a:p>
+            <a:pPr marL="0" indent="0" algn="r">
+              <a:buFont typeface="Arial" panose="020B0604020202020204" pitchFamily="34" charset="0"/>
+              <a:buNone/>
+            </a:pPr>
+            <a:r>
+              <a:rPr lang="en-US" sz="1800" dirty="0">
+                <a:solidFill>
+                  <a:schemeClr val="tx2">
+                    <a:lumMod val="90000"/>
+                  </a:schemeClr>
+                </a:solidFill>
+              </a:rPr>
+              <a:t>Token ownership can be transferred or not</a:t>
+            </a:r>
+          </a:p>
+        </p:txBody>
+      </p:sp>
+      <p:sp>
+        <p:nvSpPr>
+          <p:cNvPr id="64" name="Content Placeholder 5">
+            <a:extLst>
+              <a:ext uri="{FF2B5EF4-FFF2-40B4-BE49-F238E27FC236}">
+                <a16:creationId xmlns:a16="http://schemas.microsoft.com/office/drawing/2014/main" id="{9EE2CC7A-7C68-8A40-96E9-AF6244A0D5F7}"/>
+              </a:ext>
+            </a:extLst>
+          </p:cNvPr>
+          <p:cNvSpPr txBox="1">
+            <a:spLocks/>
+          </p:cNvSpPr>
+          <p:nvPr/>
+        </p:nvSpPr>
+        <p:spPr>
+          <a:xfrm>
+            <a:off x="1968421" y="5389964"/>
+            <a:ext cx="3314904" cy="1018976"/>
+          </a:xfrm>
+          <a:prstGeom prst="rect">
+            <a:avLst/>
+          </a:prstGeom>
+          <a:ln>
+            <a:solidFill>
+              <a:schemeClr val="tx1"/>
+            </a:solidFill>
+          </a:ln>
+        </p:spPr>
+        <p:txBody>
+          <a:bodyPr vert="horz" lIns="91440" tIns="45720" rIns="91440" bIns="45720" rtlCol="0">
+            <a:noAutofit/>
+          </a:bodyPr>
+          <a:lstStyle>
+            <a:lvl1pPr marL="228600" indent="-228600" algn="l" defTabSz="914400" rtl="0" eaLnBrk="1" latinLnBrk="0" hangingPunct="1">
+              <a:lnSpc>
+                <a:spcPct val="90000"/>
+              </a:lnSpc>
+              <a:spcBef>
+                <a:spcPts val="1000"/>
+              </a:spcBef>
+              <a:buFont typeface="Arial" panose="020B0604020202020204" pitchFamily="34" charset="0"/>
+              <a:buChar char="•"/>
+              <a:defRPr sz="2800" kern="1200">
+                <a:solidFill>
+                  <a:schemeClr val="tx1"/>
+                </a:solidFill>
+                <a:latin typeface="+mn-lt"/>
+                <a:ea typeface="+mn-ea"/>
+                <a:cs typeface="+mn-cs"/>
+              </a:defRPr>
+            </a:lvl1pPr>
+            <a:lvl2pPr marL="685800" indent="-228600" algn="l" defTabSz="914400" rtl="0" eaLnBrk="1" latinLnBrk="0" hangingPunct="1">
+              <a:lnSpc>
+                <a:spcPct val="90000"/>
+              </a:lnSpc>
+              <a:spcBef>
+                <a:spcPts val="500"/>
+              </a:spcBef>
+              <a:buFont typeface="Arial" panose="020B0604020202020204" pitchFamily="34" charset="0"/>
+              <a:buChar char="•"/>
+              <a:defRPr sz="2400" kern="1200">
+                <a:solidFill>
+                  <a:schemeClr val="tx1"/>
+                </a:solidFill>
+                <a:latin typeface="+mn-lt"/>
+                <a:ea typeface="+mn-ea"/>
+                <a:cs typeface="+mn-cs"/>
+              </a:defRPr>
+            </a:lvl2pPr>
+            <a:lvl3pPr marL="1143000" indent="-228600" algn="l" defTabSz="914400" rtl="0" eaLnBrk="1" latinLnBrk="0" hangingPunct="1">
+              <a:lnSpc>
+                <a:spcPct val="90000"/>
+              </a:lnSpc>
+              <a:spcBef>
+                <a:spcPts val="500"/>
+              </a:spcBef>
+              <a:buFont typeface="Arial" panose="020B0604020202020204" pitchFamily="34" charset="0"/>
+              <a:buChar char="•"/>
+              <a:defRPr sz="2000" kern="1200">
+                <a:solidFill>
+                  <a:schemeClr val="tx1"/>
+                </a:solidFill>
+                <a:latin typeface="+mn-lt"/>
+                <a:ea typeface="+mn-ea"/>
+                <a:cs typeface="+mn-cs"/>
+              </a:defRPr>
+            </a:lvl3pPr>
+            <a:lvl4pPr marL="1600200" indent="-228600" algn="l" defTabSz="914400" rtl="0" eaLnBrk="1" latinLnBrk="0" hangingPunct="1">
+              <a:lnSpc>
+                <a:spcPct val="90000"/>
+              </a:lnSpc>
+              <a:spcBef>
+                <a:spcPts val="500"/>
+              </a:spcBef>
+              <a:buFont typeface="Arial" panose="020B0604020202020204" pitchFamily="34" charset="0"/>
+              <a:buChar char="•"/>
+              <a:defRPr sz="1800" kern="1200">
+                <a:solidFill>
+                  <a:schemeClr val="tx1"/>
+                </a:solidFill>
+                <a:latin typeface="+mn-lt"/>
+                <a:ea typeface="+mn-ea"/>
+                <a:cs typeface="+mn-cs"/>
+              </a:defRPr>
+            </a:lvl4pPr>
+            <a:lvl5pPr marL="2057400" indent="-228600" algn="l" defTabSz="914400" rtl="0" eaLnBrk="1" latinLnBrk="0" hangingPunct="1">
+              <a:lnSpc>
+                <a:spcPct val="90000"/>
+              </a:lnSpc>
+              <a:spcBef>
+                <a:spcPts val="500"/>
+              </a:spcBef>
+              <a:buFont typeface="Arial" panose="020B0604020202020204" pitchFamily="34" charset="0"/>
+              <a:buChar char="•"/>
+              <a:defRPr sz="1800" kern="1200">
+                <a:solidFill>
+                  <a:schemeClr val="tx1"/>
+                </a:solidFill>
+                <a:latin typeface="+mn-lt"/>
+                <a:ea typeface="+mn-ea"/>
+                <a:cs typeface="+mn-cs"/>
+              </a:defRPr>
+            </a:lvl5pPr>
+            <a:lvl6pPr marL="2514600" indent="-228600" algn="l" defTabSz="914400" rtl="0" eaLnBrk="1" latinLnBrk="0" hangingPunct="1">
+              <a:lnSpc>
+                <a:spcPct val="90000"/>
+              </a:lnSpc>
+              <a:spcBef>
+                <a:spcPts val="500"/>
+              </a:spcBef>
+              <a:buFont typeface="Arial" panose="020B0604020202020204" pitchFamily="34" charset="0"/>
+              <a:buChar char="•"/>
+              <a:defRPr sz="1800" kern="1200">
+                <a:solidFill>
+                  <a:schemeClr val="tx1"/>
+                </a:solidFill>
+                <a:latin typeface="+mn-lt"/>
+                <a:ea typeface="+mn-ea"/>
+                <a:cs typeface="+mn-cs"/>
+              </a:defRPr>
+            </a:lvl6pPr>
+            <a:lvl7pPr marL="2971800" indent="-228600" algn="l" defTabSz="914400" rtl="0" eaLnBrk="1" latinLnBrk="0" hangingPunct="1">
+              <a:lnSpc>
+                <a:spcPct val="90000"/>
+              </a:lnSpc>
+              <a:spcBef>
+                <a:spcPts val="500"/>
+              </a:spcBef>
+              <a:buFont typeface="Arial" panose="020B0604020202020204" pitchFamily="34" charset="0"/>
+              <a:buChar char="•"/>
+              <a:defRPr sz="1800" kern="1200">
+                <a:solidFill>
+                  <a:schemeClr val="tx1"/>
+                </a:solidFill>
+                <a:latin typeface="+mn-lt"/>
+                <a:ea typeface="+mn-ea"/>
+                <a:cs typeface="+mn-cs"/>
+              </a:defRPr>
+            </a:lvl7pPr>
+            <a:lvl8pPr marL="3429000" indent="-228600" algn="l" defTabSz="914400" rtl="0" eaLnBrk="1" latinLnBrk="0" hangingPunct="1">
+              <a:lnSpc>
+                <a:spcPct val="90000"/>
+              </a:lnSpc>
+              <a:spcBef>
+                <a:spcPts val="500"/>
+              </a:spcBef>
+              <a:buFont typeface="Arial" panose="020B0604020202020204" pitchFamily="34" charset="0"/>
+              <a:buChar char="•"/>
+              <a:defRPr sz="1800" kern="1200">
+                <a:solidFill>
+                  <a:schemeClr val="tx1"/>
+                </a:solidFill>
+                <a:latin typeface="+mn-lt"/>
+                <a:ea typeface="+mn-ea"/>
+                <a:cs typeface="+mn-cs"/>
+              </a:defRPr>
+            </a:lvl8pPr>
+            <a:lvl9pPr marL="3886200" indent="-228600" algn="l" defTabSz="914400" rtl="0" eaLnBrk="1" latinLnBrk="0" hangingPunct="1">
+              <a:lnSpc>
+                <a:spcPct val="90000"/>
+              </a:lnSpc>
+              <a:spcBef>
+                <a:spcPts val="500"/>
+              </a:spcBef>
+              <a:buFont typeface="Arial" panose="020B0604020202020204" pitchFamily="34" charset="0"/>
+              <a:buChar char="•"/>
+              <a:defRPr sz="1800" kern="1200">
+                <a:solidFill>
+                  <a:schemeClr val="tx1"/>
+                </a:solidFill>
+                <a:latin typeface="+mn-lt"/>
+                <a:ea typeface="+mn-ea"/>
+                <a:cs typeface="+mn-cs"/>
+              </a:defRPr>
+            </a:lvl9pPr>
+          </a:lstStyle>
+          <a:p>
+            <a:pPr marL="0" indent="0" algn="r">
+              <a:buFont typeface="Arial" panose="020B0604020202020204" pitchFamily="34" charset="0"/>
+              <a:buNone/>
+            </a:pPr>
+            <a:r>
+              <a:rPr lang="en-US" sz="1700" dirty="0">
+                <a:solidFill>
+                  <a:schemeClr val="tx2">
+                    <a:lumMod val="90000"/>
+                  </a:schemeClr>
+                </a:solidFill>
+              </a:rPr>
+              <a:t>Represented Value can be a physical or digital asset, property, proof/certificate or authorization, etc.</a:t>
+            </a:r>
+          </a:p>
+          <a:p>
+            <a:pPr marL="0" indent="0" algn="r">
+              <a:buFont typeface="Arial" panose="020B0604020202020204" pitchFamily="34" charset="0"/>
+              <a:buNone/>
+            </a:pPr>
+            <a:endParaRPr lang="en-US" sz="1700" dirty="0"/>
+          </a:p>
+        </p:txBody>
+      </p:sp>
+      <p:sp>
+        <p:nvSpPr>
+          <p:cNvPr id="65" name="Rectangle 64">
+            <a:extLst>
+              <a:ext uri="{FF2B5EF4-FFF2-40B4-BE49-F238E27FC236}">
+                <a16:creationId xmlns:a16="http://schemas.microsoft.com/office/drawing/2014/main" id="{11C776BE-646E-2447-B07B-A62819B1CA1C}"/>
+              </a:ext>
+            </a:extLst>
+          </p:cNvPr>
+          <p:cNvSpPr/>
+          <p:nvPr/>
+        </p:nvSpPr>
+        <p:spPr>
+          <a:xfrm rot="19551208">
+            <a:off x="2942024" y="4014521"/>
+            <a:ext cx="1105789" cy="400110"/>
+          </a:xfrm>
+          <a:prstGeom prst="rect">
+            <a:avLst/>
+          </a:prstGeom>
+          <a:noFill/>
+          <a:ln w="6350">
+            <a:solidFill>
+              <a:schemeClr val="accent4"/>
+            </a:solidFill>
+            <a:prstDash val="dash"/>
+          </a:ln>
+        </p:spPr>
+        <p:txBody>
+          <a:bodyPr wrap="square" lIns="91440" tIns="45720" rIns="91440" bIns="45720">
+            <a:spAutoFit/>
+            <a:scene3d>
+              <a:camera prst="orthographicFront"/>
+              <a:lightRig rig="soft" dir="t">
+                <a:rot lat="0" lon="0" rev="15600000"/>
+              </a:lightRig>
+            </a:scene3d>
+            <a:sp3d extrusionH="57150" prstMaterial="softEdge">
+              <a:bevelT w="25400" h="38100"/>
+            </a:sp3d>
+          </a:bodyPr>
+          <a:lstStyle/>
+          <a:p>
+            <a:pPr algn="ctr"/>
+            <a:r>
+              <a:rPr lang="en-US" sz="2000" b="1" cap="none" spc="0" dirty="0">
+                <a:ln/>
+                <a:solidFill>
+                  <a:schemeClr val="accent4"/>
+                </a:solidFill>
+                <a:effectLst/>
+              </a:rPr>
+              <a:t>fungible</a:t>
+            </a:r>
+          </a:p>
+        </p:txBody>
+      </p:sp>
+      <p:sp>
+        <p:nvSpPr>
+          <p:cNvPr id="66" name="Rectangle 65">
+            <a:extLst>
+              <a:ext uri="{FF2B5EF4-FFF2-40B4-BE49-F238E27FC236}">
+                <a16:creationId xmlns:a16="http://schemas.microsoft.com/office/drawing/2014/main" id="{A23A9576-354F-4E44-B0A9-E87BA0141CF1}"/>
+              </a:ext>
+            </a:extLst>
+          </p:cNvPr>
+          <p:cNvSpPr/>
+          <p:nvPr/>
+        </p:nvSpPr>
+        <p:spPr>
+          <a:xfrm rot="19551208">
+            <a:off x="1555291" y="4009653"/>
+            <a:ext cx="1105789" cy="707886"/>
+          </a:xfrm>
+          <a:prstGeom prst="rect">
+            <a:avLst/>
+          </a:prstGeom>
+          <a:noFill/>
+          <a:ln w="12700" cmpd="dbl">
+            <a:solidFill>
+              <a:srgbClr val="C00000"/>
+            </a:solidFill>
+            <a:prstDash val="solid"/>
+          </a:ln>
+        </p:spPr>
+        <p:txBody>
+          <a:bodyPr wrap="square" lIns="91440" tIns="45720" rIns="91440" bIns="45720">
+            <a:spAutoFit/>
+            <a:scene3d>
+              <a:camera prst="orthographicFront"/>
+              <a:lightRig rig="soft" dir="t">
+                <a:rot lat="0" lon="0" rev="15600000"/>
+              </a:lightRig>
+            </a:scene3d>
+            <a:sp3d extrusionH="57150" prstMaterial="softEdge">
+              <a:bevelT w="25400" h="38100"/>
+            </a:sp3d>
+          </a:bodyPr>
+          <a:lstStyle/>
+          <a:p>
+            <a:pPr algn="ctr"/>
+            <a:r>
+              <a:rPr lang="en-US" sz="2000" b="1" dirty="0">
+                <a:ln/>
+                <a:solidFill>
+                  <a:srgbClr val="FF0000"/>
+                </a:solidFill>
+              </a:rPr>
+              <a:t>n</a:t>
+            </a:r>
+            <a:r>
+              <a:rPr lang="en-US" sz="2000" b="1" cap="none" spc="0" dirty="0">
+                <a:ln/>
+                <a:solidFill>
+                  <a:srgbClr val="FF0000"/>
+                </a:solidFill>
+                <a:effectLst/>
+              </a:rPr>
+              <a:t>on-fungible</a:t>
+            </a:r>
+          </a:p>
+        </p:txBody>
+      </p:sp>
+      <p:sp>
+        <p:nvSpPr>
+          <p:cNvPr id="68" name="Rectangle 67">
+            <a:extLst>
+              <a:ext uri="{FF2B5EF4-FFF2-40B4-BE49-F238E27FC236}">
+                <a16:creationId xmlns:a16="http://schemas.microsoft.com/office/drawing/2014/main" id="{A33780B0-A519-E847-9C44-0A63AC1CFEB2}"/>
+              </a:ext>
+            </a:extLst>
+          </p:cNvPr>
+          <p:cNvSpPr/>
+          <p:nvPr/>
+        </p:nvSpPr>
+        <p:spPr>
+          <a:xfrm>
+            <a:off x="3131908" y="4894372"/>
+            <a:ext cx="858625" cy="461665"/>
+          </a:xfrm>
+          <a:prstGeom prst="rect">
+            <a:avLst/>
+          </a:prstGeom>
+          <a:noFill/>
+          <a:ln w="12700" cmpd="dbl">
+            <a:solidFill>
+              <a:srgbClr val="C00000"/>
+            </a:solidFill>
+            <a:prstDash val="solid"/>
+          </a:ln>
+        </p:spPr>
+        <p:txBody>
+          <a:bodyPr wrap="square" lIns="91440" tIns="45720" rIns="91440" bIns="45720">
+            <a:spAutoFit/>
+            <a:scene3d>
+              <a:camera prst="orthographicFront"/>
+              <a:lightRig rig="soft" dir="t">
+                <a:rot lat="0" lon="0" rev="15600000"/>
+              </a:lightRig>
+            </a:scene3d>
+            <a:sp3d extrusionH="57150" prstMaterial="softEdge">
+              <a:bevelT w="25400" h="38100"/>
+            </a:sp3d>
+          </a:bodyPr>
+          <a:lstStyle/>
+          <a:p>
+            <a:pPr algn="ctr"/>
+            <a:r>
+              <a:rPr lang="en-US" sz="1200" b="1" dirty="0">
+                <a:ln/>
+                <a:solidFill>
+                  <a:srgbClr val="FF0000"/>
+                </a:solidFill>
+              </a:rPr>
+              <a:t>n</a:t>
+            </a:r>
+            <a:r>
+              <a:rPr lang="en-US" sz="1200" b="1" cap="none" spc="0" dirty="0">
+                <a:ln/>
+                <a:solidFill>
+                  <a:srgbClr val="FF0000"/>
+                </a:solidFill>
+                <a:effectLst/>
+              </a:rPr>
+              <a:t>on-fungible</a:t>
+            </a:r>
+          </a:p>
+        </p:txBody>
+      </p:sp>
+      <p:sp>
+        <p:nvSpPr>
+          <p:cNvPr id="69" name="Rectangle 68">
+            <a:extLst>
+              <a:ext uri="{FF2B5EF4-FFF2-40B4-BE49-F238E27FC236}">
+                <a16:creationId xmlns:a16="http://schemas.microsoft.com/office/drawing/2014/main" id="{3C6F0177-8492-7642-BA73-3FB00E205AC0}"/>
+              </a:ext>
+            </a:extLst>
+          </p:cNvPr>
+          <p:cNvSpPr/>
+          <p:nvPr/>
+        </p:nvSpPr>
+        <p:spPr>
+          <a:xfrm rot="19551208">
+            <a:off x="3134285" y="4363646"/>
+            <a:ext cx="1105789" cy="276999"/>
+          </a:xfrm>
+          <a:prstGeom prst="rect">
+            <a:avLst/>
+          </a:prstGeom>
+          <a:noFill/>
+          <a:ln w="6350">
+            <a:solidFill>
+              <a:schemeClr val="accent2"/>
+            </a:solidFill>
+            <a:prstDash val="dash"/>
+          </a:ln>
+        </p:spPr>
+        <p:txBody>
+          <a:bodyPr wrap="square" lIns="91440" tIns="45720" rIns="91440" bIns="45720">
+            <a:spAutoFit/>
+            <a:scene3d>
+              <a:camera prst="orthographicFront"/>
+              <a:lightRig rig="soft" dir="t">
+                <a:rot lat="0" lon="0" rev="15600000"/>
+              </a:lightRig>
+            </a:scene3d>
+            <a:sp3d extrusionH="57150" prstMaterial="softEdge">
+              <a:bevelT w="25400" h="38100"/>
+            </a:sp3d>
+          </a:bodyPr>
+          <a:lstStyle/>
+          <a:p>
+            <a:pPr algn="ctr"/>
+            <a:r>
+              <a:rPr lang="en-US" sz="1200" b="1" dirty="0">
+                <a:ln/>
+                <a:solidFill>
+                  <a:schemeClr val="accent2"/>
+                </a:solidFill>
+              </a:rPr>
+              <a:t>s</a:t>
+            </a:r>
+            <a:r>
+              <a:rPr lang="en-US" sz="1200" b="1" cap="none" spc="0" dirty="0">
+                <a:ln/>
+                <a:solidFill>
+                  <a:schemeClr val="accent2"/>
+                </a:solidFill>
+                <a:effectLst/>
+              </a:rPr>
+              <a:t>ub-dividable</a:t>
+            </a:r>
+          </a:p>
+        </p:txBody>
+      </p:sp>
+      <p:sp>
+        <p:nvSpPr>
+          <p:cNvPr id="70" name="Rectangle 69">
+            <a:extLst>
+              <a:ext uri="{FF2B5EF4-FFF2-40B4-BE49-F238E27FC236}">
+                <a16:creationId xmlns:a16="http://schemas.microsoft.com/office/drawing/2014/main" id="{4399D449-1E19-0F4A-B210-93A1B1AD676E}"/>
+              </a:ext>
+            </a:extLst>
+          </p:cNvPr>
+          <p:cNvSpPr/>
+          <p:nvPr/>
+        </p:nvSpPr>
+        <p:spPr>
+          <a:xfrm>
+            <a:off x="4003595" y="5046826"/>
+            <a:ext cx="1350448" cy="276999"/>
+          </a:xfrm>
+          <a:prstGeom prst="rect">
+            <a:avLst/>
+          </a:prstGeom>
+          <a:noFill/>
+          <a:ln w="6350">
+            <a:solidFill>
+              <a:schemeClr val="accent4"/>
+            </a:solidFill>
+            <a:prstDash val="dash"/>
+          </a:ln>
+        </p:spPr>
+        <p:txBody>
+          <a:bodyPr wrap="square" lIns="91440" tIns="45720" rIns="91440" bIns="45720">
+            <a:spAutoFit/>
+            <a:scene3d>
+              <a:camera prst="orthographicFront"/>
+              <a:lightRig rig="soft" dir="t">
+                <a:rot lat="0" lon="0" rev="15600000"/>
+              </a:lightRig>
+            </a:scene3d>
+            <a:sp3d extrusionH="57150" prstMaterial="softEdge">
+              <a:bevelT w="25400" h="38100"/>
+            </a:sp3d>
+          </a:bodyPr>
+          <a:lstStyle/>
+          <a:p>
+            <a:pPr algn="ctr"/>
+            <a:r>
+              <a:rPr lang="en-US" sz="1200" b="1" dirty="0">
+                <a:ln/>
+                <a:solidFill>
+                  <a:schemeClr val="accent4"/>
+                </a:solidFill>
+              </a:rPr>
+              <a:t>n</a:t>
+            </a:r>
+            <a:r>
+              <a:rPr lang="en-US" sz="1200" b="1" cap="none" spc="0" dirty="0">
+                <a:ln/>
+                <a:solidFill>
+                  <a:schemeClr val="accent4"/>
+                </a:solidFill>
+                <a:effectLst/>
+              </a:rPr>
+              <a:t>on-sub-dividable</a:t>
+            </a:r>
+          </a:p>
+        </p:txBody>
+      </p:sp>
+    </p:spTree>
+    <p:extLst>
+      <p:ext uri="{BB962C8B-B14F-4D97-AF65-F5344CB8AC3E}">
+        <p14:creationId xmlns:p14="http://schemas.microsoft.com/office/powerpoint/2010/main" val="2514132258"/>
+      </p:ext>
+    </p:extLst>
+  </p:cSld>
+  <p:clrMapOvr>
+    <a:masterClrMapping/>
+  </p:clrMapOvr>
+  <p:timing>
+    <p:tnLst>
+      <p:par>
+        <p:cTn id="1" dur="indefinite" restart="never" nodeType="tmRoot">
+          <p:childTnLst>
+            <p:seq concurrent="1" nextAc="seek">
+              <p:cTn id="2" dur="indefinite" nodeType="mainSeq">
+                <p:childTnLst>
+                  <p:par>
+                    <p:cTn id="3" fill="hold">
+                      <p:stCondLst>
+                        <p:cond delay="indefinite"/>
+                      </p:stCondLst>
+                      <p:childTnLst>
+                        <p:par>
+                          <p:cTn id="4" fill="hold">
+                            <p:stCondLst>
+                              <p:cond delay="0"/>
+                            </p:stCondLst>
+                            <p:childTnLst>
+                              <p:par>
+                                <p:cTn id="5" presetID="10" presetClass="entr" presetSubtype="0" fill="hold" grpId="0" nodeType="clickEffect">
+                                  <p:stCondLst>
+                                    <p:cond delay="0"/>
+                                  </p:stCondLst>
+                                  <p:childTnLst>
+                                    <p:set>
+                                      <p:cBhvr>
+                                        <p:cTn id="6" dur="1" fill="hold">
+                                          <p:stCondLst>
+                                            <p:cond delay="0"/>
+                                          </p:stCondLst>
+                                        </p:cTn>
+                                        <p:tgtEl>
+                                          <p:spTgt spid="57"/>
+                                        </p:tgtEl>
+                                        <p:attrNameLst>
+                                          <p:attrName>style.visibility</p:attrName>
+                                        </p:attrNameLst>
+                                      </p:cBhvr>
+                                      <p:to>
+                                        <p:strVal val="visible"/>
+                                      </p:to>
+                                    </p:set>
+                                    <p:animEffect transition="in" filter="fade">
+                                      <p:cBhvr>
+                                        <p:cTn id="7" dur="500"/>
+                                        <p:tgtEl>
+                                          <p:spTgt spid="57"/>
+                                        </p:tgtEl>
+                                      </p:cBhvr>
+                                    </p:animEffect>
+                                  </p:childTnLst>
+                                </p:cTn>
+                              </p:par>
+                            </p:childTnLst>
+                          </p:cTn>
+                        </p:par>
+                        <p:par>
+                          <p:cTn id="8" fill="hold">
+                            <p:stCondLst>
+                              <p:cond delay="500"/>
+                            </p:stCondLst>
+                            <p:childTnLst>
+                              <p:par>
+                                <p:cTn id="9" presetID="10" presetClass="entr" presetSubtype="0" fill="hold" grpId="0" nodeType="afterEffect">
+                                  <p:stCondLst>
+                                    <p:cond delay="0"/>
+                                  </p:stCondLst>
+                                  <p:childTnLst>
+                                    <p:set>
+                                      <p:cBhvr>
+                                        <p:cTn id="10" dur="1" fill="hold">
+                                          <p:stCondLst>
+                                            <p:cond delay="0"/>
+                                          </p:stCondLst>
+                                        </p:cTn>
+                                        <p:tgtEl>
+                                          <p:spTgt spid="58"/>
+                                        </p:tgtEl>
+                                        <p:attrNameLst>
+                                          <p:attrName>style.visibility</p:attrName>
+                                        </p:attrNameLst>
+                                      </p:cBhvr>
+                                      <p:to>
+                                        <p:strVal val="visible"/>
+                                      </p:to>
+                                    </p:set>
+                                    <p:animEffect transition="in" filter="fade">
+                                      <p:cBhvr>
+                                        <p:cTn id="11" dur="500"/>
+                                        <p:tgtEl>
+                                          <p:spTgt spid="58"/>
+                                        </p:tgtEl>
+                                      </p:cBhvr>
+                                    </p:animEffect>
+                                  </p:childTnLst>
+                                </p:cTn>
+                              </p:par>
+                            </p:childTnLst>
+                          </p:cTn>
+                        </p:par>
+                      </p:childTnLst>
+                    </p:cTn>
+                  </p:par>
+                  <p:par>
+                    <p:cTn id="12" fill="hold">
+                      <p:stCondLst>
+                        <p:cond delay="indefinite"/>
+                      </p:stCondLst>
+                      <p:childTnLst>
+                        <p:par>
+                          <p:cTn id="13" fill="hold">
+                            <p:stCondLst>
+                              <p:cond delay="0"/>
+                            </p:stCondLst>
+                            <p:childTnLst>
+                              <p:par>
+                                <p:cTn id="14" presetID="10" presetClass="entr" presetSubtype="0" fill="hold" nodeType="clickEffect">
+                                  <p:stCondLst>
+                                    <p:cond delay="0"/>
+                                  </p:stCondLst>
+                                  <p:childTnLst>
+                                    <p:set>
+                                      <p:cBhvr>
+                                        <p:cTn id="15" dur="1" fill="hold">
+                                          <p:stCondLst>
+                                            <p:cond delay="0"/>
+                                          </p:stCondLst>
+                                        </p:cTn>
+                                        <p:tgtEl>
+                                          <p:spTgt spid="9"/>
+                                        </p:tgtEl>
+                                        <p:attrNameLst>
+                                          <p:attrName>style.visibility</p:attrName>
+                                        </p:attrNameLst>
+                                      </p:cBhvr>
+                                      <p:to>
+                                        <p:strVal val="visible"/>
+                                      </p:to>
+                                    </p:set>
+                                    <p:animEffect transition="in" filter="fade">
+                                      <p:cBhvr>
+                                        <p:cTn id="16" dur="500"/>
+                                        <p:tgtEl>
+                                          <p:spTgt spid="9"/>
+                                        </p:tgtEl>
+                                      </p:cBhvr>
+                                    </p:animEffect>
+                                  </p:childTnLst>
+                                </p:cTn>
+                              </p:par>
+                            </p:childTnLst>
+                          </p:cTn>
+                        </p:par>
+                        <p:par>
+                          <p:cTn id="17" fill="hold">
+                            <p:stCondLst>
+                              <p:cond delay="500"/>
+                            </p:stCondLst>
+                            <p:childTnLst>
+                              <p:par>
+                                <p:cTn id="18" presetID="22" presetClass="entr" presetSubtype="1" fill="hold" grpId="0" nodeType="afterEffect">
+                                  <p:stCondLst>
+                                    <p:cond delay="0"/>
+                                  </p:stCondLst>
+                                  <p:childTnLst>
+                                    <p:set>
+                                      <p:cBhvr>
+                                        <p:cTn id="19" dur="1" fill="hold">
+                                          <p:stCondLst>
+                                            <p:cond delay="0"/>
+                                          </p:stCondLst>
+                                        </p:cTn>
+                                        <p:tgtEl>
+                                          <p:spTgt spid="48"/>
+                                        </p:tgtEl>
+                                        <p:attrNameLst>
+                                          <p:attrName>style.visibility</p:attrName>
+                                        </p:attrNameLst>
+                                      </p:cBhvr>
+                                      <p:to>
+                                        <p:strVal val="visible"/>
+                                      </p:to>
+                                    </p:set>
+                                    <p:animEffect transition="in" filter="wipe(up)">
+                                      <p:cBhvr>
+                                        <p:cTn id="20" dur="500"/>
+                                        <p:tgtEl>
+                                          <p:spTgt spid="48"/>
+                                        </p:tgtEl>
+                                      </p:cBhvr>
+                                    </p:animEffect>
+                                  </p:childTnLst>
+                                </p:cTn>
+                              </p:par>
+                            </p:childTnLst>
+                          </p:cTn>
+                        </p:par>
+                        <p:par>
+                          <p:cTn id="21" fill="hold">
+                            <p:stCondLst>
+                              <p:cond delay="1000"/>
+                            </p:stCondLst>
+                            <p:childTnLst>
+                              <p:par>
+                                <p:cTn id="22" presetID="10" presetClass="entr" presetSubtype="0" fill="hold" nodeType="afterEffect">
+                                  <p:stCondLst>
+                                    <p:cond delay="0"/>
+                                  </p:stCondLst>
+                                  <p:childTnLst>
+                                    <p:set>
+                                      <p:cBhvr>
+                                        <p:cTn id="23" dur="1" fill="hold">
+                                          <p:stCondLst>
+                                            <p:cond delay="0"/>
+                                          </p:stCondLst>
+                                        </p:cTn>
+                                        <p:tgtEl>
+                                          <p:spTgt spid="12"/>
+                                        </p:tgtEl>
+                                        <p:attrNameLst>
+                                          <p:attrName>style.visibility</p:attrName>
+                                        </p:attrNameLst>
+                                      </p:cBhvr>
+                                      <p:to>
+                                        <p:strVal val="visible"/>
+                                      </p:to>
+                                    </p:set>
+                                    <p:animEffect transition="in" filter="fade">
+                                      <p:cBhvr>
+                                        <p:cTn id="24" dur="500"/>
+                                        <p:tgtEl>
+                                          <p:spTgt spid="12"/>
+                                        </p:tgtEl>
+                                      </p:cBhvr>
+                                    </p:animEffect>
+                                  </p:childTnLst>
+                                </p:cTn>
+                              </p:par>
+                            </p:childTnLst>
+                          </p:cTn>
+                        </p:par>
+                      </p:childTnLst>
+                    </p:cTn>
+                  </p:par>
+                  <p:par>
+                    <p:cTn id="25" fill="hold">
+                      <p:stCondLst>
+                        <p:cond delay="indefinite"/>
+                      </p:stCondLst>
+                      <p:childTnLst>
+                        <p:par>
+                          <p:cTn id="26" fill="hold">
+                            <p:stCondLst>
+                              <p:cond delay="0"/>
+                            </p:stCondLst>
+                            <p:childTnLst>
+                              <p:par>
+                                <p:cTn id="27" presetID="1" presetClass="entr" presetSubtype="0" fill="hold" grpId="0" nodeType="clickEffect">
+                                  <p:stCondLst>
+                                    <p:cond delay="0"/>
+                                  </p:stCondLst>
+                                  <p:childTnLst>
+                                    <p:set>
+                                      <p:cBhvr>
+                                        <p:cTn id="28" dur="1" fill="hold">
+                                          <p:stCondLst>
+                                            <p:cond delay="0"/>
+                                          </p:stCondLst>
+                                        </p:cTn>
+                                        <p:tgtEl>
+                                          <p:spTgt spid="64"/>
+                                        </p:tgtEl>
+                                        <p:attrNameLst>
+                                          <p:attrName>style.visibility</p:attrName>
+                                        </p:attrNameLst>
+                                      </p:cBhvr>
+                                      <p:to>
+                                        <p:strVal val="visible"/>
+                                      </p:to>
+                                    </p:set>
+                                  </p:childTnLst>
+                                </p:cTn>
+                              </p:par>
+                            </p:childTnLst>
+                          </p:cTn>
+                        </p:par>
+                      </p:childTnLst>
+                    </p:cTn>
+                  </p:par>
+                  <p:par>
+                    <p:cTn id="29" fill="hold">
+                      <p:stCondLst>
+                        <p:cond delay="indefinite"/>
+                      </p:stCondLst>
+                      <p:childTnLst>
+                        <p:par>
+                          <p:cTn id="30" fill="hold">
+                            <p:stCondLst>
+                              <p:cond delay="0"/>
+                            </p:stCondLst>
+                            <p:childTnLst>
+                              <p:par>
+                                <p:cTn id="31" presetID="10" presetClass="entr" presetSubtype="0" fill="hold" nodeType="clickEffect">
+                                  <p:stCondLst>
+                                    <p:cond delay="0"/>
+                                  </p:stCondLst>
+                                  <p:childTnLst>
+                                    <p:set>
+                                      <p:cBhvr>
+                                        <p:cTn id="32" dur="1" fill="hold">
+                                          <p:stCondLst>
+                                            <p:cond delay="0"/>
+                                          </p:stCondLst>
+                                        </p:cTn>
+                                        <p:tgtEl>
+                                          <p:spTgt spid="16"/>
+                                        </p:tgtEl>
+                                        <p:attrNameLst>
+                                          <p:attrName>style.visibility</p:attrName>
+                                        </p:attrNameLst>
+                                      </p:cBhvr>
+                                      <p:to>
+                                        <p:strVal val="visible"/>
+                                      </p:to>
+                                    </p:set>
+                                    <p:animEffect transition="in" filter="fade">
+                                      <p:cBhvr>
+                                        <p:cTn id="33" dur="500"/>
+                                        <p:tgtEl>
+                                          <p:spTgt spid="16"/>
+                                        </p:tgtEl>
+                                      </p:cBhvr>
+                                    </p:animEffect>
+                                  </p:childTnLst>
+                                </p:cTn>
+                              </p:par>
+                            </p:childTnLst>
+                          </p:cTn>
+                        </p:par>
+                        <p:par>
+                          <p:cTn id="34" fill="hold">
+                            <p:stCondLst>
+                              <p:cond delay="500"/>
+                            </p:stCondLst>
+                            <p:childTnLst>
+                              <p:par>
+                                <p:cTn id="35" presetID="10" presetClass="entr" presetSubtype="0" fill="hold" grpId="0" nodeType="afterEffect">
+                                  <p:stCondLst>
+                                    <p:cond delay="0"/>
+                                  </p:stCondLst>
+                                  <p:childTnLst>
+                                    <p:set>
+                                      <p:cBhvr>
+                                        <p:cTn id="36" dur="1" fill="hold">
+                                          <p:stCondLst>
+                                            <p:cond delay="0"/>
+                                          </p:stCondLst>
+                                        </p:cTn>
+                                        <p:tgtEl>
+                                          <p:spTgt spid="49"/>
+                                        </p:tgtEl>
+                                        <p:attrNameLst>
+                                          <p:attrName>style.visibility</p:attrName>
+                                        </p:attrNameLst>
+                                      </p:cBhvr>
+                                      <p:to>
+                                        <p:strVal val="visible"/>
+                                      </p:to>
+                                    </p:set>
+                                    <p:animEffect transition="in" filter="fade">
+                                      <p:cBhvr>
+                                        <p:cTn id="37" dur="500"/>
+                                        <p:tgtEl>
+                                          <p:spTgt spid="49"/>
+                                        </p:tgtEl>
+                                      </p:cBhvr>
+                                    </p:animEffect>
+                                  </p:childTnLst>
+                                </p:cTn>
+                              </p:par>
+                            </p:childTnLst>
+                          </p:cTn>
+                        </p:par>
+                        <p:par>
+                          <p:cTn id="38" fill="hold">
+                            <p:stCondLst>
+                              <p:cond delay="1000"/>
+                            </p:stCondLst>
+                            <p:childTnLst>
+                              <p:par>
+                                <p:cTn id="39" presetID="10" presetClass="entr" presetSubtype="0" fill="hold" nodeType="afterEffect">
+                                  <p:stCondLst>
+                                    <p:cond delay="0"/>
+                                  </p:stCondLst>
+                                  <p:childTnLst>
+                                    <p:set>
+                                      <p:cBhvr>
+                                        <p:cTn id="40" dur="1" fill="hold">
+                                          <p:stCondLst>
+                                            <p:cond delay="0"/>
+                                          </p:stCondLst>
+                                        </p:cTn>
+                                        <p:tgtEl>
+                                          <p:spTgt spid="20"/>
+                                        </p:tgtEl>
+                                        <p:attrNameLst>
+                                          <p:attrName>style.visibility</p:attrName>
+                                        </p:attrNameLst>
+                                      </p:cBhvr>
+                                      <p:to>
+                                        <p:strVal val="visible"/>
+                                      </p:to>
+                                    </p:set>
+                                    <p:animEffect transition="in" filter="fade">
+                                      <p:cBhvr>
+                                        <p:cTn id="41" dur="500"/>
+                                        <p:tgtEl>
+                                          <p:spTgt spid="20"/>
+                                        </p:tgtEl>
+                                      </p:cBhvr>
+                                    </p:animEffect>
+                                  </p:childTnLst>
+                                </p:cTn>
+                              </p:par>
+                            </p:childTnLst>
+                          </p:cTn>
+                        </p:par>
+                        <p:par>
+                          <p:cTn id="42" fill="hold">
+                            <p:stCondLst>
+                              <p:cond delay="1500"/>
+                            </p:stCondLst>
+                            <p:childTnLst>
+                              <p:par>
+                                <p:cTn id="43" presetID="10" presetClass="entr" presetSubtype="0" fill="hold" nodeType="afterEffect">
+                                  <p:stCondLst>
+                                    <p:cond delay="0"/>
+                                  </p:stCondLst>
+                                  <p:childTnLst>
+                                    <p:set>
+                                      <p:cBhvr>
+                                        <p:cTn id="44" dur="1" fill="hold">
+                                          <p:stCondLst>
+                                            <p:cond delay="0"/>
+                                          </p:stCondLst>
+                                        </p:cTn>
+                                        <p:tgtEl>
+                                          <p:spTgt spid="22"/>
+                                        </p:tgtEl>
+                                        <p:attrNameLst>
+                                          <p:attrName>style.visibility</p:attrName>
+                                        </p:attrNameLst>
+                                      </p:cBhvr>
+                                      <p:to>
+                                        <p:strVal val="visible"/>
+                                      </p:to>
+                                    </p:set>
+                                    <p:animEffect transition="in" filter="fade">
+                                      <p:cBhvr>
+                                        <p:cTn id="45" dur="500"/>
+                                        <p:tgtEl>
+                                          <p:spTgt spid="22"/>
+                                        </p:tgtEl>
+                                      </p:cBhvr>
+                                    </p:animEffect>
+                                  </p:childTnLst>
+                                </p:cTn>
+                              </p:par>
+                            </p:childTnLst>
+                          </p:cTn>
+                        </p:par>
+                        <p:par>
+                          <p:cTn id="46" fill="hold">
+                            <p:stCondLst>
+                              <p:cond delay="2000"/>
+                            </p:stCondLst>
+                            <p:childTnLst>
+                              <p:par>
+                                <p:cTn id="47" presetID="10" presetClass="entr" presetSubtype="0" fill="hold" grpId="0" nodeType="afterEffect">
+                                  <p:stCondLst>
+                                    <p:cond delay="0"/>
+                                  </p:stCondLst>
+                                  <p:childTnLst>
+                                    <p:set>
+                                      <p:cBhvr>
+                                        <p:cTn id="48" dur="1" fill="hold">
+                                          <p:stCondLst>
+                                            <p:cond delay="0"/>
+                                          </p:stCondLst>
+                                        </p:cTn>
+                                        <p:tgtEl>
+                                          <p:spTgt spid="51"/>
+                                        </p:tgtEl>
+                                        <p:attrNameLst>
+                                          <p:attrName>style.visibility</p:attrName>
+                                        </p:attrNameLst>
+                                      </p:cBhvr>
+                                      <p:to>
+                                        <p:strVal val="visible"/>
+                                      </p:to>
+                                    </p:set>
+                                    <p:animEffect transition="in" filter="fade">
+                                      <p:cBhvr>
+                                        <p:cTn id="49" dur="500"/>
+                                        <p:tgtEl>
+                                          <p:spTgt spid="51"/>
+                                        </p:tgtEl>
+                                      </p:cBhvr>
+                                    </p:animEffect>
+                                  </p:childTnLst>
+                                </p:cTn>
+                              </p:par>
+                            </p:childTnLst>
+                          </p:cTn>
+                        </p:par>
+                        <p:par>
+                          <p:cTn id="50" fill="hold">
+                            <p:stCondLst>
+                              <p:cond delay="2500"/>
+                            </p:stCondLst>
+                            <p:childTnLst>
+                              <p:par>
+                                <p:cTn id="51" presetID="10" presetClass="entr" presetSubtype="0" fill="hold" nodeType="afterEffect">
+                                  <p:stCondLst>
+                                    <p:cond delay="0"/>
+                                  </p:stCondLst>
+                                  <p:childTnLst>
+                                    <p:set>
+                                      <p:cBhvr>
+                                        <p:cTn id="52" dur="1" fill="hold">
+                                          <p:stCondLst>
+                                            <p:cond delay="0"/>
+                                          </p:stCondLst>
+                                        </p:cTn>
+                                        <p:tgtEl>
+                                          <p:spTgt spid="28"/>
+                                        </p:tgtEl>
+                                        <p:attrNameLst>
+                                          <p:attrName>style.visibility</p:attrName>
+                                        </p:attrNameLst>
+                                      </p:cBhvr>
+                                      <p:to>
+                                        <p:strVal val="visible"/>
+                                      </p:to>
+                                    </p:set>
+                                    <p:animEffect transition="in" filter="fade">
+                                      <p:cBhvr>
+                                        <p:cTn id="53" dur="500"/>
+                                        <p:tgtEl>
+                                          <p:spTgt spid="28"/>
+                                        </p:tgtEl>
+                                      </p:cBhvr>
+                                    </p:animEffect>
+                                  </p:childTnLst>
+                                </p:cTn>
+                              </p:par>
+                            </p:childTnLst>
+                          </p:cTn>
+                        </p:par>
+                        <p:par>
+                          <p:cTn id="54" fill="hold">
+                            <p:stCondLst>
+                              <p:cond delay="3000"/>
+                            </p:stCondLst>
+                            <p:childTnLst>
+                              <p:par>
+                                <p:cTn id="55" presetID="10" presetClass="entr" presetSubtype="0" fill="hold" nodeType="afterEffect">
+                                  <p:stCondLst>
+                                    <p:cond delay="0"/>
+                                  </p:stCondLst>
+                                  <p:childTnLst>
+                                    <p:set>
+                                      <p:cBhvr>
+                                        <p:cTn id="56" dur="1" fill="hold">
+                                          <p:stCondLst>
+                                            <p:cond delay="0"/>
+                                          </p:stCondLst>
+                                        </p:cTn>
+                                        <p:tgtEl>
+                                          <p:spTgt spid="30"/>
+                                        </p:tgtEl>
+                                        <p:attrNameLst>
+                                          <p:attrName>style.visibility</p:attrName>
+                                        </p:attrNameLst>
+                                      </p:cBhvr>
+                                      <p:to>
+                                        <p:strVal val="visible"/>
+                                      </p:to>
+                                    </p:set>
+                                    <p:animEffect transition="in" filter="fade">
+                                      <p:cBhvr>
+                                        <p:cTn id="57" dur="500"/>
+                                        <p:tgtEl>
+                                          <p:spTgt spid="30"/>
+                                        </p:tgtEl>
+                                      </p:cBhvr>
+                                    </p:animEffect>
+                                  </p:childTnLst>
+                                </p:cTn>
+                              </p:par>
+                            </p:childTnLst>
+                          </p:cTn>
+                        </p:par>
+                        <p:par>
+                          <p:cTn id="58" fill="hold">
+                            <p:stCondLst>
+                              <p:cond delay="3500"/>
+                            </p:stCondLst>
+                            <p:childTnLst>
+                              <p:par>
+                                <p:cTn id="59" presetID="10" presetClass="entr" presetSubtype="0" fill="hold" grpId="0" nodeType="afterEffect">
+                                  <p:stCondLst>
+                                    <p:cond delay="0"/>
+                                  </p:stCondLst>
+                                  <p:childTnLst>
+                                    <p:set>
+                                      <p:cBhvr>
+                                        <p:cTn id="60" dur="1" fill="hold">
+                                          <p:stCondLst>
+                                            <p:cond delay="0"/>
+                                          </p:stCondLst>
+                                        </p:cTn>
+                                        <p:tgtEl>
+                                          <p:spTgt spid="52"/>
+                                        </p:tgtEl>
+                                        <p:attrNameLst>
+                                          <p:attrName>style.visibility</p:attrName>
+                                        </p:attrNameLst>
+                                      </p:cBhvr>
+                                      <p:to>
+                                        <p:strVal val="visible"/>
+                                      </p:to>
+                                    </p:set>
+                                    <p:animEffect transition="in" filter="fade">
+                                      <p:cBhvr>
+                                        <p:cTn id="61" dur="500"/>
+                                        <p:tgtEl>
+                                          <p:spTgt spid="52"/>
+                                        </p:tgtEl>
+                                      </p:cBhvr>
+                                    </p:animEffect>
+                                  </p:childTnLst>
+                                </p:cTn>
+                              </p:par>
+                            </p:childTnLst>
+                          </p:cTn>
+                        </p:par>
+                        <p:par>
+                          <p:cTn id="62" fill="hold">
+                            <p:stCondLst>
+                              <p:cond delay="4000"/>
+                            </p:stCondLst>
+                            <p:childTnLst>
+                              <p:par>
+                                <p:cTn id="63" presetID="10" presetClass="entr" presetSubtype="0" fill="hold" nodeType="afterEffect">
+                                  <p:stCondLst>
+                                    <p:cond delay="0"/>
+                                  </p:stCondLst>
+                                  <p:childTnLst>
+                                    <p:set>
+                                      <p:cBhvr>
+                                        <p:cTn id="64" dur="1" fill="hold">
+                                          <p:stCondLst>
+                                            <p:cond delay="0"/>
+                                          </p:stCondLst>
+                                        </p:cTn>
+                                        <p:tgtEl>
+                                          <p:spTgt spid="26"/>
+                                        </p:tgtEl>
+                                        <p:attrNameLst>
+                                          <p:attrName>style.visibility</p:attrName>
+                                        </p:attrNameLst>
+                                      </p:cBhvr>
+                                      <p:to>
+                                        <p:strVal val="visible"/>
+                                      </p:to>
+                                    </p:set>
+                                    <p:animEffect transition="in" filter="fade">
+                                      <p:cBhvr>
+                                        <p:cTn id="65" dur="500"/>
+                                        <p:tgtEl>
+                                          <p:spTgt spid="26"/>
+                                        </p:tgtEl>
+                                      </p:cBhvr>
+                                    </p:animEffect>
+                                  </p:childTnLst>
+                                </p:cTn>
+                              </p:par>
+                            </p:childTnLst>
+                          </p:cTn>
+                        </p:par>
+                        <p:par>
+                          <p:cTn id="66" fill="hold">
+                            <p:stCondLst>
+                              <p:cond delay="4500"/>
+                            </p:stCondLst>
+                            <p:childTnLst>
+                              <p:par>
+                                <p:cTn id="67" presetID="10" presetClass="entr" presetSubtype="0" fill="hold" nodeType="afterEffect">
+                                  <p:stCondLst>
+                                    <p:cond delay="0"/>
+                                  </p:stCondLst>
+                                  <p:childTnLst>
+                                    <p:set>
+                                      <p:cBhvr>
+                                        <p:cTn id="68" dur="1" fill="hold">
+                                          <p:stCondLst>
+                                            <p:cond delay="0"/>
+                                          </p:stCondLst>
+                                        </p:cTn>
+                                        <p:tgtEl>
+                                          <p:spTgt spid="34"/>
+                                        </p:tgtEl>
+                                        <p:attrNameLst>
+                                          <p:attrName>style.visibility</p:attrName>
+                                        </p:attrNameLst>
+                                      </p:cBhvr>
+                                      <p:to>
+                                        <p:strVal val="visible"/>
+                                      </p:to>
+                                    </p:set>
+                                    <p:animEffect transition="in" filter="fade">
+                                      <p:cBhvr>
+                                        <p:cTn id="69" dur="500"/>
+                                        <p:tgtEl>
+                                          <p:spTgt spid="34"/>
+                                        </p:tgtEl>
+                                      </p:cBhvr>
+                                    </p:animEffect>
+                                  </p:childTnLst>
+                                </p:cTn>
+                              </p:par>
+                            </p:childTnLst>
+                          </p:cTn>
+                        </p:par>
+                        <p:par>
+                          <p:cTn id="70" fill="hold">
+                            <p:stCondLst>
+                              <p:cond delay="5000"/>
+                            </p:stCondLst>
+                            <p:childTnLst>
+                              <p:par>
+                                <p:cTn id="71" presetID="10" presetClass="entr" presetSubtype="0" fill="hold" nodeType="afterEffect">
+                                  <p:stCondLst>
+                                    <p:cond delay="0"/>
+                                  </p:stCondLst>
+                                  <p:childTnLst>
+                                    <p:set>
+                                      <p:cBhvr>
+                                        <p:cTn id="72" dur="1" fill="hold">
+                                          <p:stCondLst>
+                                            <p:cond delay="0"/>
+                                          </p:stCondLst>
+                                        </p:cTn>
+                                        <p:tgtEl>
+                                          <p:spTgt spid="32"/>
+                                        </p:tgtEl>
+                                        <p:attrNameLst>
+                                          <p:attrName>style.visibility</p:attrName>
+                                        </p:attrNameLst>
+                                      </p:cBhvr>
+                                      <p:to>
+                                        <p:strVal val="visible"/>
+                                      </p:to>
+                                    </p:set>
+                                    <p:animEffect transition="in" filter="fade">
+                                      <p:cBhvr>
+                                        <p:cTn id="73" dur="500"/>
+                                        <p:tgtEl>
+                                          <p:spTgt spid="32"/>
+                                        </p:tgtEl>
+                                      </p:cBhvr>
+                                    </p:animEffect>
+                                  </p:childTnLst>
+                                </p:cTn>
+                              </p:par>
+                            </p:childTnLst>
+                          </p:cTn>
+                        </p:par>
+                        <p:par>
+                          <p:cTn id="74" fill="hold">
+                            <p:stCondLst>
+                              <p:cond delay="5500"/>
+                            </p:stCondLst>
+                            <p:childTnLst>
+                              <p:par>
+                                <p:cTn id="75" presetID="10" presetClass="entr" presetSubtype="0" fill="hold" grpId="0" nodeType="afterEffect">
+                                  <p:stCondLst>
+                                    <p:cond delay="0"/>
+                                  </p:stCondLst>
+                                  <p:childTnLst>
+                                    <p:set>
+                                      <p:cBhvr>
+                                        <p:cTn id="76" dur="1" fill="hold">
+                                          <p:stCondLst>
+                                            <p:cond delay="0"/>
+                                          </p:stCondLst>
+                                        </p:cTn>
+                                        <p:tgtEl>
+                                          <p:spTgt spid="54"/>
+                                        </p:tgtEl>
+                                        <p:attrNameLst>
+                                          <p:attrName>style.visibility</p:attrName>
+                                        </p:attrNameLst>
+                                      </p:cBhvr>
+                                      <p:to>
+                                        <p:strVal val="visible"/>
+                                      </p:to>
+                                    </p:set>
+                                    <p:animEffect transition="in" filter="fade">
+                                      <p:cBhvr>
+                                        <p:cTn id="77" dur="500"/>
+                                        <p:tgtEl>
+                                          <p:spTgt spid="54"/>
+                                        </p:tgtEl>
+                                      </p:cBhvr>
+                                    </p:animEffect>
+                                  </p:childTnLst>
+                                </p:cTn>
+                              </p:par>
+                            </p:childTnLst>
+                          </p:cTn>
+                        </p:par>
+                        <p:par>
+                          <p:cTn id="78" fill="hold">
+                            <p:stCondLst>
+                              <p:cond delay="6000"/>
+                            </p:stCondLst>
+                            <p:childTnLst>
+                              <p:par>
+                                <p:cTn id="79" presetID="10" presetClass="entr" presetSubtype="0" fill="hold" grpId="0" nodeType="afterEffect">
+                                  <p:stCondLst>
+                                    <p:cond delay="0"/>
+                                  </p:stCondLst>
+                                  <p:childTnLst>
+                                    <p:set>
+                                      <p:cBhvr>
+                                        <p:cTn id="80" dur="1" fill="hold">
+                                          <p:stCondLst>
+                                            <p:cond delay="0"/>
+                                          </p:stCondLst>
+                                        </p:cTn>
+                                        <p:tgtEl>
+                                          <p:spTgt spid="53"/>
+                                        </p:tgtEl>
+                                        <p:attrNameLst>
+                                          <p:attrName>style.visibility</p:attrName>
+                                        </p:attrNameLst>
+                                      </p:cBhvr>
+                                      <p:to>
+                                        <p:strVal val="visible"/>
+                                      </p:to>
+                                    </p:set>
+                                    <p:animEffect transition="in" filter="fade">
+                                      <p:cBhvr>
+                                        <p:cTn id="81" dur="500"/>
+                                        <p:tgtEl>
+                                          <p:spTgt spid="53"/>
+                                        </p:tgtEl>
+                                      </p:cBhvr>
+                                    </p:animEffect>
+                                  </p:childTnLst>
+                                </p:cTn>
+                              </p:par>
+                            </p:childTnLst>
+                          </p:cTn>
+                        </p:par>
+                        <p:par>
+                          <p:cTn id="82" fill="hold">
+                            <p:stCondLst>
+                              <p:cond delay="6500"/>
+                            </p:stCondLst>
+                            <p:childTnLst>
+                              <p:par>
+                                <p:cTn id="83" presetID="10" presetClass="entr" presetSubtype="0" fill="hold" nodeType="afterEffect">
+                                  <p:stCondLst>
+                                    <p:cond delay="0"/>
+                                  </p:stCondLst>
+                                  <p:childTnLst>
+                                    <p:set>
+                                      <p:cBhvr>
+                                        <p:cTn id="84" dur="1" fill="hold">
+                                          <p:stCondLst>
+                                            <p:cond delay="0"/>
+                                          </p:stCondLst>
+                                        </p:cTn>
+                                        <p:tgtEl>
+                                          <p:spTgt spid="36"/>
+                                        </p:tgtEl>
+                                        <p:attrNameLst>
+                                          <p:attrName>style.visibility</p:attrName>
+                                        </p:attrNameLst>
+                                      </p:cBhvr>
+                                      <p:to>
+                                        <p:strVal val="visible"/>
+                                      </p:to>
+                                    </p:set>
+                                    <p:animEffect transition="in" filter="fade">
+                                      <p:cBhvr>
+                                        <p:cTn id="85" dur="500"/>
+                                        <p:tgtEl>
+                                          <p:spTgt spid="36"/>
+                                        </p:tgtEl>
+                                      </p:cBhvr>
+                                    </p:animEffect>
+                                  </p:childTnLst>
+                                </p:cTn>
+                              </p:par>
+                            </p:childTnLst>
+                          </p:cTn>
+                        </p:par>
+                        <p:par>
+                          <p:cTn id="86" fill="hold">
+                            <p:stCondLst>
+                              <p:cond delay="7000"/>
+                            </p:stCondLst>
+                            <p:childTnLst>
+                              <p:par>
+                                <p:cTn id="87" presetID="10" presetClass="entr" presetSubtype="0" fill="hold" nodeType="afterEffect">
+                                  <p:stCondLst>
+                                    <p:cond delay="0"/>
+                                  </p:stCondLst>
+                                  <p:childTnLst>
+                                    <p:set>
+                                      <p:cBhvr>
+                                        <p:cTn id="88" dur="1" fill="hold">
+                                          <p:stCondLst>
+                                            <p:cond delay="0"/>
+                                          </p:stCondLst>
+                                        </p:cTn>
+                                        <p:tgtEl>
+                                          <p:spTgt spid="41"/>
+                                        </p:tgtEl>
+                                        <p:attrNameLst>
+                                          <p:attrName>style.visibility</p:attrName>
+                                        </p:attrNameLst>
+                                      </p:cBhvr>
+                                      <p:to>
+                                        <p:strVal val="visible"/>
+                                      </p:to>
+                                    </p:set>
+                                    <p:animEffect transition="in" filter="fade">
+                                      <p:cBhvr>
+                                        <p:cTn id="89" dur="500"/>
+                                        <p:tgtEl>
+                                          <p:spTgt spid="41"/>
+                                        </p:tgtEl>
+                                      </p:cBhvr>
+                                    </p:animEffect>
+                                  </p:childTnLst>
+                                </p:cTn>
+                              </p:par>
+                            </p:childTnLst>
+                          </p:cTn>
+                        </p:par>
+                        <p:par>
+                          <p:cTn id="90" fill="hold">
+                            <p:stCondLst>
+                              <p:cond delay="7500"/>
+                            </p:stCondLst>
+                            <p:childTnLst>
+                              <p:par>
+                                <p:cTn id="91" presetID="10" presetClass="entr" presetSubtype="0" fill="hold" grpId="0" nodeType="afterEffect">
+                                  <p:stCondLst>
+                                    <p:cond delay="0"/>
+                                  </p:stCondLst>
+                                  <p:childTnLst>
+                                    <p:set>
+                                      <p:cBhvr>
+                                        <p:cTn id="92" dur="1" fill="hold">
+                                          <p:stCondLst>
+                                            <p:cond delay="0"/>
+                                          </p:stCondLst>
+                                        </p:cTn>
+                                        <p:tgtEl>
+                                          <p:spTgt spid="55"/>
+                                        </p:tgtEl>
+                                        <p:attrNameLst>
+                                          <p:attrName>style.visibility</p:attrName>
+                                        </p:attrNameLst>
+                                      </p:cBhvr>
+                                      <p:to>
+                                        <p:strVal val="visible"/>
+                                      </p:to>
+                                    </p:set>
+                                    <p:animEffect transition="in" filter="fade">
+                                      <p:cBhvr>
+                                        <p:cTn id="93" dur="500"/>
+                                        <p:tgtEl>
+                                          <p:spTgt spid="55"/>
+                                        </p:tgtEl>
+                                      </p:cBhvr>
+                                    </p:animEffect>
+                                  </p:childTnLst>
+                                </p:cTn>
+                              </p:par>
+                            </p:childTnLst>
+                          </p:cTn>
+                        </p:par>
+                        <p:par>
+                          <p:cTn id="94" fill="hold">
+                            <p:stCondLst>
+                              <p:cond delay="8000"/>
+                            </p:stCondLst>
+                            <p:childTnLst>
+                              <p:par>
+                                <p:cTn id="95" presetID="10" presetClass="entr" presetSubtype="0" fill="hold" nodeType="afterEffect">
+                                  <p:stCondLst>
+                                    <p:cond delay="0"/>
+                                  </p:stCondLst>
+                                  <p:childTnLst>
+                                    <p:set>
+                                      <p:cBhvr>
+                                        <p:cTn id="96" dur="1" fill="hold">
+                                          <p:stCondLst>
+                                            <p:cond delay="0"/>
+                                          </p:stCondLst>
+                                        </p:cTn>
+                                        <p:tgtEl>
+                                          <p:spTgt spid="43"/>
+                                        </p:tgtEl>
+                                        <p:attrNameLst>
+                                          <p:attrName>style.visibility</p:attrName>
+                                        </p:attrNameLst>
+                                      </p:cBhvr>
+                                      <p:to>
+                                        <p:strVal val="visible"/>
+                                      </p:to>
+                                    </p:set>
+                                    <p:animEffect transition="in" filter="fade">
+                                      <p:cBhvr>
+                                        <p:cTn id="97" dur="500"/>
+                                        <p:tgtEl>
+                                          <p:spTgt spid="43"/>
+                                        </p:tgtEl>
+                                      </p:cBhvr>
+                                    </p:animEffect>
+                                  </p:childTnLst>
+                                </p:cTn>
+                              </p:par>
+                            </p:childTnLst>
+                          </p:cTn>
+                        </p:par>
+                        <p:par>
+                          <p:cTn id="98" fill="hold">
+                            <p:stCondLst>
+                              <p:cond delay="8500"/>
+                            </p:stCondLst>
+                            <p:childTnLst>
+                              <p:par>
+                                <p:cTn id="99" presetID="10" presetClass="entr" presetSubtype="0" fill="hold" nodeType="afterEffect">
+                                  <p:stCondLst>
+                                    <p:cond delay="0"/>
+                                  </p:stCondLst>
+                                  <p:childTnLst>
+                                    <p:set>
+                                      <p:cBhvr>
+                                        <p:cTn id="100" dur="1" fill="hold">
+                                          <p:stCondLst>
+                                            <p:cond delay="0"/>
+                                          </p:stCondLst>
+                                        </p:cTn>
+                                        <p:tgtEl>
+                                          <p:spTgt spid="45"/>
+                                        </p:tgtEl>
+                                        <p:attrNameLst>
+                                          <p:attrName>style.visibility</p:attrName>
+                                        </p:attrNameLst>
+                                      </p:cBhvr>
+                                      <p:to>
+                                        <p:strVal val="visible"/>
+                                      </p:to>
+                                    </p:set>
+                                    <p:animEffect transition="in" filter="fade">
+                                      <p:cBhvr>
+                                        <p:cTn id="101" dur="500"/>
+                                        <p:tgtEl>
+                                          <p:spTgt spid="45"/>
+                                        </p:tgtEl>
+                                      </p:cBhvr>
+                                    </p:animEffect>
+                                  </p:childTnLst>
+                                </p:cTn>
+                              </p:par>
+                            </p:childTnLst>
+                          </p:cTn>
+                        </p:par>
+                        <p:par>
+                          <p:cTn id="102" fill="hold">
+                            <p:stCondLst>
+                              <p:cond delay="9000"/>
+                            </p:stCondLst>
+                            <p:childTnLst>
+                              <p:par>
+                                <p:cTn id="103" presetID="10" presetClass="entr" presetSubtype="0" fill="hold" grpId="0" nodeType="afterEffect">
+                                  <p:stCondLst>
+                                    <p:cond delay="0"/>
+                                  </p:stCondLst>
+                                  <p:childTnLst>
+                                    <p:set>
+                                      <p:cBhvr>
+                                        <p:cTn id="104" dur="1" fill="hold">
+                                          <p:stCondLst>
+                                            <p:cond delay="0"/>
+                                          </p:stCondLst>
+                                        </p:cTn>
+                                        <p:tgtEl>
+                                          <p:spTgt spid="56"/>
+                                        </p:tgtEl>
+                                        <p:attrNameLst>
+                                          <p:attrName>style.visibility</p:attrName>
+                                        </p:attrNameLst>
+                                      </p:cBhvr>
+                                      <p:to>
+                                        <p:strVal val="visible"/>
+                                      </p:to>
+                                    </p:set>
+                                    <p:animEffect transition="in" filter="fade">
+                                      <p:cBhvr>
+                                        <p:cTn id="105" dur="500"/>
+                                        <p:tgtEl>
+                                          <p:spTgt spid="56"/>
+                                        </p:tgtEl>
+                                      </p:cBhvr>
+                                    </p:animEffect>
+                                  </p:childTnLst>
+                                </p:cTn>
+                              </p:par>
+                            </p:childTnLst>
+                          </p:cTn>
+                        </p:par>
+                        <p:par>
+                          <p:cTn id="106" fill="hold">
+                            <p:stCondLst>
+                              <p:cond delay="9500"/>
+                            </p:stCondLst>
+                            <p:childTnLst>
+                              <p:par>
+                                <p:cTn id="107" presetID="10" presetClass="entr" presetSubtype="0" fill="hold" nodeType="afterEffect">
+                                  <p:stCondLst>
+                                    <p:cond delay="0"/>
+                                  </p:stCondLst>
+                                  <p:childTnLst>
+                                    <p:set>
+                                      <p:cBhvr>
+                                        <p:cTn id="108" dur="1" fill="hold">
+                                          <p:stCondLst>
+                                            <p:cond delay="0"/>
+                                          </p:stCondLst>
+                                        </p:cTn>
+                                        <p:tgtEl>
+                                          <p:spTgt spid="47"/>
+                                        </p:tgtEl>
+                                        <p:attrNameLst>
+                                          <p:attrName>style.visibility</p:attrName>
+                                        </p:attrNameLst>
+                                      </p:cBhvr>
+                                      <p:to>
+                                        <p:strVal val="visible"/>
+                                      </p:to>
+                                    </p:set>
+                                    <p:animEffect transition="in" filter="fade">
+                                      <p:cBhvr>
+                                        <p:cTn id="109" dur="500"/>
+                                        <p:tgtEl>
+                                          <p:spTgt spid="47"/>
+                                        </p:tgtEl>
+                                      </p:cBhvr>
+                                    </p:animEffect>
+                                  </p:childTnLst>
+                                </p:cTn>
+                              </p:par>
+                            </p:childTnLst>
+                          </p:cTn>
+                        </p:par>
+                      </p:childTnLst>
+                    </p:cTn>
+                  </p:par>
+                  <p:par>
+                    <p:cTn id="110" fill="hold">
+                      <p:stCondLst>
+                        <p:cond delay="indefinite"/>
+                      </p:stCondLst>
+                      <p:childTnLst>
+                        <p:par>
+                          <p:cTn id="111" fill="hold">
+                            <p:stCondLst>
+                              <p:cond delay="0"/>
+                            </p:stCondLst>
+                            <p:childTnLst>
+                              <p:par>
+                                <p:cTn id="112" presetID="22" presetClass="entr" presetSubtype="2" fill="hold" grpId="0" nodeType="clickEffect">
+                                  <p:stCondLst>
+                                    <p:cond delay="0"/>
+                                  </p:stCondLst>
+                                  <p:childTnLst>
+                                    <p:set>
+                                      <p:cBhvr>
+                                        <p:cTn id="113" dur="1" fill="hold">
+                                          <p:stCondLst>
+                                            <p:cond delay="0"/>
+                                          </p:stCondLst>
+                                        </p:cTn>
+                                        <p:tgtEl>
+                                          <p:spTgt spid="62"/>
+                                        </p:tgtEl>
+                                        <p:attrNameLst>
+                                          <p:attrName>style.visibility</p:attrName>
+                                        </p:attrNameLst>
+                                      </p:cBhvr>
+                                      <p:to>
+                                        <p:strVal val="visible"/>
+                                      </p:to>
+                                    </p:set>
+                                    <p:animEffect transition="in" filter="wipe(right)">
+                                      <p:cBhvr>
+                                        <p:cTn id="114" dur="500"/>
+                                        <p:tgtEl>
+                                          <p:spTgt spid="62"/>
+                                        </p:tgtEl>
+                                      </p:cBhvr>
+                                    </p:animEffect>
+                                  </p:childTnLst>
+                                </p:cTn>
+                              </p:par>
+                            </p:childTnLst>
+                          </p:cTn>
+                        </p:par>
+                        <p:par>
+                          <p:cTn id="115" fill="hold">
+                            <p:stCondLst>
+                              <p:cond delay="500"/>
+                            </p:stCondLst>
+                            <p:childTnLst>
+                              <p:par>
+                                <p:cTn id="116" presetID="10" presetClass="entr" presetSubtype="0" fill="hold" nodeType="afterEffect">
+                                  <p:stCondLst>
+                                    <p:cond delay="0"/>
+                                  </p:stCondLst>
+                                  <p:childTnLst>
+                                    <p:set>
+                                      <p:cBhvr>
+                                        <p:cTn id="117" dur="1" fill="hold">
+                                          <p:stCondLst>
+                                            <p:cond delay="0"/>
+                                          </p:stCondLst>
+                                        </p:cTn>
+                                        <p:tgtEl>
+                                          <p:spTgt spid="61"/>
+                                        </p:tgtEl>
+                                        <p:attrNameLst>
+                                          <p:attrName>style.visibility</p:attrName>
+                                        </p:attrNameLst>
+                                      </p:cBhvr>
+                                      <p:to>
+                                        <p:strVal val="visible"/>
+                                      </p:to>
+                                    </p:set>
+                                    <p:animEffect transition="in" filter="fade">
+                                      <p:cBhvr>
+                                        <p:cTn id="118" dur="500"/>
+                                        <p:tgtEl>
+                                          <p:spTgt spid="61"/>
+                                        </p:tgtEl>
+                                      </p:cBhvr>
+                                    </p:animEffect>
+                                  </p:childTnLst>
+                                </p:cTn>
+                              </p:par>
+                            </p:childTnLst>
+                          </p:cTn>
+                        </p:par>
+                        <p:par>
+                          <p:cTn id="119" fill="hold">
+                            <p:stCondLst>
+                              <p:cond delay="1000"/>
+                            </p:stCondLst>
+                            <p:childTnLst>
+                              <p:par>
+                                <p:cTn id="120" presetID="22" presetClass="entr" presetSubtype="2" fill="hold" grpId="0" nodeType="afterEffect">
+                                  <p:stCondLst>
+                                    <p:cond delay="0"/>
+                                  </p:stCondLst>
+                                  <p:childTnLst>
+                                    <p:set>
+                                      <p:cBhvr>
+                                        <p:cTn id="121" dur="1" fill="hold">
+                                          <p:stCondLst>
+                                            <p:cond delay="0"/>
+                                          </p:stCondLst>
+                                        </p:cTn>
+                                        <p:tgtEl>
+                                          <p:spTgt spid="63"/>
+                                        </p:tgtEl>
+                                        <p:attrNameLst>
+                                          <p:attrName>style.visibility</p:attrName>
+                                        </p:attrNameLst>
+                                      </p:cBhvr>
+                                      <p:to>
+                                        <p:strVal val="visible"/>
+                                      </p:to>
+                                    </p:set>
+                                    <p:animEffect transition="in" filter="wipe(right)">
+                                      <p:cBhvr>
+                                        <p:cTn id="122" dur="500"/>
+                                        <p:tgtEl>
+                                          <p:spTgt spid="63"/>
+                                        </p:tgtEl>
+                                      </p:cBhvr>
+                                    </p:animEffect>
+                                  </p:childTnLst>
+                                </p:cTn>
+                              </p:par>
+                            </p:childTnLst>
+                          </p:cTn>
+                        </p:par>
+                      </p:childTnLst>
+                    </p:cTn>
+                  </p:par>
+                  <p:par>
+                    <p:cTn id="123" fill="hold">
+                      <p:stCondLst>
+                        <p:cond delay="indefinite"/>
+                      </p:stCondLst>
+                      <p:childTnLst>
+                        <p:par>
+                          <p:cTn id="124" fill="hold">
+                            <p:stCondLst>
+                              <p:cond delay="0"/>
+                            </p:stCondLst>
+                            <p:childTnLst>
+                              <p:par>
+                                <p:cTn id="125" presetID="22" presetClass="entr" presetSubtype="2" fill="hold" grpId="0" nodeType="clickEffect">
+                                  <p:stCondLst>
+                                    <p:cond delay="0"/>
+                                  </p:stCondLst>
+                                  <p:childTnLst>
+                                    <p:set>
+                                      <p:cBhvr>
+                                        <p:cTn id="126" dur="1" fill="hold">
+                                          <p:stCondLst>
+                                            <p:cond delay="0"/>
+                                          </p:stCondLst>
+                                        </p:cTn>
+                                        <p:tgtEl>
+                                          <p:spTgt spid="59"/>
+                                        </p:tgtEl>
+                                        <p:attrNameLst>
+                                          <p:attrName>style.visibility</p:attrName>
+                                        </p:attrNameLst>
+                                      </p:cBhvr>
+                                      <p:to>
+                                        <p:strVal val="visible"/>
+                                      </p:to>
+                                    </p:set>
+                                    <p:animEffect transition="in" filter="wipe(right)">
+                                      <p:cBhvr>
+                                        <p:cTn id="127" dur="500"/>
+                                        <p:tgtEl>
+                                          <p:spTgt spid="59"/>
+                                        </p:tgtEl>
+                                      </p:cBhvr>
+                                    </p:animEffect>
+                                  </p:childTnLst>
+                                </p:cTn>
+                              </p:par>
+                            </p:childTnLst>
+                          </p:cTn>
+                        </p:par>
+                        <p:par>
+                          <p:cTn id="128" fill="hold">
+                            <p:stCondLst>
+                              <p:cond delay="500"/>
+                            </p:stCondLst>
+                            <p:childTnLst>
+                              <p:par>
+                                <p:cTn id="129" presetID="10" presetClass="entr" presetSubtype="0" fill="hold" grpId="0" nodeType="afterEffect">
+                                  <p:stCondLst>
+                                    <p:cond delay="0"/>
+                                  </p:stCondLst>
+                                  <p:childTnLst>
+                                    <p:set>
+                                      <p:cBhvr>
+                                        <p:cTn id="130" dur="1" fill="hold">
+                                          <p:stCondLst>
+                                            <p:cond delay="0"/>
+                                          </p:stCondLst>
+                                        </p:cTn>
+                                        <p:tgtEl>
+                                          <p:spTgt spid="66"/>
+                                        </p:tgtEl>
+                                        <p:attrNameLst>
+                                          <p:attrName>style.visibility</p:attrName>
+                                        </p:attrNameLst>
+                                      </p:cBhvr>
+                                      <p:to>
+                                        <p:strVal val="visible"/>
+                                      </p:to>
+                                    </p:set>
+                                    <p:animEffect transition="in" filter="fade">
+                                      <p:cBhvr>
+                                        <p:cTn id="131" dur="500"/>
+                                        <p:tgtEl>
+                                          <p:spTgt spid="66"/>
+                                        </p:tgtEl>
+                                      </p:cBhvr>
+                                    </p:animEffect>
+                                  </p:childTnLst>
+                                </p:cTn>
+                              </p:par>
+                            </p:childTnLst>
+                          </p:cTn>
+                        </p:par>
+                        <p:par>
+                          <p:cTn id="132" fill="hold">
+                            <p:stCondLst>
+                              <p:cond delay="1000"/>
+                            </p:stCondLst>
+                            <p:childTnLst>
+                              <p:par>
+                                <p:cTn id="133" presetID="10" presetClass="entr" presetSubtype="0" fill="hold" grpId="0" nodeType="afterEffect">
+                                  <p:stCondLst>
+                                    <p:cond delay="0"/>
+                                  </p:stCondLst>
+                                  <p:childTnLst>
+                                    <p:set>
+                                      <p:cBhvr>
+                                        <p:cTn id="134" dur="1" fill="hold">
+                                          <p:stCondLst>
+                                            <p:cond delay="0"/>
+                                          </p:stCondLst>
+                                        </p:cTn>
+                                        <p:tgtEl>
+                                          <p:spTgt spid="65"/>
+                                        </p:tgtEl>
+                                        <p:attrNameLst>
+                                          <p:attrName>style.visibility</p:attrName>
+                                        </p:attrNameLst>
+                                      </p:cBhvr>
+                                      <p:to>
+                                        <p:strVal val="visible"/>
+                                      </p:to>
+                                    </p:set>
+                                    <p:animEffect transition="in" filter="fade">
+                                      <p:cBhvr>
+                                        <p:cTn id="135" dur="500"/>
+                                        <p:tgtEl>
+                                          <p:spTgt spid="65"/>
+                                        </p:tgtEl>
+                                      </p:cBhvr>
+                                    </p:animEffect>
+                                  </p:childTnLst>
+                                </p:cTn>
+                              </p:par>
+                            </p:childTnLst>
+                          </p:cTn>
+                        </p:par>
+                        <p:par>
+                          <p:cTn id="136" fill="hold">
+                            <p:stCondLst>
+                              <p:cond delay="1500"/>
+                            </p:stCondLst>
+                            <p:childTnLst>
+                              <p:par>
+                                <p:cTn id="137" presetID="10" presetClass="entr" presetSubtype="0" fill="hold" grpId="0" nodeType="afterEffect">
+                                  <p:stCondLst>
+                                    <p:cond delay="0"/>
+                                  </p:stCondLst>
+                                  <p:childTnLst>
+                                    <p:set>
+                                      <p:cBhvr>
+                                        <p:cTn id="138" dur="1" fill="hold">
+                                          <p:stCondLst>
+                                            <p:cond delay="0"/>
+                                          </p:stCondLst>
+                                        </p:cTn>
+                                        <p:tgtEl>
+                                          <p:spTgt spid="50"/>
+                                        </p:tgtEl>
+                                        <p:attrNameLst>
+                                          <p:attrName>style.visibility</p:attrName>
+                                        </p:attrNameLst>
+                                      </p:cBhvr>
+                                      <p:to>
+                                        <p:strVal val="visible"/>
+                                      </p:to>
+                                    </p:set>
+                                    <p:animEffect transition="in" filter="fade">
+                                      <p:cBhvr>
+                                        <p:cTn id="139" dur="500"/>
+                                        <p:tgtEl>
+                                          <p:spTgt spid="50"/>
+                                        </p:tgtEl>
+                                      </p:cBhvr>
+                                    </p:animEffect>
+                                  </p:childTnLst>
+                                </p:cTn>
+                              </p:par>
+                              <p:par>
+                                <p:cTn id="140" presetID="10" presetClass="entr" presetSubtype="0" fill="hold" nodeType="withEffect">
+                                  <p:stCondLst>
+                                    <p:cond delay="0"/>
+                                  </p:stCondLst>
+                                  <p:childTnLst>
+                                    <p:set>
+                                      <p:cBhvr>
+                                        <p:cTn id="141" dur="1" fill="hold">
+                                          <p:stCondLst>
+                                            <p:cond delay="0"/>
+                                          </p:stCondLst>
+                                        </p:cTn>
+                                        <p:tgtEl>
+                                          <p:spTgt spid="24"/>
+                                        </p:tgtEl>
+                                        <p:attrNameLst>
+                                          <p:attrName>style.visibility</p:attrName>
+                                        </p:attrNameLst>
+                                      </p:cBhvr>
+                                      <p:to>
+                                        <p:strVal val="visible"/>
+                                      </p:to>
+                                    </p:set>
+                                    <p:animEffect transition="in" filter="fade">
+                                      <p:cBhvr>
+                                        <p:cTn id="142" dur="500"/>
+                                        <p:tgtEl>
+                                          <p:spTgt spid="24"/>
+                                        </p:tgtEl>
+                                      </p:cBhvr>
+                                    </p:animEffect>
+                                  </p:childTnLst>
+                                </p:cTn>
+                              </p:par>
+                            </p:childTnLst>
+                          </p:cTn>
+                        </p:par>
+                        <p:par>
+                          <p:cTn id="143" fill="hold">
+                            <p:stCondLst>
+                              <p:cond delay="2000"/>
+                            </p:stCondLst>
+                            <p:childTnLst>
+                              <p:par>
+                                <p:cTn id="144" presetID="10" presetClass="entr" presetSubtype="0" fill="hold" grpId="0" nodeType="afterEffect">
+                                  <p:stCondLst>
+                                    <p:cond delay="500"/>
+                                  </p:stCondLst>
+                                  <p:childTnLst>
+                                    <p:set>
+                                      <p:cBhvr>
+                                        <p:cTn id="145" dur="1" fill="hold">
+                                          <p:stCondLst>
+                                            <p:cond delay="0"/>
+                                          </p:stCondLst>
+                                        </p:cTn>
+                                        <p:tgtEl>
+                                          <p:spTgt spid="68"/>
+                                        </p:tgtEl>
+                                        <p:attrNameLst>
+                                          <p:attrName>style.visibility</p:attrName>
+                                        </p:attrNameLst>
+                                      </p:cBhvr>
+                                      <p:to>
+                                        <p:strVal val="visible"/>
+                                      </p:to>
+                                    </p:set>
+                                    <p:animEffect transition="in" filter="fade">
+                                      <p:cBhvr>
+                                        <p:cTn id="146" dur="500"/>
+                                        <p:tgtEl>
+                                          <p:spTgt spid="68"/>
+                                        </p:tgtEl>
+                                      </p:cBhvr>
+                                    </p:animEffect>
+                                  </p:childTnLst>
+                                </p:cTn>
+                              </p:par>
+                            </p:childTnLst>
+                          </p:cTn>
+                        </p:par>
+                        <p:par>
+                          <p:cTn id="147" fill="hold">
+                            <p:stCondLst>
+                              <p:cond delay="3000"/>
+                            </p:stCondLst>
+                            <p:childTnLst>
+                              <p:par>
+                                <p:cTn id="148" presetID="10" presetClass="entr" presetSubtype="0" fill="hold" grpId="0" nodeType="afterEffect">
+                                  <p:stCondLst>
+                                    <p:cond delay="0"/>
+                                  </p:stCondLst>
+                                  <p:childTnLst>
+                                    <p:set>
+                                      <p:cBhvr>
+                                        <p:cTn id="149" dur="1" fill="hold">
+                                          <p:stCondLst>
+                                            <p:cond delay="0"/>
+                                          </p:stCondLst>
+                                        </p:cTn>
+                                        <p:tgtEl>
+                                          <p:spTgt spid="69"/>
+                                        </p:tgtEl>
+                                        <p:attrNameLst>
+                                          <p:attrName>style.visibility</p:attrName>
+                                        </p:attrNameLst>
+                                      </p:cBhvr>
+                                      <p:to>
+                                        <p:strVal val="visible"/>
+                                      </p:to>
+                                    </p:set>
+                                    <p:animEffect transition="in" filter="fade">
+                                      <p:cBhvr>
+                                        <p:cTn id="150" dur="500"/>
+                                        <p:tgtEl>
+                                          <p:spTgt spid="69"/>
+                                        </p:tgtEl>
+                                      </p:cBhvr>
+                                    </p:animEffect>
+                                  </p:childTnLst>
+                                </p:cTn>
+                              </p:par>
+                            </p:childTnLst>
+                          </p:cTn>
+                        </p:par>
+                        <p:par>
+                          <p:cTn id="151" fill="hold">
+                            <p:stCondLst>
+                              <p:cond delay="3500"/>
+                            </p:stCondLst>
+                            <p:childTnLst>
+                              <p:par>
+                                <p:cTn id="152" presetID="10" presetClass="entr" presetSubtype="0" fill="hold" grpId="0" nodeType="afterEffect">
+                                  <p:stCondLst>
+                                    <p:cond delay="0"/>
+                                  </p:stCondLst>
+                                  <p:childTnLst>
+                                    <p:set>
+                                      <p:cBhvr>
+                                        <p:cTn id="153" dur="1" fill="hold">
+                                          <p:stCondLst>
+                                            <p:cond delay="0"/>
+                                          </p:stCondLst>
+                                        </p:cTn>
+                                        <p:tgtEl>
+                                          <p:spTgt spid="70"/>
+                                        </p:tgtEl>
+                                        <p:attrNameLst>
+                                          <p:attrName>style.visibility</p:attrName>
+                                        </p:attrNameLst>
+                                      </p:cBhvr>
+                                      <p:to>
+                                        <p:strVal val="visible"/>
+                                      </p:to>
+                                    </p:set>
+                                    <p:animEffect transition="in" filter="fade">
+                                      <p:cBhvr>
+                                        <p:cTn id="154" dur="500"/>
+                                        <p:tgtEl>
+                                          <p:spTgt spid="70"/>
+                                        </p:tgtEl>
+                                      </p:cBhvr>
+                                    </p:animEffect>
+                                  </p:childTnLst>
+                                </p:cTn>
+                              </p:par>
+                            </p:childTnLst>
+                          </p:cTn>
+                        </p:par>
+                      </p:childTnLst>
+                    </p:cTn>
+                  </p:par>
+                </p:childTnLst>
+              </p:cTn>
+              <p:prevCondLst>
+                <p:cond evt="onPrev" delay="0">
+                  <p:tgtEl>
+                    <p:sldTgt/>
+                  </p:tgtEl>
+                </p:cond>
+              </p:prevCondLst>
+              <p:nextCondLst>
+                <p:cond evt="onNext" delay="0">
+                  <p:tgtEl>
+                    <p:sldTgt/>
+                  </p:tgtEl>
+                </p:cond>
+              </p:nextCondLst>
+            </p:seq>
+          </p:childTnLst>
+        </p:cTn>
+      </p:par>
+    </p:tnLst>
+    <p:bldLst>
+      <p:bldP spid="48" grpId="0" animBg="1"/>
+      <p:bldP spid="49" grpId="0" animBg="1"/>
+      <p:bldP spid="50" grpId="0" animBg="1"/>
+      <p:bldP spid="51" grpId="0" animBg="1"/>
+      <p:bldP spid="52" grpId="0" animBg="1"/>
+      <p:bldP spid="53" grpId="0" animBg="1"/>
+      <p:bldP spid="54" grpId="0" animBg="1"/>
+      <p:bldP spid="55" grpId="0" animBg="1"/>
+      <p:bldP spid="56" grpId="0" animBg="1"/>
+      <p:bldP spid="57" grpId="0"/>
+      <p:bldP spid="58" grpId="0"/>
+      <p:bldP spid="59" grpId="0" animBg="1"/>
+      <p:bldP spid="62" grpId="0" animBg="1"/>
+      <p:bldP spid="63" grpId="0" animBg="1"/>
+      <p:bldP spid="64" grpId="0" animBg="1"/>
+      <p:bldP spid="65" grpId="0" animBg="1"/>
+      <p:bldP spid="66" grpId="0" animBg="1"/>
+      <p:bldP spid="68" grpId="0" animBg="1"/>
+      <p:bldP spid="69" grpId="0" animBg="1"/>
+      <p:bldP spid="70" grpId="0" animBg="1"/>
+    </p:bldLst>
+  </p:timing>
+</p:sld>
+</file>
+
+<file path=ppt/slides/slide4.xml><?xml version="1.0" encoding="utf-8"?>
+<p:sld xmlns:a="http://schemas.openxmlformats.org/drawingml/2006/main" xmlns:r="http://schemas.openxmlformats.org/officeDocument/2006/relationships" xmlns:p="http://schemas.openxmlformats.org/presentationml/2006/main">
+  <p:cSld>
+    <p:bg>
+      <p:bgPr>
+        <a:solidFill>
+          <a:schemeClr val="bg1"/>
+        </a:solidFill>
+        <a:effectLst/>
+      </p:bgPr>
+    </p:bg>
+    <p:spTree>
+      <p:nvGrpSpPr>
+        <p:cNvPr id="1" name=""/>
+        <p:cNvGrpSpPr/>
+        <p:nvPr/>
+      </p:nvGrpSpPr>
+      <p:grpSpPr>
+        <a:xfrm>
+          <a:off x="0" y="0"/>
+          <a:ext cx="0" cy="0"/>
+          <a:chOff x="0" y="0"/>
+          <a:chExt cx="0" cy="0"/>
+        </a:xfrm>
+      </p:grpSpPr>
+      <p:sp>
+        <p:nvSpPr>
           <p:cNvPr id="31" name="Rectangle 30">
             <a:extLst>
               <a:ext uri="{FF2B5EF4-FFF2-40B4-BE49-F238E27FC236}">
@@ -38068,7 +42628,7 @@
 </p:sld>
 </file>
 
-<file path=ppt/slides/slide4.xml><?xml version="1.0" encoding="utf-8"?>
+<file path=ppt/slides/slide5.xml><?xml version="1.0" encoding="utf-8"?>
 <p:sld xmlns:a="http://schemas.openxmlformats.org/drawingml/2006/main" xmlns:r="http://schemas.openxmlformats.org/officeDocument/2006/relationships" xmlns:p="http://schemas.openxmlformats.org/presentationml/2006/main">
   <p:cSld>
     <p:bg>
@@ -38456,7 +43016,7 @@
 </p:sld>
 </file>
 
-<file path=ppt/slides/slide5.xml><?xml version="1.0" encoding="utf-8"?>
+<file path=ppt/slides/slide6.xml><?xml version="1.0" encoding="utf-8"?>
 <p:sld xmlns:a="http://schemas.openxmlformats.org/drawingml/2006/main" xmlns:r="http://schemas.openxmlformats.org/officeDocument/2006/relationships" xmlns:p="http://schemas.openxmlformats.org/presentationml/2006/main">
   <p:cSld>
     <p:bg>
@@ -38894,7 +43454,7 @@
 </p:sld>
 </file>
 
-<file path=ppt/slides/slide6.xml><?xml version="1.0" encoding="utf-8"?>
+<file path=ppt/slides/slide7.xml><?xml version="1.0" encoding="utf-8"?>
 <p:sld xmlns:a="http://schemas.openxmlformats.org/drawingml/2006/main" xmlns:r="http://schemas.openxmlformats.org/officeDocument/2006/relationships" xmlns:p="http://schemas.openxmlformats.org/presentationml/2006/main">
   <p:cSld>
     <p:bg>
@@ -39289,7 +43849,7 @@
 </p:sld>
 </file>
 
-<file path=ppt/slides/slide7.xml><?xml version="1.0" encoding="utf-8"?>
+<file path=ppt/slides/slide8.xml><?xml version="1.0" encoding="utf-8"?>
 <p:sld xmlns:a="http://schemas.openxmlformats.org/drawingml/2006/main" xmlns:r="http://schemas.openxmlformats.org/officeDocument/2006/relationships" xmlns:p="http://schemas.openxmlformats.org/presentationml/2006/main">
   <p:cSld>
     <p:bg>
@@ -39637,7 +44197,7 @@
 </p:sld>
 </file>
 
-<file path=ppt/slides/slide8.xml><?xml version="1.0" encoding="utf-8"?>
+<file path=ppt/slides/slide9.xml><?xml version="1.0" encoding="utf-8"?>
 <p:sld xmlns:a="http://schemas.openxmlformats.org/drawingml/2006/main" xmlns:r="http://schemas.openxmlformats.org/officeDocument/2006/relationships" xmlns:p="http://schemas.openxmlformats.org/presentationml/2006/main">
   <p:cSld>
     <p:bg>
@@ -40016,331 +44576,6 @@
     <p:extLst>
       <p:ext uri="{BB962C8B-B14F-4D97-AF65-F5344CB8AC3E}">
         <p14:creationId xmlns:p14="http://schemas.microsoft.com/office/powerpoint/2010/main" val="1566252424"/>
-      </p:ext>
-    </p:extLst>
-  </p:cSld>
-  <p:clrMapOvr>
-    <a:masterClrMapping/>
-  </p:clrMapOvr>
-</p:sld>
-</file>
-
-<file path=ppt/slides/slide9.xml><?xml version="1.0" encoding="utf-8"?>
-<p:sld xmlns:a="http://schemas.openxmlformats.org/drawingml/2006/main" xmlns:r="http://schemas.openxmlformats.org/officeDocument/2006/relationships" xmlns:p="http://schemas.openxmlformats.org/presentationml/2006/main">
-  <p:cSld>
-    <p:bg>
-      <p:bgPr>
-        <a:solidFill>
-          <a:schemeClr val="bg1"/>
-        </a:solidFill>
-        <a:effectLst/>
-      </p:bgPr>
-    </p:bg>
-    <p:spTree>
-      <p:nvGrpSpPr>
-        <p:cNvPr id="1" name=""/>
-        <p:cNvGrpSpPr/>
-        <p:nvPr/>
-      </p:nvGrpSpPr>
-      <p:grpSpPr>
-        <a:xfrm>
-          <a:off x="0" y="0"/>
-          <a:ext cx="0" cy="0"/>
-          <a:chOff x="0" y="0"/>
-          <a:chExt cx="0" cy="0"/>
-        </a:xfrm>
-      </p:grpSpPr>
-      <p:sp>
-        <p:nvSpPr>
-          <p:cNvPr id="2" name="Title 1">
-            <a:extLst>
-              <a:ext uri="{FF2B5EF4-FFF2-40B4-BE49-F238E27FC236}">
-                <a16:creationId xmlns:a16="http://schemas.microsoft.com/office/drawing/2014/main" id="{05819CE1-3F95-F141-A742-17FAFF077CD5}"/>
-              </a:ext>
-            </a:extLst>
-          </p:cNvPr>
-          <p:cNvSpPr>
-            <a:spLocks noGrp="1"/>
-          </p:cNvSpPr>
-          <p:nvPr>
-            <p:ph type="title"/>
-          </p:nvPr>
-        </p:nvSpPr>
-        <p:spPr>
-          <a:xfrm>
-            <a:off x="1571811" y="1359437"/>
-            <a:ext cx="9122584" cy="1325563"/>
-          </a:xfrm>
-        </p:spPr>
-        <p:txBody>
-          <a:bodyPr>
-            <a:normAutofit/>
-          </a:bodyPr>
-          <a:lstStyle/>
-          <a:p>
-            <a:r>
-              <a:rPr lang="en-US"/>
-              <a:t>A Token has a purpose</a:t>
-            </a:r>
-          </a:p>
-        </p:txBody>
-      </p:sp>
-      <p:sp>
-        <p:nvSpPr>
-          <p:cNvPr id="21" name="Content Placeholder 2">
-            <a:extLst>
-              <a:ext uri="{FF2B5EF4-FFF2-40B4-BE49-F238E27FC236}">
-                <a16:creationId xmlns:a16="http://schemas.microsoft.com/office/drawing/2014/main" id="{C1972ED8-C6A4-3448-B52A-C235696E87EA}"/>
-              </a:ext>
-            </a:extLst>
-          </p:cNvPr>
-          <p:cNvSpPr>
-            <a:spLocks noGrp="1"/>
-          </p:cNvSpPr>
-          <p:nvPr>
-            <p:ph idx="1"/>
-          </p:nvPr>
-        </p:nvSpPr>
-        <p:spPr>
-          <a:xfrm>
-            <a:off x="1571811" y="2449903"/>
-            <a:ext cx="6373117" cy="3338812"/>
-          </a:xfrm>
-        </p:spPr>
-        <p:txBody>
-          <a:bodyPr>
-            <a:normAutofit fontScale="92500" lnSpcReduction="20000"/>
-          </a:bodyPr>
-          <a:lstStyle/>
-          <a:p>
-            <a:pPr marL="0" indent="0">
-              <a:buNone/>
-            </a:pPr>
-            <a:r>
-              <a:rPr lang="en-US" sz="2000"/>
-              <a:t>The combination of a token's properties and behaviors are determined by the business requirements or goal.  They can be used to simply represent an asset class to represent raw value like a barrel of oil or have more specific goals like modifying behavior.</a:t>
-            </a:r>
-          </a:p>
-          <a:p>
-            <a:r>
-              <a:rPr lang="en-US" sz="2000"/>
-              <a:t>A loyalty point – they are everywhere and are designed by the issuer to increase their customer retention and total spend.  </a:t>
-            </a:r>
-          </a:p>
-          <a:p>
-            <a:pPr lvl="1"/>
-            <a:r>
-              <a:rPr lang="en-US" sz="2000"/>
-              <a:t>They have Supply control so points can be issued to customers and destroyed when redeemed.  </a:t>
-            </a:r>
-          </a:p>
-          <a:p>
-            <a:pPr lvl="1"/>
-            <a:r>
-              <a:rPr lang="en-US" sz="2000"/>
-              <a:t>They also may have collective behaviors like achieving a “Gold” status by being issued a certain number of them</a:t>
-            </a:r>
-          </a:p>
-          <a:p>
-            <a:pPr lvl="1"/>
-            <a:r>
-              <a:rPr lang="en-US" sz="2000"/>
-              <a:t>They can have accelerators like double points for certain uses.</a:t>
-            </a:r>
-          </a:p>
-        </p:txBody>
-      </p:sp>
-      <p:sp>
-        <p:nvSpPr>
-          <p:cNvPr id="34" name="Freeform 6">
-            <a:extLst>
-              <a:ext uri="{FF2B5EF4-FFF2-40B4-BE49-F238E27FC236}">
-                <a16:creationId xmlns:a16="http://schemas.microsoft.com/office/drawing/2014/main" id="{A9616D99-AEFB-4C95-84EF-5DEC698D92A7}"/>
-              </a:ext>
-              <a:ext uri="{C183D7F6-B498-43B3-948B-1728B52AA6E4}">
-                <adec:decorative xmlns:adec="http://schemas.microsoft.com/office/drawing/2017/decorative" val="1"/>
-              </a:ext>
-            </a:extLst>
-          </p:cNvPr>
-          <p:cNvSpPr>
-            <a:spLocks noGrp="1" noRot="1" noChangeAspect="1" noMove="1" noResize="1" noEditPoints="1" noAdjustHandles="1" noChangeArrowheads="1" noChangeShapeType="1" noTextEdit="1"/>
-          </p:cNvSpPr>
-          <p:nvPr>
-            <p:extLst>
-              <p:ext uri="{386F3935-93C4-4BCD-93E2-E3B085C9AB24}">
-                <p16:designElem xmlns:p16="http://schemas.microsoft.com/office/powerpoint/2015/main" val="1"/>
-              </p:ext>
-            </p:extLst>
-          </p:nvPr>
-        </p:nvSpPr>
-        <p:spPr bwMode="auto">
-          <a:xfrm flipH="1" flipV="1">
-            <a:off x="752858" y="744469"/>
-            <a:ext cx="3275668" cy="4408488"/>
-          </a:xfrm>
-          <a:custGeom>
-            <a:avLst/>
-            <a:gdLst/>
-            <a:ahLst/>
-            <a:cxnLst/>
-            <a:rect l="l" t="t" r="r" b="b"/>
-            <a:pathLst>
-              <a:path w="10002" h="10000">
-                <a:moveTo>
-                  <a:pt x="8763" y="0"/>
-                </a:moveTo>
-                <a:lnTo>
-                  <a:pt x="10002" y="0"/>
-                </a:lnTo>
-                <a:lnTo>
-                  <a:pt x="10002" y="10000"/>
-                </a:lnTo>
-                <a:lnTo>
-                  <a:pt x="2" y="10000"/>
-                </a:lnTo>
-                <a:cubicBezTo>
-                  <a:pt x="-2" y="9698"/>
-                  <a:pt x="4" y="9427"/>
-                  <a:pt x="0" y="9125"/>
-                </a:cubicBezTo>
-                <a:lnTo>
-                  <a:pt x="8763" y="9128"/>
-                </a:lnTo>
-                <a:lnTo>
-                  <a:pt x="8763" y="0"/>
-                </a:lnTo>
-                <a:close/>
-              </a:path>
-            </a:pathLst>
-          </a:custGeom>
-          <a:solidFill>
-            <a:srgbClr val="4C4C4C"/>
-          </a:solidFill>
-          <a:ln w="0">
-            <a:noFill/>
-            <a:prstDash val="solid"/>
-            <a:round/>
-            <a:headEnd/>
-            <a:tailEnd/>
-          </a:ln>
-        </p:spPr>
-      </p:sp>
-      <p:sp>
-        <p:nvSpPr>
-          <p:cNvPr id="35" name="Freeform 6">
-            <a:extLst>
-              <a:ext uri="{FF2B5EF4-FFF2-40B4-BE49-F238E27FC236}">
-                <a16:creationId xmlns:a16="http://schemas.microsoft.com/office/drawing/2014/main" id="{D0F97023-F626-4FC5-8C2D-753B5C7F4606}"/>
-              </a:ext>
-              <a:ext uri="{C183D7F6-B498-43B3-948B-1728B52AA6E4}">
-                <adec:decorative xmlns:adec="http://schemas.microsoft.com/office/drawing/2017/decorative" val="1"/>
-              </a:ext>
-            </a:extLst>
-          </p:cNvPr>
-          <p:cNvSpPr>
-            <a:spLocks noGrp="1" noRot="1" noChangeAspect="1" noMove="1" noResize="1" noEditPoints="1" noAdjustHandles="1" noChangeArrowheads="1" noChangeShapeType="1" noTextEdit="1"/>
-          </p:cNvSpPr>
-          <p:nvPr>
-            <p:extLst>
-              <p:ext uri="{386F3935-93C4-4BCD-93E2-E3B085C9AB24}">
-                <p16:designElem xmlns:p16="http://schemas.microsoft.com/office/powerpoint/2015/main" val="1"/>
-              </p:ext>
-            </p:extLst>
-          </p:nvPr>
-        </p:nvSpPr>
-        <p:spPr bwMode="auto">
-          <a:xfrm>
-            <a:off x="8151962" y="1685652"/>
-            <a:ext cx="3275013" cy="4408488"/>
-          </a:xfrm>
-          <a:custGeom>
-            <a:avLst/>
-            <a:gdLst/>
-            <a:ahLst/>
-            <a:cxnLst/>
-            <a:rect l="l" t="t" r="r" b="b"/>
-            <a:pathLst>
-              <a:path w="10000" h="10000">
-                <a:moveTo>
-                  <a:pt x="8761" y="0"/>
-                </a:moveTo>
-                <a:lnTo>
-                  <a:pt x="10000" y="0"/>
-                </a:lnTo>
-                <a:lnTo>
-                  <a:pt x="10000" y="10000"/>
-                </a:lnTo>
-                <a:lnTo>
-                  <a:pt x="0" y="10000"/>
-                </a:lnTo>
-                <a:lnTo>
-                  <a:pt x="0" y="9126"/>
-                </a:lnTo>
-                <a:lnTo>
-                  <a:pt x="8761" y="9127"/>
-                </a:lnTo>
-                <a:lnTo>
-                  <a:pt x="8761" y="0"/>
-                </a:lnTo>
-                <a:close/>
-              </a:path>
-            </a:pathLst>
-          </a:custGeom>
-          <a:solidFill>
-            <a:srgbClr val="4C4C4C"/>
-          </a:solidFill>
-          <a:ln w="0">
-            <a:noFill/>
-            <a:prstDash val="solid"/>
-            <a:round/>
-            <a:headEnd/>
-            <a:tailEnd/>
-          </a:ln>
-        </p:spPr>
-      </p:sp>
-      <p:pic>
-        <p:nvPicPr>
-          <p:cNvPr id="7" name="Graphic 6" descr="Head with Gears">
-            <a:extLst>
-              <a:ext uri="{FF2B5EF4-FFF2-40B4-BE49-F238E27FC236}">
-                <a16:creationId xmlns:a16="http://schemas.microsoft.com/office/drawing/2014/main" id="{D4E65527-2FFD-479D-A25B-B30269F37E01}"/>
-              </a:ext>
-            </a:extLst>
-          </p:cNvPr>
-          <p:cNvPicPr>
-            <a:picLocks noChangeAspect="1"/>
-          </p:cNvPicPr>
-          <p:nvPr/>
-        </p:nvPicPr>
-        <p:blipFill>
-          <a:blip r:embed="rId2">
-            <a:extLst>
-              <a:ext uri="{28A0092B-C50C-407E-A947-70E740481C1C}">
-                <a14:useLocalDpi xmlns:a14="http://schemas.microsoft.com/office/drawing/2010/main" val="0"/>
-              </a:ext>
-              <a:ext uri="{96DAC541-7B7A-43D3-8B79-37D633B846F1}">
-                <asvg:svgBlip xmlns:asvg="http://schemas.microsoft.com/office/drawing/2016/SVG/main" r:embed="rId3"/>
-              </a:ext>
-            </a:extLst>
-          </a:blip>
-          <a:stretch>
-            <a:fillRect/>
-          </a:stretch>
-        </p:blipFill>
-        <p:spPr>
-          <a:xfrm>
-            <a:off x="8325899" y="3191551"/>
-            <a:ext cx="2194559" cy="2194559"/>
-          </a:xfrm>
-          <a:prstGeom prst="rect">
-            <a:avLst/>
-          </a:prstGeom>
-        </p:spPr>
-      </p:pic>
-    </p:spTree>
-    <p:extLst>
-      <p:ext uri="{BB962C8B-B14F-4D97-AF65-F5344CB8AC3E}">
-        <p14:creationId xmlns:p14="http://schemas.microsoft.com/office/powerpoint/2010/main" val="3056257916"/>
       </p:ext>
     </p:extLst>
   </p:cSld>
@@ -40913,6 +45148,15 @@
 </file>
 
 <file path=customXml/item2.xml><?xml version="1.0" encoding="utf-8"?>
+<?mso-contentType ?>
+<FormTemplates xmlns="http://schemas.microsoft.com/sharepoint/v3/contenttype/forms">
+  <Display>DocumentLibraryForm</Display>
+  <Edit>DocumentLibraryForm</Edit>
+  <New>DocumentLibraryForm</New>
+</FormTemplates>
+</file>
+
+<file path=customXml/item3.xml><?xml version="1.0" encoding="utf-8"?>
 <ct:contentTypeSchema xmlns:ct="http://schemas.microsoft.com/office/2006/metadata/contentType" xmlns:ma="http://schemas.microsoft.com/office/2006/metadata/properties/metaAttributes" ct:_="" ma:_="" ma:contentTypeName="Document" ma:contentTypeID="0x010100E665E02639FAEB40A391DFE60DB8291E" ma:contentTypeVersion="4" ma:contentTypeDescription="Create a new document." ma:contentTypeScope="" ma:versionID="0dc4f3bf63c95f2a7f34ca490d37f8b3">
   <xsd:schema xmlns:xsd="http://www.w3.org/2001/XMLSchema" xmlns:xs="http://www.w3.org/2001/XMLSchema" xmlns:p="http://schemas.microsoft.com/office/2006/metadata/properties" xmlns:ns2="3a7aec52-d260-40f4-abc6-de1effba4eef" targetNamespace="http://schemas.microsoft.com/office/2006/metadata/properties" ma:root="true" ma:fieldsID="11783cbf578709511a4b09efbbfcb1c2" ns2:_="">
     <xsd:import namespace="3a7aec52-d260-40f4-abc6-de1effba4eef"/>
@@ -41058,15 +45302,6 @@
 </ct:contentTypeSchema>
 </file>
 
-<file path=customXml/item3.xml><?xml version="1.0" encoding="utf-8"?>
-<?mso-contentType ?>
-<FormTemplates xmlns="http://schemas.microsoft.com/sharepoint/v3/contenttype/forms">
-  <Display>DocumentLibraryForm</Display>
-  <Edit>DocumentLibraryForm</Edit>
-  <New>DocumentLibraryForm</New>
-</FormTemplates>
-</file>
-
 <file path=customXml/itemProps1.xml><?xml version="1.0" encoding="utf-8"?>
 <ds:datastoreItem xmlns:ds="http://schemas.openxmlformats.org/officeDocument/2006/customXml" ds:itemID="{F7AF0903-6D80-471D-A041-7F6C4071768F}">
   <ds:schemaRefs>
@@ -41084,6 +45319,14 @@
 </file>
 
 <file path=customXml/itemProps2.xml><?xml version="1.0" encoding="utf-8"?>
+<ds:datastoreItem xmlns:ds="http://schemas.openxmlformats.org/officeDocument/2006/customXml" ds:itemID="{9DE9DD4F-4E7E-4E07-97E6-FDF8D4642713}">
+  <ds:schemaRefs>
+    <ds:schemaRef ds:uri="http://schemas.microsoft.com/sharepoint/v3/contenttype/forms"/>
+  </ds:schemaRefs>
+</ds:datastoreItem>
+</file>
+
+<file path=customXml/itemProps3.xml><?xml version="1.0" encoding="utf-8"?>
 <ds:datastoreItem xmlns:ds="http://schemas.openxmlformats.org/officeDocument/2006/customXml" ds:itemID="{9C5E96DF-95B6-4555-8B32-98E6EB718F53}">
   <ds:schemaRefs>
     <ds:schemaRef ds:uri="3a7aec52-d260-40f4-abc6-de1effba4eef"/>
@@ -41099,12 +45342,4 @@
     <ds:schemaRef ds:uri="http://www.w3.org/2001/XMLSchema"/>
   </ds:schemaRefs>
 </ds:datastoreItem>
-</file>
-
-<file path=customXml/itemProps3.xml><?xml version="1.0" encoding="utf-8"?>
-<ds:datastoreItem xmlns:ds="http://schemas.openxmlformats.org/officeDocument/2006/customXml" ds:itemID="{9DE9DD4F-4E7E-4E07-97E6-FDF8D4642713}">
-  <ds:schemaRefs>
-    <ds:schemaRef ds:uri="http://schemas.microsoft.com/sharepoint/v3/contenttype/forms"/>
-  </ds:schemaRefs>
-</ds:datastoreItem>
 </file>
--- a/presentations/tokens-smokens-v2.pptx
+++ b/presentations/tokens-smokens-v2.pptx
@@ -6129,790 +6129,6 @@
     <dgm:fillClrLst meth="repeat">
       <a:schemeClr val="accent5">
         <a:tint val="40000"/>
-      </a:schemeClr>
-    </dgm:fillClrLst>
-    <dgm:linClrLst meth="repeat">
-      <a:schemeClr val="dk1"/>
-    </dgm:linClrLst>
-    <dgm:effectClrLst/>
-    <dgm:txLinClrLst/>
-    <dgm:txFillClrLst meth="repeat">
-      <a:schemeClr val="dk1"/>
-    </dgm:txFillClrLst>
-    <dgm:txEffectClrLst/>
-  </dgm:styleLbl>
-  <dgm:styleLbl name="dkBgShp">
-    <dgm:fillClrLst meth="repeat">
-      <a:schemeClr val="accent5">
-        <a:shade val="90000"/>
-      </a:schemeClr>
-    </dgm:fillClrLst>
-    <dgm:linClrLst meth="repeat">
-      <a:schemeClr val="dk1"/>
-    </dgm:linClrLst>
-    <dgm:effectClrLst/>
-    <dgm:txLinClrLst/>
-    <dgm:txFillClrLst meth="repeat">
-      <a:schemeClr val="lt1"/>
-    </dgm:txFillClrLst>
-    <dgm:txEffectClrLst/>
-  </dgm:styleLbl>
-  <dgm:styleLbl name="trBgShp">
-    <dgm:fillClrLst meth="repeat">
-      <a:schemeClr val="accent5">
-        <a:tint val="50000"/>
-        <a:alpha val="40000"/>
-      </a:schemeClr>
-    </dgm:fillClrLst>
-    <dgm:linClrLst meth="repeat">
-      <a:schemeClr val="accent5"/>
-    </dgm:linClrLst>
-    <dgm:effectClrLst/>
-    <dgm:txLinClrLst/>
-    <dgm:txFillClrLst meth="repeat">
-      <a:schemeClr val="lt1"/>
-    </dgm:txFillClrLst>
-    <dgm:txEffectClrLst/>
-  </dgm:styleLbl>
-  <dgm:styleLbl name="fgShp">
-    <dgm:fillClrLst meth="repeat">
-      <a:schemeClr val="accent5">
-        <a:tint val="40000"/>
-      </a:schemeClr>
-    </dgm:fillClrLst>
-    <dgm:linClrLst meth="repeat">
-      <a:schemeClr val="lt1"/>
-    </dgm:linClrLst>
-    <dgm:effectClrLst/>
-    <dgm:txLinClrLst/>
-    <dgm:txFillClrLst meth="repeat">
-      <a:schemeClr val="dk1"/>
-    </dgm:txFillClrLst>
-    <dgm:txEffectClrLst/>
-  </dgm:styleLbl>
-  <dgm:styleLbl name="revTx">
-    <dgm:fillClrLst meth="repeat">
-      <a:schemeClr val="lt1">
-        <a:alpha val="0"/>
-      </a:schemeClr>
-    </dgm:fillClrLst>
-    <dgm:linClrLst meth="repeat">
-      <a:schemeClr val="dk1">
-        <a:alpha val="0"/>
-      </a:schemeClr>
-    </dgm:linClrLst>
-    <dgm:effectClrLst/>
-    <dgm:txLinClrLst/>
-    <dgm:txFillClrLst meth="repeat">
-      <a:schemeClr val="tx1"/>
-    </dgm:txFillClrLst>
-    <dgm:txEffectClrLst/>
-  </dgm:styleLbl>
-</dgm:colorsDef>
-</file>
-
-<file path=ppt/diagrams/colors9.xml><?xml version="1.0" encoding="utf-8"?>
-<dgm:colorsDef xmlns:dgm="http://schemas.openxmlformats.org/drawingml/2006/diagram" xmlns:a="http://schemas.openxmlformats.org/drawingml/2006/main" uniqueId="urn:microsoft.com/office/officeart/2018/5/colors/Iconchunking_neutralbg_colorful5">
-  <dgm:title val=""/>
-  <dgm:desc val=""/>
-  <dgm:catLst>
-    <dgm:cat type="colorful" pri="10500"/>
-  </dgm:catLst>
-  <dgm:styleLbl name="node0">
-    <dgm:fillClrLst meth="repeat">
-      <a:schemeClr val="accent4"/>
-    </dgm:fillClrLst>
-    <dgm:linClrLst meth="repeat">
-      <a:schemeClr val="lt1"/>
-    </dgm:linClrLst>
-    <dgm:effectClrLst/>
-    <dgm:txLinClrLst/>
-    <dgm:txFillClrLst/>
-    <dgm:txEffectClrLst/>
-  </dgm:styleLbl>
-  <dgm:styleLbl name="node1">
-    <dgm:fillClrLst>
-      <a:schemeClr val="accent5"/>
-      <a:schemeClr val="accent6"/>
-    </dgm:fillClrLst>
-    <dgm:linClrLst meth="repeat">
-      <a:schemeClr val="lt1">
-        <a:alpha val="0"/>
-      </a:schemeClr>
-    </dgm:linClrLst>
-    <dgm:effectClrLst/>
-    <dgm:txLinClrLst/>
-    <dgm:txFillClrLst/>
-    <dgm:txEffectClrLst/>
-  </dgm:styleLbl>
-  <dgm:styleLbl name="alignNode1">
-    <dgm:fillClrLst>
-      <a:schemeClr val="accent5"/>
-      <a:schemeClr val="accent6"/>
-    </dgm:fillClrLst>
-    <dgm:linClrLst>
-      <a:schemeClr val="accent5"/>
-      <a:schemeClr val="accent6"/>
-    </dgm:linClrLst>
-    <dgm:effectClrLst/>
-    <dgm:txLinClrLst/>
-    <dgm:txFillClrLst/>
-    <dgm:txEffectClrLst/>
-  </dgm:styleLbl>
-  <dgm:styleLbl name="lnNode1">
-    <dgm:fillClrLst>
-      <a:schemeClr val="accent5"/>
-      <a:schemeClr val="accent6"/>
-    </dgm:fillClrLst>
-    <dgm:linClrLst meth="repeat">
-      <a:schemeClr val="lt1"/>
-    </dgm:linClrLst>
-    <dgm:effectClrLst/>
-    <dgm:txLinClrLst/>
-    <dgm:txFillClrLst/>
-    <dgm:txEffectClrLst/>
-  </dgm:styleLbl>
-  <dgm:styleLbl name="vennNode1">
-    <dgm:fillClrLst>
-      <a:schemeClr val="accent5">
-        <a:alpha val="50000"/>
-      </a:schemeClr>
-      <a:schemeClr val="accent6">
-        <a:alpha val="50000"/>
-      </a:schemeClr>
-    </dgm:fillClrLst>
-    <dgm:linClrLst meth="repeat">
-      <a:schemeClr val="lt1"/>
-    </dgm:linClrLst>
-    <dgm:effectClrLst/>
-    <dgm:txLinClrLst/>
-    <dgm:txFillClrLst/>
-    <dgm:txEffectClrLst/>
-  </dgm:styleLbl>
-  <dgm:styleLbl name="node2">
-    <dgm:fillClrLst>
-      <a:schemeClr val="accent6"/>
-    </dgm:fillClrLst>
-    <dgm:linClrLst meth="repeat">
-      <a:schemeClr val="lt1"/>
-    </dgm:linClrLst>
-    <dgm:effectClrLst/>
-    <dgm:txLinClrLst/>
-    <dgm:txFillClrLst/>
-    <dgm:txEffectClrLst/>
-  </dgm:styleLbl>
-  <dgm:styleLbl name="node3">
-    <dgm:fillClrLst>
-      <a:schemeClr val="accent1"/>
-    </dgm:fillClrLst>
-    <dgm:linClrLst meth="repeat">
-      <a:schemeClr val="lt1"/>
-    </dgm:linClrLst>
-    <dgm:effectClrLst/>
-    <dgm:txLinClrLst/>
-    <dgm:txFillClrLst/>
-    <dgm:txEffectClrLst/>
-  </dgm:styleLbl>
-  <dgm:styleLbl name="node4">
-    <dgm:fillClrLst>
-      <a:schemeClr val="accent2"/>
-    </dgm:fillClrLst>
-    <dgm:linClrLst meth="repeat">
-      <a:schemeClr val="lt1"/>
-    </dgm:linClrLst>
-    <dgm:effectClrLst/>
-    <dgm:txLinClrLst/>
-    <dgm:txFillClrLst/>
-    <dgm:txEffectClrLst/>
-  </dgm:styleLbl>
-  <dgm:styleLbl name="fgImgPlace1">
-    <dgm:fillClrLst>
-      <a:schemeClr val="accent5">
-        <a:tint val="50000"/>
-      </a:schemeClr>
-      <a:schemeClr val="accent6">
-        <a:tint val="50000"/>
-      </a:schemeClr>
-    </dgm:fillClrLst>
-    <dgm:linClrLst meth="repeat">
-      <a:schemeClr val="lt1"/>
-    </dgm:linClrLst>
-    <dgm:effectClrLst/>
-    <dgm:txLinClrLst/>
-    <dgm:txFillClrLst meth="repeat">
-      <a:schemeClr val="lt1"/>
-    </dgm:txFillClrLst>
-    <dgm:txEffectClrLst/>
-  </dgm:styleLbl>
-  <dgm:styleLbl name="alignImgPlace1">
-    <dgm:fillClrLst>
-      <a:schemeClr val="accent5">
-        <a:tint val="50000"/>
-      </a:schemeClr>
-      <a:schemeClr val="accent6">
-        <a:tint val="20000"/>
-      </a:schemeClr>
-    </dgm:fillClrLst>
-    <dgm:linClrLst meth="repeat">
-      <a:schemeClr val="lt1"/>
-    </dgm:linClrLst>
-    <dgm:effectClrLst/>
-    <dgm:txLinClrLst/>
-    <dgm:txFillClrLst meth="repeat">
-      <a:schemeClr val="lt1"/>
-    </dgm:txFillClrLst>
-    <dgm:txEffectClrLst/>
-  </dgm:styleLbl>
-  <dgm:styleLbl name="bgImgPlace1">
-    <dgm:fillClrLst>
-      <a:schemeClr val="accent5">
-        <a:tint val="50000"/>
-      </a:schemeClr>
-      <a:schemeClr val="accent6">
-        <a:tint val="20000"/>
-      </a:schemeClr>
-    </dgm:fillClrLst>
-    <dgm:linClrLst meth="repeat">
-      <a:schemeClr val="lt1"/>
-    </dgm:linClrLst>
-    <dgm:effectClrLst/>
-    <dgm:txLinClrLst/>
-    <dgm:txFillClrLst meth="repeat">
-      <a:schemeClr val="lt1"/>
-    </dgm:txFillClrLst>
-    <dgm:txEffectClrLst/>
-  </dgm:styleLbl>
-  <dgm:styleLbl name="sibTrans2D1">
-    <dgm:fillClrLst>
-      <a:schemeClr val="accent5"/>
-      <a:schemeClr val="accent6"/>
-    </dgm:fillClrLst>
-    <dgm:linClrLst meth="repeat">
-      <a:schemeClr val="lt1"/>
-    </dgm:linClrLst>
-    <dgm:effectClrLst/>
-    <dgm:txLinClrLst/>
-    <dgm:txFillClrLst/>
-    <dgm:txEffectClrLst/>
-  </dgm:styleLbl>
-  <dgm:styleLbl name="fgSibTrans2D1">
-    <dgm:fillClrLst>
-      <a:schemeClr val="accent5"/>
-      <a:schemeClr val="accent6"/>
-    </dgm:fillClrLst>
-    <dgm:linClrLst meth="repeat">
-      <a:schemeClr val="lt1"/>
-    </dgm:linClrLst>
-    <dgm:effectClrLst/>
-    <dgm:txLinClrLst/>
-    <dgm:txFillClrLst meth="repeat">
-      <a:schemeClr val="lt1"/>
-    </dgm:txFillClrLst>
-    <dgm:txEffectClrLst/>
-  </dgm:styleLbl>
-  <dgm:styleLbl name="bgSibTrans2D1">
-    <dgm:fillClrLst>
-      <a:schemeClr val="accent5"/>
-      <a:schemeClr val="accent6"/>
-    </dgm:fillClrLst>
-    <dgm:linClrLst meth="repeat">
-      <a:schemeClr val="lt1"/>
-    </dgm:linClrLst>
-    <dgm:effectClrLst/>
-    <dgm:txLinClrLst/>
-    <dgm:txFillClrLst meth="repeat">
-      <a:schemeClr val="lt1"/>
-    </dgm:txFillClrLst>
-    <dgm:txEffectClrLst/>
-  </dgm:styleLbl>
-  <dgm:styleLbl name="sibTrans1D1">
-    <dgm:fillClrLst/>
-    <dgm:linClrLst>
-      <a:schemeClr val="accent5"/>
-      <a:schemeClr val="accent6"/>
-    </dgm:linClrLst>
-    <dgm:effectClrLst/>
-    <dgm:txLinClrLst/>
-    <dgm:txFillClrLst meth="repeat">
-      <a:schemeClr val="tx1"/>
-    </dgm:txFillClrLst>
-    <dgm:txEffectClrLst/>
-  </dgm:styleLbl>
-  <dgm:styleLbl name="callout">
-    <dgm:fillClrLst meth="repeat">
-      <a:schemeClr val="accent5"/>
-    </dgm:fillClrLst>
-    <dgm:linClrLst meth="repeat">
-      <a:schemeClr val="accent5">
-        <a:tint val="50000"/>
-      </a:schemeClr>
-    </dgm:linClrLst>
-    <dgm:effectClrLst/>
-    <dgm:txLinClrLst/>
-    <dgm:txFillClrLst meth="repeat">
-      <a:schemeClr val="tx1"/>
-    </dgm:txFillClrLst>
-    <dgm:txEffectClrLst/>
-  </dgm:styleLbl>
-  <dgm:styleLbl name="asst0">
-    <dgm:fillClrLst meth="repeat">
-      <a:schemeClr val="accent5"/>
-    </dgm:fillClrLst>
-    <dgm:linClrLst meth="repeat">
-      <a:schemeClr val="lt1">
-        <a:shade val="80000"/>
-      </a:schemeClr>
-    </dgm:linClrLst>
-    <dgm:effectClrLst/>
-    <dgm:txLinClrLst/>
-    <dgm:txFillClrLst/>
-    <dgm:txEffectClrLst/>
-  </dgm:styleLbl>
-  <dgm:styleLbl name="asst1">
-    <dgm:fillClrLst meth="repeat">
-      <a:schemeClr val="accent6"/>
-    </dgm:fillClrLst>
-    <dgm:linClrLst meth="repeat">
-      <a:schemeClr val="lt1">
-        <a:shade val="80000"/>
-      </a:schemeClr>
-    </dgm:linClrLst>
-    <dgm:effectClrLst/>
-    <dgm:txLinClrLst/>
-    <dgm:txFillClrLst/>
-    <dgm:txEffectClrLst/>
-  </dgm:styleLbl>
-  <dgm:styleLbl name="asst2">
-    <dgm:fillClrLst>
-      <a:schemeClr val="accent1"/>
-    </dgm:fillClrLst>
-    <dgm:linClrLst meth="repeat">
-      <a:schemeClr val="lt1"/>
-    </dgm:linClrLst>
-    <dgm:effectClrLst/>
-    <dgm:txLinClrLst/>
-    <dgm:txFillClrLst/>
-    <dgm:txEffectClrLst/>
-  </dgm:styleLbl>
-  <dgm:styleLbl name="asst3">
-    <dgm:fillClrLst>
-      <a:schemeClr val="accent2"/>
-    </dgm:fillClrLst>
-    <dgm:linClrLst meth="repeat">
-      <a:schemeClr val="lt1"/>
-    </dgm:linClrLst>
-    <dgm:effectClrLst/>
-    <dgm:txLinClrLst/>
-    <dgm:txFillClrLst/>
-    <dgm:txEffectClrLst/>
-  </dgm:styleLbl>
-  <dgm:styleLbl name="asst4">
-    <dgm:fillClrLst>
-      <a:schemeClr val="accent3"/>
-    </dgm:fillClrLst>
-    <dgm:linClrLst meth="repeat">
-      <a:schemeClr val="lt1"/>
-    </dgm:linClrLst>
-    <dgm:effectClrLst/>
-    <dgm:txLinClrLst/>
-    <dgm:txFillClrLst/>
-    <dgm:txEffectClrLst/>
-  </dgm:styleLbl>
-  <dgm:styleLbl name="parChTrans2D1">
-    <dgm:fillClrLst meth="repeat">
-      <a:schemeClr val="accent5"/>
-    </dgm:fillClrLst>
-    <dgm:linClrLst meth="repeat">
-      <a:schemeClr val="lt1"/>
-    </dgm:linClrLst>
-    <dgm:effectClrLst/>
-    <dgm:txLinClrLst/>
-    <dgm:txFillClrLst meth="repeat">
-      <a:schemeClr val="lt1"/>
-    </dgm:txFillClrLst>
-    <dgm:txEffectClrLst/>
-  </dgm:styleLbl>
-  <dgm:styleLbl name="parChTrans2D2">
-    <dgm:fillClrLst meth="repeat">
-      <a:schemeClr val="accent6"/>
-    </dgm:fillClrLst>
-    <dgm:linClrLst meth="repeat">
-      <a:schemeClr val="lt1"/>
-    </dgm:linClrLst>
-    <dgm:effectClrLst/>
-    <dgm:txLinClrLst/>
-    <dgm:txFillClrLst/>
-    <dgm:txEffectClrLst/>
-  </dgm:styleLbl>
-  <dgm:styleLbl name="parChTrans2D3">
-    <dgm:fillClrLst meth="repeat">
-      <a:schemeClr val="accent6"/>
-    </dgm:fillClrLst>
-    <dgm:linClrLst meth="repeat">
-      <a:schemeClr val="lt1"/>
-    </dgm:linClrLst>
-    <dgm:effectClrLst/>
-    <dgm:txLinClrLst/>
-    <dgm:txFillClrLst/>
-    <dgm:txEffectClrLst/>
-  </dgm:styleLbl>
-  <dgm:styleLbl name="parChTrans2D4">
-    <dgm:fillClrLst meth="repeat">
-      <a:schemeClr val="accent1"/>
-    </dgm:fillClrLst>
-    <dgm:linClrLst meth="repeat">
-      <a:schemeClr val="lt1"/>
-    </dgm:linClrLst>
-    <dgm:effectClrLst/>
-    <dgm:txLinClrLst/>
-    <dgm:txFillClrLst meth="repeat">
-      <a:schemeClr val="lt1"/>
-    </dgm:txFillClrLst>
-    <dgm:txEffectClrLst/>
-  </dgm:styleLbl>
-  <dgm:styleLbl name="parChTrans1D1">
-    <dgm:fillClrLst meth="repeat">
-      <a:schemeClr val="accent5"/>
-    </dgm:fillClrLst>
-    <dgm:linClrLst meth="repeat">
-      <a:schemeClr val="accent5"/>
-    </dgm:linClrLst>
-    <dgm:effectClrLst/>
-    <dgm:txLinClrLst/>
-    <dgm:txFillClrLst meth="repeat">
-      <a:schemeClr val="tx1"/>
-    </dgm:txFillClrLst>
-    <dgm:txEffectClrLst/>
-  </dgm:styleLbl>
-  <dgm:styleLbl name="parChTrans1D2">
-    <dgm:fillClrLst meth="repeat">
-      <a:schemeClr val="accent6">
-        <a:tint val="90000"/>
-      </a:schemeClr>
-    </dgm:fillClrLst>
-    <dgm:linClrLst meth="repeat">
-      <a:schemeClr val="accent6"/>
-    </dgm:linClrLst>
-    <dgm:effectClrLst/>
-    <dgm:txLinClrLst/>
-    <dgm:txFillClrLst meth="repeat">
-      <a:schemeClr val="tx1"/>
-    </dgm:txFillClrLst>
-    <dgm:txEffectClrLst/>
-  </dgm:styleLbl>
-  <dgm:styleLbl name="parChTrans1D3">
-    <dgm:fillClrLst meth="repeat">
-      <a:schemeClr val="accent6">
-        <a:tint val="70000"/>
-      </a:schemeClr>
-    </dgm:fillClrLst>
-    <dgm:linClrLst meth="repeat">
-      <a:schemeClr val="accent1"/>
-    </dgm:linClrLst>
-    <dgm:effectClrLst/>
-    <dgm:txLinClrLst/>
-    <dgm:txFillClrLst meth="repeat">
-      <a:schemeClr val="tx1"/>
-    </dgm:txFillClrLst>
-    <dgm:txEffectClrLst/>
-  </dgm:styleLbl>
-  <dgm:styleLbl name="parChTrans1D4">
-    <dgm:fillClrLst meth="repeat">
-      <a:schemeClr val="accent6">
-        <a:tint val="50000"/>
-      </a:schemeClr>
-    </dgm:fillClrLst>
-    <dgm:linClrLst meth="repeat">
-      <a:schemeClr val="accent2"/>
-    </dgm:linClrLst>
-    <dgm:effectClrLst/>
-    <dgm:txLinClrLst/>
-    <dgm:txFillClrLst meth="repeat">
-      <a:schemeClr val="tx1"/>
-    </dgm:txFillClrLst>
-    <dgm:txEffectClrLst/>
-  </dgm:styleLbl>
-  <dgm:styleLbl name="fgAcc1">
-    <dgm:fillClrLst meth="repeat">
-      <a:schemeClr val="lt1">
-        <a:alpha val="90000"/>
-      </a:schemeClr>
-    </dgm:fillClrLst>
-    <dgm:linClrLst>
-      <a:schemeClr val="accent5"/>
-      <a:schemeClr val="accent6"/>
-    </dgm:linClrLst>
-    <dgm:effectClrLst/>
-    <dgm:txLinClrLst/>
-    <dgm:txFillClrLst meth="repeat">
-      <a:schemeClr val="dk1"/>
-    </dgm:txFillClrLst>
-    <dgm:txEffectClrLst/>
-  </dgm:styleLbl>
-  <dgm:styleLbl name="conFgAcc1">
-    <dgm:fillClrLst meth="repeat">
-      <a:schemeClr val="lt1">
-        <a:alpha val="90000"/>
-      </a:schemeClr>
-    </dgm:fillClrLst>
-    <dgm:linClrLst>
-      <a:schemeClr val="accent5"/>
-      <a:schemeClr val="accent6"/>
-    </dgm:linClrLst>
-    <dgm:effectClrLst/>
-    <dgm:txLinClrLst/>
-    <dgm:txFillClrLst meth="repeat">
-      <a:schemeClr val="dk1"/>
-    </dgm:txFillClrLst>
-    <dgm:txEffectClrLst/>
-  </dgm:styleLbl>
-  <dgm:styleLbl name="alignAcc1">
-    <dgm:fillClrLst meth="repeat">
-      <a:schemeClr val="lt1">
-        <a:alpha val="90000"/>
-      </a:schemeClr>
-    </dgm:fillClrLst>
-    <dgm:linClrLst>
-      <a:schemeClr val="accent5"/>
-      <a:schemeClr val="accent6"/>
-    </dgm:linClrLst>
-    <dgm:effectClrLst/>
-    <dgm:txLinClrLst/>
-    <dgm:txFillClrLst meth="repeat">
-      <a:schemeClr val="dk1"/>
-    </dgm:txFillClrLst>
-    <dgm:txEffectClrLst/>
-  </dgm:styleLbl>
-  <dgm:styleLbl name="trAlignAcc1">
-    <dgm:fillClrLst meth="repeat">
-      <a:schemeClr val="lt1">
-        <a:alpha val="40000"/>
-      </a:schemeClr>
-    </dgm:fillClrLst>
-    <dgm:linClrLst meth="repeat">
-      <a:schemeClr val="accent5"/>
-    </dgm:linClrLst>
-    <dgm:effectClrLst/>
-    <dgm:txLinClrLst/>
-    <dgm:txFillClrLst meth="repeat">
-      <a:schemeClr val="dk1"/>
-    </dgm:txFillClrLst>
-    <dgm:txEffectClrLst/>
-  </dgm:styleLbl>
-  <dgm:styleLbl name="bgAcc1">
-    <dgm:fillClrLst meth="repeat">
-      <a:schemeClr val="lt1">
-        <a:alpha val="90000"/>
-      </a:schemeClr>
-    </dgm:fillClrLst>
-    <dgm:linClrLst>
-      <a:schemeClr val="accent5"/>
-      <a:schemeClr val="accent6"/>
-    </dgm:linClrLst>
-    <dgm:effectClrLst/>
-    <dgm:txLinClrLst/>
-    <dgm:txFillClrLst meth="repeat">
-      <a:schemeClr val="dk1"/>
-    </dgm:txFillClrLst>
-    <dgm:txEffectClrLst/>
-  </dgm:styleLbl>
-  <dgm:styleLbl name="solidFgAcc1">
-    <dgm:fillClrLst meth="repeat">
-      <a:schemeClr val="lt1"/>
-    </dgm:fillClrLst>
-    <dgm:linClrLst>
-      <a:schemeClr val="accent5"/>
-      <a:schemeClr val="accent6"/>
-    </dgm:linClrLst>
-    <dgm:effectClrLst/>
-    <dgm:txLinClrLst/>
-    <dgm:txFillClrLst meth="repeat">
-      <a:schemeClr val="dk1"/>
-    </dgm:txFillClrLst>
-    <dgm:txEffectClrLst/>
-  </dgm:styleLbl>
-  <dgm:styleLbl name="solidAlignAcc1">
-    <dgm:fillClrLst meth="repeat">
-      <a:schemeClr val="lt1"/>
-    </dgm:fillClrLst>
-    <dgm:linClrLst>
-      <a:schemeClr val="accent5"/>
-      <a:schemeClr val="accent6"/>
-    </dgm:linClrLst>
-    <dgm:effectClrLst/>
-    <dgm:txLinClrLst/>
-    <dgm:txFillClrLst meth="repeat">
-      <a:schemeClr val="dk1"/>
-    </dgm:txFillClrLst>
-    <dgm:txEffectClrLst/>
-  </dgm:styleLbl>
-  <dgm:styleLbl name="solidBgAcc1">
-    <dgm:fillClrLst meth="repeat">
-      <a:schemeClr val="lt1"/>
-    </dgm:fillClrLst>
-    <dgm:linClrLst>
-      <a:schemeClr val="accent5"/>
-      <a:schemeClr val="accent6"/>
-    </dgm:linClrLst>
-    <dgm:effectClrLst/>
-    <dgm:txLinClrLst/>
-    <dgm:txFillClrLst meth="repeat">
-      <a:schemeClr val="dk1"/>
-    </dgm:txFillClrLst>
-    <dgm:txEffectClrLst/>
-  </dgm:styleLbl>
-  <dgm:styleLbl name="fgAccFollowNode1">
-    <dgm:fillClrLst>
-      <a:schemeClr val="accent5">
-        <a:tint val="40000"/>
-        <a:alpha val="90000"/>
-      </a:schemeClr>
-      <a:schemeClr val="accent6">
-        <a:tint val="40000"/>
-        <a:alpha val="90000"/>
-      </a:schemeClr>
-    </dgm:fillClrLst>
-    <dgm:linClrLst>
-      <a:schemeClr val="accent5">
-        <a:tint val="40000"/>
-        <a:alpha val="90000"/>
-      </a:schemeClr>
-      <a:schemeClr val="accent5">
-        <a:tint val="40000"/>
-        <a:alpha val="90000"/>
-      </a:schemeClr>
-    </dgm:linClrLst>
-    <dgm:effectClrLst/>
-    <dgm:txLinClrLst/>
-    <dgm:txFillClrLst meth="repeat">
-      <a:schemeClr val="dk1"/>
-    </dgm:txFillClrLst>
-    <dgm:txEffectClrLst/>
-  </dgm:styleLbl>
-  <dgm:styleLbl name="alignAccFollowNode1">
-    <dgm:fillClrLst>
-      <a:schemeClr val="accent5">
-        <a:tint val="40000"/>
-        <a:alpha val="90000"/>
-      </a:schemeClr>
-      <a:schemeClr val="accent6">
-        <a:tint val="40000"/>
-        <a:alpha val="90000"/>
-      </a:schemeClr>
-    </dgm:fillClrLst>
-    <dgm:linClrLst>
-      <a:schemeClr val="accent5">
-        <a:tint val="40000"/>
-        <a:alpha val="90000"/>
-      </a:schemeClr>
-      <a:schemeClr val="accent6">
-        <a:tint val="40000"/>
-        <a:alpha val="90000"/>
-      </a:schemeClr>
-    </dgm:linClrLst>
-    <dgm:effectClrLst/>
-    <dgm:txLinClrLst/>
-    <dgm:txFillClrLst meth="repeat">
-      <a:schemeClr val="dk1"/>
-    </dgm:txFillClrLst>
-    <dgm:txEffectClrLst/>
-  </dgm:styleLbl>
-  <dgm:styleLbl name="bgAccFollowNode1">
-    <dgm:fillClrLst>
-      <a:schemeClr val="accent5">
-        <a:tint val="40000"/>
-        <a:alpha val="90000"/>
-      </a:schemeClr>
-      <a:schemeClr val="accent6">
-        <a:tint val="40000"/>
-        <a:alpha val="90000"/>
-      </a:schemeClr>
-    </dgm:fillClrLst>
-    <dgm:linClrLst>
-      <a:schemeClr val="accent5">
-        <a:tint val="40000"/>
-        <a:alpha val="90000"/>
-      </a:schemeClr>
-      <a:schemeClr val="accent6">
-        <a:tint val="40000"/>
-        <a:alpha val="90000"/>
-      </a:schemeClr>
-    </dgm:linClrLst>
-    <dgm:effectClrLst/>
-    <dgm:txLinClrLst/>
-    <dgm:txFillClrLst meth="repeat">
-      <a:schemeClr val="dk1"/>
-    </dgm:txFillClrLst>
-    <dgm:txEffectClrLst/>
-  </dgm:styleLbl>
-  <dgm:styleLbl name="fgAcc0">
-    <dgm:fillClrLst meth="repeat">
-      <a:schemeClr val="lt1">
-        <a:alpha val="90000"/>
-      </a:schemeClr>
-    </dgm:fillClrLst>
-    <dgm:linClrLst>
-      <a:schemeClr val="accent4"/>
-    </dgm:linClrLst>
-    <dgm:effectClrLst/>
-    <dgm:txLinClrLst/>
-    <dgm:txFillClrLst meth="repeat">
-      <a:schemeClr val="dk1"/>
-    </dgm:txFillClrLst>
-    <dgm:txEffectClrLst/>
-  </dgm:styleLbl>
-  <dgm:styleLbl name="fgAcc2">
-    <dgm:fillClrLst meth="repeat">
-      <a:schemeClr val="lt1">
-        <a:alpha val="90000"/>
-      </a:schemeClr>
-    </dgm:fillClrLst>
-    <dgm:linClrLst>
-      <a:schemeClr val="accent6"/>
-    </dgm:linClrLst>
-    <dgm:effectClrLst/>
-    <dgm:txLinClrLst/>
-    <dgm:txFillClrLst meth="repeat">
-      <a:schemeClr val="dk1"/>
-    </dgm:txFillClrLst>
-    <dgm:txEffectClrLst/>
-  </dgm:styleLbl>
-  <dgm:styleLbl name="fgAcc3">
-    <dgm:fillClrLst meth="repeat">
-      <a:schemeClr val="lt1">
-        <a:alpha val="90000"/>
-      </a:schemeClr>
-    </dgm:fillClrLst>
-    <dgm:linClrLst>
-      <a:schemeClr val="accent1"/>
-    </dgm:linClrLst>
-    <dgm:effectClrLst/>
-    <dgm:txLinClrLst/>
-    <dgm:txFillClrLst meth="repeat">
-      <a:schemeClr val="dk1"/>
-    </dgm:txFillClrLst>
-    <dgm:txEffectClrLst/>
-  </dgm:styleLbl>
-  <dgm:styleLbl name="fgAcc4">
-    <dgm:fillClrLst meth="repeat">
-      <a:schemeClr val="lt1">
-        <a:alpha val="90000"/>
-      </a:schemeClr>
-    </dgm:fillClrLst>
-    <dgm:linClrLst>
-      <a:schemeClr val="accent2"/>
-    </dgm:linClrLst>
-    <dgm:effectClrLst/>
-    <dgm:txLinClrLst/>
-    <dgm:txFillClrLst meth="repeat">
-      <a:schemeClr val="dk1"/>
-    </dgm:txFillClrLst>
-    <dgm:txEffectClrLst/>
-  </dgm:styleLbl>
-  <dgm:styleLbl name="bgShp">
-    <dgm:fillClrLst meth="repeat">
-      <a:schemeClr val="bg1">
-        <a:lumMod val="95000"/>
       </a:schemeClr>
     </dgm:fillClrLst>
     <dgm:linClrLst meth="repeat">
@@ -9702,344 +8918,6 @@
     <dgm:cxn modelId="{EE1CB8DD-D431-A944-A057-442F1F1B14F8}" type="presParOf" srcId="{FFFDD8F4-FCEF-ED4D-BA3B-EE73A5A7303E}" destId="{4B3E09F5-67B0-2D47-90B4-4965D7D63AA2}" srcOrd="10" destOrd="0" presId="urn:microsoft.com/office/officeart/2016/7/layout/VerticalSolidActionList"/>
     <dgm:cxn modelId="{B586CB5D-964E-CF45-87E3-70EB4861F8F1}" type="presParOf" srcId="{4B3E09F5-67B0-2D47-90B4-4965D7D63AA2}" destId="{FFF0FE01-1C48-1342-9D5D-85A81F8A6EB4}" srcOrd="0" destOrd="0" presId="urn:microsoft.com/office/officeart/2016/7/layout/VerticalSolidActionList"/>
     <dgm:cxn modelId="{B339ECFB-C275-A649-92A4-4C1A253D0F13}" type="presParOf" srcId="{4B3E09F5-67B0-2D47-90B4-4965D7D63AA2}" destId="{6F32E9C0-021A-7E40-9E3B-993D511E95A6}" srcOrd="1" destOrd="0" presId="urn:microsoft.com/office/officeart/2016/7/layout/VerticalSolidActionList"/>
-  </dgm:cxnLst>
-  <dgm:bg/>
-  <dgm:whole/>
-  <dgm:extLst>
-    <a:ext uri="http://schemas.microsoft.com/office/drawing/2008/diagram">
-      <dsp:dataModelExt xmlns:dsp="http://schemas.microsoft.com/office/drawing/2008/diagram" relId="rId6" minVer="http://schemas.openxmlformats.org/drawingml/2006/diagram"/>
-    </a:ext>
-  </dgm:extLst>
-</dgm:dataModel>
-</file>
-
-<file path=ppt/diagrams/data9.xml><?xml version="1.0" encoding="utf-8"?>
-<dgm:dataModel xmlns:dgm="http://schemas.openxmlformats.org/drawingml/2006/diagram" xmlns:a="http://schemas.openxmlformats.org/drawingml/2006/main">
-  <dgm:ptLst>
-    <dgm:pt modelId="{2F313182-9C3B-4A0C-800F-04DA547B47C7}" type="doc">
-      <dgm:prSet loTypeId="urn:microsoft.com/office/officeart/2018/2/layout/IconVerticalSolidList" loCatId="icon" qsTypeId="urn:microsoft.com/office/officeart/2005/8/quickstyle/simple4" qsCatId="simple" csTypeId="urn:microsoft.com/office/officeart/2018/5/colors/Iconchunking_neutralbg_colorful5" csCatId="colorful" phldr="1"/>
-      <dgm:spPr/>
-      <dgm:t>
-        <a:bodyPr/>
-        <a:lstStyle/>
-        <a:p>
-          <a:endParaRPr lang="en-US"/>
-        </a:p>
-      </dgm:t>
-    </dgm:pt>
-    <dgm:pt modelId="{C1034C6F-9159-4066-A87A-876B7746D435}">
-      <dgm:prSet custT="1"/>
-      <dgm:spPr/>
-      <dgm:t>
-        <a:bodyPr/>
-        <a:lstStyle/>
-        <a:p>
-          <a:pPr>
-            <a:lnSpc>
-              <a:spcPct val="100000"/>
-            </a:lnSpc>
-          </a:pPr>
-          <a:r>
-            <a:rPr lang="en-US" sz="2000"/>
-            <a:t>Without a standard way of controlling Tokens, regardless of type and underlying blockchain you can end up requiring a massive number of contract combinations to cover all use cases.</a:t>
-          </a:r>
-        </a:p>
-      </dgm:t>
-    </dgm:pt>
-    <dgm:pt modelId="{BAB4E81F-69A0-4D16-AA8C-021FA89B56A8}" type="parTrans" cxnId="{ABFEA7E5-02CD-4584-A47C-235E2F3DC14F}">
-      <dgm:prSet/>
-      <dgm:spPr/>
-      <dgm:t>
-        <a:bodyPr/>
-        <a:lstStyle/>
-        <a:p>
-          <a:endParaRPr lang="en-US" sz="2800"/>
-        </a:p>
-      </dgm:t>
-    </dgm:pt>
-    <dgm:pt modelId="{91F54959-B15C-407A-BAD1-94245C8C9494}" type="sibTrans" cxnId="{ABFEA7E5-02CD-4584-A47C-235E2F3DC14F}">
-      <dgm:prSet/>
-      <dgm:spPr/>
-      <dgm:t>
-        <a:bodyPr/>
-        <a:lstStyle/>
-        <a:p>
-          <a:endParaRPr lang="en-US" sz="2800"/>
-        </a:p>
-      </dgm:t>
-    </dgm:pt>
-    <dgm:pt modelId="{230B25CB-B094-4960-9075-848AA04C6502}">
-      <dgm:prSet custT="1"/>
-      <dgm:spPr/>
-      <dgm:t>
-        <a:bodyPr/>
-        <a:lstStyle/>
-        <a:p>
-          <a:pPr>
-            <a:lnSpc>
-              <a:spcPct val="100000"/>
-            </a:lnSpc>
-          </a:pPr>
-          <a:r>
-            <a:rPr lang="en-US" sz="2000"/>
-            <a:t>For example, if I have 15 token types on an Ethereum network and 10 types of tokens on a Fabric network and want to have a library of trade contracts to be able to trade each Ethereum token for a Fabric token and vice versa.  You will have 3003 total trade contracts.</a:t>
-          </a:r>
-        </a:p>
-      </dgm:t>
-    </dgm:pt>
-    <dgm:pt modelId="{D746C088-6B69-4D9A-AF77-18F21C2F575F}" type="parTrans" cxnId="{112E7BCD-E8F9-4D73-A3CC-41A79234D259}">
-      <dgm:prSet/>
-      <dgm:spPr/>
-      <dgm:t>
-        <a:bodyPr/>
-        <a:lstStyle/>
-        <a:p>
-          <a:endParaRPr lang="en-US" sz="2800"/>
-        </a:p>
-      </dgm:t>
-    </dgm:pt>
-    <dgm:pt modelId="{B8044BF4-D35E-48F4-98D2-8953E489A57A}" type="sibTrans" cxnId="{112E7BCD-E8F9-4D73-A3CC-41A79234D259}">
-      <dgm:prSet/>
-      <dgm:spPr/>
-      <dgm:t>
-        <a:bodyPr/>
-        <a:lstStyle/>
-        <a:p>
-          <a:endParaRPr lang="en-US" sz="2800"/>
-        </a:p>
-      </dgm:t>
-    </dgm:pt>
-    <dgm:pt modelId="{CA68692F-4F3C-4A17-B168-3EE5ACD2A907}">
-      <dgm:prSet custT="1"/>
-      <dgm:spPr/>
-      <dgm:t>
-        <a:bodyPr/>
-        <a:lstStyle/>
-        <a:p>
-          <a:pPr>
-            <a:lnSpc>
-              <a:spcPct val="100000"/>
-            </a:lnSpc>
-          </a:pPr>
-          <a:r>
-            <a:rPr lang="en-US" sz="2000"/>
-            <a:t>With a common set of tokens and control capabilities</a:t>
-          </a:r>
-        </a:p>
-      </dgm:t>
-    </dgm:pt>
-    <dgm:pt modelId="{F02D8464-EC64-4A16-9EFF-312D8259C257}" type="parTrans" cxnId="{A5830F8B-CCF6-43CF-86D1-FE78D955E006}">
-      <dgm:prSet/>
-      <dgm:spPr/>
-      <dgm:t>
-        <a:bodyPr/>
-        <a:lstStyle/>
-        <a:p>
-          <a:endParaRPr lang="en-US" sz="2800"/>
-        </a:p>
-      </dgm:t>
-    </dgm:pt>
-    <dgm:pt modelId="{D0386157-3CEF-4D13-9578-347E6B076CCC}" type="sibTrans" cxnId="{A5830F8B-CCF6-43CF-86D1-FE78D955E006}">
-      <dgm:prSet/>
-      <dgm:spPr/>
-      <dgm:t>
-        <a:bodyPr/>
-        <a:lstStyle/>
-        <a:p>
-          <a:endParaRPr lang="en-US" sz="2800"/>
-        </a:p>
-      </dgm:t>
-    </dgm:pt>
-    <dgm:pt modelId="{0754C2D9-7C52-4EDF-9261-5AD123302EC3}" type="pres">
-      <dgm:prSet presAssocID="{2F313182-9C3B-4A0C-800F-04DA547B47C7}" presName="root" presStyleCnt="0">
-        <dgm:presLayoutVars>
-          <dgm:dir/>
-          <dgm:resizeHandles val="exact"/>
-        </dgm:presLayoutVars>
-      </dgm:prSet>
-      <dgm:spPr/>
-    </dgm:pt>
-    <dgm:pt modelId="{0B381D6D-53D8-4731-91FF-EEDA8DB50D90}" type="pres">
-      <dgm:prSet presAssocID="{C1034C6F-9159-4066-A87A-876B7746D435}" presName="compNode" presStyleCnt="0"/>
-      <dgm:spPr/>
-    </dgm:pt>
-    <dgm:pt modelId="{9EDE482D-C635-4C4A-B795-AD15AFA16AA2}" type="pres">
-      <dgm:prSet presAssocID="{C1034C6F-9159-4066-A87A-876B7746D435}" presName="bgRect" presStyleLbl="bgShp" presStyleIdx="0" presStyleCnt="3"/>
-      <dgm:spPr/>
-    </dgm:pt>
-    <dgm:pt modelId="{E89D102B-0AF6-48D9-A246-26383D3C53F3}" type="pres">
-      <dgm:prSet presAssocID="{C1034C6F-9159-4066-A87A-876B7746D435}" presName="iconRect" presStyleLbl="node1" presStyleIdx="0" presStyleCnt="3"/>
-      <dgm:spPr>
-        <a:blipFill>
-          <a:blip xmlns:r="http://schemas.openxmlformats.org/officeDocument/2006/relationships" r:embed="rId1">
-            <a:extLst>
-              <a:ext uri="{28A0092B-C50C-407E-A947-70E740481C1C}">
-                <a14:useLocalDpi xmlns:a14="http://schemas.microsoft.com/office/drawing/2010/main" val="0"/>
-              </a:ext>
-              <a:ext uri="{96DAC541-7B7A-43D3-8B79-37D633B846F1}">
-                <asvg:svgBlip xmlns:asvg="http://schemas.microsoft.com/office/drawing/2016/SVG/main" r:embed="rId2"/>
-              </a:ext>
-            </a:extLst>
-          </a:blip>
-          <a:stretch>
-            <a:fillRect/>
-          </a:stretch>
-        </a:blipFill>
-        <a:ln>
-          <a:noFill/>
-        </a:ln>
-      </dgm:spPr>
-      <dgm:extLst>
-        <a:ext uri="{E40237B7-FDA0-4F09-8148-C483321AD2D9}">
-          <dgm14:cNvPr xmlns:dgm14="http://schemas.microsoft.com/office/drawing/2010/diagram" id="0" name="" descr="Checkmark"/>
-        </a:ext>
-      </dgm:extLst>
-    </dgm:pt>
-    <dgm:pt modelId="{6CA75273-B0AF-4589-A182-48EE9DAE76B7}" type="pres">
-      <dgm:prSet presAssocID="{C1034C6F-9159-4066-A87A-876B7746D435}" presName="spaceRect" presStyleCnt="0"/>
-      <dgm:spPr/>
-    </dgm:pt>
-    <dgm:pt modelId="{20CD4ADF-8BC0-4C85-8E54-0DBB2526A754}" type="pres">
-      <dgm:prSet presAssocID="{C1034C6F-9159-4066-A87A-876B7746D435}" presName="parTx" presStyleLbl="revTx" presStyleIdx="0" presStyleCnt="3">
-        <dgm:presLayoutVars>
-          <dgm:chMax val="0"/>
-          <dgm:chPref val="0"/>
-        </dgm:presLayoutVars>
-      </dgm:prSet>
-      <dgm:spPr/>
-    </dgm:pt>
-    <dgm:pt modelId="{8A30A2DF-578B-4A39-A462-024BF32FAFF9}" type="pres">
-      <dgm:prSet presAssocID="{91F54959-B15C-407A-BAD1-94245C8C9494}" presName="sibTrans" presStyleCnt="0"/>
-      <dgm:spPr/>
-    </dgm:pt>
-    <dgm:pt modelId="{C4942FD1-F3F6-4EE7-97E0-16613E5B1D76}" type="pres">
-      <dgm:prSet presAssocID="{230B25CB-B094-4960-9075-848AA04C6502}" presName="compNode" presStyleCnt="0"/>
-      <dgm:spPr/>
-    </dgm:pt>
-    <dgm:pt modelId="{0643C733-2E90-479F-8A75-3A9CED67FD55}" type="pres">
-      <dgm:prSet presAssocID="{230B25CB-B094-4960-9075-848AA04C6502}" presName="bgRect" presStyleLbl="bgShp" presStyleIdx="1" presStyleCnt="3"/>
-      <dgm:spPr/>
-    </dgm:pt>
-    <dgm:pt modelId="{07AA5FA8-6DB8-4415-BEEC-F7BE1FF3F1B1}" type="pres">
-      <dgm:prSet presAssocID="{230B25CB-B094-4960-9075-848AA04C6502}" presName="iconRect" presStyleLbl="node1" presStyleIdx="1" presStyleCnt="3"/>
-      <dgm:spPr>
-        <a:blipFill>
-          <a:blip xmlns:r="http://schemas.openxmlformats.org/officeDocument/2006/relationships" r:embed="rId3">
-            <a:extLst>
-              <a:ext uri="{28A0092B-C50C-407E-A947-70E740481C1C}">
-                <a14:useLocalDpi xmlns:a14="http://schemas.microsoft.com/office/drawing/2010/main" val="0"/>
-              </a:ext>
-              <a:ext uri="{96DAC541-7B7A-43D3-8B79-37D633B846F1}">
-                <asvg:svgBlip xmlns:asvg="http://schemas.microsoft.com/office/drawing/2016/SVG/main" r:embed="rId4"/>
-              </a:ext>
-            </a:extLst>
-          </a:blip>
-          <a:stretch>
-            <a:fillRect/>
-          </a:stretch>
-        </a:blipFill>
-        <a:ln>
-          <a:noFill/>
-        </a:ln>
-      </dgm:spPr>
-      <dgm:extLst>
-        <a:ext uri="{E40237B7-FDA0-4F09-8148-C483321AD2D9}">
-          <dgm14:cNvPr xmlns:dgm14="http://schemas.microsoft.com/office/drawing/2010/diagram" id="0" name="" descr="Coins"/>
-        </a:ext>
-      </dgm:extLst>
-    </dgm:pt>
-    <dgm:pt modelId="{83232B32-95C8-4576-81EB-182FD61683BE}" type="pres">
-      <dgm:prSet presAssocID="{230B25CB-B094-4960-9075-848AA04C6502}" presName="spaceRect" presStyleCnt="0"/>
-      <dgm:spPr/>
-    </dgm:pt>
-    <dgm:pt modelId="{25AA83E6-1C89-46A5-B636-67712A868492}" type="pres">
-      <dgm:prSet presAssocID="{230B25CB-B094-4960-9075-848AA04C6502}" presName="parTx" presStyleLbl="revTx" presStyleIdx="1" presStyleCnt="3">
-        <dgm:presLayoutVars>
-          <dgm:chMax val="0"/>
-          <dgm:chPref val="0"/>
-        </dgm:presLayoutVars>
-      </dgm:prSet>
-      <dgm:spPr/>
-    </dgm:pt>
-    <dgm:pt modelId="{1B36B474-450A-430D-910E-69B7C0E56EC0}" type="pres">
-      <dgm:prSet presAssocID="{B8044BF4-D35E-48F4-98D2-8953E489A57A}" presName="sibTrans" presStyleCnt="0"/>
-      <dgm:spPr/>
-    </dgm:pt>
-    <dgm:pt modelId="{9326B43F-C66F-476A-AA78-06926B0D94B6}" type="pres">
-      <dgm:prSet presAssocID="{CA68692F-4F3C-4A17-B168-3EE5ACD2A907}" presName="compNode" presStyleCnt="0"/>
-      <dgm:spPr/>
-    </dgm:pt>
-    <dgm:pt modelId="{FEF16091-B695-4F49-9B67-98F10F1E8F04}" type="pres">
-      <dgm:prSet presAssocID="{CA68692F-4F3C-4A17-B168-3EE5ACD2A907}" presName="bgRect" presStyleLbl="bgShp" presStyleIdx="2" presStyleCnt="3"/>
-      <dgm:spPr/>
-    </dgm:pt>
-    <dgm:pt modelId="{9C866CD4-3DE4-49BD-BAE0-D26819FFD7EE}" type="pres">
-      <dgm:prSet presAssocID="{CA68692F-4F3C-4A17-B168-3EE5ACD2A907}" presName="iconRect" presStyleLbl="node1" presStyleIdx="2" presStyleCnt="3"/>
-      <dgm:spPr>
-        <a:blipFill>
-          <a:blip xmlns:r="http://schemas.openxmlformats.org/officeDocument/2006/relationships" r:embed="rId5">
-            <a:extLst>
-              <a:ext uri="{28A0092B-C50C-407E-A947-70E740481C1C}">
-                <a14:useLocalDpi xmlns:a14="http://schemas.microsoft.com/office/drawing/2010/main" val="0"/>
-              </a:ext>
-              <a:ext uri="{96DAC541-7B7A-43D3-8B79-37D633B846F1}">
-                <asvg:svgBlip xmlns:asvg="http://schemas.microsoft.com/office/drawing/2016/SVG/main" r:embed="rId6"/>
-              </a:ext>
-            </a:extLst>
-          </a:blip>
-          <a:stretch>
-            <a:fillRect/>
-          </a:stretch>
-        </a:blipFill>
-        <a:ln>
-          <a:noFill/>
-        </a:ln>
-      </dgm:spPr>
-      <dgm:extLst>
-        <a:ext uri="{E40237B7-FDA0-4F09-8148-C483321AD2D9}">
-          <dgm14:cNvPr xmlns:dgm14="http://schemas.microsoft.com/office/drawing/2010/diagram" id="0" name="" descr="Checklist"/>
-        </a:ext>
-      </dgm:extLst>
-    </dgm:pt>
-    <dgm:pt modelId="{4CAF5E5A-9D4F-4DBA-876C-CB47A772EC4F}" type="pres">
-      <dgm:prSet presAssocID="{CA68692F-4F3C-4A17-B168-3EE5ACD2A907}" presName="spaceRect" presStyleCnt="0"/>
-      <dgm:spPr/>
-    </dgm:pt>
-    <dgm:pt modelId="{5389C114-802F-419B-8BA3-A1D5EEFC3F33}" type="pres">
-      <dgm:prSet presAssocID="{CA68692F-4F3C-4A17-B168-3EE5ACD2A907}" presName="parTx" presStyleLbl="revTx" presStyleIdx="2" presStyleCnt="3">
-        <dgm:presLayoutVars>
-          <dgm:chMax val="0"/>
-          <dgm:chPref val="0"/>
-        </dgm:presLayoutVars>
-      </dgm:prSet>
-      <dgm:spPr/>
-    </dgm:pt>
-  </dgm:ptLst>
-  <dgm:cxnLst>
-    <dgm:cxn modelId="{15ACE00B-490A-0E4F-9AE4-1C619F5C13D0}" type="presOf" srcId="{CA68692F-4F3C-4A17-B168-3EE5ACD2A907}" destId="{5389C114-802F-419B-8BA3-A1D5EEFC3F33}" srcOrd="0" destOrd="0" presId="urn:microsoft.com/office/officeart/2018/2/layout/IconVerticalSolidList"/>
-    <dgm:cxn modelId="{2FC1CB85-B277-C442-96F6-66AEFBA0EFC2}" type="presOf" srcId="{2F313182-9C3B-4A0C-800F-04DA547B47C7}" destId="{0754C2D9-7C52-4EDF-9261-5AD123302EC3}" srcOrd="0" destOrd="0" presId="urn:microsoft.com/office/officeart/2018/2/layout/IconVerticalSolidList"/>
-    <dgm:cxn modelId="{A5830F8B-CCF6-43CF-86D1-FE78D955E006}" srcId="{2F313182-9C3B-4A0C-800F-04DA547B47C7}" destId="{CA68692F-4F3C-4A17-B168-3EE5ACD2A907}" srcOrd="2" destOrd="0" parTransId="{F02D8464-EC64-4A16-9EFF-312D8259C257}" sibTransId="{D0386157-3CEF-4D13-9578-347E6B076CCC}"/>
-    <dgm:cxn modelId="{6E568FC9-FC2C-984E-9039-F7629CA9743E}" type="presOf" srcId="{C1034C6F-9159-4066-A87A-876B7746D435}" destId="{20CD4ADF-8BC0-4C85-8E54-0DBB2526A754}" srcOrd="0" destOrd="0" presId="urn:microsoft.com/office/officeart/2018/2/layout/IconVerticalSolidList"/>
-    <dgm:cxn modelId="{112E7BCD-E8F9-4D73-A3CC-41A79234D259}" srcId="{2F313182-9C3B-4A0C-800F-04DA547B47C7}" destId="{230B25CB-B094-4960-9075-848AA04C6502}" srcOrd="1" destOrd="0" parTransId="{D746C088-6B69-4D9A-AF77-18F21C2F575F}" sibTransId="{B8044BF4-D35E-48F4-98D2-8953E489A57A}"/>
-    <dgm:cxn modelId="{7A5D84E5-9749-9749-BD13-B405CFA2BF57}" type="presOf" srcId="{230B25CB-B094-4960-9075-848AA04C6502}" destId="{25AA83E6-1C89-46A5-B636-67712A868492}" srcOrd="0" destOrd="0" presId="urn:microsoft.com/office/officeart/2018/2/layout/IconVerticalSolidList"/>
-    <dgm:cxn modelId="{ABFEA7E5-02CD-4584-A47C-235E2F3DC14F}" srcId="{2F313182-9C3B-4A0C-800F-04DA547B47C7}" destId="{C1034C6F-9159-4066-A87A-876B7746D435}" srcOrd="0" destOrd="0" parTransId="{BAB4E81F-69A0-4D16-AA8C-021FA89B56A8}" sibTransId="{91F54959-B15C-407A-BAD1-94245C8C9494}"/>
-    <dgm:cxn modelId="{B60565C7-D98C-AA44-844E-D0C99609B39B}" type="presParOf" srcId="{0754C2D9-7C52-4EDF-9261-5AD123302EC3}" destId="{0B381D6D-53D8-4731-91FF-EEDA8DB50D90}" srcOrd="0" destOrd="0" presId="urn:microsoft.com/office/officeart/2018/2/layout/IconVerticalSolidList"/>
-    <dgm:cxn modelId="{4BF9440C-D3FD-EB4C-99BE-DA4A1B7B8B45}" type="presParOf" srcId="{0B381D6D-53D8-4731-91FF-EEDA8DB50D90}" destId="{9EDE482D-C635-4C4A-B795-AD15AFA16AA2}" srcOrd="0" destOrd="0" presId="urn:microsoft.com/office/officeart/2018/2/layout/IconVerticalSolidList"/>
-    <dgm:cxn modelId="{7EF07F3B-1DF6-AC42-AD48-8936008AB0D5}" type="presParOf" srcId="{0B381D6D-53D8-4731-91FF-EEDA8DB50D90}" destId="{E89D102B-0AF6-48D9-A246-26383D3C53F3}" srcOrd="1" destOrd="0" presId="urn:microsoft.com/office/officeart/2018/2/layout/IconVerticalSolidList"/>
-    <dgm:cxn modelId="{5A3EE0AC-BEE0-5E42-ABD6-6B5D7F258773}" type="presParOf" srcId="{0B381D6D-53D8-4731-91FF-EEDA8DB50D90}" destId="{6CA75273-B0AF-4589-A182-48EE9DAE76B7}" srcOrd="2" destOrd="0" presId="urn:microsoft.com/office/officeart/2018/2/layout/IconVerticalSolidList"/>
-    <dgm:cxn modelId="{46FCD36F-209E-9A4E-89BF-A3ADB1501540}" type="presParOf" srcId="{0B381D6D-53D8-4731-91FF-EEDA8DB50D90}" destId="{20CD4ADF-8BC0-4C85-8E54-0DBB2526A754}" srcOrd="3" destOrd="0" presId="urn:microsoft.com/office/officeart/2018/2/layout/IconVerticalSolidList"/>
-    <dgm:cxn modelId="{284BFEEF-AA2C-9341-8750-F266B0004EB4}" type="presParOf" srcId="{0754C2D9-7C52-4EDF-9261-5AD123302EC3}" destId="{8A30A2DF-578B-4A39-A462-024BF32FAFF9}" srcOrd="1" destOrd="0" presId="urn:microsoft.com/office/officeart/2018/2/layout/IconVerticalSolidList"/>
-    <dgm:cxn modelId="{D25C04CF-95B1-C640-867D-4A0432069CC4}" type="presParOf" srcId="{0754C2D9-7C52-4EDF-9261-5AD123302EC3}" destId="{C4942FD1-F3F6-4EE7-97E0-16613E5B1D76}" srcOrd="2" destOrd="0" presId="urn:microsoft.com/office/officeart/2018/2/layout/IconVerticalSolidList"/>
-    <dgm:cxn modelId="{C040403A-0ABC-B446-8A5C-726CFD1D99A4}" type="presParOf" srcId="{C4942FD1-F3F6-4EE7-97E0-16613E5B1D76}" destId="{0643C733-2E90-479F-8A75-3A9CED67FD55}" srcOrd="0" destOrd="0" presId="urn:microsoft.com/office/officeart/2018/2/layout/IconVerticalSolidList"/>
-    <dgm:cxn modelId="{625FD84A-41DF-2B46-84E0-25C799EE0F36}" type="presParOf" srcId="{C4942FD1-F3F6-4EE7-97E0-16613E5B1D76}" destId="{07AA5FA8-6DB8-4415-BEEC-F7BE1FF3F1B1}" srcOrd="1" destOrd="0" presId="urn:microsoft.com/office/officeart/2018/2/layout/IconVerticalSolidList"/>
-    <dgm:cxn modelId="{E62D87BC-E392-F14B-9A6E-36B95D762BE1}" type="presParOf" srcId="{C4942FD1-F3F6-4EE7-97E0-16613E5B1D76}" destId="{83232B32-95C8-4576-81EB-182FD61683BE}" srcOrd="2" destOrd="0" presId="urn:microsoft.com/office/officeart/2018/2/layout/IconVerticalSolidList"/>
-    <dgm:cxn modelId="{CE1C034E-8AB7-4C45-837D-0DD5E64CE87F}" type="presParOf" srcId="{C4942FD1-F3F6-4EE7-97E0-16613E5B1D76}" destId="{25AA83E6-1C89-46A5-B636-67712A868492}" srcOrd="3" destOrd="0" presId="urn:microsoft.com/office/officeart/2018/2/layout/IconVerticalSolidList"/>
-    <dgm:cxn modelId="{0CECDF86-9241-E140-B948-E8A20F8B97D0}" type="presParOf" srcId="{0754C2D9-7C52-4EDF-9261-5AD123302EC3}" destId="{1B36B474-450A-430D-910E-69B7C0E56EC0}" srcOrd="3" destOrd="0" presId="urn:microsoft.com/office/officeart/2018/2/layout/IconVerticalSolidList"/>
-    <dgm:cxn modelId="{A7B95AE0-BE1A-2C43-B549-192F8A9537DC}" type="presParOf" srcId="{0754C2D9-7C52-4EDF-9261-5AD123302EC3}" destId="{9326B43F-C66F-476A-AA78-06926B0D94B6}" srcOrd="4" destOrd="0" presId="urn:microsoft.com/office/officeart/2018/2/layout/IconVerticalSolidList"/>
-    <dgm:cxn modelId="{727EE1F9-390F-F14A-84CB-F0BA81C047DC}" type="presParOf" srcId="{9326B43F-C66F-476A-AA78-06926B0D94B6}" destId="{FEF16091-B695-4F49-9B67-98F10F1E8F04}" srcOrd="0" destOrd="0" presId="urn:microsoft.com/office/officeart/2018/2/layout/IconVerticalSolidList"/>
-    <dgm:cxn modelId="{00EB6775-7B66-4044-A21D-73FBDDF304BB}" type="presParOf" srcId="{9326B43F-C66F-476A-AA78-06926B0D94B6}" destId="{9C866CD4-3DE4-49BD-BAE0-D26819FFD7EE}" srcOrd="1" destOrd="0" presId="urn:microsoft.com/office/officeart/2018/2/layout/IconVerticalSolidList"/>
-    <dgm:cxn modelId="{2E880E11-3D4A-204D-8FF4-EFBD171AB2EE}" type="presParOf" srcId="{9326B43F-C66F-476A-AA78-06926B0D94B6}" destId="{4CAF5E5A-9D4F-4DBA-876C-CB47A772EC4F}" srcOrd="2" destOrd="0" presId="urn:microsoft.com/office/officeart/2018/2/layout/IconVerticalSolidList"/>
-    <dgm:cxn modelId="{BC48C12C-7457-EF4B-A7C0-C66147A307C2}" type="presParOf" srcId="{9326B43F-C66F-476A-AA78-06926B0D94B6}" destId="{5389C114-802F-419B-8BA3-A1D5EEFC3F33}" srcOrd="3" destOrd="0" presId="urn:microsoft.com/office/officeart/2018/2/layout/IconVerticalSolidList"/>
   </dgm:cxnLst>
   <dgm:bg/>
   <dgm:whole/>
@@ -14362,468 +13240,6 @@
       <dsp:txXfrm>
         <a:off x="0" y="4950741"/>
         <a:ext cx="1302720" cy="933966"/>
-      </dsp:txXfrm>
-    </dsp:sp>
-  </dsp:spTree>
-</dsp:drawing>
-</file>
-
-<file path=ppt/diagrams/drawing9.xml><?xml version="1.0" encoding="utf-8"?>
-<dsp:drawing xmlns:dgm="http://schemas.openxmlformats.org/drawingml/2006/diagram" xmlns:dsp="http://schemas.microsoft.com/office/drawing/2008/diagram" xmlns:a="http://schemas.openxmlformats.org/drawingml/2006/main">
-  <dsp:spTree>
-    <dsp:nvGrpSpPr>
-      <dsp:cNvPr id="0" name=""/>
-      <dsp:cNvGrpSpPr/>
-    </dsp:nvGrpSpPr>
-    <dsp:grpSpPr/>
-    <dsp:sp modelId="{9EDE482D-C635-4C4A-B795-AD15AFA16AA2}">
-      <dsp:nvSpPr>
-        <dsp:cNvPr id="0" name=""/>
-        <dsp:cNvSpPr/>
-      </dsp:nvSpPr>
-      <dsp:spPr>
-        <a:xfrm>
-          <a:off x="0" y="5744"/>
-          <a:ext cx="7162800" cy="1703671"/>
-        </a:xfrm>
-        <a:prstGeom prst="roundRect">
-          <a:avLst>
-            <a:gd name="adj" fmla="val 10000"/>
-          </a:avLst>
-        </a:prstGeom>
-        <a:solidFill>
-          <a:schemeClr val="bg1">
-            <a:lumMod val="95000"/>
-            <a:hueOff val="0"/>
-            <a:satOff val="0"/>
-            <a:lumOff val="0"/>
-            <a:alphaOff val="0"/>
-          </a:schemeClr>
-        </a:solidFill>
-        <a:ln>
-          <a:noFill/>
-        </a:ln>
-        <a:effectLst/>
-      </dsp:spPr>
-      <dsp:style>
-        <a:lnRef idx="0">
-          <a:scrgbClr r="0" g="0" b="0"/>
-        </a:lnRef>
-        <a:fillRef idx="1">
-          <a:scrgbClr r="0" g="0" b="0"/>
-        </a:fillRef>
-        <a:effectRef idx="2">
-          <a:scrgbClr r="0" g="0" b="0"/>
-        </a:effectRef>
-        <a:fontRef idx="minor"/>
-      </dsp:style>
-    </dsp:sp>
-    <dsp:sp modelId="{E89D102B-0AF6-48D9-A246-26383D3C53F3}">
-      <dsp:nvSpPr>
-        <dsp:cNvPr id="0" name=""/>
-        <dsp:cNvSpPr/>
-      </dsp:nvSpPr>
-      <dsp:spPr>
-        <a:xfrm>
-          <a:off x="515360" y="389070"/>
-          <a:ext cx="937935" cy="937019"/>
-        </a:xfrm>
-        <a:prstGeom prst="rect">
-          <a:avLst/>
-        </a:prstGeom>
-        <a:blipFill>
-          <a:blip xmlns:r="http://schemas.openxmlformats.org/officeDocument/2006/relationships" r:embed="rId1">
-            <a:extLst>
-              <a:ext uri="{28A0092B-C50C-407E-A947-70E740481C1C}">
-                <a14:useLocalDpi xmlns:a14="http://schemas.microsoft.com/office/drawing/2010/main" val="0"/>
-              </a:ext>
-              <a:ext uri="{96DAC541-7B7A-43D3-8B79-37D633B846F1}">
-                <asvg:svgBlip xmlns:asvg="http://schemas.microsoft.com/office/drawing/2016/SVG/main" r:embed="rId2"/>
-              </a:ext>
-            </a:extLst>
-          </a:blip>
-          <a:stretch>
-            <a:fillRect/>
-          </a:stretch>
-        </a:blipFill>
-        <a:ln>
-          <a:noFill/>
-        </a:ln>
-        <a:effectLst/>
-      </dsp:spPr>
-      <dsp:style>
-        <a:lnRef idx="0">
-          <a:scrgbClr r="0" g="0" b="0"/>
-        </a:lnRef>
-        <a:fillRef idx="3">
-          <a:scrgbClr r="0" g="0" b="0"/>
-        </a:fillRef>
-        <a:effectRef idx="2">
-          <a:scrgbClr r="0" g="0" b="0"/>
-        </a:effectRef>
-        <a:fontRef idx="minor">
-          <a:schemeClr val="lt1"/>
-        </a:fontRef>
-      </dsp:style>
-    </dsp:sp>
-    <dsp:sp modelId="{20CD4ADF-8BC0-4C85-8E54-0DBB2526A754}">
-      <dsp:nvSpPr>
-        <dsp:cNvPr id="0" name=""/>
-        <dsp:cNvSpPr/>
-      </dsp:nvSpPr>
-      <dsp:spPr>
-        <a:xfrm>
-          <a:off x="1968656" y="5744"/>
-          <a:ext cx="5037580" cy="1705336"/>
-        </a:xfrm>
-        <a:prstGeom prst="rect">
-          <a:avLst/>
-        </a:prstGeom>
-        <a:noFill/>
-        <a:ln>
-          <a:noFill/>
-        </a:ln>
-        <a:effectLst/>
-      </dsp:spPr>
-      <dsp:style>
-        <a:lnRef idx="0">
-          <a:scrgbClr r="0" g="0" b="0"/>
-        </a:lnRef>
-        <a:fillRef idx="0">
-          <a:scrgbClr r="0" g="0" b="0"/>
-        </a:fillRef>
-        <a:effectRef idx="0">
-          <a:scrgbClr r="0" g="0" b="0"/>
-        </a:effectRef>
-        <a:fontRef idx="minor"/>
-      </dsp:style>
-      <dsp:txBody>
-        <a:bodyPr spcFirstLastPara="0" vert="horz" wrap="square" lIns="180481" tIns="180481" rIns="180481" bIns="180481" numCol="1" spcCol="1270" anchor="ctr" anchorCtr="0">
-          <a:noAutofit/>
-        </a:bodyPr>
-        <a:lstStyle/>
-        <a:p>
-          <a:pPr marL="0" lvl="0" indent="0" algn="l" defTabSz="889000">
-            <a:lnSpc>
-              <a:spcPct val="100000"/>
-            </a:lnSpc>
-            <a:spcBef>
-              <a:spcPct val="0"/>
-            </a:spcBef>
-            <a:spcAft>
-              <a:spcPct val="35000"/>
-            </a:spcAft>
-            <a:buNone/>
-          </a:pPr>
-          <a:r>
-            <a:rPr lang="en-US" sz="2000" kern="1200"/>
-            <a:t>Without a standard way of controlling Tokens, regardless of type and underlying blockchain you can end up requiring a massive number of contract combinations to cover all use cases.</a:t>
-          </a:r>
-        </a:p>
-      </dsp:txBody>
-      <dsp:txXfrm>
-        <a:off x="1968656" y="5744"/>
-        <a:ext cx="5037580" cy="1705336"/>
-      </dsp:txXfrm>
-    </dsp:sp>
-    <dsp:sp modelId="{0643C733-2E90-479F-8A75-3A9CED67FD55}">
-      <dsp:nvSpPr>
-        <dsp:cNvPr id="0" name=""/>
-        <dsp:cNvSpPr/>
-      </dsp:nvSpPr>
-      <dsp:spPr>
-        <a:xfrm>
-          <a:off x="0" y="2090044"/>
-          <a:ext cx="7162800" cy="1703671"/>
-        </a:xfrm>
-        <a:prstGeom prst="roundRect">
-          <a:avLst>
-            <a:gd name="adj" fmla="val 10000"/>
-          </a:avLst>
-        </a:prstGeom>
-        <a:solidFill>
-          <a:schemeClr val="bg1">
-            <a:lumMod val="95000"/>
-            <a:hueOff val="0"/>
-            <a:satOff val="0"/>
-            <a:lumOff val="0"/>
-            <a:alphaOff val="0"/>
-          </a:schemeClr>
-        </a:solidFill>
-        <a:ln>
-          <a:noFill/>
-        </a:ln>
-        <a:effectLst/>
-      </dsp:spPr>
-      <dsp:style>
-        <a:lnRef idx="0">
-          <a:scrgbClr r="0" g="0" b="0"/>
-        </a:lnRef>
-        <a:fillRef idx="1">
-          <a:scrgbClr r="0" g="0" b="0"/>
-        </a:fillRef>
-        <a:effectRef idx="2">
-          <a:scrgbClr r="0" g="0" b="0"/>
-        </a:effectRef>
-        <a:fontRef idx="minor"/>
-      </dsp:style>
-    </dsp:sp>
-    <dsp:sp modelId="{07AA5FA8-6DB8-4415-BEEC-F7BE1FF3F1B1}">
-      <dsp:nvSpPr>
-        <dsp:cNvPr id="0" name=""/>
-        <dsp:cNvSpPr/>
-      </dsp:nvSpPr>
-      <dsp:spPr>
-        <a:xfrm>
-          <a:off x="515360" y="2473370"/>
-          <a:ext cx="937935" cy="937019"/>
-        </a:xfrm>
-        <a:prstGeom prst="rect">
-          <a:avLst/>
-        </a:prstGeom>
-        <a:blipFill>
-          <a:blip xmlns:r="http://schemas.openxmlformats.org/officeDocument/2006/relationships" r:embed="rId3">
-            <a:extLst>
-              <a:ext uri="{28A0092B-C50C-407E-A947-70E740481C1C}">
-                <a14:useLocalDpi xmlns:a14="http://schemas.microsoft.com/office/drawing/2010/main" val="0"/>
-              </a:ext>
-              <a:ext uri="{96DAC541-7B7A-43D3-8B79-37D633B846F1}">
-                <asvg:svgBlip xmlns:asvg="http://schemas.microsoft.com/office/drawing/2016/SVG/main" r:embed="rId4"/>
-              </a:ext>
-            </a:extLst>
-          </a:blip>
-          <a:stretch>
-            <a:fillRect/>
-          </a:stretch>
-        </a:blipFill>
-        <a:ln>
-          <a:noFill/>
-        </a:ln>
-        <a:effectLst/>
-      </dsp:spPr>
-      <dsp:style>
-        <a:lnRef idx="0">
-          <a:scrgbClr r="0" g="0" b="0"/>
-        </a:lnRef>
-        <a:fillRef idx="3">
-          <a:scrgbClr r="0" g="0" b="0"/>
-        </a:fillRef>
-        <a:effectRef idx="2">
-          <a:scrgbClr r="0" g="0" b="0"/>
-        </a:effectRef>
-        <a:fontRef idx="minor">
-          <a:schemeClr val="lt1"/>
-        </a:fontRef>
-      </dsp:style>
-    </dsp:sp>
-    <dsp:sp modelId="{25AA83E6-1C89-46A5-B636-67712A868492}">
-      <dsp:nvSpPr>
-        <dsp:cNvPr id="0" name=""/>
-        <dsp:cNvSpPr/>
-      </dsp:nvSpPr>
-      <dsp:spPr>
-        <a:xfrm>
-          <a:off x="1968656" y="2090044"/>
-          <a:ext cx="5037580" cy="1705336"/>
-        </a:xfrm>
-        <a:prstGeom prst="rect">
-          <a:avLst/>
-        </a:prstGeom>
-        <a:noFill/>
-        <a:ln>
-          <a:noFill/>
-        </a:ln>
-        <a:effectLst/>
-      </dsp:spPr>
-      <dsp:style>
-        <a:lnRef idx="0">
-          <a:scrgbClr r="0" g="0" b="0"/>
-        </a:lnRef>
-        <a:fillRef idx="0">
-          <a:scrgbClr r="0" g="0" b="0"/>
-        </a:fillRef>
-        <a:effectRef idx="0">
-          <a:scrgbClr r="0" g="0" b="0"/>
-        </a:effectRef>
-        <a:fontRef idx="minor"/>
-      </dsp:style>
-      <dsp:txBody>
-        <a:bodyPr spcFirstLastPara="0" vert="horz" wrap="square" lIns="180481" tIns="180481" rIns="180481" bIns="180481" numCol="1" spcCol="1270" anchor="ctr" anchorCtr="0">
-          <a:noAutofit/>
-        </a:bodyPr>
-        <a:lstStyle/>
-        <a:p>
-          <a:pPr marL="0" lvl="0" indent="0" algn="l" defTabSz="889000">
-            <a:lnSpc>
-              <a:spcPct val="100000"/>
-            </a:lnSpc>
-            <a:spcBef>
-              <a:spcPct val="0"/>
-            </a:spcBef>
-            <a:spcAft>
-              <a:spcPct val="35000"/>
-            </a:spcAft>
-            <a:buNone/>
-          </a:pPr>
-          <a:r>
-            <a:rPr lang="en-US" sz="2000" kern="1200"/>
-            <a:t>For example, if I have 15 token types on an Ethereum network and 10 types of tokens on a Fabric network and want to have a library of trade contracts to be able to trade each Ethereum token for a Fabric token and vice versa.  You will have 3003 total trade contracts.</a:t>
-          </a:r>
-        </a:p>
-      </dsp:txBody>
-      <dsp:txXfrm>
-        <a:off x="1968656" y="2090044"/>
-        <a:ext cx="5037580" cy="1705336"/>
-      </dsp:txXfrm>
-    </dsp:sp>
-    <dsp:sp modelId="{FEF16091-B695-4F49-9B67-98F10F1E8F04}">
-      <dsp:nvSpPr>
-        <dsp:cNvPr id="0" name=""/>
-        <dsp:cNvSpPr/>
-      </dsp:nvSpPr>
-      <dsp:spPr>
-        <a:xfrm>
-          <a:off x="0" y="4174344"/>
-          <a:ext cx="7162800" cy="1703671"/>
-        </a:xfrm>
-        <a:prstGeom prst="roundRect">
-          <a:avLst>
-            <a:gd name="adj" fmla="val 10000"/>
-          </a:avLst>
-        </a:prstGeom>
-        <a:solidFill>
-          <a:schemeClr val="bg1">
-            <a:lumMod val="95000"/>
-            <a:hueOff val="0"/>
-            <a:satOff val="0"/>
-            <a:lumOff val="0"/>
-            <a:alphaOff val="0"/>
-          </a:schemeClr>
-        </a:solidFill>
-        <a:ln>
-          <a:noFill/>
-        </a:ln>
-        <a:effectLst/>
-      </dsp:spPr>
-      <dsp:style>
-        <a:lnRef idx="0">
-          <a:scrgbClr r="0" g="0" b="0"/>
-        </a:lnRef>
-        <a:fillRef idx="1">
-          <a:scrgbClr r="0" g="0" b="0"/>
-        </a:fillRef>
-        <a:effectRef idx="2">
-          <a:scrgbClr r="0" g="0" b="0"/>
-        </a:effectRef>
-        <a:fontRef idx="minor"/>
-      </dsp:style>
-    </dsp:sp>
-    <dsp:sp modelId="{9C866CD4-3DE4-49BD-BAE0-D26819FFD7EE}">
-      <dsp:nvSpPr>
-        <dsp:cNvPr id="0" name=""/>
-        <dsp:cNvSpPr/>
-      </dsp:nvSpPr>
-      <dsp:spPr>
-        <a:xfrm>
-          <a:off x="515360" y="4557670"/>
-          <a:ext cx="937935" cy="937019"/>
-        </a:xfrm>
-        <a:prstGeom prst="rect">
-          <a:avLst/>
-        </a:prstGeom>
-        <a:blipFill>
-          <a:blip xmlns:r="http://schemas.openxmlformats.org/officeDocument/2006/relationships" r:embed="rId5">
-            <a:extLst>
-              <a:ext uri="{28A0092B-C50C-407E-A947-70E740481C1C}">
-                <a14:useLocalDpi xmlns:a14="http://schemas.microsoft.com/office/drawing/2010/main" val="0"/>
-              </a:ext>
-              <a:ext uri="{96DAC541-7B7A-43D3-8B79-37D633B846F1}">
-                <asvg:svgBlip xmlns:asvg="http://schemas.microsoft.com/office/drawing/2016/SVG/main" r:embed="rId6"/>
-              </a:ext>
-            </a:extLst>
-          </a:blip>
-          <a:stretch>
-            <a:fillRect/>
-          </a:stretch>
-        </a:blipFill>
-        <a:ln>
-          <a:noFill/>
-        </a:ln>
-        <a:effectLst/>
-      </dsp:spPr>
-      <dsp:style>
-        <a:lnRef idx="0">
-          <a:scrgbClr r="0" g="0" b="0"/>
-        </a:lnRef>
-        <a:fillRef idx="3">
-          <a:scrgbClr r="0" g="0" b="0"/>
-        </a:fillRef>
-        <a:effectRef idx="2">
-          <a:scrgbClr r="0" g="0" b="0"/>
-        </a:effectRef>
-        <a:fontRef idx="minor">
-          <a:schemeClr val="lt1"/>
-        </a:fontRef>
-      </dsp:style>
-    </dsp:sp>
-    <dsp:sp modelId="{5389C114-802F-419B-8BA3-A1D5EEFC3F33}">
-      <dsp:nvSpPr>
-        <dsp:cNvPr id="0" name=""/>
-        <dsp:cNvSpPr/>
-      </dsp:nvSpPr>
-      <dsp:spPr>
-        <a:xfrm>
-          <a:off x="1968656" y="4174344"/>
-          <a:ext cx="5037580" cy="1705336"/>
-        </a:xfrm>
-        <a:prstGeom prst="rect">
-          <a:avLst/>
-        </a:prstGeom>
-        <a:noFill/>
-        <a:ln>
-          <a:noFill/>
-        </a:ln>
-        <a:effectLst/>
-      </dsp:spPr>
-      <dsp:style>
-        <a:lnRef idx="0">
-          <a:scrgbClr r="0" g="0" b="0"/>
-        </a:lnRef>
-        <a:fillRef idx="0">
-          <a:scrgbClr r="0" g="0" b="0"/>
-        </a:fillRef>
-        <a:effectRef idx="0">
-          <a:scrgbClr r="0" g="0" b="0"/>
-        </a:effectRef>
-        <a:fontRef idx="minor"/>
-      </dsp:style>
-      <dsp:txBody>
-        <a:bodyPr spcFirstLastPara="0" vert="horz" wrap="square" lIns="180481" tIns="180481" rIns="180481" bIns="180481" numCol="1" spcCol="1270" anchor="ctr" anchorCtr="0">
-          <a:noAutofit/>
-        </a:bodyPr>
-        <a:lstStyle/>
-        <a:p>
-          <a:pPr marL="0" lvl="0" indent="0" algn="l" defTabSz="889000">
-            <a:lnSpc>
-              <a:spcPct val="100000"/>
-            </a:lnSpc>
-            <a:spcBef>
-              <a:spcPct val="0"/>
-            </a:spcBef>
-            <a:spcAft>
-              <a:spcPct val="35000"/>
-            </a:spcAft>
-            <a:buNone/>
-          </a:pPr>
-          <a:r>
-            <a:rPr lang="en-US" sz="2000" kern="1200"/>
-            <a:t>With a common set of tokens and control capabilities</a:t>
-          </a:r>
-        </a:p>
-      </dsp:txBody>
-      <dsp:txXfrm>
-        <a:off x="1968656" y="4174344"/>
-        <a:ext cx="5037580" cy="1705336"/>
       </dsp:txXfrm>
     </dsp:sp>
   </dsp:spTree>
@@ -20290,300 +18706,6 @@
 </dgm:layoutDef>
 </file>
 
-<file path=ppt/diagrams/layout9.xml><?xml version="1.0" encoding="utf-8"?>
-<dgm:layoutDef xmlns:dgm="http://schemas.openxmlformats.org/drawingml/2006/diagram" xmlns:a="http://schemas.openxmlformats.org/drawingml/2006/main" uniqueId="urn:microsoft.com/office/officeart/2018/2/layout/IconVerticalSolidList">
-  <dgm:title val="Icon Vertical Solid List"/>
-  <dgm:desc val="Use to show a series of visuals from top to bottom with Level 1 or Level 1 and Level 2 text grouped in a shape. Works best with icons or small pictures with lengthier descriptions."/>
-  <dgm:catLst>
-    <dgm:cat type="icon" pri="500"/>
-  </dgm:catLst>
-  <dgm:sampData useDef="1">
-    <dgm:dataModel>
-      <dgm:ptLst/>
-      <dgm:bg/>
-      <dgm:whole/>
-    </dgm:dataModel>
-  </dgm:sampData>
-  <dgm:styleData useDef="1">
-    <dgm:dataModel>
-      <dgm:ptLst/>
-      <dgm:bg/>
-      <dgm:whole/>
-    </dgm:dataModel>
-  </dgm:styleData>
-  <dgm:clrData useDef="1">
-    <dgm:dataModel>
-      <dgm:ptLst/>
-      <dgm:bg/>
-      <dgm:whole/>
-    </dgm:dataModel>
-  </dgm:clrData>
-  <dgm:layoutNode name="root">
-    <dgm:varLst>
-      <dgm:dir/>
-      <dgm:resizeHandles val="exact"/>
-    </dgm:varLst>
-    <dgm:choose name="Name0">
-      <dgm:if name="Name1" axis="self" func="var" arg="dir" op="equ" val="norm">
-        <dgm:alg type="lin">
-          <dgm:param type="linDir" val="fromT"/>
-          <dgm:param type="nodeHorzAlign" val="l"/>
-        </dgm:alg>
-      </dgm:if>
-      <dgm:else name="Name2">
-        <dgm:alg type="lin">
-          <dgm:param type="linDir" val="fromT"/>
-          <dgm:param type="nodeHorzAlign" val="r"/>
-        </dgm:alg>
-      </dgm:else>
-    </dgm:choose>
-    <dgm:shape xmlns:r="http://schemas.openxmlformats.org/officeDocument/2006/relationships" r:blip="">
-      <dgm:adjLst/>
-    </dgm:shape>
-    <dgm:presOf/>
-    <dgm:choose name="Name3">
-      <dgm:if name="Name4" axis="ch" ptType="node" func="cnt" op="lte" val="3">
-        <dgm:constrLst>
-          <dgm:constr type="h" for="ch" forName="compNode" refType="h" fact="0.3"/>
-          <dgm:constr type="w" for="ch" forName="compNode" refType="w"/>
-          <dgm:constr type="h" for="ch" forName="sibTrans" refType="h" refFor="ch" refForName="compNode" fact="0.25"/>
-          <dgm:constr type="primFontSz" for="des" forName="parTx" val="25"/>
-          <dgm:constr type="primFontSz" for="des" forName="desTx" refType="primFontSz" refFor="des" refForName="parTx" op="lte" fact="0.75"/>
-          <dgm:constr type="h" for="des" forName="compNode" op="equ"/>
-          <dgm:constr type="h" for="des" forName="bgRect" op="equ"/>
-          <dgm:constr type="h" for="des" forName="iconRect" op="equ"/>
-          <dgm:constr type="w" for="des" forName="iconRect" op="equ"/>
-          <dgm:constr type="h" for="des" forName="spaceRect" op="equ"/>
-          <dgm:constr type="h" for="des" forName="parTx" op="equ"/>
-          <dgm:constr type="h" for="des" forName="desTx" op="equ"/>
-        </dgm:constrLst>
-      </dgm:if>
-      <dgm:if name="Name5" axis="ch" ptType="node" func="cnt" op="lte" val="4">
-        <dgm:constrLst>
-          <dgm:constr type="h" for="ch" forName="compNode" refType="h" fact="0.3"/>
-          <dgm:constr type="w" for="ch" forName="compNode" refType="w"/>
-          <dgm:constr type="h" for="ch" forName="sibTrans" refType="h" refFor="ch" refForName="compNode" fact="0.25"/>
-          <dgm:constr type="primFontSz" for="des" forName="parTx" val="22"/>
-          <dgm:constr type="primFontSz" for="des" forName="desTx" refType="primFontSz" refFor="des" refForName="parTx" op="lte" fact="0.75"/>
-          <dgm:constr type="h" for="des" forName="compNode" op="equ"/>
-          <dgm:constr type="h" for="des" forName="bgRect" op="equ"/>
-          <dgm:constr type="h" for="des" forName="iconRect" op="equ"/>
-          <dgm:constr type="w" for="des" forName="iconRect" op="equ"/>
-          <dgm:constr type="h" for="des" forName="spaceRect" op="equ"/>
-          <dgm:constr type="h" for="des" forName="parTx" op="equ"/>
-          <dgm:constr type="h" for="des" forName="desTx" op="equ"/>
-        </dgm:constrLst>
-      </dgm:if>
-      <dgm:if name="Name6" axis="ch" ptType="node" func="cnt" op="lte" val="6">
-        <dgm:constrLst>
-          <dgm:constr type="h" for="ch" forName="compNode" refType="h" fact="0.3"/>
-          <dgm:constr type="w" for="ch" forName="compNode" refType="w"/>
-          <dgm:constr type="h" for="ch" forName="sibTrans" refType="h" refFor="ch" refForName="compNode" fact="0.25"/>
-          <dgm:constr type="primFontSz" for="des" forName="parTx" val="19"/>
-          <dgm:constr type="primFontSz" for="des" forName="desTx" refType="primFontSz" refFor="des" refForName="parTx" op="lte" fact="0.75"/>
-          <dgm:constr type="h" for="des" forName="compNode" op="equ"/>
-          <dgm:constr type="h" for="des" forName="bgRect" op="equ"/>
-          <dgm:constr type="h" for="des" forName="iconRect" op="equ"/>
-          <dgm:constr type="w" for="des" forName="iconRect" op="equ"/>
-          <dgm:constr type="h" for="des" forName="spaceRect" op="equ"/>
-          <dgm:constr type="h" for="des" forName="parTx" op="equ"/>
-          <dgm:constr type="h" for="des" forName="desTx" op="equ"/>
-        </dgm:constrLst>
-      </dgm:if>
-      <dgm:else name="Name7">
-        <dgm:constrLst>
-          <dgm:constr type="h" for="ch" forName="compNode" refType="h" fact="0.3"/>
-          <dgm:constr type="w" for="ch" forName="compNode" refType="w"/>
-          <dgm:constr type="h" for="ch" forName="sibTrans" refType="h" refFor="ch" refForName="compNode" fact="0.25"/>
-          <dgm:constr type="primFontSz" for="des" forName="parTx" val="16"/>
-          <dgm:constr type="primFontSz" for="des" forName="desTx" refType="primFontSz" refFor="des" refForName="parTx" op="lte" fact="0.75"/>
-          <dgm:constr type="h" for="des" forName="compNode" op="equ"/>
-          <dgm:constr type="h" for="des" forName="bgRect" op="equ"/>
-          <dgm:constr type="h" for="des" forName="iconRect" op="equ"/>
-          <dgm:constr type="w" for="des" forName="iconRect" op="equ"/>
-          <dgm:constr type="h" for="des" forName="spaceRect" op="equ"/>
-          <dgm:constr type="h" for="des" forName="parTx" op="equ"/>
-          <dgm:constr type="h" for="des" forName="desTx" op="equ"/>
-        </dgm:constrLst>
-      </dgm:else>
-    </dgm:choose>
-    <dgm:ruleLst>
-      <dgm:rule type="h" for="ch" forName="compNode" val="0" fact="NaN" max="NaN"/>
-    </dgm:ruleLst>
-    <dgm:forEach name="Name8" axis="ch" ptType="node">
-      <dgm:layoutNode name="compNode">
-        <dgm:alg type="composite"/>
-        <dgm:shape xmlns:r="http://schemas.openxmlformats.org/officeDocument/2006/relationships" r:blip="">
-          <dgm:adjLst/>
-        </dgm:shape>
-        <dgm:presOf axis="self"/>
-        <dgm:choose name="Name9">
-          <dgm:if name="Name10" axis="ch" ptType="node" func="cnt" op="gte" val="1">
-            <dgm:constrLst>
-              <dgm:constr type="w" for="ch" forName="bgRect" refType="w"/>
-              <dgm:constr type="h" for="ch" forName="bgRect" refType="h"/>
-              <dgm:constr type="l" for="ch" forName="bgRect"/>
-              <dgm:constr type="t" for="ch" forName="bgRect"/>
-              <dgm:constr type="h" for="ch" forName="iconRect" refType="h" fact="0.55"/>
-              <dgm:constr type="w" for="ch" forName="iconRect" refType="h" refFor="ch" refForName="iconRect"/>
-              <dgm:constr type="l" for="ch" forName="iconRect" refType="h" refFor="ch" refForName="iconRect" fact="0.55"/>
-              <dgm:constr type="ctrY" for="ch" forName="iconRect" refType="ctrY" refFor="ch" refForName="bgRect"/>
-              <dgm:constr type="w" for="ch" forName="spaceRect" refType="l" refFor="ch" refForName="iconRect"/>
-              <dgm:constr type="h" for="ch" forName="spaceRect" refType="h"/>
-              <dgm:constr type="l" for="ch" forName="spaceRect" refType="r" refFor="ch" refForName="iconRect"/>
-              <dgm:constr type="t" for="ch" forName="spaceRect"/>
-              <dgm:constr type="w" for="ch" forName="parTx" refType="w" fact="0.45"/>
-              <dgm:constr type="h" for="ch" forName="parTx" refType="h"/>
-              <dgm:constr type="l" for="ch" forName="parTx" refType="r" refFor="ch" refForName="spaceRect"/>
-              <dgm:constr type="t" for="ch" forName="parTx"/>
-              <dgm:constr type="h" for="ch" forName="desTx" refType="h"/>
-              <dgm:constr type="l" for="ch" forName="desTx" refType="r" refFor="ch" refForName="parTx"/>
-              <dgm:constr type="t" for="ch" forName="desTx"/>
-            </dgm:constrLst>
-          </dgm:if>
-          <dgm:else name="Name11">
-            <dgm:constrLst>
-              <dgm:constr type="w" for="ch" forName="bgRect" refType="w"/>
-              <dgm:constr type="h" for="ch" forName="bgRect" refType="h"/>
-              <dgm:constr type="l" for="ch" forName="bgRect"/>
-              <dgm:constr type="t" for="ch" forName="bgRect"/>
-              <dgm:constr type="h" for="ch" forName="iconRect" refType="h" fact="0.55"/>
-              <dgm:constr type="w" for="ch" forName="iconRect" refType="h" refFor="ch" refForName="iconRect"/>
-              <dgm:constr type="l" for="ch" forName="iconRect" refType="h" refFor="ch" refForName="iconRect" fact="0.55"/>
-              <dgm:constr type="ctrY" for="ch" forName="iconRect" refType="ctrY" refFor="ch" refForName="bgRect"/>
-              <dgm:constr type="w" for="ch" forName="spaceRect" refType="l" refFor="ch" refForName="iconRect"/>
-              <dgm:constr type="h" for="ch" forName="spaceRect" refType="h"/>
-              <dgm:constr type="l" for="ch" forName="spaceRect" refType="r" refFor="ch" refForName="iconRect"/>
-              <dgm:constr type="t" for="ch" forName="spaceRect"/>
-              <dgm:constr type="h" for="ch" forName="parTx" refType="h"/>
-              <dgm:constr type="l" for="ch" forName="parTx" refType="r" refFor="ch" refForName="spaceRect"/>
-              <dgm:constr type="t" for="ch" forName="parTx"/>
-            </dgm:constrLst>
-          </dgm:else>
-        </dgm:choose>
-        <dgm:ruleLst>
-          <dgm:rule type="h" val="INF" fact="NaN" max="NaN"/>
-        </dgm:ruleLst>
-        <dgm:layoutNode name="bgRect" styleLbl="bgShp">
-          <dgm:alg type="sp"/>
-          <dgm:shape xmlns:r="http://schemas.openxmlformats.org/officeDocument/2006/relationships" type="roundRect" r:blip="">
-            <dgm:adjLst>
-              <dgm:adj idx="1" val="0.1"/>
-            </dgm:adjLst>
-          </dgm:shape>
-          <dgm:presOf/>
-          <dgm:constrLst/>
-          <dgm:ruleLst/>
-        </dgm:layoutNode>
-        <dgm:layoutNode name="iconRect" styleLbl="node1">
-          <dgm:alg type="sp"/>
-          <dgm:shape xmlns:r="http://schemas.openxmlformats.org/officeDocument/2006/relationships" type="rect" r:blip="" blipPhldr="1">
-            <dgm:adjLst/>
-          </dgm:shape>
-          <dgm:presOf/>
-          <dgm:constrLst/>
-          <dgm:ruleLst/>
-        </dgm:layoutNode>
-        <dgm:layoutNode name="spaceRect">
-          <dgm:alg type="sp"/>
-          <dgm:shape xmlns:r="http://schemas.openxmlformats.org/officeDocument/2006/relationships" r:blip="">
-            <dgm:adjLst/>
-          </dgm:shape>
-          <dgm:presOf/>
-          <dgm:constrLst/>
-          <dgm:ruleLst/>
-        </dgm:layoutNode>
-        <dgm:layoutNode name="parTx" styleLbl="revTx">
-          <dgm:varLst>
-            <dgm:chMax val="0"/>
-            <dgm:chPref val="0"/>
-          </dgm:varLst>
-          <dgm:alg type="tx">
-            <dgm:param type="txAnchorVert" val="mid"/>
-            <dgm:param type="parTxLTRAlign" val="l"/>
-            <dgm:param type="shpTxLTRAlignCh" val="l"/>
-            <dgm:param type="parTxRTLAlign" val="r"/>
-            <dgm:param type="shpTxRTLAlignCh" val="r"/>
-          </dgm:alg>
-          <dgm:shape xmlns:r="http://schemas.openxmlformats.org/officeDocument/2006/relationships" type="rect" r:blip="">
-            <dgm:adjLst/>
-          </dgm:shape>
-          <dgm:presOf axis="self" ptType="node"/>
-          <dgm:constrLst>
-            <dgm:constr type="lMarg" refType="h" fact="0.3"/>
-            <dgm:constr type="rMarg" refType="h" fact="0.3"/>
-            <dgm:constr type="tMarg" refType="h" fact="0.3"/>
-            <dgm:constr type="bMarg" refType="h" fact="0.3"/>
-          </dgm:constrLst>
-          <dgm:ruleLst>
-            <dgm:rule type="primFontSz" val="14" fact="NaN" max="NaN"/>
-            <dgm:rule type="h" val="INF" fact="NaN" max="NaN"/>
-          </dgm:ruleLst>
-        </dgm:layoutNode>
-        <dgm:choose name="Name12">
-          <dgm:if name="Name13" axis="ch" ptType="node" func="cnt" op="gte" val="1">
-            <dgm:layoutNode name="desTx" styleLbl="revTx">
-              <dgm:varLst/>
-              <dgm:alg type="tx">
-                <dgm:param type="txAnchorVertCh" val="mid"/>
-                <dgm:param type="parTxLTRAlign" val="l"/>
-                <dgm:param type="shpTxLTRAlignCh" val="l"/>
-                <dgm:param type="parTxRTLAlign" val="r"/>
-                <dgm:param type="shpTxRTLAlignCh" val="r"/>
-                <dgm:param type="stBulletLvl" val="0"/>
-              </dgm:alg>
-              <dgm:shape xmlns:r="http://schemas.openxmlformats.org/officeDocument/2006/relationships" type="rect" r:blip="">
-                <dgm:adjLst/>
-              </dgm:shape>
-              <dgm:presOf axis="des" ptType="node"/>
-              <dgm:constrLst>
-                <dgm:constr type="primFontSz" val="18"/>
-                <dgm:constr type="secFontSz" refType="primFontSz"/>
-                <dgm:constr type="lMarg" refType="h" fact="0.3"/>
-                <dgm:constr type="rMarg" refType="h" fact="0.3"/>
-                <dgm:constr type="tMarg" refType="h" fact="0.3"/>
-                <dgm:constr type="bMarg" refType="h" fact="0.3"/>
-              </dgm:constrLst>
-              <dgm:ruleLst>
-                <dgm:rule type="primFontSz" val="11" fact="NaN" max="NaN"/>
-              </dgm:ruleLst>
-            </dgm:layoutNode>
-          </dgm:if>
-          <dgm:else name="Name14"/>
-        </dgm:choose>
-      </dgm:layoutNode>
-      <dgm:forEach name="Name15" axis="followSib" ptType="sibTrans" cnt="1">
-        <dgm:layoutNode name="sibTrans">
-          <dgm:alg type="sp"/>
-          <dgm:shape xmlns:r="http://schemas.openxmlformats.org/officeDocument/2006/relationships" r:blip="">
-            <dgm:adjLst/>
-          </dgm:shape>
-          <dgm:presOf axis="self"/>
-          <dgm:constrLst/>
-          <dgm:ruleLst/>
-        </dgm:layoutNode>
-      </dgm:forEach>
-    </dgm:forEach>
-  </dgm:layoutNode>
-  <dgm:extLst>
-    <a:ext uri="{68A01E43-0DF5-4B5B-8FA6-DAF915123BFB}">
-      <dgm1612:lstStyle xmlns:dgm1612="http://schemas.microsoft.com/office/drawing/2016/12/diagram">
-        <a:lvl1pPr>
-          <a:lnSpc>
-            <a:spcPct val="100000"/>
-          </a:lnSpc>
-        </a:lvl1pPr>
-        <a:lvl2pPr>
-          <a:lnSpc>
-            <a:spcPct val="100000"/>
-          </a:lnSpc>
-        </a:lvl2pPr>
-      </dgm1612:lstStyle>
-    </a:ext>
-  </dgm:extLst>
-</dgm:layoutDef>
-</file>
-
 <file path=ppt/diagrams/quickStyle1.xml><?xml version="1.0" encoding="utf-8"?>
 <dgm:styleDef xmlns:dgm="http://schemas.openxmlformats.org/drawingml/2006/diagram" xmlns:a="http://schemas.openxmlformats.org/drawingml/2006/main" uniqueId="urn:microsoft.com/office/officeart/2005/8/quickstyle/simple2">
   <dgm:title val=""/>
@@ -28828,1040 +26950,6 @@
         <a:scrgbClr r="0" g="0" b="0"/>
       </a:fillRef>
       <a:effectRef idx="0">
-        <a:scrgbClr r="0" g="0" b="0"/>
-      </a:effectRef>
-      <a:fontRef idx="minor"/>
-    </dgm:style>
-  </dgm:styleLbl>
-  <dgm:styleLbl name="revTx">
-    <dgm:scene3d>
-      <a:camera prst="orthographicFront"/>
-      <a:lightRig rig="threePt" dir="t"/>
-    </dgm:scene3d>
-    <dgm:sp3d/>
-    <dgm:txPr/>
-    <dgm:style>
-      <a:lnRef idx="0">
-        <a:scrgbClr r="0" g="0" b="0"/>
-      </a:lnRef>
-      <a:fillRef idx="0">
-        <a:scrgbClr r="0" g="0" b="0"/>
-      </a:fillRef>
-      <a:effectRef idx="0">
-        <a:scrgbClr r="0" g="0" b="0"/>
-      </a:effectRef>
-      <a:fontRef idx="minor"/>
-    </dgm:style>
-  </dgm:styleLbl>
-</dgm:styleDef>
-</file>
-
-<file path=ppt/diagrams/quickStyle9.xml><?xml version="1.0" encoding="utf-8"?>
-<dgm:styleDef xmlns:dgm="http://schemas.openxmlformats.org/drawingml/2006/diagram" xmlns:a="http://schemas.openxmlformats.org/drawingml/2006/main" uniqueId="urn:microsoft.com/office/officeart/2005/8/quickstyle/simple4">
-  <dgm:title val=""/>
-  <dgm:desc val=""/>
-  <dgm:catLst>
-    <dgm:cat type="simple" pri="10400"/>
-  </dgm:catLst>
-  <dgm:scene3d>
-    <a:camera prst="orthographicFront"/>
-    <a:lightRig rig="threePt" dir="t"/>
-  </dgm:scene3d>
-  <dgm:styleLbl name="node0">
-    <dgm:scene3d>
-      <a:camera prst="orthographicFront"/>
-      <a:lightRig rig="threePt" dir="t"/>
-    </dgm:scene3d>
-    <dgm:sp3d/>
-    <dgm:txPr/>
-    <dgm:style>
-      <a:lnRef idx="0">
-        <a:scrgbClr r="0" g="0" b="0"/>
-      </a:lnRef>
-      <a:fillRef idx="3">
-        <a:scrgbClr r="0" g="0" b="0"/>
-      </a:fillRef>
-      <a:effectRef idx="2">
-        <a:scrgbClr r="0" g="0" b="0"/>
-      </a:effectRef>
-      <a:fontRef idx="minor">
-        <a:schemeClr val="lt1"/>
-      </a:fontRef>
-    </dgm:style>
-  </dgm:styleLbl>
-  <dgm:styleLbl name="lnNode1">
-    <dgm:scene3d>
-      <a:camera prst="orthographicFront"/>
-      <a:lightRig rig="threePt" dir="t"/>
-    </dgm:scene3d>
-    <dgm:sp3d/>
-    <dgm:txPr/>
-    <dgm:style>
-      <a:lnRef idx="1">
-        <a:scrgbClr r="0" g="0" b="0"/>
-      </a:lnRef>
-      <a:fillRef idx="3">
-        <a:scrgbClr r="0" g="0" b="0"/>
-      </a:fillRef>
-      <a:effectRef idx="2">
-        <a:scrgbClr r="0" g="0" b="0"/>
-      </a:effectRef>
-      <a:fontRef idx="minor">
-        <a:schemeClr val="lt1"/>
-      </a:fontRef>
-    </dgm:style>
-  </dgm:styleLbl>
-  <dgm:styleLbl name="vennNode1">
-    <dgm:scene3d>
-      <a:camera prst="orthographicFront"/>
-      <a:lightRig rig="threePt" dir="t"/>
-    </dgm:scene3d>
-    <dgm:sp3d/>
-    <dgm:txPr/>
-    <dgm:style>
-      <a:lnRef idx="0">
-        <a:scrgbClr r="0" g="0" b="0"/>
-      </a:lnRef>
-      <a:fillRef idx="3">
-        <a:scrgbClr r="0" g="0" b="0"/>
-      </a:fillRef>
-      <a:effectRef idx="0">
-        <a:scrgbClr r="0" g="0" b="0"/>
-      </a:effectRef>
-      <a:fontRef idx="minor">
-        <a:schemeClr val="tx1"/>
-      </a:fontRef>
-    </dgm:style>
-  </dgm:styleLbl>
-  <dgm:styleLbl name="alignNode1">
-    <dgm:scene3d>
-      <a:camera prst="orthographicFront"/>
-      <a:lightRig rig="threePt" dir="t"/>
-    </dgm:scene3d>
-    <dgm:sp3d/>
-    <dgm:txPr/>
-    <dgm:style>
-      <a:lnRef idx="1">
-        <a:scrgbClr r="0" g="0" b="0"/>
-      </a:lnRef>
-      <a:fillRef idx="3">
-        <a:scrgbClr r="0" g="0" b="0"/>
-      </a:fillRef>
-      <a:effectRef idx="2">
-        <a:scrgbClr r="0" g="0" b="0"/>
-      </a:effectRef>
-      <a:fontRef idx="minor">
-        <a:schemeClr val="lt1"/>
-      </a:fontRef>
-    </dgm:style>
-  </dgm:styleLbl>
-  <dgm:styleLbl name="node1">
-    <dgm:scene3d>
-      <a:camera prst="orthographicFront"/>
-      <a:lightRig rig="threePt" dir="t"/>
-    </dgm:scene3d>
-    <dgm:sp3d/>
-    <dgm:txPr/>
-    <dgm:style>
-      <a:lnRef idx="0">
-        <a:scrgbClr r="0" g="0" b="0"/>
-      </a:lnRef>
-      <a:fillRef idx="3">
-        <a:scrgbClr r="0" g="0" b="0"/>
-      </a:fillRef>
-      <a:effectRef idx="2">
-        <a:scrgbClr r="0" g="0" b="0"/>
-      </a:effectRef>
-      <a:fontRef idx="minor">
-        <a:schemeClr val="lt1"/>
-      </a:fontRef>
-    </dgm:style>
-  </dgm:styleLbl>
-  <dgm:styleLbl name="node2">
-    <dgm:scene3d>
-      <a:camera prst="orthographicFront"/>
-      <a:lightRig rig="threePt" dir="t"/>
-    </dgm:scene3d>
-    <dgm:sp3d/>
-    <dgm:txPr/>
-    <dgm:style>
-      <a:lnRef idx="0">
-        <a:scrgbClr r="0" g="0" b="0"/>
-      </a:lnRef>
-      <a:fillRef idx="3">
-        <a:scrgbClr r="0" g="0" b="0"/>
-      </a:fillRef>
-      <a:effectRef idx="2">
-        <a:scrgbClr r="0" g="0" b="0"/>
-      </a:effectRef>
-      <a:fontRef idx="minor">
-        <a:schemeClr val="lt1"/>
-      </a:fontRef>
-    </dgm:style>
-  </dgm:styleLbl>
-  <dgm:styleLbl name="node3">
-    <dgm:scene3d>
-      <a:camera prst="orthographicFront"/>
-      <a:lightRig rig="threePt" dir="t"/>
-    </dgm:scene3d>
-    <dgm:sp3d/>
-    <dgm:txPr/>
-    <dgm:style>
-      <a:lnRef idx="0">
-        <a:scrgbClr r="0" g="0" b="0"/>
-      </a:lnRef>
-      <a:fillRef idx="3">
-        <a:scrgbClr r="0" g="0" b="0"/>
-      </a:fillRef>
-      <a:effectRef idx="2">
-        <a:scrgbClr r="0" g="0" b="0"/>
-      </a:effectRef>
-      <a:fontRef idx="minor">
-        <a:schemeClr val="lt1"/>
-      </a:fontRef>
-    </dgm:style>
-  </dgm:styleLbl>
-  <dgm:styleLbl name="node4">
-    <dgm:scene3d>
-      <a:camera prst="orthographicFront"/>
-      <a:lightRig rig="threePt" dir="t"/>
-    </dgm:scene3d>
-    <dgm:sp3d/>
-    <dgm:txPr/>
-    <dgm:style>
-      <a:lnRef idx="0">
-        <a:scrgbClr r="0" g="0" b="0"/>
-      </a:lnRef>
-      <a:fillRef idx="3">
-        <a:scrgbClr r="0" g="0" b="0"/>
-      </a:fillRef>
-      <a:effectRef idx="2">
-        <a:scrgbClr r="0" g="0" b="0"/>
-      </a:effectRef>
-      <a:fontRef idx="minor">
-        <a:schemeClr val="lt1"/>
-      </a:fontRef>
-    </dgm:style>
-  </dgm:styleLbl>
-  <dgm:styleLbl name="fgImgPlace1">
-    <dgm:scene3d>
-      <a:camera prst="orthographicFront"/>
-      <a:lightRig rig="threePt" dir="t"/>
-    </dgm:scene3d>
-    <dgm:sp3d/>
-    <dgm:txPr/>
-    <dgm:style>
-      <a:lnRef idx="0">
-        <a:scrgbClr r="0" g="0" b="0"/>
-      </a:lnRef>
-      <a:fillRef idx="1">
-        <a:scrgbClr r="0" g="0" b="0"/>
-      </a:fillRef>
-      <a:effectRef idx="2">
-        <a:scrgbClr r="0" g="0" b="0"/>
-      </a:effectRef>
-      <a:fontRef idx="minor"/>
-    </dgm:style>
-  </dgm:styleLbl>
-  <dgm:styleLbl name="alignImgPlace1">
-    <dgm:scene3d>
-      <a:camera prst="orthographicFront"/>
-      <a:lightRig rig="threePt" dir="t"/>
-    </dgm:scene3d>
-    <dgm:sp3d/>
-    <dgm:txPr/>
-    <dgm:style>
-      <a:lnRef idx="0">
-        <a:scrgbClr r="0" g="0" b="0"/>
-      </a:lnRef>
-      <a:fillRef idx="1">
-        <a:scrgbClr r="0" g="0" b="0"/>
-      </a:fillRef>
-      <a:effectRef idx="2">
-        <a:scrgbClr r="0" g="0" b="0"/>
-      </a:effectRef>
-      <a:fontRef idx="minor"/>
-    </dgm:style>
-  </dgm:styleLbl>
-  <dgm:styleLbl name="bgImgPlace1">
-    <dgm:scene3d>
-      <a:camera prst="orthographicFront"/>
-      <a:lightRig rig="threePt" dir="t"/>
-    </dgm:scene3d>
-    <dgm:sp3d/>
-    <dgm:txPr/>
-    <dgm:style>
-      <a:lnRef idx="0">
-        <a:scrgbClr r="0" g="0" b="0"/>
-      </a:lnRef>
-      <a:fillRef idx="1">
-        <a:scrgbClr r="0" g="0" b="0"/>
-      </a:fillRef>
-      <a:effectRef idx="2">
-        <a:scrgbClr r="0" g="0" b="0"/>
-      </a:effectRef>
-      <a:fontRef idx="minor"/>
-    </dgm:style>
-  </dgm:styleLbl>
-  <dgm:styleLbl name="sibTrans2D1">
-    <dgm:scene3d>
-      <a:camera prst="orthographicFront"/>
-      <a:lightRig rig="threePt" dir="t"/>
-    </dgm:scene3d>
-    <dgm:sp3d/>
-    <dgm:txPr/>
-    <dgm:style>
-      <a:lnRef idx="0">
-        <a:scrgbClr r="0" g="0" b="0"/>
-      </a:lnRef>
-      <a:fillRef idx="3">
-        <a:scrgbClr r="0" g="0" b="0"/>
-      </a:fillRef>
-      <a:effectRef idx="2">
-        <a:scrgbClr r="0" g="0" b="0"/>
-      </a:effectRef>
-      <a:fontRef idx="minor">
-        <a:schemeClr val="lt1"/>
-      </a:fontRef>
-    </dgm:style>
-  </dgm:styleLbl>
-  <dgm:styleLbl name="fgSibTrans2D1">
-    <dgm:scene3d>
-      <a:camera prst="orthographicFront"/>
-      <a:lightRig rig="threePt" dir="t"/>
-    </dgm:scene3d>
-    <dgm:sp3d/>
-    <dgm:txPr/>
-    <dgm:style>
-      <a:lnRef idx="0">
-        <a:scrgbClr r="0" g="0" b="0"/>
-      </a:lnRef>
-      <a:fillRef idx="3">
-        <a:scrgbClr r="0" g="0" b="0"/>
-      </a:fillRef>
-      <a:effectRef idx="2">
-        <a:scrgbClr r="0" g="0" b="0"/>
-      </a:effectRef>
-      <a:fontRef idx="minor">
-        <a:schemeClr val="lt1"/>
-      </a:fontRef>
-    </dgm:style>
-  </dgm:styleLbl>
-  <dgm:styleLbl name="bgSibTrans2D1">
-    <dgm:scene3d>
-      <a:camera prst="orthographicFront"/>
-      <a:lightRig rig="threePt" dir="t"/>
-    </dgm:scene3d>
-    <dgm:sp3d/>
-    <dgm:txPr/>
-    <dgm:style>
-      <a:lnRef idx="0">
-        <a:scrgbClr r="0" g="0" b="0"/>
-      </a:lnRef>
-      <a:fillRef idx="3">
-        <a:scrgbClr r="0" g="0" b="0"/>
-      </a:fillRef>
-      <a:effectRef idx="2">
-        <a:scrgbClr r="0" g="0" b="0"/>
-      </a:effectRef>
-      <a:fontRef idx="minor">
-        <a:schemeClr val="lt1"/>
-      </a:fontRef>
-    </dgm:style>
-  </dgm:styleLbl>
-  <dgm:styleLbl name="sibTrans1D1">
-    <dgm:scene3d>
-      <a:camera prst="orthographicFront"/>
-      <a:lightRig rig="threePt" dir="t"/>
-    </dgm:scene3d>
-    <dgm:sp3d/>
-    <dgm:txPr/>
-    <dgm:style>
-      <a:lnRef idx="1">
-        <a:scrgbClr r="0" g="0" b="0"/>
-      </a:lnRef>
-      <a:fillRef idx="0">
-        <a:scrgbClr r="0" g="0" b="0"/>
-      </a:fillRef>
-      <a:effectRef idx="0">
-        <a:scrgbClr r="0" g="0" b="0"/>
-      </a:effectRef>
-      <a:fontRef idx="minor"/>
-    </dgm:style>
-  </dgm:styleLbl>
-  <dgm:styleLbl name="callout">
-    <dgm:scene3d>
-      <a:camera prst="orthographicFront"/>
-      <a:lightRig rig="threePt" dir="t"/>
-    </dgm:scene3d>
-    <dgm:sp3d/>
-    <dgm:txPr/>
-    <dgm:style>
-      <a:lnRef idx="2">
-        <a:scrgbClr r="0" g="0" b="0"/>
-      </a:lnRef>
-      <a:fillRef idx="1">
-        <a:scrgbClr r="0" g="0" b="0"/>
-      </a:fillRef>
-      <a:effectRef idx="1">
-        <a:scrgbClr r="0" g="0" b="0"/>
-      </a:effectRef>
-      <a:fontRef idx="minor"/>
-    </dgm:style>
-  </dgm:styleLbl>
-  <dgm:styleLbl name="asst0">
-    <dgm:scene3d>
-      <a:camera prst="orthographicFront"/>
-      <a:lightRig rig="threePt" dir="t"/>
-    </dgm:scene3d>
-    <dgm:sp3d/>
-    <dgm:txPr/>
-    <dgm:style>
-      <a:lnRef idx="0">
-        <a:scrgbClr r="0" g="0" b="0"/>
-      </a:lnRef>
-      <a:fillRef idx="3">
-        <a:scrgbClr r="0" g="0" b="0"/>
-      </a:fillRef>
-      <a:effectRef idx="2">
-        <a:scrgbClr r="0" g="0" b="0"/>
-      </a:effectRef>
-      <a:fontRef idx="minor">
-        <a:schemeClr val="lt1"/>
-      </a:fontRef>
-    </dgm:style>
-  </dgm:styleLbl>
-  <dgm:styleLbl name="asst1">
-    <dgm:scene3d>
-      <a:camera prst="orthographicFront"/>
-      <a:lightRig rig="threePt" dir="t"/>
-    </dgm:scene3d>
-    <dgm:sp3d/>
-    <dgm:txPr/>
-    <dgm:style>
-      <a:lnRef idx="0">
-        <a:scrgbClr r="0" g="0" b="0"/>
-      </a:lnRef>
-      <a:fillRef idx="3">
-        <a:scrgbClr r="0" g="0" b="0"/>
-      </a:fillRef>
-      <a:effectRef idx="2">
-        <a:scrgbClr r="0" g="0" b="0"/>
-      </a:effectRef>
-      <a:fontRef idx="minor">
-        <a:schemeClr val="lt1"/>
-      </a:fontRef>
-    </dgm:style>
-  </dgm:styleLbl>
-  <dgm:styleLbl name="asst2">
-    <dgm:scene3d>
-      <a:camera prst="orthographicFront"/>
-      <a:lightRig rig="threePt" dir="t"/>
-    </dgm:scene3d>
-    <dgm:sp3d/>
-    <dgm:txPr/>
-    <dgm:style>
-      <a:lnRef idx="0">
-        <a:scrgbClr r="0" g="0" b="0"/>
-      </a:lnRef>
-      <a:fillRef idx="3">
-        <a:scrgbClr r="0" g="0" b="0"/>
-      </a:fillRef>
-      <a:effectRef idx="2">
-        <a:scrgbClr r="0" g="0" b="0"/>
-      </a:effectRef>
-      <a:fontRef idx="minor">
-        <a:schemeClr val="lt1"/>
-      </a:fontRef>
-    </dgm:style>
-  </dgm:styleLbl>
-  <dgm:styleLbl name="asst3">
-    <dgm:scene3d>
-      <a:camera prst="orthographicFront"/>
-      <a:lightRig rig="threePt" dir="t"/>
-    </dgm:scene3d>
-    <dgm:sp3d/>
-    <dgm:txPr/>
-    <dgm:style>
-      <a:lnRef idx="0">
-        <a:scrgbClr r="0" g="0" b="0"/>
-      </a:lnRef>
-      <a:fillRef idx="3">
-        <a:scrgbClr r="0" g="0" b="0"/>
-      </a:fillRef>
-      <a:effectRef idx="2">
-        <a:scrgbClr r="0" g="0" b="0"/>
-      </a:effectRef>
-      <a:fontRef idx="minor">
-        <a:schemeClr val="lt1"/>
-      </a:fontRef>
-    </dgm:style>
-  </dgm:styleLbl>
-  <dgm:styleLbl name="asst4">
-    <dgm:scene3d>
-      <a:camera prst="orthographicFront"/>
-      <a:lightRig rig="threePt" dir="t"/>
-    </dgm:scene3d>
-    <dgm:sp3d/>
-    <dgm:txPr/>
-    <dgm:style>
-      <a:lnRef idx="0">
-        <a:scrgbClr r="0" g="0" b="0"/>
-      </a:lnRef>
-      <a:fillRef idx="3">
-        <a:scrgbClr r="0" g="0" b="0"/>
-      </a:fillRef>
-      <a:effectRef idx="2">
-        <a:scrgbClr r="0" g="0" b="0"/>
-      </a:effectRef>
-      <a:fontRef idx="minor">
-        <a:schemeClr val="lt1"/>
-      </a:fontRef>
-    </dgm:style>
-  </dgm:styleLbl>
-  <dgm:styleLbl name="parChTrans2D1">
-    <dgm:scene3d>
-      <a:camera prst="orthographicFront"/>
-      <a:lightRig rig="threePt" dir="t"/>
-    </dgm:scene3d>
-    <dgm:sp3d/>
-    <dgm:txPr/>
-    <dgm:style>
-      <a:lnRef idx="0">
-        <a:scrgbClr r="0" g="0" b="0"/>
-      </a:lnRef>
-      <a:fillRef idx="3">
-        <a:scrgbClr r="0" g="0" b="0"/>
-      </a:fillRef>
-      <a:effectRef idx="2">
-        <a:scrgbClr r="0" g="0" b="0"/>
-      </a:effectRef>
-      <a:fontRef idx="minor">
-        <a:schemeClr val="lt1"/>
-      </a:fontRef>
-    </dgm:style>
-  </dgm:styleLbl>
-  <dgm:styleLbl name="parChTrans2D2">
-    <dgm:scene3d>
-      <a:camera prst="orthographicFront"/>
-      <a:lightRig rig="threePt" dir="t"/>
-    </dgm:scene3d>
-    <dgm:sp3d/>
-    <dgm:txPr/>
-    <dgm:style>
-      <a:lnRef idx="0">
-        <a:scrgbClr r="0" g="0" b="0"/>
-      </a:lnRef>
-      <a:fillRef idx="3">
-        <a:scrgbClr r="0" g="0" b="0"/>
-      </a:fillRef>
-      <a:effectRef idx="2">
-        <a:scrgbClr r="0" g="0" b="0"/>
-      </a:effectRef>
-      <a:fontRef idx="minor">
-        <a:schemeClr val="lt1"/>
-      </a:fontRef>
-    </dgm:style>
-  </dgm:styleLbl>
-  <dgm:styleLbl name="parChTrans2D3">
-    <dgm:scene3d>
-      <a:camera prst="orthographicFront"/>
-      <a:lightRig rig="threePt" dir="t"/>
-    </dgm:scene3d>
-    <dgm:sp3d/>
-    <dgm:txPr/>
-    <dgm:style>
-      <a:lnRef idx="1">
-        <a:scrgbClr r="0" g="0" b="0"/>
-      </a:lnRef>
-      <a:fillRef idx="3">
-        <a:scrgbClr r="0" g="0" b="0"/>
-      </a:fillRef>
-      <a:effectRef idx="2">
-        <a:scrgbClr r="0" g="0" b="0"/>
-      </a:effectRef>
-      <a:fontRef idx="minor">
-        <a:schemeClr val="lt1"/>
-      </a:fontRef>
-    </dgm:style>
-  </dgm:styleLbl>
-  <dgm:styleLbl name="parChTrans2D4">
-    <dgm:scene3d>
-      <a:camera prst="orthographicFront"/>
-      <a:lightRig rig="threePt" dir="t"/>
-    </dgm:scene3d>
-    <dgm:sp3d/>
-    <dgm:txPr/>
-    <dgm:style>
-      <a:lnRef idx="1">
-        <a:scrgbClr r="0" g="0" b="0"/>
-      </a:lnRef>
-      <a:fillRef idx="3">
-        <a:scrgbClr r="0" g="0" b="0"/>
-      </a:fillRef>
-      <a:effectRef idx="2">
-        <a:scrgbClr r="0" g="0" b="0"/>
-      </a:effectRef>
-      <a:fontRef idx="minor">
-        <a:schemeClr val="lt1"/>
-      </a:fontRef>
-    </dgm:style>
-  </dgm:styleLbl>
-  <dgm:styleLbl name="parChTrans1D1">
-    <dgm:scene3d>
-      <a:camera prst="orthographicFront"/>
-      <a:lightRig rig="threePt" dir="t"/>
-    </dgm:scene3d>
-    <dgm:sp3d/>
-    <dgm:txPr/>
-    <dgm:style>
-      <a:lnRef idx="1">
-        <a:scrgbClr r="0" g="0" b="0"/>
-      </a:lnRef>
-      <a:fillRef idx="0">
-        <a:scrgbClr r="0" g="0" b="0"/>
-      </a:fillRef>
-      <a:effectRef idx="0">
-        <a:scrgbClr r="0" g="0" b="0"/>
-      </a:effectRef>
-      <a:fontRef idx="minor"/>
-    </dgm:style>
-  </dgm:styleLbl>
-  <dgm:styleLbl name="parChTrans1D2">
-    <dgm:scene3d>
-      <a:camera prst="orthographicFront"/>
-      <a:lightRig rig="threePt" dir="t"/>
-    </dgm:scene3d>
-    <dgm:sp3d/>
-    <dgm:txPr/>
-    <dgm:style>
-      <a:lnRef idx="1">
-        <a:scrgbClr r="0" g="0" b="0"/>
-      </a:lnRef>
-      <a:fillRef idx="0">
-        <a:scrgbClr r="0" g="0" b="0"/>
-      </a:fillRef>
-      <a:effectRef idx="0">
-        <a:scrgbClr r="0" g="0" b="0"/>
-      </a:effectRef>
-      <a:fontRef idx="minor"/>
-    </dgm:style>
-  </dgm:styleLbl>
-  <dgm:styleLbl name="parChTrans1D3">
-    <dgm:scene3d>
-      <a:camera prst="orthographicFront"/>
-      <a:lightRig rig="threePt" dir="t"/>
-    </dgm:scene3d>
-    <dgm:sp3d/>
-    <dgm:txPr/>
-    <dgm:style>
-      <a:lnRef idx="1">
-        <a:scrgbClr r="0" g="0" b="0"/>
-      </a:lnRef>
-      <a:fillRef idx="0">
-        <a:scrgbClr r="0" g="0" b="0"/>
-      </a:fillRef>
-      <a:effectRef idx="0">
-        <a:scrgbClr r="0" g="0" b="0"/>
-      </a:effectRef>
-      <a:fontRef idx="minor"/>
-    </dgm:style>
-  </dgm:styleLbl>
-  <dgm:styleLbl name="parChTrans1D4">
-    <dgm:scene3d>
-      <a:camera prst="orthographicFront"/>
-      <a:lightRig rig="threePt" dir="t"/>
-    </dgm:scene3d>
-    <dgm:sp3d/>
-    <dgm:txPr/>
-    <dgm:style>
-      <a:lnRef idx="1">
-        <a:scrgbClr r="0" g="0" b="0"/>
-      </a:lnRef>
-      <a:fillRef idx="0">
-        <a:scrgbClr r="0" g="0" b="0"/>
-      </a:fillRef>
-      <a:effectRef idx="0">
-        <a:scrgbClr r="0" g="0" b="0"/>
-      </a:effectRef>
-      <a:fontRef idx="minor"/>
-    </dgm:style>
-  </dgm:styleLbl>
-  <dgm:styleLbl name="fgAcc1">
-    <dgm:scene3d>
-      <a:camera prst="orthographicFront"/>
-      <a:lightRig rig="threePt" dir="t"/>
-    </dgm:scene3d>
-    <dgm:sp3d/>
-    <dgm:txPr/>
-    <dgm:style>
-      <a:lnRef idx="1">
-        <a:scrgbClr r="0" g="0" b="0"/>
-      </a:lnRef>
-      <a:fillRef idx="1">
-        <a:scrgbClr r="0" g="0" b="0"/>
-      </a:fillRef>
-      <a:effectRef idx="0">
-        <a:scrgbClr r="0" g="0" b="0"/>
-      </a:effectRef>
-      <a:fontRef idx="minor"/>
-    </dgm:style>
-  </dgm:styleLbl>
-  <dgm:styleLbl name="conFgAcc1">
-    <dgm:scene3d>
-      <a:camera prst="orthographicFront"/>
-      <a:lightRig rig="threePt" dir="t"/>
-    </dgm:scene3d>
-    <dgm:sp3d/>
-    <dgm:txPr/>
-    <dgm:style>
-      <a:lnRef idx="1">
-        <a:scrgbClr r="0" g="0" b="0"/>
-      </a:lnRef>
-      <a:fillRef idx="1">
-        <a:scrgbClr r="0" g="0" b="0"/>
-      </a:fillRef>
-      <a:effectRef idx="0">
-        <a:scrgbClr r="0" g="0" b="0"/>
-      </a:effectRef>
-      <a:fontRef idx="minor"/>
-    </dgm:style>
-  </dgm:styleLbl>
-  <dgm:styleLbl name="alignAcc1">
-    <dgm:scene3d>
-      <a:camera prst="orthographicFront"/>
-      <a:lightRig rig="threePt" dir="t"/>
-    </dgm:scene3d>
-    <dgm:sp3d/>
-    <dgm:txPr/>
-    <dgm:style>
-      <a:lnRef idx="1">
-        <a:scrgbClr r="0" g="0" b="0"/>
-      </a:lnRef>
-      <a:fillRef idx="1">
-        <a:scrgbClr r="0" g="0" b="0"/>
-      </a:fillRef>
-      <a:effectRef idx="0">
-        <a:scrgbClr r="0" g="0" b="0"/>
-      </a:effectRef>
-      <a:fontRef idx="minor"/>
-    </dgm:style>
-  </dgm:styleLbl>
-  <dgm:styleLbl name="trAlignAcc1">
-    <dgm:scene3d>
-      <a:camera prst="orthographicFront"/>
-      <a:lightRig rig="threePt" dir="t"/>
-    </dgm:scene3d>
-    <dgm:sp3d/>
-    <dgm:txPr/>
-    <dgm:style>
-      <a:lnRef idx="1">
-        <a:scrgbClr r="0" g="0" b="0"/>
-      </a:lnRef>
-      <a:fillRef idx="1">
-        <a:scrgbClr r="0" g="0" b="0"/>
-      </a:fillRef>
-      <a:effectRef idx="0">
-        <a:scrgbClr r="0" g="0" b="0"/>
-      </a:effectRef>
-      <a:fontRef idx="minor"/>
-    </dgm:style>
-  </dgm:styleLbl>
-  <dgm:styleLbl name="bgAcc1">
-    <dgm:scene3d>
-      <a:camera prst="orthographicFront"/>
-      <a:lightRig rig="threePt" dir="t"/>
-    </dgm:scene3d>
-    <dgm:sp3d/>
-    <dgm:txPr/>
-    <dgm:style>
-      <a:lnRef idx="1">
-        <a:scrgbClr r="0" g="0" b="0"/>
-      </a:lnRef>
-      <a:fillRef idx="1">
-        <a:scrgbClr r="0" g="0" b="0"/>
-      </a:fillRef>
-      <a:effectRef idx="0">
-        <a:scrgbClr r="0" g="0" b="0"/>
-      </a:effectRef>
-      <a:fontRef idx="minor"/>
-    </dgm:style>
-  </dgm:styleLbl>
-  <dgm:styleLbl name="solidFgAcc1">
-    <dgm:scene3d>
-      <a:camera prst="orthographicFront"/>
-      <a:lightRig rig="threePt" dir="t"/>
-    </dgm:scene3d>
-    <dgm:sp3d/>
-    <dgm:txPr/>
-    <dgm:style>
-      <a:lnRef idx="1">
-        <a:scrgbClr r="0" g="0" b="0"/>
-      </a:lnRef>
-      <a:fillRef idx="1">
-        <a:scrgbClr r="0" g="0" b="0"/>
-      </a:fillRef>
-      <a:effectRef idx="0">
-        <a:scrgbClr r="0" g="0" b="0"/>
-      </a:effectRef>
-      <a:fontRef idx="minor"/>
-    </dgm:style>
-  </dgm:styleLbl>
-  <dgm:styleLbl name="solidAlignAcc1">
-    <dgm:scene3d>
-      <a:camera prst="orthographicFront"/>
-      <a:lightRig rig="threePt" dir="t"/>
-    </dgm:scene3d>
-    <dgm:sp3d/>
-    <dgm:txPr/>
-    <dgm:style>
-      <a:lnRef idx="1">
-        <a:scrgbClr r="0" g="0" b="0"/>
-      </a:lnRef>
-      <a:fillRef idx="1">
-        <a:scrgbClr r="0" g="0" b="0"/>
-      </a:fillRef>
-      <a:effectRef idx="0">
-        <a:scrgbClr r="0" g="0" b="0"/>
-      </a:effectRef>
-      <a:fontRef idx="minor"/>
-    </dgm:style>
-  </dgm:styleLbl>
-  <dgm:styleLbl name="solidBgAcc1">
-    <dgm:scene3d>
-      <a:camera prst="orthographicFront"/>
-      <a:lightRig rig="threePt" dir="t"/>
-    </dgm:scene3d>
-    <dgm:sp3d/>
-    <dgm:txPr/>
-    <dgm:style>
-      <a:lnRef idx="1">
-        <a:scrgbClr r="0" g="0" b="0"/>
-      </a:lnRef>
-      <a:fillRef idx="1">
-        <a:scrgbClr r="0" g="0" b="0"/>
-      </a:fillRef>
-      <a:effectRef idx="0">
-        <a:scrgbClr r="0" g="0" b="0"/>
-      </a:effectRef>
-      <a:fontRef idx="minor"/>
-    </dgm:style>
-  </dgm:styleLbl>
-  <dgm:styleLbl name="fgAccFollowNode1">
-    <dgm:scene3d>
-      <a:camera prst="orthographicFront"/>
-      <a:lightRig rig="threePt" dir="t"/>
-    </dgm:scene3d>
-    <dgm:sp3d/>
-    <dgm:txPr/>
-    <dgm:style>
-      <a:lnRef idx="1">
-        <a:scrgbClr r="0" g="0" b="0"/>
-      </a:lnRef>
-      <a:fillRef idx="1">
-        <a:scrgbClr r="0" g="0" b="0"/>
-      </a:fillRef>
-      <a:effectRef idx="0">
-        <a:scrgbClr r="0" g="0" b="0"/>
-      </a:effectRef>
-      <a:fontRef idx="minor"/>
-    </dgm:style>
-  </dgm:styleLbl>
-  <dgm:styleLbl name="alignAccFollowNode1">
-    <dgm:scene3d>
-      <a:camera prst="orthographicFront"/>
-      <a:lightRig rig="threePt" dir="t"/>
-    </dgm:scene3d>
-    <dgm:sp3d/>
-    <dgm:txPr/>
-    <dgm:style>
-      <a:lnRef idx="1">
-        <a:scrgbClr r="0" g="0" b="0"/>
-      </a:lnRef>
-      <a:fillRef idx="1">
-        <a:scrgbClr r="0" g="0" b="0"/>
-      </a:fillRef>
-      <a:effectRef idx="0">
-        <a:scrgbClr r="0" g="0" b="0"/>
-      </a:effectRef>
-      <a:fontRef idx="minor"/>
-    </dgm:style>
-  </dgm:styleLbl>
-  <dgm:styleLbl name="bgAccFollowNode1">
-    <dgm:scene3d>
-      <a:camera prst="orthographicFront"/>
-      <a:lightRig rig="threePt" dir="t"/>
-    </dgm:scene3d>
-    <dgm:sp3d/>
-    <dgm:txPr/>
-    <dgm:style>
-      <a:lnRef idx="1">
-        <a:scrgbClr r="0" g="0" b="0"/>
-      </a:lnRef>
-      <a:fillRef idx="1">
-        <a:scrgbClr r="0" g="0" b="0"/>
-      </a:fillRef>
-      <a:effectRef idx="0">
-        <a:scrgbClr r="0" g="0" b="0"/>
-      </a:effectRef>
-      <a:fontRef idx="minor"/>
-    </dgm:style>
-  </dgm:styleLbl>
-  <dgm:styleLbl name="fgAcc0">
-    <dgm:scene3d>
-      <a:camera prst="orthographicFront"/>
-      <a:lightRig rig="threePt" dir="t"/>
-    </dgm:scene3d>
-    <dgm:sp3d/>
-    <dgm:txPr/>
-    <dgm:style>
-      <a:lnRef idx="1">
-        <a:scrgbClr r="0" g="0" b="0"/>
-      </a:lnRef>
-      <a:fillRef idx="1">
-        <a:scrgbClr r="0" g="0" b="0"/>
-      </a:fillRef>
-      <a:effectRef idx="0">
-        <a:scrgbClr r="0" g="0" b="0"/>
-      </a:effectRef>
-      <a:fontRef idx="minor"/>
-    </dgm:style>
-  </dgm:styleLbl>
-  <dgm:styleLbl name="fgAcc2">
-    <dgm:scene3d>
-      <a:camera prst="orthographicFront"/>
-      <a:lightRig rig="threePt" dir="t"/>
-    </dgm:scene3d>
-    <dgm:sp3d/>
-    <dgm:txPr/>
-    <dgm:style>
-      <a:lnRef idx="1">
-        <a:scrgbClr r="0" g="0" b="0"/>
-      </a:lnRef>
-      <a:fillRef idx="1">
-        <a:scrgbClr r="0" g="0" b="0"/>
-      </a:fillRef>
-      <a:effectRef idx="0">
-        <a:scrgbClr r="0" g="0" b="0"/>
-      </a:effectRef>
-      <a:fontRef idx="minor"/>
-    </dgm:style>
-  </dgm:styleLbl>
-  <dgm:styleLbl name="fgAcc3">
-    <dgm:scene3d>
-      <a:camera prst="orthographicFront"/>
-      <a:lightRig rig="threePt" dir="t"/>
-    </dgm:scene3d>
-    <dgm:sp3d/>
-    <dgm:txPr/>
-    <dgm:style>
-      <a:lnRef idx="1">
-        <a:scrgbClr r="0" g="0" b="0"/>
-      </a:lnRef>
-      <a:fillRef idx="1">
-        <a:scrgbClr r="0" g="0" b="0"/>
-      </a:fillRef>
-      <a:effectRef idx="0">
-        <a:scrgbClr r="0" g="0" b="0"/>
-      </a:effectRef>
-      <a:fontRef idx="minor"/>
-    </dgm:style>
-  </dgm:styleLbl>
-  <dgm:styleLbl name="fgAcc4">
-    <dgm:scene3d>
-      <a:camera prst="orthographicFront"/>
-      <a:lightRig rig="threePt" dir="t"/>
-    </dgm:scene3d>
-    <dgm:sp3d/>
-    <dgm:txPr/>
-    <dgm:style>
-      <a:lnRef idx="1">
-        <a:scrgbClr r="0" g="0" b="0"/>
-      </a:lnRef>
-      <a:fillRef idx="1">
-        <a:scrgbClr r="0" g="0" b="0"/>
-      </a:fillRef>
-      <a:effectRef idx="0">
-        <a:scrgbClr r="0" g="0" b="0"/>
-      </a:effectRef>
-      <a:fontRef idx="minor"/>
-    </dgm:style>
-  </dgm:styleLbl>
-  <dgm:styleLbl name="bgShp">
-    <dgm:scene3d>
-      <a:camera prst="orthographicFront"/>
-      <a:lightRig rig="threePt" dir="t"/>
-    </dgm:scene3d>
-    <dgm:sp3d/>
-    <dgm:txPr/>
-    <dgm:style>
-      <a:lnRef idx="0">
-        <a:scrgbClr r="0" g="0" b="0"/>
-      </a:lnRef>
-      <a:fillRef idx="1">
-        <a:scrgbClr r="0" g="0" b="0"/>
-      </a:fillRef>
-      <a:effectRef idx="2">
-        <a:scrgbClr r="0" g="0" b="0"/>
-      </a:effectRef>
-      <a:fontRef idx="minor"/>
-    </dgm:style>
-  </dgm:styleLbl>
-  <dgm:styleLbl name="dkBgShp">
-    <dgm:scene3d>
-      <a:camera prst="orthographicFront"/>
-      <a:lightRig rig="threePt" dir="t"/>
-    </dgm:scene3d>
-    <dgm:sp3d/>
-    <dgm:txPr/>
-    <dgm:style>
-      <a:lnRef idx="0">
-        <a:scrgbClr r="0" g="0" b="0"/>
-      </a:lnRef>
-      <a:fillRef idx="1">
-        <a:scrgbClr r="0" g="0" b="0"/>
-      </a:fillRef>
-      <a:effectRef idx="2">
-        <a:scrgbClr r="0" g="0" b="0"/>
-      </a:effectRef>
-      <a:fontRef idx="minor"/>
-    </dgm:style>
-  </dgm:styleLbl>
-  <dgm:styleLbl name="trBgShp">
-    <dgm:scene3d>
-      <a:camera prst="orthographicFront"/>
-      <a:lightRig rig="threePt" dir="t"/>
-    </dgm:scene3d>
-    <dgm:sp3d/>
-    <dgm:txPr/>
-    <dgm:style>
-      <a:lnRef idx="0">
-        <a:scrgbClr r="0" g="0" b="0"/>
-      </a:lnRef>
-      <a:fillRef idx="1">
-        <a:scrgbClr r="0" g="0" b="0"/>
-      </a:fillRef>
-      <a:effectRef idx="0">
-        <a:scrgbClr r="0" g="0" b="0"/>
-      </a:effectRef>
-      <a:fontRef idx="minor"/>
-    </dgm:style>
-  </dgm:styleLbl>
-  <dgm:styleLbl name="fgShp">
-    <dgm:scene3d>
-      <a:camera prst="orthographicFront"/>
-      <a:lightRig rig="threePt" dir="t"/>
-    </dgm:scene3d>
-    <dgm:sp3d/>
-    <dgm:txPr/>
-    <dgm:style>
-      <a:lnRef idx="0">
-        <a:scrgbClr r="0" g="0" b="0"/>
-      </a:lnRef>
-      <a:fillRef idx="3">
-        <a:scrgbClr r="0" g="0" b="0"/>
-      </a:fillRef>
-      <a:effectRef idx="2">
         <a:scrgbClr r="0" g="0" b="0"/>
       </a:effectRef>
       <a:fontRef idx="minor"/>
@@ -29972,7 +27060,7 @@
           <a:p>
             <a:fld id="{64E28DC9-650D-5541-A841-1AE6C0F89BAF}" type="datetimeFigureOut">
               <a:rPr lang="en-US" smtClean="0"/>
-              <a:t>6/4/19</a:t>
+              <a:t>9/6/19</a:t>
             </a:fld>
             <a:endParaRPr lang="en-US"/>
           </a:p>
@@ -30368,7 +27456,7 @@
           <a:p>
             <a:fld id="{3E0C8AF3-E0E4-F24A-9B2B-11478045E066}" type="datetime1">
               <a:rPr lang="en-US" smtClean="0"/>
-              <a:t>6/4/19</a:t>
+              <a:t>9/6/19</a:t>
             </a:fld>
             <a:endParaRPr lang="en-US"/>
           </a:p>
@@ -30539,7 +27627,7 @@
           <a:p>
             <a:fld id="{C86C7E22-ED8D-8549-88B9-A67BC37FCC71}" type="datetime1">
               <a:rPr lang="en-US" smtClean="0"/>
-              <a:t>6/4/19</a:t>
+              <a:t>9/6/19</a:t>
             </a:fld>
             <a:endParaRPr lang="en-US"/>
           </a:p>
@@ -30720,7 +27808,7 @@
           <a:p>
             <a:fld id="{5756A366-3768-4B41-83FA-E78CB35F3AE0}" type="datetime1">
               <a:rPr lang="en-US" smtClean="0"/>
-              <a:t>6/4/19</a:t>
+              <a:t>9/6/19</a:t>
             </a:fld>
             <a:endParaRPr lang="en-US"/>
           </a:p>
@@ -30891,7 +27979,7 @@
           <a:p>
             <a:fld id="{60633257-D36E-7C4D-B658-9EF4FA26E967}" type="datetime1">
               <a:rPr lang="en-US" smtClean="0"/>
-              <a:t>6/4/19</a:t>
+              <a:t>9/6/19</a:t>
             </a:fld>
             <a:endParaRPr lang="en-US"/>
           </a:p>
@@ -31136,7 +28224,7 @@
           <a:p>
             <a:fld id="{192BF41D-CA01-FC47-95CA-678EE8FA6543}" type="datetime1">
               <a:rPr lang="en-US" smtClean="0"/>
-              <a:t>6/4/19</a:t>
+              <a:t>9/6/19</a:t>
             </a:fld>
             <a:endParaRPr lang="en-US"/>
           </a:p>
@@ -31368,7 +28456,7 @@
           <a:p>
             <a:fld id="{C8F81806-A7F0-7745-9B23-B8504B6B8A5B}" type="datetime1">
               <a:rPr lang="en-US" smtClean="0"/>
-              <a:t>6/4/19</a:t>
+              <a:t>9/6/19</a:t>
             </a:fld>
             <a:endParaRPr lang="en-US"/>
           </a:p>
@@ -31735,7 +28823,7 @@
           <a:p>
             <a:fld id="{EC167A28-01EA-4C4F-A195-7C28BF1D99FB}" type="datetime1">
               <a:rPr lang="en-US" smtClean="0"/>
-              <a:t>6/4/19</a:t>
+              <a:t>9/6/19</a:t>
             </a:fld>
             <a:endParaRPr lang="en-US"/>
           </a:p>
@@ -31855,7 +28943,7 @@
           <a:p>
             <a:fld id="{CF0D7199-A245-FF42-96B8-7BE5B0C9D658}" type="datetime1">
               <a:rPr lang="en-US" smtClean="0"/>
-              <a:t>6/4/19</a:t>
+              <a:t>9/6/19</a:t>
             </a:fld>
             <a:endParaRPr lang="en-US"/>
           </a:p>
@@ -31953,7 +29041,7 @@
           <a:p>
             <a:fld id="{6D36E7D6-A492-1742-8A5C-B1457E21225E}" type="datetime1">
               <a:rPr lang="en-US" smtClean="0"/>
-              <a:t>6/4/19</a:t>
+              <a:t>9/6/19</a:t>
             </a:fld>
             <a:endParaRPr lang="en-US"/>
           </a:p>
@@ -32231,7 +29319,7 @@
           <a:p>
             <a:fld id="{AD54B2A4-0C0B-1242-BBE3-FE59BC0175AD}" type="datetime1">
               <a:rPr lang="en-US" smtClean="0"/>
-              <a:t>6/4/19</a:t>
+              <a:t>9/6/19</a:t>
             </a:fld>
             <a:endParaRPr lang="en-US"/>
           </a:p>
@@ -32489,7 +29577,7 @@
           <a:p>
             <a:fld id="{BB7A5CE5-A27F-C544-B24E-B65322B3179A}" type="datetime1">
               <a:rPr lang="en-US" smtClean="0"/>
-              <a:t>6/4/19</a:t>
+              <a:t>9/6/19</a:t>
             </a:fld>
             <a:endParaRPr lang="en-US"/>
           </a:p>
@@ -32703,7 +29791,7 @@
           <a:p>
             <a:fld id="{5A88B419-CF4C-3C43-AC53-FE4750A79E05}" type="datetime1">
               <a:rPr lang="en-US" smtClean="0"/>
-              <a:t>6/4/19</a:t>
+              <a:t>9/6/19</a:t>
             </a:fld>
             <a:endParaRPr lang="en-US"/>
           </a:p>
@@ -36592,7 +33680,10 @@
     <p:bg>
       <p:bgPr>
         <a:solidFill>
-          <a:schemeClr val="bg1"/>
+          <a:schemeClr val="bg1">
+            <a:tint val="95000"/>
+            <a:satMod val="170000"/>
+          </a:schemeClr>
         </a:solidFill>
         <a:effectLst/>
       </p:bgPr>
@@ -36613,10 +33704,10 @@
       </p:grpSpPr>
       <p:sp>
         <p:nvSpPr>
-          <p:cNvPr id="59" name="Freeform: Shape 52">
+          <p:cNvPr id="64" name="Rectangle 63">
             <a:extLst>
               <a:ext uri="{FF2B5EF4-FFF2-40B4-BE49-F238E27FC236}">
-                <a16:creationId xmlns:a16="http://schemas.microsoft.com/office/drawing/2014/main" id="{46C2E80F-49A6-4372-B103-219D417A55ED}"/>
+                <a16:creationId xmlns:a16="http://schemas.microsoft.com/office/drawing/2014/main" id="{3A4F209C-C20E-4FA7-B241-1EF4F8D193B2}"/>
               </a:ext>
               <a:ext uri="{C183D7F6-B498-43B3-948B-1728B52AA6E4}">
                 <adec:decorative xmlns:adec="http://schemas.microsoft.com/office/drawing/2017/decorative" val="1"/>
@@ -36636,401 +33727,14 @@
         </p:nvSpPr>
         <p:spPr>
           <a:xfrm>
-            <a:off x="484096" y="470925"/>
-            <a:ext cx="4381009" cy="5892104"/>
+            <a:off x="0" y="0"/>
+            <a:ext cx="12192000" cy="1690688"/>
           </a:xfrm>
-          <a:custGeom>
+          <a:prstGeom prst="rect">
             <a:avLst/>
-            <a:gdLst>
-              <a:gd name="connsiteX0" fmla="*/ 0 w 4381009"/>
-              <a:gd name="connsiteY0" fmla="*/ 0 h 5892104"/>
-              <a:gd name="connsiteX1" fmla="*/ 4157628 w 4381009"/>
-              <a:gd name="connsiteY1" fmla="*/ 0 h 5892104"/>
-              <a:gd name="connsiteX2" fmla="*/ 4169302 w 4381009"/>
-              <a:gd name="connsiteY2" fmla="*/ 68659 h 5892104"/>
-              <a:gd name="connsiteX3" fmla="*/ 4191571 w 4381009"/>
-              <a:gd name="connsiteY3" fmla="*/ 205472 h 5892104"/>
-              <a:gd name="connsiteX4" fmla="*/ 4213368 w 4381009"/>
-              <a:gd name="connsiteY4" fmla="*/ 342890 h 5892104"/>
-              <a:gd name="connsiteX5" fmla="*/ 4232030 w 4381009"/>
-              <a:gd name="connsiteY5" fmla="*/ 480913 h 5892104"/>
-              <a:gd name="connsiteX6" fmla="*/ 4250848 w 4381009"/>
-              <a:gd name="connsiteY6" fmla="*/ 618332 h 5892104"/>
-              <a:gd name="connsiteX7" fmla="*/ 4268412 w 4381009"/>
-              <a:gd name="connsiteY7" fmla="*/ 756355 h 5892104"/>
-              <a:gd name="connsiteX8" fmla="*/ 4283467 w 4381009"/>
-              <a:gd name="connsiteY8" fmla="*/ 892563 h 5892104"/>
-              <a:gd name="connsiteX9" fmla="*/ 4297737 w 4381009"/>
-              <a:gd name="connsiteY9" fmla="*/ 1030587 h 5892104"/>
-              <a:gd name="connsiteX10" fmla="*/ 4310754 w 4381009"/>
-              <a:gd name="connsiteY10" fmla="*/ 1168005 h 5892104"/>
-              <a:gd name="connsiteX11" fmla="*/ 4322045 w 4381009"/>
-              <a:gd name="connsiteY11" fmla="*/ 1303002 h 5892104"/>
-              <a:gd name="connsiteX12" fmla="*/ 4333336 w 4381009"/>
-              <a:gd name="connsiteY12" fmla="*/ 1439815 h 5892104"/>
-              <a:gd name="connsiteX13" fmla="*/ 4342745 w 4381009"/>
-              <a:gd name="connsiteY13" fmla="*/ 1574812 h 5892104"/>
-              <a:gd name="connsiteX14" fmla="*/ 4350115 w 4381009"/>
-              <a:gd name="connsiteY14" fmla="*/ 1709808 h 5892104"/>
-              <a:gd name="connsiteX15" fmla="*/ 4357799 w 4381009"/>
-              <a:gd name="connsiteY15" fmla="*/ 1844200 h 5892104"/>
-              <a:gd name="connsiteX16" fmla="*/ 4364229 w 4381009"/>
-              <a:gd name="connsiteY16" fmla="*/ 1977381 h 5892104"/>
-              <a:gd name="connsiteX17" fmla="*/ 4368777 w 4381009"/>
-              <a:gd name="connsiteY17" fmla="*/ 2109351 h 5892104"/>
-              <a:gd name="connsiteX18" fmla="*/ 4372697 w 4381009"/>
-              <a:gd name="connsiteY18" fmla="*/ 2241321 h 5892104"/>
-              <a:gd name="connsiteX19" fmla="*/ 4376461 w 4381009"/>
-              <a:gd name="connsiteY19" fmla="*/ 2372080 h 5892104"/>
-              <a:gd name="connsiteX20" fmla="*/ 4378186 w 4381009"/>
-              <a:gd name="connsiteY20" fmla="*/ 2501023 h 5892104"/>
-              <a:gd name="connsiteX21" fmla="*/ 4380068 w 4381009"/>
-              <a:gd name="connsiteY21" fmla="*/ 2629966 h 5892104"/>
-              <a:gd name="connsiteX22" fmla="*/ 4381009 w 4381009"/>
-              <a:gd name="connsiteY22" fmla="*/ 2757093 h 5892104"/>
-              <a:gd name="connsiteX23" fmla="*/ 4380068 w 4381009"/>
-              <a:gd name="connsiteY23" fmla="*/ 2883010 h 5892104"/>
-              <a:gd name="connsiteX24" fmla="*/ 4380068 w 4381009"/>
-              <a:gd name="connsiteY24" fmla="*/ 3007715 h 5892104"/>
-              <a:gd name="connsiteX25" fmla="*/ 4378186 w 4381009"/>
-              <a:gd name="connsiteY25" fmla="*/ 3131210 h 5892104"/>
-              <a:gd name="connsiteX26" fmla="*/ 4375363 w 4381009"/>
-              <a:gd name="connsiteY26" fmla="*/ 3252283 h 5892104"/>
-              <a:gd name="connsiteX27" fmla="*/ 4372697 w 4381009"/>
-              <a:gd name="connsiteY27" fmla="*/ 3372146 h 5892104"/>
-              <a:gd name="connsiteX28" fmla="*/ 4369718 w 4381009"/>
-              <a:gd name="connsiteY28" fmla="*/ 3489587 h 5892104"/>
-              <a:gd name="connsiteX29" fmla="*/ 4365170 w 4381009"/>
-              <a:gd name="connsiteY29" fmla="*/ 3606423 h 5892104"/>
-              <a:gd name="connsiteX30" fmla="*/ 4360309 w 4381009"/>
-              <a:gd name="connsiteY30" fmla="*/ 3721443 h 5892104"/>
-              <a:gd name="connsiteX31" fmla="*/ 4355918 w 4381009"/>
-              <a:gd name="connsiteY31" fmla="*/ 3834041 h 5892104"/>
-              <a:gd name="connsiteX32" fmla="*/ 4343529 w 4381009"/>
-              <a:gd name="connsiteY32" fmla="*/ 4053789 h 5892104"/>
-              <a:gd name="connsiteX33" fmla="*/ 4330356 w 4381009"/>
-              <a:gd name="connsiteY33" fmla="*/ 4264457 h 5892104"/>
-              <a:gd name="connsiteX34" fmla="*/ 4316556 w 4381009"/>
-              <a:gd name="connsiteY34" fmla="*/ 4466650 h 5892104"/>
-              <a:gd name="connsiteX35" fmla="*/ 4301344 w 4381009"/>
-              <a:gd name="connsiteY35" fmla="*/ 4657946 h 5892104"/>
-              <a:gd name="connsiteX36" fmla="*/ 4285506 w 4381009"/>
-              <a:gd name="connsiteY36" fmla="*/ 4840767 h 5892104"/>
-              <a:gd name="connsiteX37" fmla="*/ 4268412 w 4381009"/>
-              <a:gd name="connsiteY37" fmla="*/ 5010269 h 5892104"/>
-              <a:gd name="connsiteX38" fmla="*/ 4251633 w 4381009"/>
-              <a:gd name="connsiteY38" fmla="*/ 5169481 h 5892104"/>
-              <a:gd name="connsiteX39" fmla="*/ 4234853 w 4381009"/>
-              <a:gd name="connsiteY39" fmla="*/ 5315980 h 5892104"/>
-              <a:gd name="connsiteX40" fmla="*/ 4219014 w 4381009"/>
-              <a:gd name="connsiteY40" fmla="*/ 5450371 h 5892104"/>
-              <a:gd name="connsiteX41" fmla="*/ 4203959 w 4381009"/>
-              <a:gd name="connsiteY41" fmla="*/ 5569628 h 5892104"/>
-              <a:gd name="connsiteX42" fmla="*/ 4189689 w 4381009"/>
-              <a:gd name="connsiteY42" fmla="*/ 5677384 h 5892104"/>
-              <a:gd name="connsiteX43" fmla="*/ 4177770 w 4381009"/>
-              <a:gd name="connsiteY43" fmla="*/ 5768189 h 5892104"/>
-              <a:gd name="connsiteX44" fmla="*/ 4166479 w 4381009"/>
-              <a:gd name="connsiteY44" fmla="*/ 5844465 h 5892104"/>
-              <a:gd name="connsiteX45" fmla="*/ 4159132 w 4381009"/>
-              <a:gd name="connsiteY45" fmla="*/ 5892104 h 5892104"/>
-              <a:gd name="connsiteX46" fmla="*/ 0 w 4381009"/>
-              <a:gd name="connsiteY46" fmla="*/ 5892104 h 5892104"/>
-            </a:gdLst>
-            <a:ahLst/>
-            <a:cxnLst>
-              <a:cxn ang="0">
-                <a:pos x="connsiteX0" y="connsiteY0"/>
-              </a:cxn>
-              <a:cxn ang="0">
-                <a:pos x="connsiteX1" y="connsiteY1"/>
-              </a:cxn>
-              <a:cxn ang="0">
-                <a:pos x="connsiteX2" y="connsiteY2"/>
-              </a:cxn>
-              <a:cxn ang="0">
-                <a:pos x="connsiteX3" y="connsiteY3"/>
-              </a:cxn>
-              <a:cxn ang="0">
-                <a:pos x="connsiteX4" y="connsiteY4"/>
-              </a:cxn>
-              <a:cxn ang="0">
-                <a:pos x="connsiteX5" y="connsiteY5"/>
-              </a:cxn>
-              <a:cxn ang="0">
-                <a:pos x="connsiteX6" y="connsiteY6"/>
-              </a:cxn>
-              <a:cxn ang="0">
-                <a:pos x="connsiteX7" y="connsiteY7"/>
-              </a:cxn>
-              <a:cxn ang="0">
-                <a:pos x="connsiteX8" y="connsiteY8"/>
-              </a:cxn>
-              <a:cxn ang="0">
-                <a:pos x="connsiteX9" y="connsiteY9"/>
-              </a:cxn>
-              <a:cxn ang="0">
-                <a:pos x="connsiteX10" y="connsiteY10"/>
-              </a:cxn>
-              <a:cxn ang="0">
-                <a:pos x="connsiteX11" y="connsiteY11"/>
-              </a:cxn>
-              <a:cxn ang="0">
-                <a:pos x="connsiteX12" y="connsiteY12"/>
-              </a:cxn>
-              <a:cxn ang="0">
-                <a:pos x="connsiteX13" y="connsiteY13"/>
-              </a:cxn>
-              <a:cxn ang="0">
-                <a:pos x="connsiteX14" y="connsiteY14"/>
-              </a:cxn>
-              <a:cxn ang="0">
-                <a:pos x="connsiteX15" y="connsiteY15"/>
-              </a:cxn>
-              <a:cxn ang="0">
-                <a:pos x="connsiteX16" y="connsiteY16"/>
-              </a:cxn>
-              <a:cxn ang="0">
-                <a:pos x="connsiteX17" y="connsiteY17"/>
-              </a:cxn>
-              <a:cxn ang="0">
-                <a:pos x="connsiteX18" y="connsiteY18"/>
-              </a:cxn>
-              <a:cxn ang="0">
-                <a:pos x="connsiteX19" y="connsiteY19"/>
-              </a:cxn>
-              <a:cxn ang="0">
-                <a:pos x="connsiteX20" y="connsiteY20"/>
-              </a:cxn>
-              <a:cxn ang="0">
-                <a:pos x="connsiteX21" y="connsiteY21"/>
-              </a:cxn>
-              <a:cxn ang="0">
-                <a:pos x="connsiteX22" y="connsiteY22"/>
-              </a:cxn>
-              <a:cxn ang="0">
-                <a:pos x="connsiteX23" y="connsiteY23"/>
-              </a:cxn>
-              <a:cxn ang="0">
-                <a:pos x="connsiteX24" y="connsiteY24"/>
-              </a:cxn>
-              <a:cxn ang="0">
-                <a:pos x="connsiteX25" y="connsiteY25"/>
-              </a:cxn>
-              <a:cxn ang="0">
-                <a:pos x="connsiteX26" y="connsiteY26"/>
-              </a:cxn>
-              <a:cxn ang="0">
-                <a:pos x="connsiteX27" y="connsiteY27"/>
-              </a:cxn>
-              <a:cxn ang="0">
-                <a:pos x="connsiteX28" y="connsiteY28"/>
-              </a:cxn>
-              <a:cxn ang="0">
-                <a:pos x="connsiteX29" y="connsiteY29"/>
-              </a:cxn>
-              <a:cxn ang="0">
-                <a:pos x="connsiteX30" y="connsiteY30"/>
-              </a:cxn>
-              <a:cxn ang="0">
-                <a:pos x="connsiteX31" y="connsiteY31"/>
-              </a:cxn>
-              <a:cxn ang="0">
-                <a:pos x="connsiteX32" y="connsiteY32"/>
-              </a:cxn>
-              <a:cxn ang="0">
-                <a:pos x="connsiteX33" y="connsiteY33"/>
-              </a:cxn>
-              <a:cxn ang="0">
-                <a:pos x="connsiteX34" y="connsiteY34"/>
-              </a:cxn>
-              <a:cxn ang="0">
-                <a:pos x="connsiteX35" y="connsiteY35"/>
-              </a:cxn>
-              <a:cxn ang="0">
-                <a:pos x="connsiteX36" y="connsiteY36"/>
-              </a:cxn>
-              <a:cxn ang="0">
-                <a:pos x="connsiteX37" y="connsiteY37"/>
-              </a:cxn>
-              <a:cxn ang="0">
-                <a:pos x="connsiteX38" y="connsiteY38"/>
-              </a:cxn>
-              <a:cxn ang="0">
-                <a:pos x="connsiteX39" y="connsiteY39"/>
-              </a:cxn>
-              <a:cxn ang="0">
-                <a:pos x="connsiteX40" y="connsiteY40"/>
-              </a:cxn>
-              <a:cxn ang="0">
-                <a:pos x="connsiteX41" y="connsiteY41"/>
-              </a:cxn>
-              <a:cxn ang="0">
-                <a:pos x="connsiteX42" y="connsiteY42"/>
-              </a:cxn>
-              <a:cxn ang="0">
-                <a:pos x="connsiteX43" y="connsiteY43"/>
-              </a:cxn>
-              <a:cxn ang="0">
-                <a:pos x="connsiteX44" y="connsiteY44"/>
-              </a:cxn>
-              <a:cxn ang="0">
-                <a:pos x="connsiteX45" y="connsiteY45"/>
-              </a:cxn>
-              <a:cxn ang="0">
-                <a:pos x="connsiteX46" y="connsiteY46"/>
-              </a:cxn>
-            </a:cxnLst>
-            <a:rect l="l" t="t" r="r" b="b"/>
-            <a:pathLst>
-              <a:path w="4381009" h="5892104">
-                <a:moveTo>
-                  <a:pt x="0" y="0"/>
-                </a:moveTo>
-                <a:lnTo>
-                  <a:pt x="4157628" y="0"/>
-                </a:lnTo>
-                <a:lnTo>
-                  <a:pt x="4169302" y="68659"/>
-                </a:lnTo>
-                <a:lnTo>
-                  <a:pt x="4191571" y="205472"/>
-                </a:lnTo>
-                <a:lnTo>
-                  <a:pt x="4213368" y="342890"/>
-                </a:lnTo>
-                <a:lnTo>
-                  <a:pt x="4232030" y="480913"/>
-                </a:lnTo>
-                <a:lnTo>
-                  <a:pt x="4250848" y="618332"/>
-                </a:lnTo>
-                <a:lnTo>
-                  <a:pt x="4268412" y="756355"/>
-                </a:lnTo>
-                <a:lnTo>
-                  <a:pt x="4283467" y="892563"/>
-                </a:lnTo>
-                <a:lnTo>
-                  <a:pt x="4297737" y="1030587"/>
-                </a:lnTo>
-                <a:lnTo>
-                  <a:pt x="4310754" y="1168005"/>
-                </a:lnTo>
-                <a:lnTo>
-                  <a:pt x="4322045" y="1303002"/>
-                </a:lnTo>
-                <a:lnTo>
-                  <a:pt x="4333336" y="1439815"/>
-                </a:lnTo>
-                <a:lnTo>
-                  <a:pt x="4342745" y="1574812"/>
-                </a:lnTo>
-                <a:lnTo>
-                  <a:pt x="4350115" y="1709808"/>
-                </a:lnTo>
-                <a:lnTo>
-                  <a:pt x="4357799" y="1844200"/>
-                </a:lnTo>
-                <a:lnTo>
-                  <a:pt x="4364229" y="1977381"/>
-                </a:lnTo>
-                <a:lnTo>
-                  <a:pt x="4368777" y="2109351"/>
-                </a:lnTo>
-                <a:lnTo>
-                  <a:pt x="4372697" y="2241321"/>
-                </a:lnTo>
-                <a:lnTo>
-                  <a:pt x="4376461" y="2372080"/>
-                </a:lnTo>
-                <a:lnTo>
-                  <a:pt x="4378186" y="2501023"/>
-                </a:lnTo>
-                <a:lnTo>
-                  <a:pt x="4380068" y="2629966"/>
-                </a:lnTo>
-                <a:lnTo>
-                  <a:pt x="4381009" y="2757093"/>
-                </a:lnTo>
-                <a:lnTo>
-                  <a:pt x="4380068" y="2883010"/>
-                </a:lnTo>
-                <a:lnTo>
-                  <a:pt x="4380068" y="3007715"/>
-                </a:lnTo>
-                <a:lnTo>
-                  <a:pt x="4378186" y="3131210"/>
-                </a:lnTo>
-                <a:lnTo>
-                  <a:pt x="4375363" y="3252283"/>
-                </a:lnTo>
-                <a:lnTo>
-                  <a:pt x="4372697" y="3372146"/>
-                </a:lnTo>
-                <a:lnTo>
-                  <a:pt x="4369718" y="3489587"/>
-                </a:lnTo>
-                <a:lnTo>
-                  <a:pt x="4365170" y="3606423"/>
-                </a:lnTo>
-                <a:lnTo>
-                  <a:pt x="4360309" y="3721443"/>
-                </a:lnTo>
-                <a:lnTo>
-                  <a:pt x="4355918" y="3834041"/>
-                </a:lnTo>
-                <a:lnTo>
-                  <a:pt x="4343529" y="4053789"/>
-                </a:lnTo>
-                <a:lnTo>
-                  <a:pt x="4330356" y="4264457"/>
-                </a:lnTo>
-                <a:lnTo>
-                  <a:pt x="4316556" y="4466650"/>
-                </a:lnTo>
-                <a:lnTo>
-                  <a:pt x="4301344" y="4657946"/>
-                </a:lnTo>
-                <a:lnTo>
-                  <a:pt x="4285506" y="4840767"/>
-                </a:lnTo>
-                <a:lnTo>
-                  <a:pt x="4268412" y="5010269"/>
-                </a:lnTo>
-                <a:lnTo>
-                  <a:pt x="4251633" y="5169481"/>
-                </a:lnTo>
-                <a:lnTo>
-                  <a:pt x="4234853" y="5315980"/>
-                </a:lnTo>
-                <a:lnTo>
-                  <a:pt x="4219014" y="5450371"/>
-                </a:lnTo>
-                <a:lnTo>
-                  <a:pt x="4203959" y="5569628"/>
-                </a:lnTo>
-                <a:lnTo>
-                  <a:pt x="4189689" y="5677384"/>
-                </a:lnTo>
-                <a:lnTo>
-                  <a:pt x="4177770" y="5768189"/>
-                </a:lnTo>
-                <a:lnTo>
-                  <a:pt x="4166479" y="5844465"/>
-                </a:lnTo>
-                <a:lnTo>
-                  <a:pt x="4159132" y="5892104"/>
-                </a:lnTo>
-                <a:lnTo>
-                  <a:pt x="0" y="5892104"/>
-                </a:lnTo>
-                <a:close/>
-              </a:path>
-            </a:pathLst>
-          </a:custGeom>
+          </a:prstGeom>
           <a:solidFill>
-            <a:srgbClr val="404040"/>
+            <a:schemeClr val="tx1"/>
           </a:solidFill>
           <a:ln>
             <a:noFill/>
@@ -37053,42 +33757,71 @@
           </a:fontRef>
         </p:style>
         <p:txBody>
-          <a:bodyPr wrap="square" rtlCol="0" anchor="ctr">
-            <a:noAutofit/>
-          </a:bodyPr>
+          <a:bodyPr rtlCol="0" anchor="ctr"/>
           <a:lstStyle/>
           <a:p>
-            <a:pPr marL="0" marR="0" lvl="0" indent="0" algn="ctr" defTabSz="457200" rtl="0" eaLnBrk="1" fontAlgn="auto" latinLnBrk="0" hangingPunct="1">
-              <a:lnSpc>
-                <a:spcPct val="100000"/>
-              </a:lnSpc>
-              <a:spcBef>
-                <a:spcPts val="0"/>
-              </a:spcBef>
-              <a:spcAft>
-                <a:spcPts val="0"/>
-              </a:spcAft>
-              <a:buClrTx/>
-              <a:buSzTx/>
-              <a:buFontTx/>
-              <a:buNone/>
-              <a:tabLst/>
-              <a:defRPr/>
-            </a:pPr>
-            <a:endParaRPr kumimoji="0" lang="en-US" sz="1800" b="0" i="0" u="none" strike="noStrike" kern="1200" cap="none" spc="0" normalizeH="0" baseline="0" noProof="0">
-              <a:ln>
-                <a:noFill/>
-              </a:ln>
-              <a:solidFill>
-                <a:prstClr val="white"/>
-              </a:solidFill>
-              <a:effectLst/>
-              <a:uLnTx/>
-              <a:uFillTx/>
-              <a:latin typeface="Calibri" panose="020F0502020204030204"/>
-              <a:ea typeface="+mn-ea"/>
-              <a:cs typeface="+mn-cs"/>
-            </a:endParaRPr>
+            <a:pPr algn="ctr"/>
+            <a:endParaRPr lang="en-US"/>
+          </a:p>
+        </p:txBody>
+      </p:sp>
+      <p:sp useBgFill="1">
+        <p:nvSpPr>
+          <p:cNvPr id="72" name="Rectangle 65">
+            <a:extLst>
+              <a:ext uri="{FF2B5EF4-FFF2-40B4-BE49-F238E27FC236}">
+                <a16:creationId xmlns:a16="http://schemas.microsoft.com/office/drawing/2014/main" id="{E4564234-45B0-4ED8-A9E2-199C00173276}"/>
+              </a:ext>
+              <a:ext uri="{C183D7F6-B498-43B3-948B-1728B52AA6E4}">
+                <adec:decorative xmlns:adec="http://schemas.microsoft.com/office/drawing/2017/decorative" val="1"/>
+              </a:ext>
+            </a:extLst>
+          </p:cNvPr>
+          <p:cNvSpPr>
+            <a:spLocks noGrp="1" noRot="1" noChangeAspect="1" noMove="1" noResize="1" noEditPoints="1" noAdjustHandles="1" noChangeArrowheads="1" noChangeShapeType="1" noTextEdit="1"/>
+          </p:cNvSpPr>
+          <p:nvPr>
+            <p:extLst>
+              <p:ext uri="{386F3935-93C4-4BCD-93E2-E3B085C9AB24}">
+                <p16:designElem xmlns:p16="http://schemas.microsoft.com/office/powerpoint/2015/main" val="1"/>
+              </p:ext>
+            </p:extLst>
+          </p:nvPr>
+        </p:nvSpPr>
+        <p:spPr>
+          <a:xfrm>
+            <a:off x="0" y="1690688"/>
+            <a:ext cx="12192000" cy="5166360"/>
+          </a:xfrm>
+          <a:prstGeom prst="rect">
+            <a:avLst/>
+          </a:prstGeom>
+          <a:ln>
+            <a:noFill/>
+          </a:ln>
+        </p:spPr>
+        <p:style>
+          <a:lnRef idx="2">
+            <a:schemeClr val="accent1">
+              <a:shade val="50000"/>
+            </a:schemeClr>
+          </a:lnRef>
+          <a:fillRef idx="1">
+            <a:schemeClr val="accent1"/>
+          </a:fillRef>
+          <a:effectRef idx="0">
+            <a:schemeClr val="accent1"/>
+          </a:effectRef>
+          <a:fontRef idx="minor">
+            <a:schemeClr val="lt1"/>
+          </a:fontRef>
+        </p:style>
+        <p:txBody>
+          <a:bodyPr rtlCol="0" anchor="ctr"/>
+          <a:lstStyle/>
+          <a:p>
+            <a:pPr algn="ctr"/>
+            <a:endParaRPr lang="en-US"/>
           </a:p>
         </p:txBody>
       </p:sp>
@@ -37110,8 +33843,8 @@
         </p:nvSpPr>
         <p:spPr>
           <a:xfrm>
-            <a:off x="863029" y="1012004"/>
-            <a:ext cx="3416158" cy="4795408"/>
+            <a:off x="838200" y="365125"/>
+            <a:ext cx="10515600" cy="1325563"/>
           </a:xfrm>
         </p:spPr>
         <p:txBody>
@@ -37123,7 +33856,10 @@
             <a:r>
               <a:rPr lang="en-US">
                 <a:solidFill>
-                  <a:srgbClr val="FFFFFF"/>
+                  <a:schemeClr val="bg1">
+                    <a:lumMod val="95000"/>
+                    <a:lumOff val="5000"/>
+                  </a:schemeClr>
                 </a:solidFill>
               </a:rPr>
               <a:t>Control Benefits</a:t>
@@ -37131,37 +33867,87 @@
           </a:p>
         </p:txBody>
       </p:sp>
-      <p:graphicFrame>
-        <p:nvGraphicFramePr>
-          <p:cNvPr id="48" name="Content Placeholder 2">
+      <p:sp>
+        <p:nvSpPr>
+          <p:cNvPr id="3" name="Content Placeholder 2">
             <a:extLst>
               <a:ext uri="{FF2B5EF4-FFF2-40B4-BE49-F238E27FC236}">
-                <a16:creationId xmlns:a16="http://schemas.microsoft.com/office/drawing/2014/main" id="{FAB9B09B-68C9-46DB-8040-F862AF802D42}"/>
+                <a16:creationId xmlns:a16="http://schemas.microsoft.com/office/drawing/2014/main" id="{C69E67D7-071A-6847-AF39-8C669DB733A4}"/>
               </a:ext>
             </a:extLst>
           </p:cNvPr>
-          <p:cNvGraphicFramePr>
-            <a:graphicFrameLocks noGrp="1"/>
-          </p:cNvGraphicFramePr>
+          <p:cNvSpPr>
+            <a:spLocks noGrp="1"/>
+          </p:cNvSpPr>
           <p:nvPr>
             <p:ph idx="1"/>
-            <p:extLst>
-              <p:ext uri="{D42A27DB-BD31-4B8C-83A1-F6EECF244321}">
-                <p14:modId xmlns:p14="http://schemas.microsoft.com/office/powerpoint/2010/main" val="1699281949"/>
-              </p:ext>
-            </p:extLst>
           </p:nvPr>
-        </p:nvGraphicFramePr>
-        <p:xfrm>
-          <a:off x="5029200" y="470924"/>
-          <a:ext cx="7162800" cy="5885426"/>
-        </p:xfrm>
-        <a:graphic>
-          <a:graphicData uri="http://schemas.openxmlformats.org/drawingml/2006/diagram">
-            <dgm:relIds xmlns:dgm="http://schemas.openxmlformats.org/drawingml/2006/diagram" xmlns:r="http://schemas.openxmlformats.org/officeDocument/2006/relationships" r:dm="rId2" r:lo="rId3" r:qs="rId4" r:cs="rId5"/>
-          </a:graphicData>
-        </a:graphic>
-      </p:graphicFrame>
+        </p:nvSpPr>
+        <p:spPr>
+          <a:xfrm>
+            <a:off x="838200" y="2015406"/>
+            <a:ext cx="10515600" cy="4065986"/>
+          </a:xfrm>
+        </p:spPr>
+        <p:txBody>
+          <a:bodyPr anchor="ctr">
+            <a:normAutofit/>
+          </a:bodyPr>
+          <a:lstStyle/>
+          <a:p>
+            <a:pPr lvl="0"/>
+            <a:r>
+              <a:rPr lang="en-US" sz="1900" dirty="0"/>
+              <a:t>Without a standard way of controlling Tokens, regardless of type and underlying blockchain you can end up requiring a massive number of contract or application combinations to cover all use cases.</a:t>
+            </a:r>
+          </a:p>
+          <a:p>
+            <a:pPr lvl="1"/>
+            <a:r>
+              <a:rPr lang="en-US" sz="1900" dirty="0"/>
+              <a:t>Application needs to know how to talk to each network and how to form transactions</a:t>
+            </a:r>
+          </a:p>
+          <a:p>
+            <a:pPr lvl="1"/>
+            <a:r>
+              <a:rPr lang="en-US" sz="1900" dirty="0"/>
+              <a:t>Each token can have a different interface for the same capability</a:t>
+            </a:r>
+          </a:p>
+          <a:p>
+            <a:pPr lvl="0"/>
+            <a:r>
+              <a:rPr lang="en-US" sz="1900" dirty="0"/>
+              <a:t>For example, if I have 15 token types on an Ethereum network and 10 types of tokens on a Fabric network and want to have a library of trade contracts to be able to trade each Ethereum token for a Fabric token and vice versa.  You may need to have a contract for each token on one network to have a contract to trade for each token on the other.</a:t>
+            </a:r>
+          </a:p>
+          <a:p>
+            <a:pPr lvl="1"/>
+            <a:r>
+              <a:rPr lang="en-US" sz="1900" dirty="0"/>
+              <a:t>1-&gt;1 tokens would be 15*10 or 150 contracts, plus the contracts on the networks adding 25 more.</a:t>
+            </a:r>
+          </a:p>
+          <a:p>
+            <a:pPr lvl="1"/>
+            <a:r>
+              <a:rPr lang="en-US" sz="1900" dirty="0"/>
+              <a:t>Allowing contracts to trade multiples begins getting extremely complex…thousands of combinations.</a:t>
+            </a:r>
+          </a:p>
+          <a:p>
+            <a:pPr lvl="0"/>
+            <a:r>
+              <a:rPr lang="en-US" sz="1900" dirty="0"/>
+              <a:t>With a common set of tokens and control messages, combinations are drastically reduced</a:t>
+            </a:r>
+          </a:p>
+          <a:p>
+            <a:endParaRPr lang="en-US" sz="1900" dirty="0"/>
+          </a:p>
+        </p:txBody>
+      </p:sp>
     </p:spTree>
     <p:extLst>
       <p:ext uri="{BB962C8B-B14F-4D97-AF65-F5344CB8AC3E}">
@@ -45142,18 +41928,18 @@
 </file>
 
 <file path=customXml/item1.xml><?xml version="1.0" encoding="utf-8"?>
-<p:properties xmlns:p="http://schemas.microsoft.com/office/2006/metadata/properties" xmlns:xsi="http://www.w3.org/2001/XMLSchema-instance" xmlns:pc="http://schemas.microsoft.com/office/infopath/2007/PartnerControls">
-  <documentManagement/>
-</p:properties>
-</file>
-
-<file path=customXml/item2.xml><?xml version="1.0" encoding="utf-8"?>
 <?mso-contentType ?>
 <FormTemplates xmlns="http://schemas.microsoft.com/sharepoint/v3/contenttype/forms">
   <Display>DocumentLibraryForm</Display>
   <Edit>DocumentLibraryForm</Edit>
   <New>DocumentLibraryForm</New>
 </FormTemplates>
+</file>
+
+<file path=customXml/item2.xml><?xml version="1.0" encoding="utf-8"?>
+<p:properties xmlns:p="http://schemas.microsoft.com/office/2006/metadata/properties" xmlns:xsi="http://www.w3.org/2001/XMLSchema-instance" xmlns:pc="http://schemas.microsoft.com/office/infopath/2007/PartnerControls">
+  <documentManagement/>
+</p:properties>
 </file>
 
 <file path=customXml/item3.xml><?xml version="1.0" encoding="utf-8"?>
@@ -45303,6 +42089,14 @@
 </file>
 
 <file path=customXml/itemProps1.xml><?xml version="1.0" encoding="utf-8"?>
+<ds:datastoreItem xmlns:ds="http://schemas.openxmlformats.org/officeDocument/2006/customXml" ds:itemID="{9DE9DD4F-4E7E-4E07-97E6-FDF8D4642713}">
+  <ds:schemaRefs>
+    <ds:schemaRef ds:uri="http://schemas.microsoft.com/sharepoint/v3/contenttype/forms"/>
+  </ds:schemaRefs>
+</ds:datastoreItem>
+</file>
+
+<file path=customXml/itemProps2.xml><?xml version="1.0" encoding="utf-8"?>
 <ds:datastoreItem xmlns:ds="http://schemas.openxmlformats.org/officeDocument/2006/customXml" ds:itemID="{F7AF0903-6D80-471D-A041-7F6C4071768F}">
   <ds:schemaRefs>
     <ds:schemaRef ds:uri="http://schemas.openxmlformats.org/package/2006/metadata/core-properties"/>
@@ -45314,14 +42108,6 @@
     <ds:schemaRef ds:uri="http://www.w3.org/XML/1998/namespace"/>
     <ds:schemaRef ds:uri="http://purl.org/dc/dcmitype/"/>
     <ds:schemaRef ds:uri="http://schemas.microsoft.com/office/2006/metadata/properties"/>
-  </ds:schemaRefs>
-</ds:datastoreItem>
-</file>
-
-<file path=customXml/itemProps2.xml><?xml version="1.0" encoding="utf-8"?>
-<ds:datastoreItem xmlns:ds="http://schemas.openxmlformats.org/officeDocument/2006/customXml" ds:itemID="{9DE9DD4F-4E7E-4E07-97E6-FDF8D4642713}">
-  <ds:schemaRefs>
-    <ds:schemaRef ds:uri="http://schemas.microsoft.com/sharepoint/v3/contenttype/forms"/>
   </ds:schemaRefs>
 </ds:datastoreItem>
 </file>

--- a/presentations/tokens-smokens-v2.pptx
+++ b/presentations/tokens-smokens-v2.pptx
@@ -27060,7 +27060,7 @@
           <a:p>
             <a:fld id="{64E28DC9-650D-5541-A841-1AE6C0F89BAF}" type="datetimeFigureOut">
               <a:rPr lang="en-US" smtClean="0"/>
-              <a:t>9/6/19</a:t>
+              <a:t>2/11/20</a:t>
             </a:fld>
             <a:endParaRPr lang="en-US"/>
           </a:p>
@@ -27456,7 +27456,7 @@
           <a:p>
             <a:fld id="{3E0C8AF3-E0E4-F24A-9B2B-11478045E066}" type="datetime1">
               <a:rPr lang="en-US" smtClean="0"/>
-              <a:t>9/6/19</a:t>
+              <a:t>2/11/20</a:t>
             </a:fld>
             <a:endParaRPr lang="en-US"/>
           </a:p>
@@ -27627,7 +27627,7 @@
           <a:p>
             <a:fld id="{C86C7E22-ED8D-8549-88B9-A67BC37FCC71}" type="datetime1">
               <a:rPr lang="en-US" smtClean="0"/>
-              <a:t>9/6/19</a:t>
+              <a:t>2/11/20</a:t>
             </a:fld>
             <a:endParaRPr lang="en-US"/>
           </a:p>
@@ -27808,7 +27808,7 @@
           <a:p>
             <a:fld id="{5756A366-3768-4B41-83FA-E78CB35F3AE0}" type="datetime1">
               <a:rPr lang="en-US" smtClean="0"/>
-              <a:t>9/6/19</a:t>
+              <a:t>2/11/20</a:t>
             </a:fld>
             <a:endParaRPr lang="en-US"/>
           </a:p>
@@ -27979,7 +27979,7 @@
           <a:p>
             <a:fld id="{60633257-D36E-7C4D-B658-9EF4FA26E967}" type="datetime1">
               <a:rPr lang="en-US" smtClean="0"/>
-              <a:t>9/6/19</a:t>
+              <a:t>2/11/20</a:t>
             </a:fld>
             <a:endParaRPr lang="en-US"/>
           </a:p>
@@ -28224,7 +28224,7 @@
           <a:p>
             <a:fld id="{192BF41D-CA01-FC47-95CA-678EE8FA6543}" type="datetime1">
               <a:rPr lang="en-US" smtClean="0"/>
-              <a:t>9/6/19</a:t>
+              <a:t>2/11/20</a:t>
             </a:fld>
             <a:endParaRPr lang="en-US"/>
           </a:p>
@@ -28456,7 +28456,7 @@
           <a:p>
             <a:fld id="{C8F81806-A7F0-7745-9B23-B8504B6B8A5B}" type="datetime1">
               <a:rPr lang="en-US" smtClean="0"/>
-              <a:t>9/6/19</a:t>
+              <a:t>2/11/20</a:t>
             </a:fld>
             <a:endParaRPr lang="en-US"/>
           </a:p>
@@ -28823,7 +28823,7 @@
           <a:p>
             <a:fld id="{EC167A28-01EA-4C4F-A195-7C28BF1D99FB}" type="datetime1">
               <a:rPr lang="en-US" smtClean="0"/>
-              <a:t>9/6/19</a:t>
+              <a:t>2/11/20</a:t>
             </a:fld>
             <a:endParaRPr lang="en-US"/>
           </a:p>
@@ -28943,7 +28943,7 @@
           <a:p>
             <a:fld id="{CF0D7199-A245-FF42-96B8-7BE5B0C9D658}" type="datetime1">
               <a:rPr lang="en-US" smtClean="0"/>
-              <a:t>9/6/19</a:t>
+              <a:t>2/11/20</a:t>
             </a:fld>
             <a:endParaRPr lang="en-US"/>
           </a:p>
@@ -29041,7 +29041,7 @@
           <a:p>
             <a:fld id="{6D36E7D6-A492-1742-8A5C-B1457E21225E}" type="datetime1">
               <a:rPr lang="en-US" smtClean="0"/>
-              <a:t>9/6/19</a:t>
+              <a:t>2/11/20</a:t>
             </a:fld>
             <a:endParaRPr lang="en-US"/>
           </a:p>
@@ -29319,7 +29319,7 @@
           <a:p>
             <a:fld id="{AD54B2A4-0C0B-1242-BBE3-FE59BC0175AD}" type="datetime1">
               <a:rPr lang="en-US" smtClean="0"/>
-              <a:t>9/6/19</a:t>
+              <a:t>2/11/20</a:t>
             </a:fld>
             <a:endParaRPr lang="en-US"/>
           </a:p>
@@ -29577,7 +29577,7 @@
           <a:p>
             <a:fld id="{BB7A5CE5-A27F-C544-B24E-B65322B3179A}" type="datetime1">
               <a:rPr lang="en-US" smtClean="0"/>
-              <a:t>9/6/19</a:t>
+              <a:t>2/11/20</a:t>
             </a:fld>
             <a:endParaRPr lang="en-US"/>
           </a:p>
@@ -29791,7 +29791,7 @@
           <a:p>
             <a:fld id="{5A88B419-CF4C-3C43-AC53-FE4750A79E05}" type="datetime1">
               <a:rPr lang="en-US" smtClean="0"/>
-              <a:t>9/6/19</a:t>
+              <a:t>2/11/20</a:t>
             </a:fld>
             <a:endParaRPr lang="en-US"/>
           </a:p>
@@ -36308,7 +36308,7 @@
         </p:spPr>
         <p:txBody>
           <a:bodyPr vert="horz" lIns="91440" tIns="45720" rIns="91440" bIns="45720" rtlCol="0">
-            <a:normAutofit fontScale="70000" lnSpcReduction="20000"/>
+            <a:normAutofit fontScale="85000" lnSpcReduction="20000"/>
           </a:bodyPr>
           <a:lstStyle>
             <a:lvl1pPr marL="228600" indent="-228600" algn="l" defTabSz="914400" rtl="0" eaLnBrk="1" latinLnBrk="0" hangingPunct="1">
@@ -36487,7 +36487,7 @@
                   </a:schemeClr>
                 </a:solidFill>
               </a:rPr>
-              <a:t>Value can be fungible or non-fungible, sub-dividable or not, etc.</a:t>
+              <a:t>Value can be fungible or non-fungible, divisible or not, etc.</a:t>
             </a:r>
           </a:p>
           <a:p>
@@ -37498,18 +37498,15 @@
                   <a:schemeClr val="accent4"/>
                 </a:solidFill>
               </a:rPr>
-              <a:t>n</a:t>
+              <a:t>indivisible</a:t>
             </a:r>
-            <a:r>
-              <a:rPr lang="en-US" sz="1200" b="1" cap="none" spc="0" dirty="0">
-                <a:ln/>
-                <a:solidFill>
-                  <a:schemeClr val="accent4"/>
-                </a:solidFill>
-                <a:effectLst/>
-              </a:rPr>
-              <a:t>on-sub-dividable</a:t>
-            </a:r>
+            <a:endParaRPr lang="en-US" sz="1200" b="1" cap="none" spc="0" dirty="0">
+              <a:ln/>
+              <a:solidFill>
+                <a:schemeClr val="accent4"/>
+              </a:solidFill>
+              <a:effectLst/>
+            </a:endParaRPr>
           </a:p>
         </p:txBody>
       </p:sp>
@@ -41928,21 +41925,6 @@
 </file>
 
 <file path=customXml/item1.xml><?xml version="1.0" encoding="utf-8"?>
-<?mso-contentType ?>
-<FormTemplates xmlns="http://schemas.microsoft.com/sharepoint/v3/contenttype/forms">
-  <Display>DocumentLibraryForm</Display>
-  <Edit>DocumentLibraryForm</Edit>
-  <New>DocumentLibraryForm</New>
-</FormTemplates>
-</file>
-
-<file path=customXml/item2.xml><?xml version="1.0" encoding="utf-8"?>
-<p:properties xmlns:p="http://schemas.microsoft.com/office/2006/metadata/properties" xmlns:xsi="http://www.w3.org/2001/XMLSchema-instance" xmlns:pc="http://schemas.microsoft.com/office/infopath/2007/PartnerControls">
-  <documentManagement/>
-</p:properties>
-</file>
-
-<file path=customXml/item3.xml><?xml version="1.0" encoding="utf-8"?>
 <ct:contentTypeSchema xmlns:ct="http://schemas.microsoft.com/office/2006/metadata/contentType" xmlns:ma="http://schemas.microsoft.com/office/2006/metadata/properties/metaAttributes" ct:_="" ma:_="" ma:contentTypeName="Document" ma:contentTypeID="0x010100E665E02639FAEB40A391DFE60DB8291E" ma:contentTypeVersion="4" ma:contentTypeDescription="Create a new document." ma:contentTypeScope="" ma:versionID="0dc4f3bf63c95f2a7f34ca490d37f8b3">
   <xsd:schema xmlns:xsd="http://www.w3.org/2001/XMLSchema" xmlns:xs="http://www.w3.org/2001/XMLSchema" xmlns:p="http://schemas.microsoft.com/office/2006/metadata/properties" xmlns:ns2="3a7aec52-d260-40f4-abc6-de1effba4eef" targetNamespace="http://schemas.microsoft.com/office/2006/metadata/properties" ma:root="true" ma:fieldsID="11783cbf578709511a4b09efbbfcb1c2" ns2:_="">
     <xsd:import namespace="3a7aec52-d260-40f4-abc6-de1effba4eef"/>
@@ -42088,10 +42070,35 @@
 </ct:contentTypeSchema>
 </file>
 
+<file path=customXml/item2.xml><?xml version="1.0" encoding="utf-8"?>
+<p:properties xmlns:p="http://schemas.microsoft.com/office/2006/metadata/properties" xmlns:xsi="http://www.w3.org/2001/XMLSchema-instance" xmlns:pc="http://schemas.microsoft.com/office/infopath/2007/PartnerControls">
+  <documentManagement/>
+</p:properties>
+</file>
+
+<file path=customXml/item3.xml><?xml version="1.0" encoding="utf-8"?>
+<?mso-contentType ?>
+<FormTemplates xmlns="http://schemas.microsoft.com/sharepoint/v3/contenttype/forms">
+  <Display>DocumentLibraryForm</Display>
+  <Edit>DocumentLibraryForm</Edit>
+  <New>DocumentLibraryForm</New>
+</FormTemplates>
+</file>
+
 <file path=customXml/itemProps1.xml><?xml version="1.0" encoding="utf-8"?>
-<ds:datastoreItem xmlns:ds="http://schemas.openxmlformats.org/officeDocument/2006/customXml" ds:itemID="{9DE9DD4F-4E7E-4E07-97E6-FDF8D4642713}">
+<ds:datastoreItem xmlns:ds="http://schemas.openxmlformats.org/officeDocument/2006/customXml" ds:itemID="{9C5E96DF-95B6-4555-8B32-98E6EB718F53}">
   <ds:schemaRefs>
-    <ds:schemaRef ds:uri="http://schemas.microsoft.com/sharepoint/v3/contenttype/forms"/>
+    <ds:schemaRef ds:uri="3a7aec52-d260-40f4-abc6-de1effba4eef"/>
+    <ds:schemaRef ds:uri="http://purl.org/dc/elements/1.1/"/>
+    <ds:schemaRef ds:uri="http://purl.org/dc/terms/"/>
+    <ds:schemaRef ds:uri="http://schemas.microsoft.com/internal/obd"/>
+    <ds:schemaRef ds:uri="http://schemas.microsoft.com/office/2006/documentManagement/types"/>
+    <ds:schemaRef ds:uri="http://schemas.microsoft.com/office/2006/metadata/contentType"/>
+    <ds:schemaRef ds:uri="http://schemas.microsoft.com/office/2006/metadata/properties"/>
+    <ds:schemaRef ds:uri="http://schemas.microsoft.com/office/2006/metadata/properties/metaAttributes"/>
+    <ds:schemaRef ds:uri="http://schemas.microsoft.com/office/infopath/2007/PartnerControls"/>
+    <ds:schemaRef ds:uri="http://schemas.openxmlformats.org/package/2006/metadata/core-properties"/>
+    <ds:schemaRef ds:uri="http://www.w3.org/2001/XMLSchema"/>
   </ds:schemaRefs>
 </ds:datastoreItem>
 </file>
@@ -42113,19 +42120,9 @@
 </file>
 
 <file path=customXml/itemProps3.xml><?xml version="1.0" encoding="utf-8"?>
-<ds:datastoreItem xmlns:ds="http://schemas.openxmlformats.org/officeDocument/2006/customXml" ds:itemID="{9C5E96DF-95B6-4555-8B32-98E6EB718F53}">
+<ds:datastoreItem xmlns:ds="http://schemas.openxmlformats.org/officeDocument/2006/customXml" ds:itemID="{9DE9DD4F-4E7E-4E07-97E6-FDF8D4642713}">
   <ds:schemaRefs>
-    <ds:schemaRef ds:uri="3a7aec52-d260-40f4-abc6-de1effba4eef"/>
-    <ds:schemaRef ds:uri="http://purl.org/dc/elements/1.1/"/>
-    <ds:schemaRef ds:uri="http://purl.org/dc/terms/"/>
-    <ds:schemaRef ds:uri="http://schemas.microsoft.com/internal/obd"/>
-    <ds:schemaRef ds:uri="http://schemas.microsoft.com/office/2006/documentManagement/types"/>
-    <ds:schemaRef ds:uri="http://schemas.microsoft.com/office/2006/metadata/contentType"/>
-    <ds:schemaRef ds:uri="http://schemas.microsoft.com/office/2006/metadata/properties"/>
-    <ds:schemaRef ds:uri="http://schemas.microsoft.com/office/2006/metadata/properties/metaAttributes"/>
-    <ds:schemaRef ds:uri="http://schemas.microsoft.com/office/infopath/2007/PartnerControls"/>
-    <ds:schemaRef ds:uri="http://schemas.openxmlformats.org/package/2006/metadata/core-properties"/>
-    <ds:schemaRef ds:uri="http://www.w3.org/2001/XMLSchema"/>
+    <ds:schemaRef ds:uri="http://schemas.microsoft.com/sharepoint/v3/contenttype/forms"/>
   </ds:schemaRefs>
 </ds:datastoreItem>
 </file>